--- a/Lectures/4 - Conditions for a Simple Linear Model.pptx
+++ b/Lectures/4 - Conditions for a Simple Linear Model.pptx
@@ -5,28 +5,20 @@
     <p:sldMasterId id="2147484095" r:id="rId1"/>
   </p:sldMasterIdLst>
   <p:notesMasterIdLst>
-    <p:notesMasterId r:id="rId18"/>
+    <p:notesMasterId r:id="rId10"/>
   </p:notesMasterIdLst>
   <p:handoutMasterIdLst>
-    <p:handoutMasterId r:id="rId19"/>
+    <p:handoutMasterId r:id="rId11"/>
   </p:handoutMasterIdLst>
   <p:sldIdLst>
     <p:sldId id="256" r:id="rId2"/>
     <p:sldId id="269" r:id="rId3"/>
-    <p:sldId id="355" r:id="rId4"/>
-    <p:sldId id="346" r:id="rId5"/>
-    <p:sldId id="359" r:id="rId6"/>
-    <p:sldId id="360" r:id="rId7"/>
-    <p:sldId id="361" r:id="rId8"/>
-    <p:sldId id="362" r:id="rId9"/>
-    <p:sldId id="347" r:id="rId10"/>
-    <p:sldId id="363" r:id="rId11"/>
-    <p:sldId id="364" r:id="rId12"/>
-    <p:sldId id="365" r:id="rId13"/>
-    <p:sldId id="366" r:id="rId14"/>
-    <p:sldId id="367" r:id="rId15"/>
-    <p:sldId id="368" r:id="rId16"/>
-    <p:sldId id="358" r:id="rId17"/>
+    <p:sldId id="373" r:id="rId4"/>
+    <p:sldId id="374" r:id="rId5"/>
+    <p:sldId id="376" r:id="rId6"/>
+    <p:sldId id="375" r:id="rId7"/>
+    <p:sldId id="377" r:id="rId8"/>
+    <p:sldId id="358" r:id="rId9"/>
   </p:sldIdLst>
   <p:sldSz cx="12192000" cy="6858000"/>
   <p:notesSz cx="7315200" cy="9601200"/>
@@ -918,7 +910,7 @@
               <a:pPr>
                 <a:defRPr/>
               </a:pPr>
-              <a:t>16</a:t>
+              <a:t>8</a:t>
             </a:fld>
             <a:endParaRPr lang="en-US"/>
           </a:p>
@@ -4897,7 +4889,7 @@
 </p:sld>
 </file>
 
-<file path=ppt/slides/slide10.xml><?xml version="1.0" encoding="utf-8"?>
+<file path=ppt/slides/slide2.xml><?xml version="1.0" encoding="utf-8"?>
 <p:sld xmlns:a="http://schemas.openxmlformats.org/drawingml/2006/main" xmlns:r="http://schemas.openxmlformats.org/officeDocument/2006/relationships" xmlns:p="http://schemas.openxmlformats.org/presentationml/2006/main">
   <p:cSld>
     <p:spTree>
@@ -5056,13 +5048,21 @@
           <a:p>
             <a:pPr algn="ctr"/>
             <a:r>
-              <a:rPr lang="en-US" sz="4800" dirty="0">
+              <a:rPr lang="en-US" sz="4800" b="1" dirty="0">
                 <a:solidFill>
                   <a:srgbClr val="2D3A37"/>
                 </a:solidFill>
+                <a:effectLst/>
+                <a:latin typeface="Adobe Devanagari" panose="02040503050201020203" pitchFamily="18" charset="0"/>
+                <a:cs typeface="Adobe Devanagari" panose="02040503050201020203" pitchFamily="18" charset="0"/>
               </a:rPr>
-              <a:t>Example: LEGO</a:t>
-            </a:r>
+              <a:t>Simple Linear Regression Model</a:t>
+            </a:r>
+            <a:endParaRPr lang="en-US" sz="4800" dirty="0">
+              <a:solidFill>
+                <a:srgbClr val="2D3A37"/>
+              </a:solidFill>
+            </a:endParaRPr>
           </a:p>
         </p:txBody>
       </p:sp>
@@ -5080,8 +5080,8 @@
         </p:nvSpPr>
         <p:spPr>
           <a:xfrm>
-            <a:off x="495300" y="1977074"/>
-            <a:ext cx="11201400" cy="5346144"/>
+            <a:off x="495300" y="1974467"/>
+            <a:ext cx="11201400" cy="3915966"/>
           </a:xfrm>
           <a:prstGeom prst="roundRect">
             <a:avLst/>
@@ -5115,7 +5115,7 @@
           </a:bodyPr>
           <a:lstStyle/>
           <a:p>
-            <a:pPr marL="685800" indent="-685800">
+            <a:pPr marL="457200" indent="-457200">
               <a:buFont typeface="Arial" panose="020B0604020202020204" pitchFamily="34" charset="0"/>
               <a:buChar char="•"/>
             </a:pPr>
@@ -5125,30 +5125,25 @@
                   <a:srgbClr val="660066"/>
                 </a:solidFill>
               </a:rPr>
-              <a:t>Follow-up Question: </a:t>
-            </a:r>
-            <a:r>
-              <a:rPr lang="en-US" sz="2800" i="1" dirty="0">
-                <a:solidFill>
-                  <a:srgbClr val="660066"/>
-                </a:solidFill>
-              </a:rPr>
-              <a:t>Is there a relationship between the theme and the price on Amazon?</a:t>
-            </a:r>
-          </a:p>
-          <a:p>
-            <a:pPr marL="685800" indent="-685800">
-              <a:buFont typeface="Arial" panose="020B0604020202020204" pitchFamily="34" charset="0"/>
-              <a:buChar char="•"/>
-            </a:pPr>
-            <a:endParaRPr lang="en-US" sz="2800" i="1" dirty="0">
+              <a:t>Model:</a:t>
+            </a:r>
+          </a:p>
+          <a:p>
+            <a:endParaRPr lang="en-US" sz="2800" dirty="0">
               <a:solidFill>
                 <a:srgbClr val="660066"/>
               </a:solidFill>
             </a:endParaRPr>
           </a:p>
           <a:p>
-            <a:pPr marL="685800" indent="-685800">
+            <a:endParaRPr lang="en-US" sz="2800" dirty="0">
+              <a:solidFill>
+                <a:srgbClr val="660066"/>
+              </a:solidFill>
+            </a:endParaRPr>
+          </a:p>
+          <a:p>
+            <a:pPr marL="457200" indent="-457200">
               <a:buFont typeface="Arial" panose="020B0604020202020204" pitchFamily="34" charset="0"/>
               <a:buChar char="•"/>
             </a:pPr>
@@ -5158,57 +5153,11 @@
                   <a:srgbClr val="660066"/>
                 </a:solidFill>
               </a:rPr>
-              <a:t>Alternative: </a:t>
-            </a:r>
-            <a:r>
-              <a:rPr lang="en-US" sz="2800" i="1" dirty="0">
-                <a:solidFill>
-                  <a:srgbClr val="660066"/>
-                </a:solidFill>
-              </a:rPr>
-              <a:t>What effect does the theme of the LEGO set have on the Amazon price?</a:t>
-            </a:r>
-          </a:p>
-          <a:p>
-            <a:pPr marL="685800" indent="-685800">
-              <a:buFont typeface="Arial" panose="020B0604020202020204" pitchFamily="34" charset="0"/>
-              <a:buChar char="•"/>
-            </a:pPr>
-            <a:endParaRPr lang="en-US" sz="2800" i="1" dirty="0">
-              <a:solidFill>
-                <a:srgbClr val="660066"/>
-              </a:solidFill>
-            </a:endParaRPr>
-          </a:p>
-          <a:p>
-            <a:pPr marL="685800" indent="-685800">
-              <a:buFont typeface="Arial" panose="020B0604020202020204" pitchFamily="34" charset="0"/>
-              <a:buChar char="•"/>
-            </a:pPr>
-            <a:r>
-              <a:rPr lang="en-US" sz="2800" dirty="0">
-                <a:solidFill>
-                  <a:srgbClr val="660066"/>
-                </a:solidFill>
-              </a:rPr>
-              <a:t>Strategy for Analysis: </a:t>
-            </a:r>
-            <a:r>
-              <a:rPr lang="en-US" sz="2800" i="1" dirty="0">
-                <a:solidFill>
-                  <a:srgbClr val="660066"/>
-                </a:solidFill>
-              </a:rPr>
-              <a:t>Calculate the average price of different themes on Amazon and compare them. Look for statistically significant differences.</a:t>
-            </a:r>
-            <a:endParaRPr lang="en-US" sz="2800" dirty="0">
-              <a:solidFill>
-                <a:srgbClr val="660066"/>
-              </a:solidFill>
-            </a:endParaRPr>
-          </a:p>
-          <a:p>
-            <a:pPr marL="685800" indent="-685800">
+              <a:t>Will Not Fit Perfectly, But is It Reasonable</a:t>
+            </a:r>
+          </a:p>
+          <a:p>
+            <a:pPr marL="457200" indent="-457200">
               <a:buFont typeface="Arial" panose="020B0604020202020204" pitchFamily="34" charset="0"/>
               <a:buChar char="•"/>
             </a:pPr>
@@ -5219,24 +5168,251 @@
             </a:endParaRPr>
           </a:p>
           <a:p>
-            <a:pPr marL="685800" indent="-685800">
+            <a:pPr marL="457200" indent="-457200">
               <a:buFont typeface="Arial" panose="020B0604020202020204" pitchFamily="34" charset="0"/>
               <a:buChar char="•"/>
             </a:pPr>
+            <a:r>
+              <a:rPr lang="en-US" sz="2800" dirty="0">
+                <a:solidFill>
+                  <a:srgbClr val="660066"/>
+                </a:solidFill>
+              </a:rPr>
+              <a:t>Goal of Model could be </a:t>
+            </a:r>
+            <a:r>
+              <a:rPr lang="en-US" sz="2800" b="1" dirty="0">
+                <a:solidFill>
+                  <a:srgbClr val="660066"/>
+                </a:solidFill>
+              </a:rPr>
+              <a:t>Description</a:t>
+            </a:r>
+            <a:r>
+              <a:rPr lang="en-US" sz="2800" i="1" dirty="0">
+                <a:solidFill>
+                  <a:srgbClr val="660066"/>
+                </a:solidFill>
+              </a:rPr>
+              <a:t> </a:t>
+            </a:r>
+            <a:r>
+              <a:rPr lang="en-US" sz="2800" dirty="0">
+                <a:solidFill>
+                  <a:srgbClr val="660066"/>
+                </a:solidFill>
+              </a:rPr>
+              <a:t>or </a:t>
+            </a:r>
+            <a:r>
+              <a:rPr lang="en-US" sz="2800" b="1" dirty="0">
+                <a:solidFill>
+                  <a:srgbClr val="660066"/>
+                </a:solidFill>
+              </a:rPr>
+              <a:t>Inference</a:t>
+            </a:r>
             <a:endParaRPr lang="en-US" sz="2800" dirty="0">
               <a:solidFill>
                 <a:srgbClr val="660066"/>
               </a:solidFill>
             </a:endParaRPr>
           </a:p>
-        </p:txBody>
-      </p:sp>
+          <a:p>
+            <a:pPr algn="ctr"/>
+            <a:endParaRPr lang="en-US" sz="2800" dirty="0">
+              <a:solidFill>
+                <a:srgbClr val="660066"/>
+              </a:solidFill>
+            </a:endParaRPr>
+          </a:p>
+          <a:p>
+            <a:pPr algn="ctr"/>
+            <a:endParaRPr lang="en-US" sz="2800" dirty="0">
+              <a:solidFill>
+                <a:srgbClr val="660066"/>
+              </a:solidFill>
+            </a:endParaRPr>
+          </a:p>
+        </p:txBody>
+      </p:sp>
+      <mc:AlternateContent xmlns:mc="http://schemas.openxmlformats.org/markup-compatibility/2006">
+        <mc:Choice xmlns:a14="http://schemas.microsoft.com/office/drawing/2010/main" Requires="a14">
+          <p:sp>
+            <p:nvSpPr>
+              <p:cNvPr id="3" name="TextBox 2">
+                <a:extLst>
+                  <a:ext uri="{FF2B5EF4-FFF2-40B4-BE49-F238E27FC236}">
+                    <a16:creationId xmlns:a16="http://schemas.microsoft.com/office/drawing/2014/main" id="{EC0CBA37-3407-6DD2-9497-B150FB09E389}"/>
+                  </a:ext>
+                </a:extLst>
+              </p:cNvPr>
+              <p:cNvSpPr txBox="1"/>
+              <p:nvPr/>
+            </p:nvSpPr>
+            <p:spPr>
+              <a:xfrm>
+                <a:off x="3810000" y="2362200"/>
+                <a:ext cx="4572000" cy="646331"/>
+              </a:xfrm>
+              <a:prstGeom prst="rect">
+                <a:avLst/>
+              </a:prstGeom>
+              <a:noFill/>
+            </p:spPr>
+            <p:txBody>
+              <a:bodyPr wrap="square" rtlCol="0">
+                <a:spAutoFit/>
+              </a:bodyPr>
+              <a:lstStyle/>
+              <a:p>
+                <a:pPr/>
+                <a14:m>
+                  <m:oMathPara xmlns:m="http://schemas.openxmlformats.org/officeDocument/2006/math">
+                    <m:oMathParaPr>
+                      <m:jc m:val="centerGroup"/>
+                    </m:oMathParaPr>
+                    <m:oMath xmlns:m="http://schemas.openxmlformats.org/officeDocument/2006/math">
+                      <m:r>
+                        <a:rPr lang="en-US" sz="3600" b="0" i="1" smtClean="0">
+                          <a:latin typeface="Cambria Math" panose="02040503050406030204" pitchFamily="18" charset="0"/>
+                        </a:rPr>
+                        <m:t>𝑌</m:t>
+                      </m:r>
+                      <m:r>
+                        <a:rPr lang="en-US" sz="3600" b="0" i="1" smtClean="0">
+                          <a:latin typeface="Cambria Math" panose="02040503050406030204" pitchFamily="18" charset="0"/>
+                        </a:rPr>
+                        <m:t>=</m:t>
+                      </m:r>
+                      <m:sSub>
+                        <m:sSubPr>
+                          <m:ctrlPr>
+                            <a:rPr lang="en-US" sz="3600" b="0" i="1" smtClean="0">
+                              <a:latin typeface="Cambria Math" panose="02040503050406030204" pitchFamily="18" charset="0"/>
+                            </a:rPr>
+                          </m:ctrlPr>
+                        </m:sSubPr>
+                        <m:e>
+                          <m:r>
+                            <a:rPr lang="en-US" sz="3600" b="0" i="1" smtClean="0">
+                              <a:latin typeface="Cambria Math" panose="02040503050406030204" pitchFamily="18" charset="0"/>
+                            </a:rPr>
+                            <m:t>𝛽</m:t>
+                          </m:r>
+                        </m:e>
+                        <m:sub>
+                          <m:r>
+                            <a:rPr lang="en-US" sz="3600" b="0" i="1" smtClean="0">
+                              <a:latin typeface="Cambria Math" panose="02040503050406030204" pitchFamily="18" charset="0"/>
+                            </a:rPr>
+                            <m:t>0</m:t>
+                          </m:r>
+                        </m:sub>
+                      </m:sSub>
+                      <m:r>
+                        <a:rPr lang="en-US" sz="3600" b="0" i="1" smtClean="0">
+                          <a:latin typeface="Cambria Math" panose="02040503050406030204" pitchFamily="18" charset="0"/>
+                        </a:rPr>
+                        <m:t>+</m:t>
+                      </m:r>
+                      <m:sSub>
+                        <m:sSubPr>
+                          <m:ctrlPr>
+                            <a:rPr lang="en-US" sz="3600" b="0" i="1" smtClean="0">
+                              <a:latin typeface="Cambria Math" panose="02040503050406030204" pitchFamily="18" charset="0"/>
+                            </a:rPr>
+                          </m:ctrlPr>
+                        </m:sSubPr>
+                        <m:e>
+                          <m:r>
+                            <a:rPr lang="en-US" sz="3600" b="0" i="1" smtClean="0">
+                              <a:latin typeface="Cambria Math" panose="02040503050406030204" pitchFamily="18" charset="0"/>
+                            </a:rPr>
+                            <m:t>𝛽</m:t>
+                          </m:r>
+                        </m:e>
+                        <m:sub>
+                          <m:r>
+                            <a:rPr lang="en-US" sz="3600" b="0" i="1" smtClean="0">
+                              <a:latin typeface="Cambria Math" panose="02040503050406030204" pitchFamily="18" charset="0"/>
+                            </a:rPr>
+                            <m:t>1</m:t>
+                          </m:r>
+                        </m:sub>
+                      </m:sSub>
+                      <m:r>
+                        <a:rPr lang="en-US" sz="3600" b="0" i="1" smtClean="0">
+                          <a:latin typeface="Cambria Math" panose="02040503050406030204" pitchFamily="18" charset="0"/>
+                        </a:rPr>
+                        <m:t>𝑋</m:t>
+                      </m:r>
+                      <m:r>
+                        <a:rPr lang="en-US" sz="3600" b="0" i="1" smtClean="0">
+                          <a:latin typeface="Cambria Math" panose="02040503050406030204" pitchFamily="18" charset="0"/>
+                        </a:rPr>
+                        <m:t>+</m:t>
+                      </m:r>
+                      <m:r>
+                        <a:rPr lang="en-US" sz="3600" b="0" i="1" smtClean="0">
+                          <a:latin typeface="Cambria Math" panose="02040503050406030204" pitchFamily="18" charset="0"/>
+                        </a:rPr>
+                        <m:t>𝜖</m:t>
+                      </m:r>
+                    </m:oMath>
+                  </m:oMathPara>
+                </a14:m>
+                <a:endParaRPr lang="en-US" sz="3600" b="0" dirty="0"/>
+              </a:p>
+            </p:txBody>
+          </p:sp>
+        </mc:Choice>
+        <mc:Fallback>
+          <p:sp>
+            <p:nvSpPr>
+              <p:cNvPr id="3" name="TextBox 2">
+                <a:extLst>
+                  <a:ext uri="{FF2B5EF4-FFF2-40B4-BE49-F238E27FC236}">
+                    <a16:creationId xmlns:a16="http://schemas.microsoft.com/office/drawing/2014/main" id="{EC0CBA37-3407-6DD2-9497-B150FB09E389}"/>
+                  </a:ext>
+                </a:extLst>
+              </p:cNvPr>
+              <p:cNvSpPr txBox="1">
+                <a:spLocks noRot="1" noChangeAspect="1" noMove="1" noResize="1" noEditPoints="1" noAdjustHandles="1" noChangeArrowheads="1" noChangeShapeType="1" noTextEdit="1"/>
+              </p:cNvSpPr>
+              <p:nvPr/>
+            </p:nvSpPr>
+            <p:spPr>
+              <a:xfrm>
+                <a:off x="3810000" y="2362200"/>
+                <a:ext cx="4572000" cy="646331"/>
+              </a:xfrm>
+              <a:prstGeom prst="rect">
+                <a:avLst/>
+              </a:prstGeom>
+              <a:blipFill>
+                <a:blip r:embed="rId3"/>
+                <a:stretch>
+                  <a:fillRect/>
+                </a:stretch>
+              </a:blipFill>
+            </p:spPr>
+            <p:txBody>
+              <a:bodyPr/>
+              <a:lstStyle/>
+              <a:p>
+                <a:r>
+                  <a:rPr lang="en-US">
+                    <a:noFill/>
+                  </a:rPr>
+                  <a:t> </a:t>
+                </a:r>
+              </a:p>
+            </p:txBody>
+          </p:sp>
+        </mc:Fallback>
+      </mc:AlternateContent>
     </p:spTree>
-    <p:extLst>
-      <p:ext uri="{BB962C8B-B14F-4D97-AF65-F5344CB8AC3E}">
-        <p14:creationId xmlns:p14="http://schemas.microsoft.com/office/powerpoint/2010/main" val="1588984608"/>
-      </p:ext>
-    </p:extLst>
   </p:cSld>
   <p:clrMapOvr>
     <a:masterClrMapping/>
@@ -5244,7 +5420,7 @@
 </p:sld>
 </file>
 
-<file path=ppt/slides/slide11.xml><?xml version="1.0" encoding="utf-8"?>
+<file path=ppt/slides/slide3.xml><?xml version="1.0" encoding="utf-8"?>
 <p:sld xmlns:a="http://schemas.openxmlformats.org/drawingml/2006/main" xmlns:r="http://schemas.openxmlformats.org/officeDocument/2006/relationships" xmlns:p="http://schemas.openxmlformats.org/presentationml/2006/main">
   <p:cSld>
     <p:spTree>
@@ -5403,13 +5579,20 @@
           <a:p>
             <a:pPr algn="ctr"/>
             <a:r>
-              <a:rPr lang="en-US" sz="4800" dirty="0">
+              <a:rPr lang="en-US" sz="4800" b="1" dirty="0">
                 <a:solidFill>
                   <a:srgbClr val="2D3A37"/>
                 </a:solidFill>
+                <a:latin typeface="Adobe Devanagari" panose="02040503050201020203" pitchFamily="18" charset="0"/>
+                <a:cs typeface="Adobe Devanagari" panose="02040503050201020203" pitchFamily="18" charset="0"/>
               </a:rPr>
-              <a:t>Supplement for Lecture 2</a:t>
-            </a:r>
+              <a:t>Condition About Model Form</a:t>
+            </a:r>
+            <a:endParaRPr lang="en-US" sz="4800" dirty="0">
+              <a:solidFill>
+                <a:srgbClr val="2D3A37"/>
+              </a:solidFill>
+            </a:endParaRPr>
           </a:p>
         </p:txBody>
       </p:sp>
@@ -5462,7 +5645,40 @@
           </a:bodyPr>
           <a:lstStyle/>
           <a:p>
-            <a:pPr marL="685800" indent="-685800">
+            <a:pPr marL="457200" indent="-457200">
+              <a:buFont typeface="Arial" panose="020B0604020202020204" pitchFamily="34" charset="0"/>
+              <a:buChar char="•"/>
+            </a:pPr>
+            <a:r>
+              <a:rPr lang="en-US" sz="2800" b="1" dirty="0">
+                <a:solidFill>
+                  <a:srgbClr val="660066"/>
+                </a:solidFill>
+              </a:rPr>
+              <a:t>Linearity: </a:t>
+            </a:r>
+            <a:r>
+              <a:rPr lang="en-US" sz="2800" i="1" dirty="0">
+                <a:solidFill>
+                  <a:srgbClr val="660066"/>
+                </a:solidFill>
+              </a:rPr>
+              <a:t>Assume that Y varies as a linear function of X</a:t>
+            </a:r>
+          </a:p>
+          <a:p>
+            <a:pPr marL="457200" indent="-457200">
+              <a:buFont typeface="Arial" panose="020B0604020202020204" pitchFamily="34" charset="0"/>
+              <a:buChar char="•"/>
+            </a:pPr>
+            <a:endParaRPr lang="en-US" sz="2800" b="1" i="1" dirty="0">
+              <a:solidFill>
+                <a:srgbClr val="660066"/>
+              </a:solidFill>
+            </a:endParaRPr>
+          </a:p>
+          <a:p>
+            <a:pPr marL="457200" indent="-457200">
               <a:buFont typeface="Arial" panose="020B0604020202020204" pitchFamily="34" charset="0"/>
               <a:buChar char="•"/>
             </a:pPr>
@@ -5472,319 +5688,166 @@
                   <a:srgbClr val="660066"/>
                 </a:solidFill>
               </a:rPr>
-              <a:t>Mosaic package in R</a:t>
-            </a:r>
-          </a:p>
-          <a:p>
-            <a:pPr marL="1143000" lvl="1" indent="-685800">
-              <a:buFont typeface="Arial" panose="020B0604020202020204" pitchFamily="34" charset="0"/>
-              <a:buChar char="•"/>
-            </a:pPr>
-            <a:r>
-              <a:rPr lang="en-US" sz="2800" dirty="0">
+              <a:t>Advice: </a:t>
+            </a:r>
+            <a:r>
+              <a:rPr lang="en-US" sz="2800" i="1" dirty="0">
                 <a:solidFill>
                   <a:srgbClr val="660066"/>
                 </a:solidFill>
               </a:rPr>
-              <a:t>Use of “formulas” in R to express models</a:t>
-            </a:r>
-          </a:p>
-          <a:p>
-            <a:pPr marL="1143000" lvl="1" indent="-685800">
+              <a:t>Always supplement your simple linear regressions with a scatterplot showing your audience the line fitted to the raw data</a:t>
+            </a:r>
+          </a:p>
+          <a:p>
+            <a:pPr marL="457200" indent="-457200">
               <a:buFont typeface="Arial" panose="020B0604020202020204" pitchFamily="34" charset="0"/>
               <a:buChar char="•"/>
             </a:pPr>
-            <a:endParaRPr lang="en-US" sz="2800" dirty="0">
+            <a:endParaRPr lang="en-US" sz="2800" i="1" dirty="0">
               <a:solidFill>
                 <a:srgbClr val="660066"/>
               </a:solidFill>
             </a:endParaRPr>
           </a:p>
           <a:p>
-            <a:pPr marL="1143000" lvl="1" indent="-685800">
+            <a:pPr marL="457200" indent="-457200">
               <a:buFont typeface="Arial" panose="020B0604020202020204" pitchFamily="34" charset="0"/>
               <a:buChar char="•"/>
             </a:pPr>
-            <a:endParaRPr lang="en-US" sz="2800" dirty="0">
+            <a:endParaRPr lang="en-US" sz="2800" i="1" dirty="0">
               <a:solidFill>
                 <a:srgbClr val="660066"/>
               </a:solidFill>
             </a:endParaRPr>
           </a:p>
           <a:p>
-            <a:pPr marL="1143000" lvl="1" indent="-685800">
+            <a:pPr marL="457200" indent="-457200">
               <a:buFont typeface="Arial" panose="020B0604020202020204" pitchFamily="34" charset="0"/>
               <a:buChar char="•"/>
             </a:pPr>
-            <a:r>
-              <a:rPr lang="en-US" sz="2800" dirty="0">
-                <a:solidFill>
-                  <a:srgbClr val="660066"/>
-                </a:solidFill>
-              </a:rPr>
-              <a:t>Use of </a:t>
-            </a:r>
-            <a:r>
-              <a:rPr lang="en-US" sz="2800" b="1" dirty="0">
-                <a:solidFill>
-                  <a:srgbClr val="660066"/>
-                </a:solidFill>
-              </a:rPr>
-              <a:t>data=_______ argument</a:t>
-            </a:r>
-            <a:r>
-              <a:rPr lang="en-US" sz="2800" dirty="0">
-                <a:solidFill>
-                  <a:srgbClr val="660066"/>
-                </a:solidFill>
-              </a:rPr>
-              <a:t> to specify dataset and eliminate the need to call variables using </a:t>
-            </a:r>
-            <a:r>
-              <a:rPr lang="en-US" sz="2800" b="1" dirty="0" err="1">
-                <a:solidFill>
-                  <a:srgbClr val="660066"/>
-                </a:solidFill>
-              </a:rPr>
-              <a:t>data$variable</a:t>
-            </a:r>
-            <a:endParaRPr lang="en-US" sz="2800" b="1" dirty="0">
+            <a:endParaRPr lang="en-US" sz="2800" i="1" dirty="0">
               <a:solidFill>
                 <a:srgbClr val="660066"/>
               </a:solidFill>
             </a:endParaRPr>
           </a:p>
           <a:p>
-            <a:pPr marL="1143000" lvl="1" indent="-685800">
+            <a:pPr marL="457200" indent="-457200">
               <a:buFont typeface="Arial" panose="020B0604020202020204" pitchFamily="34" charset="0"/>
               <a:buChar char="•"/>
             </a:pPr>
-            <a:endParaRPr lang="en-US" sz="2800" b="1" dirty="0">
+            <a:endParaRPr lang="en-US" sz="2800" i="1" dirty="0">
               <a:solidFill>
                 <a:srgbClr val="660066"/>
               </a:solidFill>
             </a:endParaRPr>
           </a:p>
           <a:p>
-            <a:pPr marL="1143000" lvl="1" indent="-685800">
-              <a:buFont typeface="Arial" panose="020B0604020202020204" pitchFamily="34" charset="0"/>
-              <a:buChar char="•"/>
-            </a:pPr>
-            <a:r>
-              <a:rPr lang="en-US" sz="2800" dirty="0">
-                <a:solidFill>
-                  <a:srgbClr val="660066"/>
-                </a:solidFill>
-              </a:rPr>
-              <a:t>Has “modified” versions of classic functions that allow us to look at the effect a categorical variable has on a numeric variable</a:t>
-            </a:r>
-          </a:p>
-          <a:p>
-            <a:pPr marL="685800" indent="-685800">
-              <a:buFont typeface="Arial" panose="020B0604020202020204" pitchFamily="34" charset="0"/>
-              <a:buChar char="•"/>
-            </a:pPr>
-            <a:endParaRPr lang="en-US" sz="2800" dirty="0">
+            <a:endParaRPr lang="en-US" sz="2800" i="1" dirty="0">
               <a:solidFill>
                 <a:srgbClr val="660066"/>
               </a:solidFill>
             </a:endParaRPr>
           </a:p>
-        </p:txBody>
-      </p:sp>
-      <mc:AlternateContent xmlns:mc="http://schemas.openxmlformats.org/markup-compatibility/2006" xmlns:a14="http://schemas.microsoft.com/office/drawing/2010/main">
-        <mc:Choice Requires="a14">
-          <p:sp>
-            <p:nvSpPr>
-              <p:cNvPr id="3" name="TextBox 2">
-                <a:extLst>
-                  <a:ext uri="{FF2B5EF4-FFF2-40B4-BE49-F238E27FC236}">
-                    <a16:creationId xmlns:a16="http://schemas.microsoft.com/office/drawing/2014/main" id="{7C3B8DE4-8CEB-6C20-13BF-0F57065ACE24}"/>
-                  </a:ext>
-                </a:extLst>
-              </p:cNvPr>
-              <p:cNvSpPr txBox="1"/>
-              <p:nvPr/>
-            </p:nvSpPr>
-            <p:spPr>
-              <a:xfrm>
-                <a:off x="1066800" y="3084450"/>
-                <a:ext cx="9296400" cy="689099"/>
-              </a:xfrm>
-              <a:prstGeom prst="rect">
-                <a:avLst/>
-              </a:prstGeom>
-              <a:noFill/>
-            </p:spPr>
-            <p:txBody>
-              <a:bodyPr wrap="square" rtlCol="0">
-                <a:spAutoFit/>
-              </a:bodyPr>
-              <a:lstStyle/>
-              <a:p>
-                <a:pPr/>
-                <a14:m>
-                  <m:oMathPara xmlns:m="http://schemas.openxmlformats.org/officeDocument/2006/math">
-                    <m:oMathParaPr>
-                      <m:jc m:val="centerGroup"/>
-                    </m:oMathParaPr>
-                    <m:oMath xmlns:m="http://schemas.openxmlformats.org/officeDocument/2006/math">
-                      <m:r>
-                        <a:rPr lang="en-US" sz="3600" b="0" i="1" smtClean="0">
-                          <a:latin typeface="Cambria Math" panose="02040503050406030204" pitchFamily="18" charset="0"/>
-                        </a:rPr>
-                        <m:t>𝑦</m:t>
-                      </m:r>
-                      <m:r>
-                        <a:rPr lang="en-US" sz="3600" b="0" i="1" smtClean="0">
-                          <a:latin typeface="Cambria Math" panose="02040503050406030204" pitchFamily="18" charset="0"/>
-                        </a:rPr>
-                        <m:t>~</m:t>
-                      </m:r>
-                      <m:sSub>
-                        <m:sSubPr>
-                          <m:ctrlPr>
-                            <a:rPr lang="en-US" sz="3600" b="0" i="1" smtClean="0">
-                              <a:latin typeface="Cambria Math" panose="02040503050406030204" pitchFamily="18" charset="0"/>
-                            </a:rPr>
-                          </m:ctrlPr>
-                        </m:sSubPr>
-                        <m:e>
-                          <m:r>
-                            <a:rPr lang="en-US" sz="3600" b="0" i="1" smtClean="0">
-                              <a:latin typeface="Cambria Math" panose="02040503050406030204" pitchFamily="18" charset="0"/>
-                            </a:rPr>
-                            <m:t>𝑥</m:t>
-                          </m:r>
-                        </m:e>
-                        <m:sub>
-                          <m:r>
-                            <a:rPr lang="en-US" sz="3600" b="0" i="1" smtClean="0">
-                              <a:latin typeface="Cambria Math" panose="02040503050406030204" pitchFamily="18" charset="0"/>
-                            </a:rPr>
-                            <m:t>1</m:t>
-                          </m:r>
-                        </m:sub>
-                      </m:sSub>
-                      <m:r>
-                        <a:rPr lang="en-US" sz="3600" b="0" i="1" smtClean="0">
-                          <a:latin typeface="Cambria Math" panose="02040503050406030204" pitchFamily="18" charset="0"/>
-                        </a:rPr>
-                        <m:t>+</m:t>
-                      </m:r>
-                      <m:sSub>
-                        <m:sSubPr>
-                          <m:ctrlPr>
-                            <a:rPr lang="en-US" sz="3600" b="0" i="1" smtClean="0">
-                              <a:latin typeface="Cambria Math" panose="02040503050406030204" pitchFamily="18" charset="0"/>
-                            </a:rPr>
-                          </m:ctrlPr>
-                        </m:sSubPr>
-                        <m:e>
-                          <m:r>
-                            <a:rPr lang="en-US" sz="3600" b="0" i="1" smtClean="0">
-                              <a:latin typeface="Cambria Math" panose="02040503050406030204" pitchFamily="18" charset="0"/>
-                            </a:rPr>
-                            <m:t>𝑥</m:t>
-                          </m:r>
-                        </m:e>
-                        <m:sub>
-                          <m:r>
-                            <a:rPr lang="en-US" sz="3600" b="0" i="1" smtClean="0">
-                              <a:latin typeface="Cambria Math" panose="02040503050406030204" pitchFamily="18" charset="0"/>
-                            </a:rPr>
-                            <m:t>2</m:t>
-                          </m:r>
-                        </m:sub>
-                      </m:sSub>
-                      <m:r>
-                        <a:rPr lang="en-US" sz="3600" b="0" i="1" smtClean="0">
-                          <a:latin typeface="Cambria Math" panose="02040503050406030204" pitchFamily="18" charset="0"/>
-                        </a:rPr>
-                        <m:t>+⋯+</m:t>
-                      </m:r>
-                      <m:sSub>
-                        <m:sSubPr>
-                          <m:ctrlPr>
-                            <a:rPr lang="en-US" sz="3600" b="0" i="1" smtClean="0">
-                              <a:latin typeface="Cambria Math" panose="02040503050406030204" pitchFamily="18" charset="0"/>
-                            </a:rPr>
-                          </m:ctrlPr>
-                        </m:sSubPr>
-                        <m:e>
-                          <m:r>
-                            <a:rPr lang="en-US" sz="3600" b="0" i="1" smtClean="0">
-                              <a:latin typeface="Cambria Math" panose="02040503050406030204" pitchFamily="18" charset="0"/>
-                            </a:rPr>
-                            <m:t>𝑥</m:t>
-                          </m:r>
-                        </m:e>
-                        <m:sub>
-                          <m:r>
-                            <a:rPr lang="en-US" sz="3600" b="0" i="1" smtClean="0">
-                              <a:latin typeface="Cambria Math" panose="02040503050406030204" pitchFamily="18" charset="0"/>
-                            </a:rPr>
-                            <m:t>𝑝</m:t>
-                          </m:r>
-                        </m:sub>
-                      </m:sSub>
-                    </m:oMath>
-                  </m:oMathPara>
-                </a14:m>
-                <a:endParaRPr lang="en-US" sz="3600" dirty="0"/>
-              </a:p>
-            </p:txBody>
-          </p:sp>
-        </mc:Choice>
-        <mc:Fallback xmlns="">
-          <p:sp>
-            <p:nvSpPr>
-              <p:cNvPr id="3" name="TextBox 2">
-                <a:extLst>
-                  <a:ext uri="{FF2B5EF4-FFF2-40B4-BE49-F238E27FC236}">
-                    <a16:creationId xmlns:a16="http://schemas.microsoft.com/office/drawing/2014/main" id="{7C3B8DE4-8CEB-6C20-13BF-0F57065ACE24}"/>
-                  </a:ext>
-                </a:extLst>
-              </p:cNvPr>
-              <p:cNvSpPr txBox="1">
-                <a:spLocks noRot="1" noChangeAspect="1" noMove="1" noResize="1" noEditPoints="1" noAdjustHandles="1" noChangeArrowheads="1" noChangeShapeType="1" noTextEdit="1"/>
-              </p:cNvSpPr>
-              <p:nvPr/>
-            </p:nvSpPr>
-            <p:spPr>
-              <a:xfrm>
-                <a:off x="1066800" y="3084450"/>
-                <a:ext cx="9296400" cy="689099"/>
-              </a:xfrm>
-              <a:prstGeom prst="rect">
-                <a:avLst/>
-              </a:prstGeom>
-              <a:blipFill>
-                <a:blip r:embed="rId3"/>
-                <a:stretch>
-                  <a:fillRect/>
-                </a:stretch>
-              </a:blipFill>
-            </p:spPr>
-            <p:txBody>
-              <a:bodyPr/>
-              <a:lstStyle/>
-              <a:p>
-                <a:r>
-                  <a:rPr lang="en-US">
-                    <a:noFill/>
-                  </a:rPr>
-                  <a:t> </a:t>
-                </a:r>
-              </a:p>
-            </p:txBody>
-          </p:sp>
-        </mc:Fallback>
-      </mc:AlternateContent>
+          <a:p>
+            <a:endParaRPr lang="en-US" sz="2800" i="1" dirty="0">
+              <a:solidFill>
+                <a:srgbClr val="660066"/>
+              </a:solidFill>
+            </a:endParaRPr>
+          </a:p>
+        </p:txBody>
+      </p:sp>
+      <p:pic>
+        <p:nvPicPr>
+          <p:cNvPr id="4" name="Picture 3">
+            <a:extLst>
+              <a:ext uri="{FF2B5EF4-FFF2-40B4-BE49-F238E27FC236}">
+                <a16:creationId xmlns:a16="http://schemas.microsoft.com/office/drawing/2014/main" id="{80E06D68-F153-7295-F412-B25AB9CEDB47}"/>
+              </a:ext>
+            </a:extLst>
+          </p:cNvPr>
+          <p:cNvPicPr>
+            <a:picLocks noChangeAspect="1"/>
+          </p:cNvPicPr>
+          <p:nvPr/>
+        </p:nvPicPr>
+        <p:blipFill>
+          <a:blip r:embed="rId3"/>
+          <a:stretch>
+            <a:fillRect/>
+          </a:stretch>
+        </p:blipFill>
+        <p:spPr>
+          <a:xfrm>
+            <a:off x="838200" y="4456312"/>
+            <a:ext cx="6019800" cy="1840448"/>
+          </a:xfrm>
+          <a:prstGeom prst="rect">
+            <a:avLst/>
+          </a:prstGeom>
+          <a:ln w="28575">
+            <a:solidFill>
+              <a:srgbClr val="660066"/>
+            </a:solidFill>
+          </a:ln>
+        </p:spPr>
+        <p:style>
+          <a:lnRef idx="2">
+            <a:schemeClr val="dk1"/>
+          </a:lnRef>
+          <a:fillRef idx="1">
+            <a:schemeClr val="lt1"/>
+          </a:fillRef>
+          <a:effectRef idx="0">
+            <a:schemeClr val="dk1"/>
+          </a:effectRef>
+          <a:fontRef idx="minor">
+            <a:schemeClr val="dk1"/>
+          </a:fontRef>
+        </p:style>
+      </p:pic>
+      <p:pic>
+        <p:nvPicPr>
+          <p:cNvPr id="10" name="Picture 9" descr="A graph with numbers and a line&#10;&#10;Description automatically generated with medium confidence">
+            <a:extLst>
+              <a:ext uri="{FF2B5EF4-FFF2-40B4-BE49-F238E27FC236}">
+                <a16:creationId xmlns:a16="http://schemas.microsoft.com/office/drawing/2014/main" id="{7A9DD25A-63A6-2AEF-7CB3-A68FF965D011}"/>
+              </a:ext>
+            </a:extLst>
+          </p:cNvPr>
+          <p:cNvPicPr>
+            <a:picLocks noChangeAspect="1"/>
+          </p:cNvPicPr>
+          <p:nvPr/>
+        </p:nvPicPr>
+        <p:blipFill>
+          <a:blip r:embed="rId4">
+            <a:extLst>
+              <a:ext uri="{28A0092B-C50C-407E-A947-70E740481C1C}">
+                <a14:useLocalDpi xmlns:a14="http://schemas.microsoft.com/office/drawing/2010/main" val="0"/>
+              </a:ext>
+            </a:extLst>
+          </a:blip>
+          <a:stretch>
+            <a:fillRect/>
+          </a:stretch>
+        </p:blipFill>
+        <p:spPr>
+          <a:xfrm>
+            <a:off x="7353300" y="3886200"/>
+            <a:ext cx="2781300" cy="2880010"/>
+          </a:xfrm>
+          <a:prstGeom prst="rect">
+            <a:avLst/>
+          </a:prstGeom>
+        </p:spPr>
+      </p:pic>
     </p:spTree>
     <p:extLst>
       <p:ext uri="{BB962C8B-B14F-4D97-AF65-F5344CB8AC3E}">
-        <p14:creationId xmlns:p14="http://schemas.microsoft.com/office/powerpoint/2010/main" val="2412762731"/>
+        <p14:creationId xmlns:p14="http://schemas.microsoft.com/office/powerpoint/2010/main" val="1110386458"/>
       </p:ext>
     </p:extLst>
   </p:cSld>
@@ -5794,7 +5857,7 @@
 </p:sld>
 </file>
 
-<file path=ppt/slides/slide12.xml><?xml version="1.0" encoding="utf-8"?>
+<file path=ppt/slides/slide4.xml><?xml version="1.0" encoding="utf-8"?>
 <p:sld xmlns:a="http://schemas.openxmlformats.org/drawingml/2006/main" xmlns:r="http://schemas.openxmlformats.org/officeDocument/2006/relationships" xmlns:p="http://schemas.openxmlformats.org/presentationml/2006/main">
   <p:cSld>
     <p:spTree>
@@ -5953,13 +6016,20 @@
           <a:p>
             <a:pPr algn="ctr"/>
             <a:r>
-              <a:rPr lang="en-US" sz="4800" dirty="0">
+              <a:rPr lang="en-US" sz="4800" b="1" dirty="0">
                 <a:solidFill>
                   <a:srgbClr val="2D3A37"/>
                 </a:solidFill>
+                <a:latin typeface="Adobe Devanagari" panose="02040503050201020203" pitchFamily="18" charset="0"/>
+                <a:cs typeface="Adobe Devanagari" panose="02040503050201020203" pitchFamily="18" charset="0"/>
               </a:rPr>
-              <a:t>Model with a Binary Predictor</a:t>
-            </a:r>
+              <a:t>Conditions About Distribution of Errors</a:t>
+            </a:r>
+            <a:endParaRPr lang="en-US" sz="4800" dirty="0">
+              <a:solidFill>
+                <a:srgbClr val="2D3A37"/>
+              </a:solidFill>
+            </a:endParaRPr>
           </a:p>
         </p:txBody>
       </p:sp>
@@ -5978,7 +6048,7 @@
         <p:spPr>
           <a:xfrm>
             <a:off x="495300" y="1977074"/>
-            <a:ext cx="11201400" cy="4392692"/>
+            <a:ext cx="11201400" cy="2962513"/>
           </a:xfrm>
           <a:prstGeom prst="roundRect">
             <a:avLst/>
@@ -6012,7 +6082,62 @@
           </a:bodyPr>
           <a:lstStyle/>
           <a:p>
-            <a:pPr marL="685800" indent="-685800">
+            <a:pPr marL="457200" indent="-457200">
+              <a:buFont typeface="Arial" panose="020B0604020202020204" pitchFamily="34" charset="0"/>
+              <a:buChar char="•"/>
+            </a:pPr>
+            <a:r>
+              <a:rPr lang="en-US" sz="2800" b="1" dirty="0">
+                <a:solidFill>
+                  <a:srgbClr val="660066"/>
+                </a:solidFill>
+              </a:rPr>
+              <a:t>Zero Mean: </a:t>
+            </a:r>
+            <a:r>
+              <a:rPr lang="en-US" sz="2800" i="1" dirty="0">
+                <a:solidFill>
+                  <a:srgbClr val="660066"/>
+                </a:solidFill>
+              </a:rPr>
+              <a:t>The distribution of errors is centered at 0</a:t>
+            </a:r>
+          </a:p>
+          <a:p>
+            <a:pPr marL="457200" indent="-457200">
+              <a:buFont typeface="Arial" panose="020B0604020202020204" pitchFamily="34" charset="0"/>
+              <a:buChar char="•"/>
+            </a:pPr>
+            <a:endParaRPr lang="en-US" sz="2800" b="1" dirty="0">
+              <a:solidFill>
+                <a:srgbClr val="660066"/>
+              </a:solidFill>
+            </a:endParaRPr>
+          </a:p>
+          <a:p>
+            <a:pPr marL="457200" indent="-457200">
+              <a:buFont typeface="Arial" panose="020B0604020202020204" pitchFamily="34" charset="0"/>
+              <a:buChar char="•"/>
+            </a:pPr>
+            <a:r>
+              <a:rPr lang="en-US" sz="2800" b="1" dirty="0">
+                <a:solidFill>
+                  <a:srgbClr val="660066"/>
+                </a:solidFill>
+              </a:rPr>
+              <a:t>Uniform Spread: </a:t>
+            </a:r>
+            <a:r>
+              <a:rPr lang="en-US" sz="2800" i="1" dirty="0">
+                <a:solidFill>
+                  <a:srgbClr val="660066"/>
+                </a:solidFill>
+              </a:rPr>
+              <a:t>The variance of Y is the same for each X (Homoscedasticity)</a:t>
+            </a:r>
+          </a:p>
+          <a:p>
+            <a:pPr marL="457200" indent="-457200">
               <a:buFont typeface="Arial" panose="020B0604020202020204" pitchFamily="34" charset="0"/>
               <a:buChar char="•"/>
             </a:pPr>
@@ -6023,894 +6148,33 @@
             </a:endParaRPr>
           </a:p>
           <a:p>
-            <a:pPr marL="685800" indent="-685800">
+            <a:pPr marL="457200" indent="-457200">
               <a:buFont typeface="Arial" panose="020B0604020202020204" pitchFamily="34" charset="0"/>
               <a:buChar char="•"/>
             </a:pPr>
-            <a:endParaRPr lang="en-US" sz="2800" dirty="0">
-              <a:solidFill>
-                <a:srgbClr val="660066"/>
-              </a:solidFill>
-            </a:endParaRPr>
-          </a:p>
-          <a:p>
-            <a:r>
-              <a:rPr lang="en-US" sz="2800" dirty="0">
+            <a:r>
+              <a:rPr lang="en-US" sz="2800" b="1" dirty="0">
                 <a:solidFill>
                   <a:srgbClr val="660066"/>
                 </a:solidFill>
               </a:rPr>
-              <a:t>Where</a:t>
-            </a:r>
-          </a:p>
-          <a:p>
-            <a:endParaRPr lang="en-US" sz="2800" dirty="0">
-              <a:solidFill>
-                <a:srgbClr val="660066"/>
-              </a:solidFill>
-            </a:endParaRPr>
-          </a:p>
-          <a:p>
-            <a:endParaRPr lang="en-US" sz="2800" dirty="0">
-              <a:solidFill>
-                <a:srgbClr val="660066"/>
-              </a:solidFill>
-            </a:endParaRPr>
-          </a:p>
-          <a:p>
-            <a:r>
-              <a:rPr lang="en-US" sz="2800" dirty="0">
+              <a:t>Independence: </a:t>
+            </a:r>
+            <a:r>
+              <a:rPr lang="en-US" sz="2800" i="1" dirty="0">
                 <a:solidFill>
                   <a:srgbClr val="660066"/>
                 </a:solidFill>
               </a:rPr>
-              <a:t>and</a:t>
-            </a:r>
-          </a:p>
-          <a:p>
-            <a:endParaRPr lang="en-US" sz="2800" dirty="0">
-              <a:solidFill>
-                <a:srgbClr val="660066"/>
-              </a:solidFill>
-            </a:endParaRPr>
-          </a:p>
-          <a:p>
-            <a:pPr marL="685800" indent="-685800">
-              <a:buFont typeface="Arial" panose="020B0604020202020204" pitchFamily="34" charset="0"/>
-              <a:buChar char="•"/>
-            </a:pPr>
-            <a:endParaRPr lang="en-US" sz="2800" dirty="0">
-              <a:solidFill>
-                <a:srgbClr val="660066"/>
-              </a:solidFill>
-            </a:endParaRPr>
-          </a:p>
-          <a:p>
-            <a:pPr marL="685800" indent="-685800">
-              <a:buFont typeface="Arial" panose="020B0604020202020204" pitchFamily="34" charset="0"/>
-              <a:buChar char="•"/>
-            </a:pPr>
-            <a:endParaRPr lang="en-US" sz="2800" dirty="0">
-              <a:solidFill>
-                <a:srgbClr val="660066"/>
-              </a:solidFill>
-            </a:endParaRPr>
-          </a:p>
-        </p:txBody>
-      </p:sp>
-      <mc:AlternateContent xmlns:mc="http://schemas.openxmlformats.org/markup-compatibility/2006" xmlns:a14="http://schemas.microsoft.com/office/drawing/2010/main">
-        <mc:Choice Requires="a14">
-          <p:sp>
-            <p:nvSpPr>
-              <p:cNvPr id="3" name="TextBox 2">
-                <a:extLst>
-                  <a:ext uri="{FF2B5EF4-FFF2-40B4-BE49-F238E27FC236}">
-                    <a16:creationId xmlns:a16="http://schemas.microsoft.com/office/drawing/2014/main" id="{7C3B8DE4-8CEB-6C20-13BF-0F57065ACE24}"/>
-                  </a:ext>
-                </a:extLst>
-              </p:cNvPr>
-              <p:cNvSpPr txBox="1"/>
-              <p:nvPr/>
-            </p:nvSpPr>
-            <p:spPr>
-              <a:xfrm>
-                <a:off x="1447800" y="2450369"/>
-                <a:ext cx="9296400" cy="646331"/>
-              </a:xfrm>
-              <a:prstGeom prst="rect">
-                <a:avLst/>
-              </a:prstGeom>
-              <a:noFill/>
-            </p:spPr>
-            <p:txBody>
-              <a:bodyPr wrap="square" rtlCol="0">
-                <a:spAutoFit/>
-              </a:bodyPr>
-              <a:lstStyle/>
-              <a:p>
-                <a:pPr/>
-                <a14:m>
-                  <m:oMathPara xmlns:m="http://schemas.openxmlformats.org/officeDocument/2006/math">
-                    <m:oMathParaPr>
-                      <m:jc m:val="centerGroup"/>
-                    </m:oMathParaPr>
-                    <m:oMath xmlns:m="http://schemas.openxmlformats.org/officeDocument/2006/math">
-                      <m:r>
-                        <a:rPr lang="en-US" sz="3600" b="0" i="1" smtClean="0">
-                          <a:latin typeface="Cambria Math" panose="02040503050406030204" pitchFamily="18" charset="0"/>
-                        </a:rPr>
-                        <m:t>𝑌</m:t>
-                      </m:r>
-                      <m:r>
-                        <a:rPr lang="en-US" sz="3600" b="0" i="1" smtClean="0">
-                          <a:latin typeface="Cambria Math" panose="02040503050406030204" pitchFamily="18" charset="0"/>
-                        </a:rPr>
-                        <m:t>=</m:t>
-                      </m:r>
-                      <m:r>
-                        <a:rPr lang="en-US" sz="3600" b="0" i="1" smtClean="0">
-                          <a:latin typeface="Cambria Math" panose="02040503050406030204" pitchFamily="18" charset="0"/>
-                        </a:rPr>
-                        <m:t>𝑓</m:t>
-                      </m:r>
-                      <m:d>
-                        <m:dPr>
-                          <m:ctrlPr>
-                            <a:rPr lang="en-US" sz="3600" b="0" i="1" smtClean="0">
-                              <a:latin typeface="Cambria Math" panose="02040503050406030204" pitchFamily="18" charset="0"/>
-                            </a:rPr>
-                          </m:ctrlPr>
-                        </m:dPr>
-                        <m:e>
-                          <m:r>
-                            <a:rPr lang="en-US" sz="3600" b="0" i="1" smtClean="0">
-                              <a:latin typeface="Cambria Math" panose="02040503050406030204" pitchFamily="18" charset="0"/>
-                            </a:rPr>
-                            <m:t>𝑋</m:t>
-                          </m:r>
-                        </m:e>
-                      </m:d>
-                      <m:r>
-                        <a:rPr lang="en-US" sz="3600" b="0" i="1" smtClean="0">
-                          <a:latin typeface="Cambria Math" panose="02040503050406030204" pitchFamily="18" charset="0"/>
-                        </a:rPr>
-                        <m:t>+</m:t>
-                      </m:r>
-                      <m:r>
-                        <m:rPr>
-                          <m:sty m:val="p"/>
-                        </m:rPr>
-                        <a:rPr lang="en-US" sz="3600" b="0" i="1" smtClean="0">
-                          <a:latin typeface="Cambria Math" panose="02040503050406030204" pitchFamily="18" charset="0"/>
-                        </a:rPr>
-                        <m:t>ϵ</m:t>
-                      </m:r>
-                    </m:oMath>
-                  </m:oMathPara>
-                </a14:m>
-                <a:endParaRPr lang="en-US" sz="3600" b="0" dirty="0"/>
-              </a:p>
-            </p:txBody>
-          </p:sp>
-        </mc:Choice>
-        <mc:Fallback xmlns="">
-          <p:sp>
-            <p:nvSpPr>
-              <p:cNvPr id="3" name="TextBox 2">
-                <a:extLst>
-                  <a:ext uri="{FF2B5EF4-FFF2-40B4-BE49-F238E27FC236}">
-                    <a16:creationId xmlns:a16="http://schemas.microsoft.com/office/drawing/2014/main" id="{7C3B8DE4-8CEB-6C20-13BF-0F57065ACE24}"/>
-                  </a:ext>
-                </a:extLst>
-              </p:cNvPr>
-              <p:cNvSpPr txBox="1">
-                <a:spLocks noRot="1" noChangeAspect="1" noMove="1" noResize="1" noEditPoints="1" noAdjustHandles="1" noChangeArrowheads="1" noChangeShapeType="1" noTextEdit="1"/>
-              </p:cNvSpPr>
-              <p:nvPr/>
-            </p:nvSpPr>
-            <p:spPr>
-              <a:xfrm>
-                <a:off x="1447800" y="2450369"/>
-                <a:ext cx="9296400" cy="646331"/>
-              </a:xfrm>
-              <a:prstGeom prst="rect">
-                <a:avLst/>
-              </a:prstGeom>
-              <a:blipFill>
-                <a:blip r:embed="rId3"/>
-                <a:stretch>
-                  <a:fillRect/>
-                </a:stretch>
-              </a:blipFill>
-            </p:spPr>
-            <p:txBody>
-              <a:bodyPr/>
-              <a:lstStyle/>
-              <a:p>
-                <a:r>
-                  <a:rPr lang="en-US">
-                    <a:noFill/>
-                  </a:rPr>
-                  <a:t> </a:t>
-                </a:r>
-              </a:p>
-            </p:txBody>
-          </p:sp>
-        </mc:Fallback>
-      </mc:AlternateContent>
-      <mc:AlternateContent xmlns:mc="http://schemas.openxmlformats.org/markup-compatibility/2006" xmlns:a14="http://schemas.microsoft.com/office/drawing/2010/main">
-        <mc:Choice Requires="a14">
-          <p:sp>
-            <p:nvSpPr>
-              <p:cNvPr id="4" name="TextBox 3">
-                <a:extLst>
-                  <a:ext uri="{FF2B5EF4-FFF2-40B4-BE49-F238E27FC236}">
-                    <a16:creationId xmlns:a16="http://schemas.microsoft.com/office/drawing/2014/main" id="{9A667A17-A945-7686-DDAF-655BEF4577A4}"/>
-                  </a:ext>
-                </a:extLst>
-              </p:cNvPr>
-              <p:cNvSpPr txBox="1"/>
-              <p:nvPr/>
-            </p:nvSpPr>
-            <p:spPr>
-              <a:xfrm>
-                <a:off x="2652968" y="3346000"/>
-                <a:ext cx="6886063" cy="1121111"/>
-              </a:xfrm>
-              <a:prstGeom prst="rect">
-                <a:avLst/>
-              </a:prstGeom>
-              <a:solidFill>
-                <a:schemeClr val="bg1"/>
-              </a:solidFill>
-            </p:spPr>
-            <p:txBody>
-              <a:bodyPr wrap="square" lIns="0" tIns="0" rIns="0" bIns="0" rtlCol="0">
-                <a:spAutoFit/>
-              </a:bodyPr>
-              <a:lstStyle/>
-              <a:p>
-                <a:pPr/>
-                <a14:m>
-                  <m:oMathPara xmlns:m="http://schemas.openxmlformats.org/officeDocument/2006/math">
-                    <m:oMathParaPr>
-                      <m:jc m:val="centerGroup"/>
-                    </m:oMathParaPr>
-                    <m:oMath xmlns:m="http://schemas.openxmlformats.org/officeDocument/2006/math">
-                      <m:r>
-                        <a:rPr lang="pt-BR" sz="3200" i="1" smtClean="0">
-                          <a:solidFill>
-                            <a:schemeClr val="tx1"/>
-                          </a:solidFill>
-                          <a:latin typeface="Cambria Math" panose="02040503050406030204" pitchFamily="18" charset="0"/>
-                        </a:rPr>
-                        <m:t>𝑓</m:t>
-                      </m:r>
-                      <m:d>
-                        <m:dPr>
-                          <m:ctrlPr>
-                            <a:rPr lang="pt-BR" sz="3200" i="1">
-                              <a:solidFill>
-                                <a:schemeClr val="tx1"/>
-                              </a:solidFill>
-                              <a:latin typeface="Cambria Math" panose="02040503050406030204" pitchFamily="18" charset="0"/>
-                            </a:rPr>
-                          </m:ctrlPr>
-                        </m:dPr>
-                        <m:e>
-                          <m:r>
-                            <a:rPr lang="en-US" sz="3200" b="0" i="1" smtClean="0">
-                              <a:solidFill>
-                                <a:schemeClr val="tx1"/>
-                              </a:solidFill>
-                              <a:latin typeface="Cambria Math" panose="02040503050406030204" pitchFamily="18" charset="0"/>
-                            </a:rPr>
-                            <m:t>𝑋</m:t>
-                          </m:r>
-                        </m:e>
-                      </m:d>
-                      <m:r>
-                        <a:rPr lang="pt-BR" sz="3200" i="1">
-                          <a:solidFill>
-                            <a:schemeClr val="tx1"/>
-                          </a:solidFill>
-                          <a:latin typeface="Cambria Math" panose="02040503050406030204" pitchFamily="18" charset="0"/>
-                        </a:rPr>
-                        <m:t>=</m:t>
-                      </m:r>
-                      <m:r>
-                        <a:rPr lang="en-US" sz="3200" i="1">
-                          <a:solidFill>
-                            <a:schemeClr val="tx1"/>
-                          </a:solidFill>
-                          <a:latin typeface="Cambria Math" panose="02040503050406030204" pitchFamily="18" charset="0"/>
-                        </a:rPr>
-                        <m:t> </m:t>
-                      </m:r>
-                      <m:d>
-                        <m:dPr>
-                          <m:begChr m:val="{"/>
-                          <m:endChr m:val=""/>
-                          <m:ctrlPr>
-                            <a:rPr lang="en-US" sz="3200" i="1">
-                              <a:solidFill>
-                                <a:schemeClr val="tx1"/>
-                              </a:solidFill>
-                              <a:latin typeface="Cambria Math" panose="02040503050406030204" pitchFamily="18" charset="0"/>
-                            </a:rPr>
-                          </m:ctrlPr>
-                        </m:dPr>
-                        <m:e>
-                          <m:m>
-                            <m:mPr>
-                              <m:mcs>
-                                <m:mc>
-                                  <m:mcPr>
-                                    <m:count m:val="1"/>
-                                    <m:mcJc m:val="center"/>
-                                  </m:mcPr>
-                                </m:mc>
-                              </m:mcs>
-                              <m:ctrlPr>
-                                <a:rPr lang="en-US" sz="3200" i="1">
-                                  <a:solidFill>
-                                    <a:schemeClr val="tx1"/>
-                                  </a:solidFill>
-                                  <a:latin typeface="Cambria Math" panose="02040503050406030204" pitchFamily="18" charset="0"/>
-                                </a:rPr>
-                              </m:ctrlPr>
-                            </m:mPr>
-                            <m:mr>
-                              <m:e>
-                                <m:sSub>
-                                  <m:sSubPr>
-                                    <m:ctrlPr>
-                                      <a:rPr lang="en-US" sz="3200" i="1">
-                                        <a:solidFill>
-                                          <a:schemeClr val="tx1"/>
-                                        </a:solidFill>
-                                        <a:latin typeface="Cambria Math" panose="02040503050406030204" pitchFamily="18" charset="0"/>
-                                      </a:rPr>
-                                    </m:ctrlPr>
-                                  </m:sSubPr>
-                                  <m:e>
-                                    <m:r>
-                                      <a:rPr lang="en-US" sz="3200" i="1">
-                                        <a:solidFill>
-                                          <a:schemeClr val="tx1"/>
-                                        </a:solidFill>
-                                        <a:latin typeface="Cambria Math" panose="02040503050406030204" pitchFamily="18" charset="0"/>
-                                        <a:ea typeface="Cambria Math" panose="02040503050406030204" pitchFamily="18" charset="0"/>
-                                      </a:rPr>
-                                      <m:t>𝜇</m:t>
-                                    </m:r>
-                                  </m:e>
-                                  <m:sub>
-                                    <m:r>
-                                      <a:rPr lang="en-US" sz="3200" i="1">
-                                        <a:solidFill>
-                                          <a:schemeClr val="tx1"/>
-                                        </a:solidFill>
-                                        <a:latin typeface="Cambria Math" panose="02040503050406030204" pitchFamily="18" charset="0"/>
-                                      </a:rPr>
-                                      <m:t>1</m:t>
-                                    </m:r>
-                                  </m:sub>
-                                </m:sSub>
-                                <m:r>
-                                  <m:rPr>
-                                    <m:brk m:alnAt="7"/>
-                                  </m:rPr>
-                                  <a:rPr lang="en-US" sz="3200" i="1">
-                                    <a:solidFill>
-                                      <a:schemeClr val="tx1"/>
-                                    </a:solidFill>
-                                    <a:latin typeface="Cambria Math" panose="02040503050406030204" pitchFamily="18" charset="0"/>
-                                  </a:rPr>
-                                  <m:t> </m:t>
-                                </m:r>
-                                <m:r>
-                                  <a:rPr lang="en-US" sz="3200" i="1">
-                                    <a:solidFill>
-                                      <a:schemeClr val="tx1"/>
-                                    </a:solidFill>
-                                    <a:latin typeface="Cambria Math" panose="02040503050406030204" pitchFamily="18" charset="0"/>
-                                  </a:rPr>
-                                  <m:t>  </m:t>
-                                </m:r>
-                                <m:r>
-                                  <m:rPr>
-                                    <m:sty m:val="p"/>
-                                    <m:brk m:alnAt="7"/>
-                                  </m:rPr>
-                                  <a:rPr lang="en-US" sz="3200">
-                                    <a:solidFill>
-                                      <a:schemeClr val="tx1"/>
-                                    </a:solidFill>
-                                    <a:latin typeface="Cambria Math" panose="02040503050406030204" pitchFamily="18" charset="0"/>
-                                  </a:rPr>
-                                  <m:t>i</m:t>
-                                </m:r>
-                                <m:r>
-                                  <m:rPr>
-                                    <m:sty m:val="p"/>
-                                  </m:rPr>
-                                  <a:rPr lang="en-US" sz="3200">
-                                    <a:solidFill>
-                                      <a:schemeClr val="tx1"/>
-                                    </a:solidFill>
-                                    <a:latin typeface="Cambria Math" panose="02040503050406030204" pitchFamily="18" charset="0"/>
-                                  </a:rPr>
-                                  <m:t>f</m:t>
-                                </m:r>
-                                <m:r>
-                                  <a:rPr lang="en-US" sz="3200">
-                                    <a:solidFill>
-                                      <a:schemeClr val="tx1"/>
-                                    </a:solidFill>
-                                    <a:latin typeface="Cambria Math" panose="02040503050406030204" pitchFamily="18" charset="0"/>
-                                  </a:rPr>
-                                  <m:t> </m:t>
-                                </m:r>
-                                <m:r>
-                                  <m:rPr>
-                                    <m:brk m:alnAt="7"/>
-                                  </m:rPr>
-                                  <a:rPr lang="en-US" sz="3200" i="1">
-                                    <a:solidFill>
-                                      <a:schemeClr val="tx1"/>
-                                    </a:solidFill>
-                                    <a:latin typeface="Cambria Math" panose="02040503050406030204" pitchFamily="18" charset="0"/>
-                                  </a:rPr>
-                                  <m:t>𝑋</m:t>
-                                </m:r>
-                                <m:r>
-                                  <m:rPr>
-                                    <m:brk m:alnAt="7"/>
-                                  </m:rPr>
-                                  <a:rPr lang="en-US" sz="3200">
-                                    <a:solidFill>
-                                      <a:schemeClr val="tx1"/>
-                                    </a:solidFill>
-                                    <a:latin typeface="Cambria Math" panose="02040503050406030204" pitchFamily="18" charset="0"/>
-                                  </a:rPr>
-                                  <m:t>=</m:t>
-                                </m:r>
-                                <m:r>
-                                  <m:rPr>
-                                    <m:sty m:val="p"/>
-                                  </m:rPr>
-                                  <a:rPr lang="en-US" sz="3200" b="0" i="0" smtClean="0">
-                                    <a:solidFill>
-                                      <a:schemeClr val="tx1"/>
-                                    </a:solidFill>
-                                    <a:latin typeface="Cambria Math" panose="02040503050406030204" pitchFamily="18" charset="0"/>
-                                  </a:rPr>
-                                  <m:t>Friends</m:t>
-                                </m:r>
-                              </m:e>
-                            </m:mr>
-                            <m:mr>
-                              <m:e>
-                                <m:sSub>
-                                  <m:sSubPr>
-                                    <m:ctrlPr>
-                                      <a:rPr lang="en-US" sz="3200" i="1">
-                                        <a:solidFill>
-                                          <a:schemeClr val="tx1"/>
-                                        </a:solidFill>
-                                        <a:latin typeface="Cambria Math" panose="02040503050406030204" pitchFamily="18" charset="0"/>
-                                      </a:rPr>
-                                    </m:ctrlPr>
-                                  </m:sSubPr>
-                                  <m:e>
-                                    <m:r>
-                                      <a:rPr lang="en-US" sz="3200" i="1">
-                                        <a:solidFill>
-                                          <a:schemeClr val="tx1"/>
-                                        </a:solidFill>
-                                        <a:latin typeface="Cambria Math" panose="02040503050406030204" pitchFamily="18" charset="0"/>
-                                        <a:ea typeface="Cambria Math" panose="02040503050406030204" pitchFamily="18" charset="0"/>
-                                      </a:rPr>
-                                      <m:t>𝜇</m:t>
-                                    </m:r>
-                                  </m:e>
-                                  <m:sub>
-                                    <m:r>
-                                      <a:rPr lang="en-US" sz="3200" i="1">
-                                        <a:solidFill>
-                                          <a:schemeClr val="tx1"/>
-                                        </a:solidFill>
-                                        <a:latin typeface="Cambria Math" panose="02040503050406030204" pitchFamily="18" charset="0"/>
-                                      </a:rPr>
-                                      <m:t>2</m:t>
-                                    </m:r>
-                                  </m:sub>
-                                </m:sSub>
-                                <m:r>
-                                  <a:rPr lang="en-US" sz="3200" i="1">
-                                    <a:solidFill>
-                                      <a:schemeClr val="tx1"/>
-                                    </a:solidFill>
-                                    <a:latin typeface="Cambria Math" panose="02040503050406030204" pitchFamily="18" charset="0"/>
-                                  </a:rPr>
-                                  <m:t>   </m:t>
-                                </m:r>
-                                <m:r>
-                                  <m:rPr>
-                                    <m:sty m:val="p"/>
-                                  </m:rPr>
-                                  <a:rPr lang="en-US" sz="3200">
-                                    <a:solidFill>
-                                      <a:schemeClr val="tx1"/>
-                                    </a:solidFill>
-                                    <a:latin typeface="Cambria Math" panose="02040503050406030204" pitchFamily="18" charset="0"/>
-                                  </a:rPr>
-                                  <m:t>if</m:t>
-                                </m:r>
-                                <m:r>
-                                  <a:rPr lang="en-US" sz="3200">
-                                    <a:solidFill>
-                                      <a:schemeClr val="tx1"/>
-                                    </a:solidFill>
-                                    <a:latin typeface="Cambria Math" panose="02040503050406030204" pitchFamily="18" charset="0"/>
-                                  </a:rPr>
-                                  <m:t> </m:t>
-                                </m:r>
-                                <m:r>
-                                  <a:rPr lang="en-US" sz="3200" i="1">
-                                    <a:solidFill>
-                                      <a:schemeClr val="tx1"/>
-                                    </a:solidFill>
-                                    <a:latin typeface="Cambria Math" panose="02040503050406030204" pitchFamily="18" charset="0"/>
-                                  </a:rPr>
-                                  <m:t>𝑋</m:t>
-                                </m:r>
-                                <m:r>
-                                  <a:rPr lang="en-US" sz="3200">
-                                    <a:solidFill>
-                                      <a:schemeClr val="tx1"/>
-                                    </a:solidFill>
-                                    <a:latin typeface="Cambria Math" panose="02040503050406030204" pitchFamily="18" charset="0"/>
-                                  </a:rPr>
-                                  <m:t>=</m:t>
-                                </m:r>
-                                <m:r>
-                                  <m:rPr>
-                                    <m:sty m:val="p"/>
-                                  </m:rPr>
-                                  <a:rPr lang="en-US" sz="3200" b="0" i="0" smtClean="0">
-                                    <a:solidFill>
-                                      <a:schemeClr val="tx1"/>
-                                    </a:solidFill>
-                                    <a:latin typeface="Cambria Math" panose="02040503050406030204" pitchFamily="18" charset="0"/>
-                                  </a:rPr>
-                                  <m:t>Marvel</m:t>
-                                </m:r>
-                                <m:r>
-                                  <a:rPr lang="en-US" sz="3200" b="0" i="0" smtClean="0">
-                                    <a:solidFill>
-                                      <a:schemeClr val="tx1"/>
-                                    </a:solidFill>
-                                    <a:latin typeface="Cambria Math" panose="02040503050406030204" pitchFamily="18" charset="0"/>
-                                  </a:rPr>
-                                  <m:t> </m:t>
-                                </m:r>
-                              </m:e>
-                            </m:mr>
-                          </m:m>
-                        </m:e>
-                      </m:d>
-                    </m:oMath>
-                  </m:oMathPara>
-                </a14:m>
-                <a:endParaRPr lang="en-US" sz="3200" dirty="0">
-                  <a:solidFill>
-                    <a:schemeClr val="tx1"/>
-                  </a:solidFill>
-                </a:endParaRPr>
-              </a:p>
-            </p:txBody>
-          </p:sp>
-        </mc:Choice>
-        <mc:Fallback xmlns="">
-          <p:sp>
-            <p:nvSpPr>
-              <p:cNvPr id="4" name="TextBox 3">
-                <a:extLst>
-                  <a:ext uri="{FF2B5EF4-FFF2-40B4-BE49-F238E27FC236}">
-                    <a16:creationId xmlns:a16="http://schemas.microsoft.com/office/drawing/2014/main" id="{9A667A17-A945-7686-DDAF-655BEF4577A4}"/>
-                  </a:ext>
-                </a:extLst>
-              </p:cNvPr>
-              <p:cNvSpPr txBox="1">
-                <a:spLocks noRot="1" noChangeAspect="1" noMove="1" noResize="1" noEditPoints="1" noAdjustHandles="1" noChangeArrowheads="1" noChangeShapeType="1" noTextEdit="1"/>
-              </p:cNvSpPr>
-              <p:nvPr/>
-            </p:nvSpPr>
-            <p:spPr>
-              <a:xfrm>
-                <a:off x="2652968" y="3346000"/>
-                <a:ext cx="6886063" cy="1121111"/>
-              </a:xfrm>
-              <a:prstGeom prst="rect">
-                <a:avLst/>
-              </a:prstGeom>
-              <a:blipFill>
-                <a:blip r:embed="rId4"/>
-                <a:stretch>
-                  <a:fillRect/>
-                </a:stretch>
-              </a:blipFill>
-            </p:spPr>
-            <p:txBody>
-              <a:bodyPr/>
-              <a:lstStyle/>
-              <a:p>
-                <a:r>
-                  <a:rPr lang="en-US">
-                    <a:noFill/>
-                  </a:rPr>
-                  <a:t> </a:t>
-                </a:r>
-              </a:p>
-            </p:txBody>
-          </p:sp>
-        </mc:Fallback>
-      </mc:AlternateContent>
-      <mc:AlternateContent xmlns:mc="http://schemas.openxmlformats.org/markup-compatibility/2006" xmlns:a14="http://schemas.microsoft.com/office/drawing/2010/main">
-        <mc:Choice Requires="a14">
-          <p:sp>
-            <p:nvSpPr>
-              <p:cNvPr id="8" name="TextBox 7">
-                <a:extLst>
-                  <a:ext uri="{FF2B5EF4-FFF2-40B4-BE49-F238E27FC236}">
-                    <a16:creationId xmlns:a16="http://schemas.microsoft.com/office/drawing/2014/main" id="{0D6D8EB2-DD94-6CD9-80A7-CE5543CEE82E}"/>
-                  </a:ext>
-                </a:extLst>
-              </p:cNvPr>
-              <p:cNvSpPr txBox="1"/>
-              <p:nvPr/>
-            </p:nvSpPr>
-            <p:spPr>
-              <a:xfrm>
-                <a:off x="1447800" y="4689449"/>
-                <a:ext cx="9296400" cy="1200329"/>
-              </a:xfrm>
-              <a:prstGeom prst="rect">
-                <a:avLst/>
-              </a:prstGeom>
-              <a:noFill/>
-            </p:spPr>
-            <p:txBody>
-              <a:bodyPr wrap="square" rtlCol="0">
-                <a:spAutoFit/>
-              </a:bodyPr>
-              <a:lstStyle/>
-              <a:p>
-                <a:pPr/>
-                <a14:m>
-                  <m:oMathPara xmlns:m="http://schemas.openxmlformats.org/officeDocument/2006/math">
-                    <m:oMathParaPr>
-                      <m:jc m:val="centerGroup"/>
-                    </m:oMathParaPr>
-                    <m:oMath xmlns:m="http://schemas.openxmlformats.org/officeDocument/2006/math">
-                      <m:sSub>
-                        <m:sSubPr>
-                          <m:ctrlPr>
-                            <a:rPr lang="en-US" sz="3600" b="0" i="1" smtClean="0">
-                              <a:latin typeface="Cambria Math" panose="02040503050406030204" pitchFamily="18" charset="0"/>
-                            </a:rPr>
-                          </m:ctrlPr>
-                        </m:sSubPr>
-                        <m:e>
-                          <m:r>
-                            <a:rPr lang="en-US" sz="3600" b="0" i="1" smtClean="0">
-                              <a:latin typeface="Cambria Math" panose="02040503050406030204" pitchFamily="18" charset="0"/>
-                            </a:rPr>
-                            <m:t>𝜇</m:t>
-                          </m:r>
-                        </m:e>
-                        <m:sub>
-                          <m:r>
-                            <a:rPr lang="en-US" sz="3600" b="0" i="1" smtClean="0">
-                              <a:latin typeface="Cambria Math" panose="02040503050406030204" pitchFamily="18" charset="0"/>
-                            </a:rPr>
-                            <m:t>1</m:t>
-                          </m:r>
-                        </m:sub>
-                      </m:sSub>
-                      <m:r>
-                        <a:rPr lang="en-US" sz="3600" b="0" i="1" smtClean="0">
-                          <a:latin typeface="Cambria Math" panose="02040503050406030204" pitchFamily="18" charset="0"/>
-                        </a:rPr>
-                        <m:t>=</m:t>
-                      </m:r>
-                      <m:r>
-                        <a:rPr lang="en-US" sz="3600" b="0" i="1" smtClean="0">
-                          <a:latin typeface="Cambria Math" panose="02040503050406030204" pitchFamily="18" charset="0"/>
-                        </a:rPr>
-                        <m:t>𝑀𝑒𝑎𝑛</m:t>
-                      </m:r>
-                      <m:r>
-                        <a:rPr lang="en-US" sz="3600" b="0" i="1" smtClean="0">
-                          <a:latin typeface="Cambria Math" panose="02040503050406030204" pitchFamily="18" charset="0"/>
-                        </a:rPr>
-                        <m:t> </m:t>
-                      </m:r>
-                      <m:r>
-                        <a:rPr lang="en-US" sz="3600" b="0" i="1" smtClean="0">
-                          <a:latin typeface="Cambria Math" panose="02040503050406030204" pitchFamily="18" charset="0"/>
-                        </a:rPr>
-                        <m:t>𝑃𝑟𝑖𝑐𝑒</m:t>
-                      </m:r>
-                      <m:r>
-                        <a:rPr lang="en-US" sz="3600" b="0" i="1" smtClean="0">
-                          <a:latin typeface="Cambria Math" panose="02040503050406030204" pitchFamily="18" charset="0"/>
-                        </a:rPr>
-                        <m:t> </m:t>
-                      </m:r>
-                      <m:r>
-                        <a:rPr lang="en-US" sz="3600" b="0" i="1" smtClean="0">
-                          <a:latin typeface="Cambria Math" panose="02040503050406030204" pitchFamily="18" charset="0"/>
-                        </a:rPr>
-                        <m:t>𝑓𝑜𝑟</m:t>
-                      </m:r>
-                      <m:r>
-                        <a:rPr lang="en-US" sz="3600" b="0" i="1" smtClean="0">
-                          <a:latin typeface="Cambria Math" panose="02040503050406030204" pitchFamily="18" charset="0"/>
-                        </a:rPr>
-                        <m:t> </m:t>
-                      </m:r>
-                      <m:r>
-                        <a:rPr lang="en-US" sz="3600" b="0" i="1" smtClean="0">
-                          <a:latin typeface="Cambria Math" panose="02040503050406030204" pitchFamily="18" charset="0"/>
-                        </a:rPr>
-                        <m:t>𝐹𝑟𝑖𝑒𝑛𝑑𝑠</m:t>
-                      </m:r>
-                    </m:oMath>
-                  </m:oMathPara>
-                </a14:m>
-                <a:endParaRPr lang="en-US" sz="3600" b="0" dirty="0"/>
-              </a:p>
-              <a:p>
-                <a:pPr/>
-                <a14:m>
-                  <m:oMathPara xmlns:m="http://schemas.openxmlformats.org/officeDocument/2006/math">
-                    <m:oMathParaPr>
-                      <m:jc m:val="centerGroup"/>
-                    </m:oMathParaPr>
-                    <m:oMath xmlns:m="http://schemas.openxmlformats.org/officeDocument/2006/math">
-                      <m:sSub>
-                        <m:sSubPr>
-                          <m:ctrlPr>
-                            <a:rPr lang="en-US" sz="3600" b="0" i="1" smtClean="0">
-                              <a:latin typeface="Cambria Math" panose="02040503050406030204" pitchFamily="18" charset="0"/>
-                            </a:rPr>
-                          </m:ctrlPr>
-                        </m:sSubPr>
-                        <m:e>
-                          <m:r>
-                            <a:rPr lang="en-US" sz="3600" b="0" i="1" smtClean="0">
-                              <a:latin typeface="Cambria Math" panose="02040503050406030204" pitchFamily="18" charset="0"/>
-                            </a:rPr>
-                            <m:t>𝜇</m:t>
-                          </m:r>
-                        </m:e>
-                        <m:sub>
-                          <m:r>
-                            <a:rPr lang="en-US" sz="3600" b="0" i="1" smtClean="0">
-                              <a:latin typeface="Cambria Math" panose="02040503050406030204" pitchFamily="18" charset="0"/>
-                            </a:rPr>
-                            <m:t>2</m:t>
-                          </m:r>
-                        </m:sub>
-                      </m:sSub>
-                      <m:r>
-                        <a:rPr lang="en-US" sz="3600" b="0" i="1" smtClean="0">
-                          <a:latin typeface="Cambria Math" panose="02040503050406030204" pitchFamily="18" charset="0"/>
-                        </a:rPr>
-                        <m:t>=</m:t>
-                      </m:r>
-                      <m:r>
-                        <a:rPr lang="en-US" sz="3600" b="0" i="1" smtClean="0">
-                          <a:latin typeface="Cambria Math" panose="02040503050406030204" pitchFamily="18" charset="0"/>
-                        </a:rPr>
-                        <m:t>𝑀𝑒𝑎𝑛</m:t>
-                      </m:r>
-                      <m:r>
-                        <a:rPr lang="en-US" sz="3600" b="0" i="1" smtClean="0">
-                          <a:latin typeface="Cambria Math" panose="02040503050406030204" pitchFamily="18" charset="0"/>
-                        </a:rPr>
-                        <m:t> </m:t>
-                      </m:r>
-                      <m:r>
-                        <a:rPr lang="en-US" sz="3600" b="0" i="1" smtClean="0">
-                          <a:latin typeface="Cambria Math" panose="02040503050406030204" pitchFamily="18" charset="0"/>
-                        </a:rPr>
-                        <m:t>𝑃𝑟𝑖𝑐𝑒</m:t>
-                      </m:r>
-                      <m:r>
-                        <a:rPr lang="en-US" sz="3600" b="0" i="1" smtClean="0">
-                          <a:latin typeface="Cambria Math" panose="02040503050406030204" pitchFamily="18" charset="0"/>
-                        </a:rPr>
-                        <m:t> </m:t>
-                      </m:r>
-                      <m:r>
-                        <a:rPr lang="en-US" sz="3600" b="0" i="1" smtClean="0">
-                          <a:latin typeface="Cambria Math" panose="02040503050406030204" pitchFamily="18" charset="0"/>
-                        </a:rPr>
-                        <m:t>𝑓𝑜𝑟</m:t>
-                      </m:r>
-                      <m:r>
-                        <a:rPr lang="en-US" sz="3600" b="0" i="1" smtClean="0">
-                          <a:latin typeface="Cambria Math" panose="02040503050406030204" pitchFamily="18" charset="0"/>
-                        </a:rPr>
-                        <m:t> </m:t>
-                      </m:r>
-                      <m:r>
-                        <a:rPr lang="en-US" sz="3600" b="0" i="1" smtClean="0">
-                          <a:latin typeface="Cambria Math" panose="02040503050406030204" pitchFamily="18" charset="0"/>
-                        </a:rPr>
-                        <m:t>𝑀𝑎𝑟𝑣𝑒𝑙</m:t>
-                      </m:r>
-                    </m:oMath>
-                  </m:oMathPara>
-                </a14:m>
-                <a:endParaRPr lang="en-US" sz="3600" b="0" dirty="0"/>
-              </a:p>
-            </p:txBody>
-          </p:sp>
-        </mc:Choice>
-        <mc:Fallback xmlns="">
-          <p:sp>
-            <p:nvSpPr>
-              <p:cNvPr id="8" name="TextBox 7">
-                <a:extLst>
-                  <a:ext uri="{FF2B5EF4-FFF2-40B4-BE49-F238E27FC236}">
-                    <a16:creationId xmlns:a16="http://schemas.microsoft.com/office/drawing/2014/main" id="{0D6D8EB2-DD94-6CD9-80A7-CE5543CEE82E}"/>
-                  </a:ext>
-                </a:extLst>
-              </p:cNvPr>
-              <p:cNvSpPr txBox="1">
-                <a:spLocks noRot="1" noChangeAspect="1" noMove="1" noResize="1" noEditPoints="1" noAdjustHandles="1" noChangeArrowheads="1" noChangeShapeType="1" noTextEdit="1"/>
-              </p:cNvSpPr>
-              <p:nvPr/>
-            </p:nvSpPr>
-            <p:spPr>
-              <a:xfrm>
-                <a:off x="1447800" y="4689449"/>
-                <a:ext cx="9296400" cy="1200329"/>
-              </a:xfrm>
-              <a:prstGeom prst="rect">
-                <a:avLst/>
-              </a:prstGeom>
-              <a:blipFill>
-                <a:blip r:embed="rId5"/>
-                <a:stretch>
-                  <a:fillRect/>
-                </a:stretch>
-              </a:blipFill>
-            </p:spPr>
-            <p:txBody>
-              <a:bodyPr/>
-              <a:lstStyle/>
-              <a:p>
-                <a:r>
-                  <a:rPr lang="en-US">
-                    <a:noFill/>
-                  </a:rPr>
-                  <a:t> </a:t>
-                </a:r>
-              </a:p>
-            </p:txBody>
-          </p:sp>
-        </mc:Fallback>
-      </mc:AlternateContent>
+              <a:t>No relationships exist between errors</a:t>
+            </a:r>
+          </a:p>
+        </p:txBody>
+      </p:sp>
     </p:spTree>
     <p:extLst>
       <p:ext uri="{BB962C8B-B14F-4D97-AF65-F5344CB8AC3E}">
-        <p14:creationId xmlns:p14="http://schemas.microsoft.com/office/powerpoint/2010/main" val="3957379277"/>
+        <p14:creationId xmlns:p14="http://schemas.microsoft.com/office/powerpoint/2010/main" val="116638525"/>
       </p:ext>
     </p:extLst>
   </p:cSld>
@@ -6920,7 +6184,7 @@
 </p:sld>
 </file>
 
-<file path=ppt/slides/slide13.xml><?xml version="1.0" encoding="utf-8"?>
+<file path=ppt/slides/slide5.xml><?xml version="1.0" encoding="utf-8"?>
 <p:sld xmlns:a="http://schemas.openxmlformats.org/drawingml/2006/main" xmlns:r="http://schemas.openxmlformats.org/officeDocument/2006/relationships" xmlns:p="http://schemas.openxmlformats.org/presentationml/2006/main">
   <p:cSld>
     <p:spTree>
@@ -7079,13 +6343,20 @@
           <a:p>
             <a:pPr algn="ctr"/>
             <a:r>
-              <a:rPr lang="en-US" sz="4800" dirty="0">
+              <a:rPr lang="en-US" sz="4800" b="1" dirty="0">
                 <a:solidFill>
                   <a:srgbClr val="2D3A37"/>
                 </a:solidFill>
+                <a:latin typeface="Adobe Devanagari" panose="02040503050201020203" pitchFamily="18" charset="0"/>
+                <a:cs typeface="Adobe Devanagari" panose="02040503050201020203" pitchFamily="18" charset="0"/>
               </a:rPr>
-              <a:t>Two-Sample t-Test for Difference in Means</a:t>
-            </a:r>
+              <a:t>Conditions Necessary for Inference</a:t>
+            </a:r>
+            <a:endParaRPr lang="en-US" sz="4800" dirty="0">
+              <a:solidFill>
+                <a:srgbClr val="2D3A37"/>
+              </a:solidFill>
+            </a:endParaRPr>
           </a:p>
         </p:txBody>
       </p:sp>
@@ -7104,7 +6375,7 @@
         <p:spPr>
           <a:xfrm>
             <a:off x="495300" y="1977074"/>
-            <a:ext cx="11201400" cy="4869418"/>
+            <a:ext cx="11201400" cy="2009061"/>
           </a:xfrm>
           <a:prstGeom prst="roundRect">
             <a:avLst/>
@@ -7143,20 +6414,33 @@
               <a:buChar char="•"/>
             </a:pPr>
             <a:r>
-              <a:rPr lang="en-US" sz="2800" dirty="0">
+              <a:rPr lang="en-US" sz="2800" b="1" dirty="0">
                 <a:solidFill>
                   <a:srgbClr val="660066"/>
                 </a:solidFill>
               </a:rPr>
-              <a:t>Hypotheses (Non-directional)</a:t>
-            </a:r>
+              <a:t>Normality: </a:t>
+            </a:r>
+            <a:r>
+              <a:rPr lang="en-US" sz="2800" i="1" dirty="0">
+                <a:solidFill>
+                  <a:srgbClr val="660066"/>
+                </a:solidFill>
+              </a:rPr>
+              <a:t>Assume that the errors follow a normal distribution</a:t>
+            </a:r>
+            <a:endParaRPr lang="en-US" sz="2800" b="1" i="1" dirty="0">
+              <a:solidFill>
+                <a:srgbClr val="660066"/>
+              </a:solidFill>
+            </a:endParaRPr>
           </a:p>
           <a:p>
             <a:pPr marL="457200" indent="-457200">
               <a:buFont typeface="Arial" panose="020B0604020202020204" pitchFamily="34" charset="0"/>
               <a:buChar char="•"/>
             </a:pPr>
-            <a:endParaRPr lang="en-US" sz="2800" dirty="0">
+            <a:endParaRPr lang="en-US" sz="2800" b="1" i="1" dirty="0">
               <a:solidFill>
                 <a:srgbClr val="660066"/>
               </a:solidFill>
@@ -7167,743 +6451,29 @@
               <a:buFont typeface="Arial" panose="020B0604020202020204" pitchFamily="34" charset="0"/>
               <a:buChar char="•"/>
             </a:pPr>
-            <a:endParaRPr lang="en-US" sz="2800" dirty="0">
-              <a:solidFill>
-                <a:srgbClr val="660066"/>
-              </a:solidFill>
-            </a:endParaRPr>
-          </a:p>
-          <a:p>
-            <a:pPr marL="685800" indent="-685800">
-              <a:buFont typeface="Arial" panose="020B0604020202020204" pitchFamily="34" charset="0"/>
-              <a:buChar char="•"/>
-            </a:pPr>
-            <a:endParaRPr lang="en-US" sz="2800" dirty="0">
-              <a:solidFill>
-                <a:srgbClr val="660066"/>
-              </a:solidFill>
-            </a:endParaRPr>
-          </a:p>
-          <a:p>
-            <a:pPr marL="685800" indent="-685800">
-              <a:buFont typeface="Arial" panose="020B0604020202020204" pitchFamily="34" charset="0"/>
-              <a:buChar char="•"/>
-            </a:pPr>
-            <a:r>
-              <a:rPr lang="en-US" sz="2800" dirty="0">
+            <a:r>
+              <a:rPr lang="en-US" sz="2800" b="1" dirty="0">
                 <a:solidFill>
                   <a:srgbClr val="660066"/>
                 </a:solidFill>
               </a:rPr>
-              <a:t>Test Statistic</a:t>
-            </a:r>
-          </a:p>
-          <a:p>
-            <a:pPr lvl="1"/>
-            <a:endParaRPr lang="en-US" sz="2800" dirty="0">
-              <a:solidFill>
-                <a:srgbClr val="660066"/>
-              </a:solidFill>
-            </a:endParaRPr>
-          </a:p>
-          <a:p>
-            <a:pPr lvl="1"/>
-            <a:endParaRPr lang="en-US" sz="2800" dirty="0">
-              <a:solidFill>
-                <a:srgbClr val="660066"/>
-              </a:solidFill>
-            </a:endParaRPr>
-          </a:p>
-          <a:p>
-            <a:pPr lvl="1"/>
-            <a:endParaRPr lang="en-US" sz="2800" dirty="0">
-              <a:solidFill>
-                <a:srgbClr val="660066"/>
-              </a:solidFill>
-            </a:endParaRPr>
-          </a:p>
-          <a:p>
-            <a:pPr lvl="1"/>
-            <a:endParaRPr lang="en-US" sz="2800" dirty="0">
-              <a:solidFill>
-                <a:srgbClr val="660066"/>
-              </a:solidFill>
-            </a:endParaRPr>
-          </a:p>
-          <a:p>
-            <a:pPr lvl="1"/>
-            <a:endParaRPr lang="en-US" sz="2800" dirty="0">
-              <a:solidFill>
-                <a:srgbClr val="660066"/>
-              </a:solidFill>
-            </a:endParaRPr>
-          </a:p>
-        </p:txBody>
-      </p:sp>
-      <mc:AlternateContent xmlns:mc="http://schemas.openxmlformats.org/markup-compatibility/2006" xmlns:a14="http://schemas.microsoft.com/office/drawing/2010/main">
-        <mc:Choice Requires="a14">
-          <p:sp>
-            <p:nvSpPr>
-              <p:cNvPr id="5" name="TextBox 4">
-                <a:extLst>
-                  <a:ext uri="{FF2B5EF4-FFF2-40B4-BE49-F238E27FC236}">
-                    <a16:creationId xmlns:a16="http://schemas.microsoft.com/office/drawing/2014/main" id="{C8AF29F2-0C72-410F-47E3-F02F82A76BC2}"/>
-                  </a:ext>
-                </a:extLst>
-              </p:cNvPr>
-              <p:cNvSpPr txBox="1"/>
-              <p:nvPr/>
-            </p:nvSpPr>
-            <p:spPr>
-              <a:xfrm>
-                <a:off x="1447800" y="2667000"/>
-                <a:ext cx="9296400" cy="1200329"/>
-              </a:xfrm>
-              <a:prstGeom prst="rect">
-                <a:avLst/>
-              </a:prstGeom>
-              <a:noFill/>
-            </p:spPr>
-            <p:txBody>
-              <a:bodyPr wrap="square" rtlCol="0">
-                <a:spAutoFit/>
-              </a:bodyPr>
-              <a:lstStyle/>
-              <a:p>
-                <a:pPr/>
-                <a14:m>
-                  <m:oMathPara xmlns:m="http://schemas.openxmlformats.org/officeDocument/2006/math">
-                    <m:oMathParaPr>
-                      <m:jc m:val="centerGroup"/>
-                    </m:oMathParaPr>
-                    <m:oMath xmlns:m="http://schemas.openxmlformats.org/officeDocument/2006/math">
-                      <m:sSub>
-                        <m:sSubPr>
-                          <m:ctrlPr>
-                            <a:rPr lang="en-US" sz="3600" b="0" i="1" smtClean="0">
-                              <a:latin typeface="Cambria Math" panose="02040503050406030204" pitchFamily="18" charset="0"/>
-                            </a:rPr>
-                          </m:ctrlPr>
-                        </m:sSubPr>
-                        <m:e>
-                          <m:sSub>
-                            <m:sSubPr>
-                              <m:ctrlPr>
-                                <a:rPr lang="en-US" sz="3600" b="0" i="1" smtClean="0">
-                                  <a:latin typeface="Cambria Math" panose="02040503050406030204" pitchFamily="18" charset="0"/>
-                                </a:rPr>
-                              </m:ctrlPr>
-                            </m:sSubPr>
-                            <m:e>
-                              <m:r>
-                                <a:rPr lang="en-US" sz="3600" b="0" i="1" smtClean="0">
-                                  <a:latin typeface="Cambria Math" panose="02040503050406030204" pitchFamily="18" charset="0"/>
-                                </a:rPr>
-                                <m:t>𝐻</m:t>
-                              </m:r>
-                            </m:e>
-                            <m:sub>
-                              <m:r>
-                                <a:rPr lang="en-US" sz="3600" b="0" i="1" smtClean="0">
-                                  <a:latin typeface="Cambria Math" panose="02040503050406030204" pitchFamily="18" charset="0"/>
-                                </a:rPr>
-                                <m:t>0</m:t>
-                              </m:r>
-                            </m:sub>
-                          </m:sSub>
-                          <m:r>
-                            <a:rPr lang="en-US" sz="3600" b="0" i="1" smtClean="0">
-                              <a:latin typeface="Cambria Math" panose="02040503050406030204" pitchFamily="18" charset="0"/>
-                            </a:rPr>
-                            <m:t>:</m:t>
-                          </m:r>
-                          <m:r>
-                            <a:rPr lang="en-US" sz="3600" b="0" i="1" smtClean="0">
-                              <a:latin typeface="Cambria Math" panose="02040503050406030204" pitchFamily="18" charset="0"/>
-                            </a:rPr>
-                            <m:t>𝜇</m:t>
-                          </m:r>
-                        </m:e>
-                        <m:sub>
-                          <m:r>
-                            <a:rPr lang="en-US" sz="3600" b="0" i="1" smtClean="0">
-                              <a:latin typeface="Cambria Math" panose="02040503050406030204" pitchFamily="18" charset="0"/>
-                            </a:rPr>
-                            <m:t>1</m:t>
-                          </m:r>
-                        </m:sub>
-                      </m:sSub>
-                      <m:r>
-                        <a:rPr lang="en-US" sz="3600" b="0" i="1" smtClean="0">
-                          <a:latin typeface="Cambria Math" panose="02040503050406030204" pitchFamily="18" charset="0"/>
-                        </a:rPr>
-                        <m:t>=</m:t>
-                      </m:r>
-                      <m:sSub>
-                        <m:sSubPr>
-                          <m:ctrlPr>
-                            <a:rPr lang="en-US" sz="3600" b="0" i="1" smtClean="0">
-                              <a:latin typeface="Cambria Math" panose="02040503050406030204" pitchFamily="18" charset="0"/>
-                            </a:rPr>
-                          </m:ctrlPr>
-                        </m:sSubPr>
-                        <m:e>
-                          <m:r>
-                            <a:rPr lang="en-US" sz="3600" b="0" i="1" smtClean="0">
-                              <a:latin typeface="Cambria Math" panose="02040503050406030204" pitchFamily="18" charset="0"/>
-                            </a:rPr>
-                            <m:t>𝜇</m:t>
-                          </m:r>
-                        </m:e>
-                        <m:sub>
-                          <m:r>
-                            <a:rPr lang="en-US" sz="3600" b="0" i="1" smtClean="0">
-                              <a:latin typeface="Cambria Math" panose="02040503050406030204" pitchFamily="18" charset="0"/>
-                            </a:rPr>
-                            <m:t>2</m:t>
-                          </m:r>
-                        </m:sub>
-                      </m:sSub>
-                    </m:oMath>
-                  </m:oMathPara>
-                </a14:m>
-                <a:endParaRPr lang="en-US" sz="3600" i="1" dirty="0">
-                  <a:latin typeface="Cambria Math" panose="02040503050406030204" pitchFamily="18" charset="0"/>
-                </a:endParaRPr>
-              </a:p>
-              <a:p>
-                <a:pPr/>
-                <a14:m>
-                  <m:oMathPara xmlns:m="http://schemas.openxmlformats.org/officeDocument/2006/math">
-                    <m:oMathParaPr>
-                      <m:jc m:val="centerGroup"/>
-                    </m:oMathParaPr>
-                    <m:oMath xmlns:m="http://schemas.openxmlformats.org/officeDocument/2006/math">
-                      <m:sSub>
-                        <m:sSubPr>
-                          <m:ctrlPr>
-                            <a:rPr lang="en-US" sz="3600" b="0" i="1" smtClean="0">
-                              <a:latin typeface="Cambria Math" panose="02040503050406030204" pitchFamily="18" charset="0"/>
-                            </a:rPr>
-                          </m:ctrlPr>
-                        </m:sSubPr>
-                        <m:e>
-                          <m:sSub>
-                            <m:sSubPr>
-                              <m:ctrlPr>
-                                <a:rPr lang="en-US" sz="3600" b="0" i="1" smtClean="0">
-                                  <a:latin typeface="Cambria Math" panose="02040503050406030204" pitchFamily="18" charset="0"/>
-                                </a:rPr>
-                              </m:ctrlPr>
-                            </m:sSubPr>
-                            <m:e>
-                              <m:r>
-                                <a:rPr lang="en-US" sz="3600" b="0" i="1" smtClean="0">
-                                  <a:latin typeface="Cambria Math" panose="02040503050406030204" pitchFamily="18" charset="0"/>
-                                </a:rPr>
-                                <m:t>𝐻</m:t>
-                              </m:r>
-                            </m:e>
-                            <m:sub>
-                              <m:r>
-                                <a:rPr lang="en-US" sz="3600" b="0" i="1" smtClean="0">
-                                  <a:latin typeface="Cambria Math" panose="02040503050406030204" pitchFamily="18" charset="0"/>
-                                </a:rPr>
-                                <m:t>𝑎</m:t>
-                              </m:r>
-                            </m:sub>
-                          </m:sSub>
-                          <m:r>
-                            <a:rPr lang="en-US" sz="3600" b="0" i="1" smtClean="0">
-                              <a:latin typeface="Cambria Math" panose="02040503050406030204" pitchFamily="18" charset="0"/>
-                            </a:rPr>
-                            <m:t>:</m:t>
-                          </m:r>
-                          <m:r>
-                            <a:rPr lang="en-US" sz="3600" b="0" i="1" smtClean="0">
-                              <a:latin typeface="Cambria Math" panose="02040503050406030204" pitchFamily="18" charset="0"/>
-                            </a:rPr>
-                            <m:t>𝜇</m:t>
-                          </m:r>
-                        </m:e>
-                        <m:sub>
-                          <m:r>
-                            <a:rPr lang="en-US" sz="3600" b="0" i="1" smtClean="0">
-                              <a:latin typeface="Cambria Math" panose="02040503050406030204" pitchFamily="18" charset="0"/>
-                            </a:rPr>
-                            <m:t>1</m:t>
-                          </m:r>
-                        </m:sub>
-                      </m:sSub>
-                      <m:r>
-                        <a:rPr lang="en-US" sz="3600" b="0" i="1" smtClean="0">
-                          <a:latin typeface="Cambria Math" panose="02040503050406030204" pitchFamily="18" charset="0"/>
-                        </a:rPr>
-                        <m:t>≠</m:t>
-                      </m:r>
-                      <m:sSub>
-                        <m:sSubPr>
-                          <m:ctrlPr>
-                            <a:rPr lang="en-US" sz="3600" b="0" i="1" smtClean="0">
-                              <a:latin typeface="Cambria Math" panose="02040503050406030204" pitchFamily="18" charset="0"/>
-                            </a:rPr>
-                          </m:ctrlPr>
-                        </m:sSubPr>
-                        <m:e>
-                          <m:r>
-                            <a:rPr lang="en-US" sz="3600" b="0" i="1" smtClean="0">
-                              <a:latin typeface="Cambria Math" panose="02040503050406030204" pitchFamily="18" charset="0"/>
-                            </a:rPr>
-                            <m:t>𝜇</m:t>
-                          </m:r>
-                        </m:e>
-                        <m:sub>
-                          <m:r>
-                            <a:rPr lang="en-US" sz="3600" b="0" i="1" smtClean="0">
-                              <a:latin typeface="Cambria Math" panose="02040503050406030204" pitchFamily="18" charset="0"/>
-                            </a:rPr>
-                            <m:t>2</m:t>
-                          </m:r>
-                        </m:sub>
-                      </m:sSub>
-                    </m:oMath>
-                  </m:oMathPara>
-                </a14:m>
-                <a:endParaRPr lang="en-US" sz="3600" i="1" dirty="0">
-                  <a:latin typeface="Cambria Math" panose="02040503050406030204" pitchFamily="18" charset="0"/>
-                </a:endParaRPr>
-              </a:p>
-            </p:txBody>
-          </p:sp>
-        </mc:Choice>
-        <mc:Fallback xmlns="">
-          <p:sp>
-            <p:nvSpPr>
-              <p:cNvPr id="5" name="TextBox 4">
-                <a:extLst>
-                  <a:ext uri="{FF2B5EF4-FFF2-40B4-BE49-F238E27FC236}">
-                    <a16:creationId xmlns:a16="http://schemas.microsoft.com/office/drawing/2014/main" id="{C8AF29F2-0C72-410F-47E3-F02F82A76BC2}"/>
-                  </a:ext>
-                </a:extLst>
-              </p:cNvPr>
-              <p:cNvSpPr txBox="1">
-                <a:spLocks noRot="1" noChangeAspect="1" noMove="1" noResize="1" noEditPoints="1" noAdjustHandles="1" noChangeArrowheads="1" noChangeShapeType="1" noTextEdit="1"/>
-              </p:cNvSpPr>
-              <p:nvPr/>
-            </p:nvSpPr>
-            <p:spPr>
-              <a:xfrm>
-                <a:off x="1447800" y="2667000"/>
-                <a:ext cx="9296400" cy="1200329"/>
-              </a:xfrm>
-              <a:prstGeom prst="rect">
-                <a:avLst/>
-              </a:prstGeom>
-              <a:blipFill>
-                <a:blip r:embed="rId3"/>
-                <a:stretch>
-                  <a:fillRect/>
-                </a:stretch>
-              </a:blipFill>
-            </p:spPr>
-            <p:txBody>
-              <a:bodyPr/>
-              <a:lstStyle/>
-              <a:p>
-                <a:r>
-                  <a:rPr lang="en-US">
-                    <a:noFill/>
-                  </a:rPr>
-                  <a:t> </a:t>
-                </a:r>
-              </a:p>
-            </p:txBody>
-          </p:sp>
-        </mc:Fallback>
-      </mc:AlternateContent>
-      <mc:AlternateContent xmlns:mc="http://schemas.openxmlformats.org/markup-compatibility/2006" xmlns:a14="http://schemas.microsoft.com/office/drawing/2010/main">
-        <mc:Choice Requires="a14">
-          <p:sp>
-            <p:nvSpPr>
-              <p:cNvPr id="9" name="TextBox 8">
-                <a:extLst>
-                  <a:ext uri="{FF2B5EF4-FFF2-40B4-BE49-F238E27FC236}">
-                    <a16:creationId xmlns:a16="http://schemas.microsoft.com/office/drawing/2014/main" id="{757356A9-9201-90ED-F38C-1CE85868D882}"/>
-                  </a:ext>
-                </a:extLst>
-              </p:cNvPr>
-              <p:cNvSpPr txBox="1"/>
-              <p:nvPr/>
-            </p:nvSpPr>
-            <p:spPr>
-              <a:xfrm>
-                <a:off x="1143000" y="4411783"/>
-                <a:ext cx="9296400" cy="1804533"/>
-              </a:xfrm>
-              <a:prstGeom prst="rect">
-                <a:avLst/>
-              </a:prstGeom>
-              <a:noFill/>
-            </p:spPr>
-            <p:txBody>
-              <a:bodyPr wrap="square" rtlCol="0">
-                <a:spAutoFit/>
-              </a:bodyPr>
-              <a:lstStyle/>
-              <a:p>
-                <a:pPr/>
-                <a14:m>
-                  <m:oMathPara xmlns:m="http://schemas.openxmlformats.org/officeDocument/2006/math">
-                    <m:oMathParaPr>
-                      <m:jc m:val="centerGroup"/>
-                    </m:oMathParaPr>
-                    <m:oMath xmlns:m="http://schemas.openxmlformats.org/officeDocument/2006/math">
-                      <m:sSup>
-                        <m:sSupPr>
-                          <m:ctrlPr>
-                            <a:rPr lang="en-US" sz="3600" b="0" i="1" smtClean="0">
-                              <a:latin typeface="Cambria Math" panose="02040503050406030204" pitchFamily="18" charset="0"/>
-                            </a:rPr>
-                          </m:ctrlPr>
-                        </m:sSupPr>
-                        <m:e>
-                          <m:r>
-                            <a:rPr lang="en-US" sz="3600" b="0" i="1" smtClean="0">
-                              <a:latin typeface="Cambria Math" panose="02040503050406030204" pitchFamily="18" charset="0"/>
-                            </a:rPr>
-                            <m:t>𝑡</m:t>
-                          </m:r>
-                        </m:e>
-                        <m:sup>
-                          <m:r>
-                            <a:rPr lang="en-US" sz="3600" b="0" i="1" smtClean="0">
-                              <a:latin typeface="Cambria Math" panose="02040503050406030204" pitchFamily="18" charset="0"/>
-                            </a:rPr>
-                            <m:t>∗</m:t>
-                          </m:r>
-                        </m:sup>
-                      </m:sSup>
-                      <m:r>
-                        <a:rPr lang="en-US" sz="3600" b="0" i="1" smtClean="0">
-                          <a:latin typeface="Cambria Math" panose="02040503050406030204" pitchFamily="18" charset="0"/>
-                        </a:rPr>
-                        <m:t>=</m:t>
-                      </m:r>
-                      <m:f>
-                        <m:fPr>
-                          <m:ctrlPr>
-                            <a:rPr lang="en-US" sz="3600" b="0" i="1" smtClean="0">
-                              <a:latin typeface="Cambria Math" panose="02040503050406030204" pitchFamily="18" charset="0"/>
-                            </a:rPr>
-                          </m:ctrlPr>
-                        </m:fPr>
-                        <m:num>
-                          <m:acc>
-                            <m:accPr>
-                              <m:chr m:val="̅"/>
-                              <m:ctrlPr>
-                                <a:rPr lang="en-US" sz="3600" b="0" i="1" smtClean="0">
-                                  <a:latin typeface="Cambria Math" panose="02040503050406030204" pitchFamily="18" charset="0"/>
-                                </a:rPr>
-                              </m:ctrlPr>
-                            </m:accPr>
-                            <m:e>
-                              <m:sSub>
-                                <m:sSubPr>
-                                  <m:ctrlPr>
-                                    <a:rPr lang="en-US" sz="3600" b="0" i="1" smtClean="0">
-                                      <a:latin typeface="Cambria Math" panose="02040503050406030204" pitchFamily="18" charset="0"/>
-                                    </a:rPr>
-                                  </m:ctrlPr>
-                                </m:sSubPr>
-                                <m:e>
-                                  <m:r>
-                                    <a:rPr lang="en-US" sz="3600" b="0" i="1" smtClean="0">
-                                      <a:latin typeface="Cambria Math" panose="02040503050406030204" pitchFamily="18" charset="0"/>
-                                    </a:rPr>
-                                    <m:t>𝑥</m:t>
-                                  </m:r>
-                                </m:e>
-                                <m:sub>
-                                  <m:r>
-                                    <a:rPr lang="en-US" sz="3600" b="0" i="1" smtClean="0">
-                                      <a:latin typeface="Cambria Math" panose="02040503050406030204" pitchFamily="18" charset="0"/>
-                                    </a:rPr>
-                                    <m:t>1</m:t>
-                                  </m:r>
-                                </m:sub>
-                              </m:sSub>
-                            </m:e>
-                          </m:acc>
-                          <m:r>
-                            <a:rPr lang="en-US" sz="3600" b="0" i="1" smtClean="0">
-                              <a:latin typeface="Cambria Math" panose="02040503050406030204" pitchFamily="18" charset="0"/>
-                            </a:rPr>
-                            <m:t>−</m:t>
-                          </m:r>
-                          <m:acc>
-                            <m:accPr>
-                              <m:chr m:val="̅"/>
-                              <m:ctrlPr>
-                                <a:rPr lang="en-US" sz="3600" b="0" i="1" smtClean="0">
-                                  <a:latin typeface="Cambria Math" panose="02040503050406030204" pitchFamily="18" charset="0"/>
-                                </a:rPr>
-                              </m:ctrlPr>
-                            </m:accPr>
-                            <m:e>
-                              <m:sSub>
-                                <m:sSubPr>
-                                  <m:ctrlPr>
-                                    <a:rPr lang="en-US" sz="3600" b="0" i="1" smtClean="0">
-                                      <a:latin typeface="Cambria Math" panose="02040503050406030204" pitchFamily="18" charset="0"/>
-                                    </a:rPr>
-                                  </m:ctrlPr>
-                                </m:sSubPr>
-                                <m:e>
-                                  <m:r>
-                                    <a:rPr lang="en-US" sz="3600" b="0" i="1" smtClean="0">
-                                      <a:latin typeface="Cambria Math" panose="02040503050406030204" pitchFamily="18" charset="0"/>
-                                    </a:rPr>
-                                    <m:t>𝑥</m:t>
-                                  </m:r>
-                                </m:e>
-                                <m:sub>
-                                  <m:r>
-                                    <a:rPr lang="en-US" sz="3600" b="0" i="1" smtClean="0">
-                                      <a:latin typeface="Cambria Math" panose="02040503050406030204" pitchFamily="18" charset="0"/>
-                                    </a:rPr>
-                                    <m:t>2</m:t>
-                                  </m:r>
-                                </m:sub>
-                              </m:sSub>
-                            </m:e>
-                          </m:acc>
-                        </m:num>
-                        <m:den>
-                          <m:rad>
-                            <m:radPr>
-                              <m:degHide m:val="on"/>
-                              <m:ctrlPr>
-                                <a:rPr lang="en-US" sz="3600" b="0" i="1" smtClean="0">
-                                  <a:latin typeface="Cambria Math" panose="02040503050406030204" pitchFamily="18" charset="0"/>
-                                </a:rPr>
-                              </m:ctrlPr>
-                            </m:radPr>
-                            <m:deg/>
-                            <m:e>
-                              <m:f>
-                                <m:fPr>
-                                  <m:type m:val="skw"/>
-                                  <m:ctrlPr>
-                                    <a:rPr lang="en-US" sz="3600" b="0" i="1" smtClean="0">
-                                      <a:latin typeface="Cambria Math" panose="02040503050406030204" pitchFamily="18" charset="0"/>
-                                    </a:rPr>
-                                  </m:ctrlPr>
-                                </m:fPr>
-                                <m:num>
-                                  <m:sSubSup>
-                                    <m:sSubSupPr>
-                                      <m:ctrlPr>
-                                        <a:rPr lang="en-US" sz="3600" b="0" i="1" smtClean="0">
-                                          <a:latin typeface="Cambria Math" panose="02040503050406030204" pitchFamily="18" charset="0"/>
-                                        </a:rPr>
-                                      </m:ctrlPr>
-                                    </m:sSubSupPr>
-                                    <m:e>
-                                      <m:r>
-                                        <a:rPr lang="en-US" sz="3600" b="0" i="1" smtClean="0">
-                                          <a:latin typeface="Cambria Math" panose="02040503050406030204" pitchFamily="18" charset="0"/>
-                                        </a:rPr>
-                                        <m:t>𝑠</m:t>
-                                      </m:r>
-                                    </m:e>
-                                    <m:sub>
-                                      <m:r>
-                                        <a:rPr lang="en-US" sz="3600" b="0" i="1" smtClean="0">
-                                          <a:latin typeface="Cambria Math" panose="02040503050406030204" pitchFamily="18" charset="0"/>
-                                        </a:rPr>
-                                        <m:t>1</m:t>
-                                      </m:r>
-                                    </m:sub>
-                                    <m:sup>
-                                      <m:r>
-                                        <a:rPr lang="en-US" sz="3600" b="0" i="1" smtClean="0">
-                                          <a:latin typeface="Cambria Math" panose="02040503050406030204" pitchFamily="18" charset="0"/>
-                                        </a:rPr>
-                                        <m:t>2</m:t>
-                                      </m:r>
-                                    </m:sup>
-                                  </m:sSubSup>
-                                </m:num>
-                                <m:den>
-                                  <m:sSub>
-                                    <m:sSubPr>
-                                      <m:ctrlPr>
-                                        <a:rPr lang="en-US" sz="3600" b="0" i="1" smtClean="0">
-                                          <a:latin typeface="Cambria Math" panose="02040503050406030204" pitchFamily="18" charset="0"/>
-                                        </a:rPr>
-                                      </m:ctrlPr>
-                                    </m:sSubPr>
-                                    <m:e>
-                                      <m:r>
-                                        <a:rPr lang="en-US" sz="3600" b="0" i="1" smtClean="0">
-                                          <a:latin typeface="Cambria Math" panose="02040503050406030204" pitchFamily="18" charset="0"/>
-                                        </a:rPr>
-                                        <m:t>𝑛</m:t>
-                                      </m:r>
-                                    </m:e>
-                                    <m:sub>
-                                      <m:r>
-                                        <a:rPr lang="en-US" sz="3600" b="0" i="1" smtClean="0">
-                                          <a:latin typeface="Cambria Math" panose="02040503050406030204" pitchFamily="18" charset="0"/>
-                                        </a:rPr>
-                                        <m:t>1</m:t>
-                                      </m:r>
-                                    </m:sub>
-                                  </m:sSub>
-                                </m:den>
-                              </m:f>
-                              <m:r>
-                                <a:rPr lang="en-US" sz="3600" b="0" i="1" smtClean="0">
-                                  <a:latin typeface="Cambria Math" panose="02040503050406030204" pitchFamily="18" charset="0"/>
-                                </a:rPr>
-                                <m:t>+</m:t>
-                              </m:r>
-                              <m:f>
-                                <m:fPr>
-                                  <m:type m:val="skw"/>
-                                  <m:ctrlPr>
-                                    <a:rPr lang="en-US" sz="3600" b="0" i="1" smtClean="0">
-                                      <a:latin typeface="Cambria Math" panose="02040503050406030204" pitchFamily="18" charset="0"/>
-                                    </a:rPr>
-                                  </m:ctrlPr>
-                                </m:fPr>
-                                <m:num>
-                                  <m:sSubSup>
-                                    <m:sSubSupPr>
-                                      <m:ctrlPr>
-                                        <a:rPr lang="en-US" sz="3600" b="0" i="1" smtClean="0">
-                                          <a:latin typeface="Cambria Math" panose="02040503050406030204" pitchFamily="18" charset="0"/>
-                                        </a:rPr>
-                                      </m:ctrlPr>
-                                    </m:sSubSupPr>
-                                    <m:e>
-                                      <m:r>
-                                        <a:rPr lang="en-US" sz="3600" b="0" i="1" smtClean="0">
-                                          <a:latin typeface="Cambria Math" panose="02040503050406030204" pitchFamily="18" charset="0"/>
-                                        </a:rPr>
-                                        <m:t>𝑠</m:t>
-                                      </m:r>
-                                    </m:e>
-                                    <m:sub>
-                                      <m:r>
-                                        <a:rPr lang="en-US" sz="3600" b="0" i="1" smtClean="0">
-                                          <a:latin typeface="Cambria Math" panose="02040503050406030204" pitchFamily="18" charset="0"/>
-                                        </a:rPr>
-                                        <m:t>2</m:t>
-                                      </m:r>
-                                    </m:sub>
-                                    <m:sup>
-                                      <m:r>
-                                        <a:rPr lang="en-US" sz="3600" b="0" i="1" smtClean="0">
-                                          <a:latin typeface="Cambria Math" panose="02040503050406030204" pitchFamily="18" charset="0"/>
-                                        </a:rPr>
-                                        <m:t>2</m:t>
-                                      </m:r>
-                                    </m:sup>
-                                  </m:sSubSup>
-                                </m:num>
-                                <m:den>
-                                  <m:sSub>
-                                    <m:sSubPr>
-                                      <m:ctrlPr>
-                                        <a:rPr lang="en-US" sz="3600" b="0" i="1" smtClean="0">
-                                          <a:latin typeface="Cambria Math" panose="02040503050406030204" pitchFamily="18" charset="0"/>
-                                        </a:rPr>
-                                      </m:ctrlPr>
-                                    </m:sSubPr>
-                                    <m:e>
-                                      <m:r>
-                                        <a:rPr lang="en-US" sz="3600" b="0" i="1" smtClean="0">
-                                          <a:latin typeface="Cambria Math" panose="02040503050406030204" pitchFamily="18" charset="0"/>
-                                        </a:rPr>
-                                        <m:t>𝑛</m:t>
-                                      </m:r>
-                                    </m:e>
-                                    <m:sub>
-                                      <m:r>
-                                        <a:rPr lang="en-US" sz="3600" b="0" i="1" smtClean="0">
-                                          <a:latin typeface="Cambria Math" panose="02040503050406030204" pitchFamily="18" charset="0"/>
-                                        </a:rPr>
-                                        <m:t>2</m:t>
-                                      </m:r>
-                                    </m:sub>
-                                  </m:sSub>
-                                </m:den>
-                              </m:f>
-                            </m:e>
-                          </m:rad>
-                        </m:den>
-                      </m:f>
-                    </m:oMath>
-                  </m:oMathPara>
-                </a14:m>
-                <a:endParaRPr lang="en-US" sz="3600" b="0" i="1" dirty="0">
-                  <a:latin typeface="Cambria Math" panose="02040503050406030204" pitchFamily="18" charset="0"/>
-                </a:endParaRPr>
-              </a:p>
-            </p:txBody>
-          </p:sp>
-        </mc:Choice>
-        <mc:Fallback xmlns="">
-          <p:sp>
-            <p:nvSpPr>
-              <p:cNvPr id="9" name="TextBox 8">
-                <a:extLst>
-                  <a:ext uri="{FF2B5EF4-FFF2-40B4-BE49-F238E27FC236}">
-                    <a16:creationId xmlns:a16="http://schemas.microsoft.com/office/drawing/2014/main" id="{757356A9-9201-90ED-F38C-1CE85868D882}"/>
-                  </a:ext>
-                </a:extLst>
-              </p:cNvPr>
-              <p:cNvSpPr txBox="1">
-                <a:spLocks noRot="1" noChangeAspect="1" noMove="1" noResize="1" noEditPoints="1" noAdjustHandles="1" noChangeArrowheads="1" noChangeShapeType="1" noTextEdit="1"/>
-              </p:cNvSpPr>
-              <p:nvPr/>
-            </p:nvSpPr>
-            <p:spPr>
-              <a:xfrm>
-                <a:off x="1143000" y="4411783"/>
-                <a:ext cx="9296400" cy="1804533"/>
-              </a:xfrm>
-              <a:prstGeom prst="rect">
-                <a:avLst/>
-              </a:prstGeom>
-              <a:blipFill>
-                <a:blip r:embed="rId4"/>
-                <a:stretch>
-                  <a:fillRect/>
-                </a:stretch>
-              </a:blipFill>
-            </p:spPr>
-            <p:txBody>
-              <a:bodyPr/>
-              <a:lstStyle/>
-              <a:p>
-                <a:r>
-                  <a:rPr lang="en-US">
-                    <a:noFill/>
-                  </a:rPr>
-                  <a:t> </a:t>
-                </a:r>
-              </a:p>
-            </p:txBody>
-          </p:sp>
-        </mc:Fallback>
-      </mc:AlternateContent>
+              <a:t>Randomness: </a:t>
+            </a:r>
+            <a:r>
+              <a:rPr lang="en-US" sz="2800" i="1" dirty="0">
+                <a:solidFill>
+                  <a:srgbClr val="660066"/>
+                </a:solidFill>
+              </a:rPr>
+              <a:t>Simple random sample that is representative of the population we are trying to study</a:t>
+            </a:r>
+          </a:p>
+        </p:txBody>
+      </p:sp>
     </p:spTree>
     <p:extLst>
       <p:ext uri="{BB962C8B-B14F-4D97-AF65-F5344CB8AC3E}">
-        <p14:creationId xmlns:p14="http://schemas.microsoft.com/office/powerpoint/2010/main" val="1550396271"/>
+        <p14:creationId xmlns:p14="http://schemas.microsoft.com/office/powerpoint/2010/main" val="783867021"/>
       </p:ext>
     </p:extLst>
   </p:cSld>
@@ -7913,7 +6483,7 @@
 </p:sld>
 </file>
 
-<file path=ppt/slides/slide14.xml><?xml version="1.0" encoding="utf-8"?>
+<file path=ppt/slides/slide6.xml><?xml version="1.0" encoding="utf-8"?>
 <p:sld xmlns:a="http://schemas.openxmlformats.org/drawingml/2006/main" xmlns:r="http://schemas.openxmlformats.org/officeDocument/2006/relationships" xmlns:p="http://schemas.openxmlformats.org/presentationml/2006/main">
   <p:cSld>
     <p:spTree>
@@ -8072,13 +6642,20 @@
           <a:p>
             <a:pPr algn="ctr"/>
             <a:r>
-              <a:rPr lang="en-US" sz="4800" dirty="0">
+              <a:rPr lang="en-US" sz="4800" b="1" dirty="0">
                 <a:solidFill>
                   <a:srgbClr val="2D3A37"/>
                 </a:solidFill>
+                <a:latin typeface="Adobe Devanagari" panose="02040503050201020203" pitchFamily="18" charset="0"/>
+                <a:cs typeface="Adobe Devanagari" panose="02040503050201020203" pitchFamily="18" charset="0"/>
               </a:rPr>
-              <a:t>Two-Sample t-Test for Difference in Means</a:t>
-            </a:r>
+              <a:t>Restatement of Model</a:t>
+            </a:r>
+            <a:endParaRPr lang="en-US" sz="4800" dirty="0">
+              <a:solidFill>
+                <a:srgbClr val="2D3A37"/>
+              </a:solidFill>
+            </a:endParaRPr>
           </a:p>
         </p:txBody>
       </p:sp>
@@ -8095,9 +6672,9 @@
           <p:nvPr/>
         </p:nvSpPr>
         <p:spPr>
-          <a:xfrm>
+          <a:xfrm flipH="1">
             <a:off x="495300" y="1977074"/>
-            <a:ext cx="11201400" cy="4869418"/>
+            <a:ext cx="11201400" cy="3915966"/>
           </a:xfrm>
           <a:prstGeom prst="roundRect">
             <a:avLst/>
@@ -8135,21 +6712,18 @@
               <a:buFont typeface="Arial" panose="020B0604020202020204" pitchFamily="34" charset="0"/>
               <a:buChar char="•"/>
             </a:pPr>
-            <a:r>
-              <a:rPr lang="en-US" sz="2800" dirty="0">
-                <a:solidFill>
-                  <a:srgbClr val="660066"/>
-                </a:solidFill>
-              </a:rPr>
-              <a:t>Calculate P-Value Using t-Distribution</a:t>
-            </a:r>
+            <a:endParaRPr lang="en-US" sz="2800" i="1" dirty="0">
+              <a:solidFill>
+                <a:srgbClr val="660066"/>
+              </a:solidFill>
+            </a:endParaRPr>
           </a:p>
           <a:p>
             <a:pPr marL="457200" indent="-457200">
               <a:buFont typeface="Arial" panose="020B0604020202020204" pitchFamily="34" charset="0"/>
               <a:buChar char="•"/>
             </a:pPr>
-            <a:endParaRPr lang="en-US" sz="2800" dirty="0">
+            <a:endParaRPr lang="en-US" sz="2800" i="1" dirty="0">
               <a:solidFill>
                 <a:srgbClr val="660066"/>
               </a:solidFill>
@@ -8160,7 +6734,7 @@
               <a:buFont typeface="Arial" panose="020B0604020202020204" pitchFamily="34" charset="0"/>
               <a:buChar char="•"/>
             </a:pPr>
-            <a:endParaRPr lang="en-US" sz="2800" dirty="0">
+            <a:endParaRPr lang="en-US" sz="2800" i="1" dirty="0">
               <a:solidFill>
                 <a:srgbClr val="660066"/>
               </a:solidFill>
@@ -8171,7 +6745,7 @@
               <a:buFont typeface="Arial" panose="020B0604020202020204" pitchFamily="34" charset="0"/>
               <a:buChar char="•"/>
             </a:pPr>
-            <a:endParaRPr lang="en-US" sz="2800" dirty="0">
+            <a:endParaRPr lang="en-US" sz="2800" i="1" dirty="0">
               <a:solidFill>
                 <a:srgbClr val="660066"/>
               </a:solidFill>
@@ -8182,7 +6756,7 @@
               <a:buFont typeface="Arial" panose="020B0604020202020204" pitchFamily="34" charset="0"/>
               <a:buChar char="•"/>
             </a:pPr>
-            <a:endParaRPr lang="en-US" sz="2800" dirty="0">
+            <a:endParaRPr lang="en-US" sz="2800" i="1" dirty="0">
               <a:solidFill>
                 <a:srgbClr val="660066"/>
               </a:solidFill>
@@ -8193,49 +6767,7 @@
               <a:buFont typeface="Arial" panose="020B0604020202020204" pitchFamily="34" charset="0"/>
               <a:buChar char="•"/>
             </a:pPr>
-            <a:r>
-              <a:rPr lang="en-US" sz="2800" dirty="0">
-                <a:solidFill>
-                  <a:srgbClr val="660066"/>
-                </a:solidFill>
-              </a:rPr>
-              <a:t>Make Decision</a:t>
-            </a:r>
-          </a:p>
-          <a:p>
-            <a:pPr marL="914400" lvl="1" indent="-457200">
-              <a:buFont typeface="Arial" panose="020B0604020202020204" pitchFamily="34" charset="0"/>
-              <a:buChar char="•"/>
-            </a:pPr>
-            <a:r>
-              <a:rPr lang="en-US" sz="2800" dirty="0">
-                <a:solidFill>
-                  <a:srgbClr val="660066"/>
-                </a:solidFill>
-              </a:rPr>
-              <a:t>P-value &lt; 0.05, then Reject Null and Accept Alternative</a:t>
-            </a:r>
-          </a:p>
-          <a:p>
-            <a:pPr marL="914400" lvl="1" indent="-457200">
-              <a:buFont typeface="Arial" panose="020B0604020202020204" pitchFamily="34" charset="0"/>
-              <a:buChar char="•"/>
-            </a:pPr>
-            <a:r>
-              <a:rPr lang="en-US" sz="2800" dirty="0">
-                <a:solidFill>
-                  <a:srgbClr val="660066"/>
-                </a:solidFill>
-              </a:rPr>
-              <a:t>P-value &gt; 0.05, then Fail to Reject the Null</a:t>
-            </a:r>
-          </a:p>
-          <a:p>
-            <a:pPr marL="914400" lvl="1" indent="-457200">
-              <a:buFont typeface="Arial" panose="020B0604020202020204" pitchFamily="34" charset="0"/>
-              <a:buChar char="•"/>
-            </a:pPr>
-            <a:endParaRPr lang="en-US" sz="2800" dirty="0">
+            <a:endParaRPr lang="en-US" sz="2800" i="1" dirty="0">
               <a:solidFill>
                 <a:srgbClr val="660066"/>
               </a:solidFill>
@@ -8246,25 +6778,29 @@
               <a:buFont typeface="Arial" panose="020B0604020202020204" pitchFamily="34" charset="0"/>
               <a:buChar char="•"/>
             </a:pPr>
-            <a:r>
-              <a:rPr lang="en-US" sz="2800" dirty="0">
-                <a:solidFill>
-                  <a:srgbClr val="660066"/>
-                </a:solidFill>
-              </a:rPr>
-              <a:t>Interpret Results in the Context of the Problem/Data</a:t>
-            </a:r>
-          </a:p>
-        </p:txBody>
-      </p:sp>
-      <mc:AlternateContent xmlns:mc="http://schemas.openxmlformats.org/markup-compatibility/2006" xmlns:a14="http://schemas.microsoft.com/office/drawing/2010/main">
-        <mc:Choice Requires="a14">
+            <a:endParaRPr lang="en-US" sz="2800" i="1" dirty="0">
+              <a:solidFill>
+                <a:srgbClr val="660066"/>
+              </a:solidFill>
+            </a:endParaRPr>
+          </a:p>
+          <a:p>
+            <a:endParaRPr lang="en-US" sz="2800" i="1" dirty="0">
+              <a:solidFill>
+                <a:srgbClr val="660066"/>
+              </a:solidFill>
+            </a:endParaRPr>
+          </a:p>
+        </p:txBody>
+      </p:sp>
+      <mc:AlternateContent xmlns:mc="http://schemas.openxmlformats.org/markup-compatibility/2006">
+        <mc:Choice xmlns:a14="http://schemas.microsoft.com/office/drawing/2010/main" Requires="a14">
           <p:sp>
             <p:nvSpPr>
               <p:cNvPr id="3" name="TextBox 2">
                 <a:extLst>
                   <a:ext uri="{FF2B5EF4-FFF2-40B4-BE49-F238E27FC236}">
-                    <a16:creationId xmlns:a16="http://schemas.microsoft.com/office/drawing/2014/main" id="{5FE8B89F-23F6-5A5E-6EF5-AC3FB9A59ABA}"/>
+                    <a16:creationId xmlns:a16="http://schemas.microsoft.com/office/drawing/2014/main" id="{721C268B-207D-FE2F-F4B4-1C77FAD695C2}"/>
                   </a:ext>
                 </a:extLst>
               </p:cNvPr>
@@ -8273,8 +6809,8 @@
             </p:nvSpPr>
             <p:spPr>
               <a:xfrm>
-                <a:off x="990600" y="3138640"/>
-                <a:ext cx="2857500" cy="646331"/>
+                <a:off x="3810000" y="2428909"/>
+                <a:ext cx="4572000" cy="646331"/>
               </a:xfrm>
               <a:prstGeom prst="rect">
                 <a:avLst/>
@@ -8294,87 +6830,107 @@
                       <m:jc m:val="centerGroup"/>
                     </m:oMathParaPr>
                     <m:oMath xmlns:m="http://schemas.openxmlformats.org/officeDocument/2006/math">
-                      <m:sSup>
-                        <m:sSupPr>
+                      <m:r>
+                        <a:rPr lang="en-US" sz="3600" b="0" i="1" smtClean="0">
+                          <a:latin typeface="Cambria Math" panose="02040503050406030204" pitchFamily="18" charset="0"/>
+                        </a:rPr>
+                        <m:t>𝑌</m:t>
+                      </m:r>
+                      <m:r>
+                        <a:rPr lang="en-US" sz="3600" b="0" i="1" smtClean="0">
+                          <a:latin typeface="Cambria Math" panose="02040503050406030204" pitchFamily="18" charset="0"/>
+                        </a:rPr>
+                        <m:t>=</m:t>
+                      </m:r>
+                      <m:sSub>
+                        <m:sSubPr>
                           <m:ctrlPr>
                             <a:rPr lang="en-US" sz="3600" b="0" i="1" smtClean="0">
                               <a:latin typeface="Cambria Math" panose="02040503050406030204" pitchFamily="18" charset="0"/>
                             </a:rPr>
                           </m:ctrlPr>
-                        </m:sSupPr>
+                        </m:sSubPr>
                         <m:e>
                           <m:r>
                             <a:rPr lang="en-US" sz="3600" b="0" i="1" smtClean="0">
                               <a:latin typeface="Cambria Math" panose="02040503050406030204" pitchFamily="18" charset="0"/>
                             </a:rPr>
-                            <m:t>𝑡</m:t>
+                            <m:t>𝛽</m:t>
                           </m:r>
                         </m:e>
-                        <m:sup>
+                        <m:sub>
                           <m:r>
                             <a:rPr lang="en-US" sz="3600" b="0" i="1" smtClean="0">
                               <a:latin typeface="Cambria Math" panose="02040503050406030204" pitchFamily="18" charset="0"/>
                             </a:rPr>
-                            <m:t>∗</m:t>
+                            <m:t>0</m:t>
                           </m:r>
-                        </m:sup>
-                      </m:sSup>
+                        </m:sub>
+                      </m:sSub>
                       <m:r>
                         <a:rPr lang="en-US" sz="3600" b="0" i="1" smtClean="0">
                           <a:latin typeface="Cambria Math" panose="02040503050406030204" pitchFamily="18" charset="0"/>
                         </a:rPr>
-                        <m:t>~</m:t>
+                        <m:t>+</m:t>
+                      </m:r>
+                      <m:sSub>
+                        <m:sSubPr>
+                          <m:ctrlPr>
+                            <a:rPr lang="en-US" sz="3600" b="0" i="1" smtClean="0">
+                              <a:latin typeface="Cambria Math" panose="02040503050406030204" pitchFamily="18" charset="0"/>
+                            </a:rPr>
+                          </m:ctrlPr>
+                        </m:sSubPr>
+                        <m:e>
+                          <m:r>
+                            <a:rPr lang="en-US" sz="3600" b="0" i="1" smtClean="0">
+                              <a:latin typeface="Cambria Math" panose="02040503050406030204" pitchFamily="18" charset="0"/>
+                            </a:rPr>
+                            <m:t>𝛽</m:t>
+                          </m:r>
+                        </m:e>
+                        <m:sub>
+                          <m:r>
+                            <a:rPr lang="en-US" sz="3600" b="0" i="1" smtClean="0">
+                              <a:latin typeface="Cambria Math" panose="02040503050406030204" pitchFamily="18" charset="0"/>
+                            </a:rPr>
+                            <m:t>1</m:t>
+                          </m:r>
+                        </m:sub>
+                      </m:sSub>
+                      <m:r>
+                        <a:rPr lang="en-US" sz="3600" b="0" i="1" smtClean="0">
+                          <a:latin typeface="Cambria Math" panose="02040503050406030204" pitchFamily="18" charset="0"/>
+                        </a:rPr>
+                        <m:t>𝑋</m:t>
                       </m:r>
                       <m:r>
                         <a:rPr lang="en-US" sz="3600" b="0" i="1" smtClean="0">
                           <a:latin typeface="Cambria Math" panose="02040503050406030204" pitchFamily="18" charset="0"/>
                         </a:rPr>
-                        <m:t>𝑡</m:t>
+                        <m:t>+</m:t>
                       </m:r>
                       <m:r>
                         <a:rPr lang="en-US" sz="3600" b="0" i="1" smtClean="0">
                           <a:latin typeface="Cambria Math" panose="02040503050406030204" pitchFamily="18" charset="0"/>
                         </a:rPr>
-                        <m:t>(</m:t>
-                      </m:r>
-                      <m:r>
-                        <m:rPr>
-                          <m:sty m:val="p"/>
-                        </m:rPr>
-                        <a:rPr lang="en-US" sz="3600" b="0" i="0" smtClean="0">
-                          <a:latin typeface="Cambria Math" panose="02040503050406030204" pitchFamily="18" charset="0"/>
-                        </a:rPr>
-                        <m:t>Δ</m:t>
-                      </m:r>
-                      <m:r>
-                        <a:rPr lang="en-US" sz="3600" b="0" i="1" smtClean="0">
-                          <a:latin typeface="Cambria Math" panose="02040503050406030204" pitchFamily="18" charset="0"/>
-                        </a:rPr>
-                        <m:t>𝑑𝑓</m:t>
-                      </m:r>
-                      <m:r>
-                        <a:rPr lang="en-US" sz="3600" b="0" i="1" smtClean="0">
-                          <a:latin typeface="Cambria Math" panose="02040503050406030204" pitchFamily="18" charset="0"/>
-                        </a:rPr>
-                        <m:t>)</m:t>
+                        <m:t>𝜖</m:t>
                       </m:r>
                     </m:oMath>
                   </m:oMathPara>
                 </a14:m>
-                <a:endParaRPr lang="en-US" sz="3600" b="0" i="1" dirty="0">
-                  <a:latin typeface="Cambria Math" panose="02040503050406030204" pitchFamily="18" charset="0"/>
-                </a:endParaRPr>
+                <a:endParaRPr lang="en-US" sz="3600" b="0" dirty="0"/>
               </a:p>
             </p:txBody>
           </p:sp>
         </mc:Choice>
-        <mc:Fallback xmlns="">
+        <mc:Fallback>
           <p:sp>
             <p:nvSpPr>
               <p:cNvPr id="3" name="TextBox 2">
                 <a:extLst>
                   <a:ext uri="{FF2B5EF4-FFF2-40B4-BE49-F238E27FC236}">
-                    <a16:creationId xmlns:a16="http://schemas.microsoft.com/office/drawing/2014/main" id="{5FE8B89F-23F6-5A5E-6EF5-AC3FB9A59ABA}"/>
+                    <a16:creationId xmlns:a16="http://schemas.microsoft.com/office/drawing/2014/main" id="{721C268B-207D-FE2F-F4B4-1C77FAD695C2}"/>
                   </a:ext>
                 </a:extLst>
               </p:cNvPr>
@@ -8385,8 +6941,8 @@
             </p:nvSpPr>
             <p:spPr>
               <a:xfrm>
-                <a:off x="990600" y="3138640"/>
-                <a:ext cx="2857500" cy="646331"/>
+                <a:off x="3810000" y="2428909"/>
+                <a:ext cx="4572000" cy="646331"/>
               </a:xfrm>
               <a:prstGeom prst="rect">
                 <a:avLst/>
@@ -8413,14 +6969,14 @@
           </p:sp>
         </mc:Fallback>
       </mc:AlternateContent>
-      <mc:AlternateContent xmlns:mc="http://schemas.openxmlformats.org/markup-compatibility/2006" xmlns:a14="http://schemas.microsoft.com/office/drawing/2010/main">
-        <mc:Choice Requires="a14">
+      <mc:AlternateContent xmlns:mc="http://schemas.openxmlformats.org/markup-compatibility/2006">
+        <mc:Choice xmlns:a14="http://schemas.microsoft.com/office/drawing/2010/main" Requires="a14">
           <p:sp>
             <p:nvSpPr>
               <p:cNvPr id="4" name="TextBox 3">
                 <a:extLst>
                   <a:ext uri="{FF2B5EF4-FFF2-40B4-BE49-F238E27FC236}">
-                    <a16:creationId xmlns:a16="http://schemas.microsoft.com/office/drawing/2014/main" id="{32CD833D-E8D4-6A0C-9533-ACE2FBB46CE2}"/>
+                    <a16:creationId xmlns:a16="http://schemas.microsoft.com/office/drawing/2014/main" id="{C693C99D-8D93-D78C-5B37-BCFBC6EBEC0A}"/>
                   </a:ext>
                 </a:extLst>
               </p:cNvPr>
@@ -8429,8 +6985,8 @@
             </p:nvSpPr>
             <p:spPr>
               <a:xfrm>
-                <a:off x="3738562" y="2743200"/>
-                <a:ext cx="3200400" cy="1914242"/>
+                <a:off x="3810000" y="3352800"/>
+                <a:ext cx="4572000" cy="646331"/>
               </a:xfrm>
               <a:prstGeom prst="rect">
                 <a:avLst/>
@@ -8451,530 +7007,75 @@
                     </m:oMathParaPr>
                     <m:oMath xmlns:m="http://schemas.openxmlformats.org/officeDocument/2006/math">
                       <m:r>
-                        <m:rPr>
-                          <m:sty m:val="p"/>
-                        </m:rPr>
-                        <a:rPr lang="en-US" sz="2000" b="0" i="0" smtClean="0">
+                        <a:rPr lang="en-US" sz="3600" b="0" i="1" smtClean="0">
                           <a:latin typeface="Cambria Math" panose="02040503050406030204" pitchFamily="18" charset="0"/>
                         </a:rPr>
-                        <m:t>Δ</m:t>
+                        <m:t>𝜖</m:t>
                       </m:r>
                       <m:r>
-                        <a:rPr lang="en-US" sz="2000" b="0" i="1" smtClean="0">
+                        <a:rPr lang="en-US" sz="3600" b="0" i="1" smtClean="0">
                           <a:latin typeface="Cambria Math" panose="02040503050406030204" pitchFamily="18" charset="0"/>
                         </a:rPr>
-                        <m:t>=</m:t>
+                        <m:t>~</m:t>
                       </m:r>
-                      <m:f>
-                        <m:fPr>
+                      <m:r>
+                        <a:rPr lang="en-US" sz="3600" b="0" i="1" smtClean="0">
+                          <a:latin typeface="Cambria Math" panose="02040503050406030204" pitchFamily="18" charset="0"/>
+                        </a:rPr>
+                        <m:t>𝑁𝑜𝑟𝑚𝑎𝑙</m:t>
+                      </m:r>
+                      <m:r>
+                        <a:rPr lang="en-US" sz="3600" b="0" i="1" smtClean="0">
+                          <a:latin typeface="Cambria Math" panose="02040503050406030204" pitchFamily="18" charset="0"/>
+                        </a:rPr>
+                        <m:t>(0,</m:t>
+                      </m:r>
+                      <m:sSub>
+                        <m:sSubPr>
                           <m:ctrlPr>
-                            <a:rPr lang="en-US" sz="2000" b="0" i="1" smtClean="0">
+                            <a:rPr lang="en-US" sz="3600" b="0" i="1" smtClean="0">
                               <a:latin typeface="Cambria Math" panose="02040503050406030204" pitchFamily="18" charset="0"/>
                             </a:rPr>
                           </m:ctrlPr>
-                        </m:fPr>
-                        <m:num>
-                          <m:sSup>
-                            <m:sSupPr>
-                              <m:ctrlPr>
-                                <a:rPr lang="en-US" sz="2000" b="0" i="1" smtClean="0">
-                                  <a:latin typeface="Cambria Math" panose="02040503050406030204" pitchFamily="18" charset="0"/>
-                                </a:rPr>
-                              </m:ctrlPr>
-                            </m:sSupPr>
-                            <m:e>
-                              <m:d>
-                                <m:dPr>
-                                  <m:begChr m:val="["/>
-                                  <m:endChr m:val="]"/>
-                                  <m:ctrlPr>
-                                    <a:rPr lang="en-US" sz="2000" b="0" i="1" smtClean="0">
-                                      <a:latin typeface="Cambria Math" panose="02040503050406030204" pitchFamily="18" charset="0"/>
-                                    </a:rPr>
-                                  </m:ctrlPr>
-                                </m:dPr>
-                                <m:e>
-                                  <m:f>
-                                    <m:fPr>
-                                      <m:type m:val="skw"/>
-                                      <m:ctrlPr>
-                                        <a:rPr lang="en-US" sz="2000" i="1">
-                                          <a:latin typeface="Cambria Math" panose="02040503050406030204" pitchFamily="18" charset="0"/>
-                                        </a:rPr>
-                                      </m:ctrlPr>
-                                    </m:fPr>
-                                    <m:num>
-                                      <m:sSubSup>
-                                        <m:sSubSupPr>
-                                          <m:ctrlPr>
-                                            <a:rPr lang="en-US" sz="2000" i="1">
-                                              <a:latin typeface="Cambria Math" panose="02040503050406030204" pitchFamily="18" charset="0"/>
-                                            </a:rPr>
-                                          </m:ctrlPr>
-                                        </m:sSubSupPr>
-                                        <m:e>
-                                          <m:r>
-                                            <a:rPr lang="en-US" sz="2000" i="1">
-                                              <a:latin typeface="Cambria Math" panose="02040503050406030204" pitchFamily="18" charset="0"/>
-                                            </a:rPr>
-                                            <m:t>𝑠</m:t>
-                                          </m:r>
-                                        </m:e>
-                                        <m:sub>
-                                          <m:r>
-                                            <a:rPr lang="en-US" sz="2000" i="1">
-                                              <a:latin typeface="Cambria Math" panose="02040503050406030204" pitchFamily="18" charset="0"/>
-                                            </a:rPr>
-                                            <m:t>1</m:t>
-                                          </m:r>
-                                        </m:sub>
-                                        <m:sup>
-                                          <m:r>
-                                            <a:rPr lang="en-US" sz="2000" i="1">
-                                              <a:latin typeface="Cambria Math" panose="02040503050406030204" pitchFamily="18" charset="0"/>
-                                            </a:rPr>
-                                            <m:t>2</m:t>
-                                          </m:r>
-                                        </m:sup>
-                                      </m:sSubSup>
-                                    </m:num>
-                                    <m:den>
-                                      <m:sSub>
-                                        <m:sSubPr>
-                                          <m:ctrlPr>
-                                            <a:rPr lang="en-US" sz="2000" i="1">
-                                              <a:latin typeface="Cambria Math" panose="02040503050406030204" pitchFamily="18" charset="0"/>
-                                            </a:rPr>
-                                          </m:ctrlPr>
-                                        </m:sSubPr>
-                                        <m:e>
-                                          <m:r>
-                                            <a:rPr lang="en-US" sz="2000" i="1">
-                                              <a:latin typeface="Cambria Math" panose="02040503050406030204" pitchFamily="18" charset="0"/>
-                                            </a:rPr>
-                                            <m:t>𝑛</m:t>
-                                          </m:r>
-                                        </m:e>
-                                        <m:sub>
-                                          <m:r>
-                                            <a:rPr lang="en-US" sz="2000" i="1">
-                                              <a:latin typeface="Cambria Math" panose="02040503050406030204" pitchFamily="18" charset="0"/>
-                                            </a:rPr>
-                                            <m:t>1</m:t>
-                                          </m:r>
-                                        </m:sub>
-                                      </m:sSub>
-                                    </m:den>
-                                  </m:f>
-                                  <m:r>
-                                    <a:rPr lang="en-US" sz="2000" i="1">
-                                      <a:latin typeface="Cambria Math" panose="02040503050406030204" pitchFamily="18" charset="0"/>
-                                    </a:rPr>
-                                    <m:t>+</m:t>
-                                  </m:r>
-                                  <m:f>
-                                    <m:fPr>
-                                      <m:type m:val="skw"/>
-                                      <m:ctrlPr>
-                                        <a:rPr lang="en-US" sz="2000" i="1">
-                                          <a:latin typeface="Cambria Math" panose="02040503050406030204" pitchFamily="18" charset="0"/>
-                                        </a:rPr>
-                                      </m:ctrlPr>
-                                    </m:fPr>
-                                    <m:num>
-                                      <m:sSubSup>
-                                        <m:sSubSupPr>
-                                          <m:ctrlPr>
-                                            <a:rPr lang="en-US" sz="2000" i="1">
-                                              <a:latin typeface="Cambria Math" panose="02040503050406030204" pitchFamily="18" charset="0"/>
-                                            </a:rPr>
-                                          </m:ctrlPr>
-                                        </m:sSubSupPr>
-                                        <m:e>
-                                          <m:r>
-                                            <a:rPr lang="en-US" sz="2000" i="1">
-                                              <a:latin typeface="Cambria Math" panose="02040503050406030204" pitchFamily="18" charset="0"/>
-                                            </a:rPr>
-                                            <m:t>𝑠</m:t>
-                                          </m:r>
-                                        </m:e>
-                                        <m:sub>
-                                          <m:r>
-                                            <a:rPr lang="en-US" sz="2000" i="1">
-                                              <a:latin typeface="Cambria Math" panose="02040503050406030204" pitchFamily="18" charset="0"/>
-                                            </a:rPr>
-                                            <m:t>2</m:t>
-                                          </m:r>
-                                        </m:sub>
-                                        <m:sup>
-                                          <m:r>
-                                            <a:rPr lang="en-US" sz="2000" i="1">
-                                              <a:latin typeface="Cambria Math" panose="02040503050406030204" pitchFamily="18" charset="0"/>
-                                            </a:rPr>
-                                            <m:t>2</m:t>
-                                          </m:r>
-                                        </m:sup>
-                                      </m:sSubSup>
-                                    </m:num>
-                                    <m:den>
-                                      <m:sSub>
-                                        <m:sSubPr>
-                                          <m:ctrlPr>
-                                            <a:rPr lang="en-US" sz="2000" i="1">
-                                              <a:latin typeface="Cambria Math" panose="02040503050406030204" pitchFamily="18" charset="0"/>
-                                            </a:rPr>
-                                          </m:ctrlPr>
-                                        </m:sSubPr>
-                                        <m:e>
-                                          <m:r>
-                                            <a:rPr lang="en-US" sz="2000" i="1">
-                                              <a:latin typeface="Cambria Math" panose="02040503050406030204" pitchFamily="18" charset="0"/>
-                                            </a:rPr>
-                                            <m:t>𝑛</m:t>
-                                          </m:r>
-                                        </m:e>
-                                        <m:sub>
-                                          <m:r>
-                                            <a:rPr lang="en-US" sz="2000" i="1">
-                                              <a:latin typeface="Cambria Math" panose="02040503050406030204" pitchFamily="18" charset="0"/>
-                                            </a:rPr>
-                                            <m:t>2</m:t>
-                                          </m:r>
-                                        </m:sub>
-                                      </m:sSub>
-                                    </m:den>
-                                  </m:f>
-                                </m:e>
-                              </m:d>
-                            </m:e>
-                            <m:sup>
-                              <m:r>
-                                <a:rPr lang="en-US" sz="2000" b="0" i="1" smtClean="0">
-                                  <a:latin typeface="Cambria Math" panose="02040503050406030204" pitchFamily="18" charset="0"/>
-                                </a:rPr>
-                                <m:t>2</m:t>
-                              </m:r>
-                            </m:sup>
-                          </m:sSup>
-                        </m:num>
-                        <m:den>
-                          <m:f>
-                            <m:fPr>
-                              <m:ctrlPr>
-                                <a:rPr lang="en-US" sz="2000" b="0" i="1" smtClean="0">
-                                  <a:latin typeface="Cambria Math" panose="02040503050406030204" pitchFamily="18" charset="0"/>
-                                </a:rPr>
-                              </m:ctrlPr>
-                            </m:fPr>
-                            <m:num>
-                              <m:sSup>
-                                <m:sSupPr>
-                                  <m:ctrlPr>
-                                    <a:rPr lang="en-US" sz="2000" b="0" i="1" smtClean="0">
-                                      <a:latin typeface="Cambria Math" panose="02040503050406030204" pitchFamily="18" charset="0"/>
-                                    </a:rPr>
-                                  </m:ctrlPr>
-                                </m:sSupPr>
-                                <m:e>
-                                  <m:d>
-                                    <m:dPr>
-                                      <m:ctrlPr>
-                                        <a:rPr lang="en-US" sz="2000" b="0" i="1" smtClean="0">
-                                          <a:latin typeface="Cambria Math" panose="02040503050406030204" pitchFamily="18" charset="0"/>
-                                        </a:rPr>
-                                      </m:ctrlPr>
-                                    </m:dPr>
-                                    <m:e>
-                                      <m:f>
-                                        <m:fPr>
-                                          <m:type m:val="skw"/>
-                                          <m:ctrlPr>
-                                            <a:rPr lang="en-US" sz="2000" i="1">
-                                              <a:latin typeface="Cambria Math" panose="02040503050406030204" pitchFamily="18" charset="0"/>
-                                            </a:rPr>
-                                          </m:ctrlPr>
-                                        </m:fPr>
-                                        <m:num>
-                                          <m:sSubSup>
-                                            <m:sSubSupPr>
-                                              <m:ctrlPr>
-                                                <a:rPr lang="en-US" sz="2000" i="1">
-                                                  <a:latin typeface="Cambria Math" panose="02040503050406030204" pitchFamily="18" charset="0"/>
-                                                </a:rPr>
-                                              </m:ctrlPr>
-                                            </m:sSubSupPr>
-                                            <m:e>
-                                              <m:r>
-                                                <a:rPr lang="en-US" sz="2000" i="1">
-                                                  <a:latin typeface="Cambria Math" panose="02040503050406030204" pitchFamily="18" charset="0"/>
-                                                </a:rPr>
-                                                <m:t>𝑠</m:t>
-                                              </m:r>
-                                            </m:e>
-                                            <m:sub>
-                                              <m:r>
-                                                <a:rPr lang="en-US" sz="2000" i="1">
-                                                  <a:latin typeface="Cambria Math" panose="02040503050406030204" pitchFamily="18" charset="0"/>
-                                                </a:rPr>
-                                                <m:t>1</m:t>
-                                              </m:r>
-                                            </m:sub>
-                                            <m:sup>
-                                              <m:r>
-                                                <a:rPr lang="en-US" sz="2000" i="1">
-                                                  <a:latin typeface="Cambria Math" panose="02040503050406030204" pitchFamily="18" charset="0"/>
-                                                </a:rPr>
-                                                <m:t>2</m:t>
-                                              </m:r>
-                                            </m:sup>
-                                          </m:sSubSup>
-                                        </m:num>
-                                        <m:den>
-                                          <m:sSub>
-                                            <m:sSubPr>
-                                              <m:ctrlPr>
-                                                <a:rPr lang="en-US" sz="2000" i="1">
-                                                  <a:latin typeface="Cambria Math" panose="02040503050406030204" pitchFamily="18" charset="0"/>
-                                                </a:rPr>
-                                              </m:ctrlPr>
-                                            </m:sSubPr>
-                                            <m:e>
-                                              <m:r>
-                                                <a:rPr lang="en-US" sz="2000" i="1">
-                                                  <a:latin typeface="Cambria Math" panose="02040503050406030204" pitchFamily="18" charset="0"/>
-                                                </a:rPr>
-                                                <m:t>𝑛</m:t>
-                                              </m:r>
-                                            </m:e>
-                                            <m:sub>
-                                              <m:r>
-                                                <a:rPr lang="en-US" sz="2000" i="1">
-                                                  <a:latin typeface="Cambria Math" panose="02040503050406030204" pitchFamily="18" charset="0"/>
-                                                </a:rPr>
-                                                <m:t>1</m:t>
-                                              </m:r>
-                                            </m:sub>
-                                          </m:sSub>
-                                        </m:den>
-                                      </m:f>
-                                    </m:e>
-                                  </m:d>
-                                </m:e>
-                                <m:sup>
-                                  <m:r>
-                                    <a:rPr lang="en-US" sz="2000" b="0" i="1" smtClean="0">
-                                      <a:latin typeface="Cambria Math" panose="02040503050406030204" pitchFamily="18" charset="0"/>
-                                    </a:rPr>
-                                    <m:t>2</m:t>
-                                  </m:r>
-                                </m:sup>
-                              </m:sSup>
-                            </m:num>
-                            <m:den>
-                              <m:sSub>
-                                <m:sSubPr>
-                                  <m:ctrlPr>
-                                    <a:rPr lang="en-US" sz="2000" b="0" i="1" smtClean="0">
-                                      <a:latin typeface="Cambria Math" panose="02040503050406030204" pitchFamily="18" charset="0"/>
-                                    </a:rPr>
-                                  </m:ctrlPr>
-                                </m:sSubPr>
-                                <m:e>
-                                  <m:r>
-                                    <a:rPr lang="en-US" sz="2000" b="0" i="1" smtClean="0">
-                                      <a:latin typeface="Cambria Math" panose="02040503050406030204" pitchFamily="18" charset="0"/>
-                                    </a:rPr>
-                                    <m:t>𝑛</m:t>
-                                  </m:r>
-                                </m:e>
-                                <m:sub>
-                                  <m:r>
-                                    <a:rPr lang="en-US" sz="2000" b="0" i="1" smtClean="0">
-                                      <a:latin typeface="Cambria Math" panose="02040503050406030204" pitchFamily="18" charset="0"/>
-                                    </a:rPr>
-                                    <m:t>1</m:t>
-                                  </m:r>
-                                </m:sub>
-                              </m:sSub>
-                              <m:r>
-                                <a:rPr lang="en-US" sz="2000" b="0" i="1" smtClean="0">
-                                  <a:latin typeface="Cambria Math" panose="02040503050406030204" pitchFamily="18" charset="0"/>
-                                </a:rPr>
-                                <m:t>−1</m:t>
-                              </m:r>
-                            </m:den>
-                          </m:f>
+                        </m:sSubPr>
+                        <m:e>
                           <m:r>
-                            <a:rPr lang="en-US" sz="2000" b="0" i="1" smtClean="0">
+                            <a:rPr lang="en-US" sz="3600" b="0" i="1" smtClean="0">
                               <a:latin typeface="Cambria Math" panose="02040503050406030204" pitchFamily="18" charset="0"/>
                             </a:rPr>
-                            <m:t>+</m:t>
+                            <m:t>𝜎</m:t>
                           </m:r>
-                          <m:f>
-                            <m:fPr>
-                              <m:ctrlPr>
-                                <a:rPr lang="en-US" sz="2000" b="0" i="1" smtClean="0">
-                                  <a:latin typeface="Cambria Math" panose="02040503050406030204" pitchFamily="18" charset="0"/>
-                                </a:rPr>
-                              </m:ctrlPr>
-                            </m:fPr>
-                            <m:num>
-                              <m:sSup>
-                                <m:sSupPr>
-                                  <m:ctrlPr>
-                                    <a:rPr lang="en-US" sz="2000" b="0" i="1" smtClean="0">
-                                      <a:latin typeface="Cambria Math" panose="02040503050406030204" pitchFamily="18" charset="0"/>
-                                    </a:rPr>
-                                  </m:ctrlPr>
-                                </m:sSupPr>
-                                <m:e>
-                                  <m:d>
-                                    <m:dPr>
-                                      <m:ctrlPr>
-                                        <a:rPr lang="en-US" sz="2000" b="0" i="1" smtClean="0">
-                                          <a:latin typeface="Cambria Math" panose="02040503050406030204" pitchFamily="18" charset="0"/>
-                                        </a:rPr>
-                                      </m:ctrlPr>
-                                    </m:dPr>
-                                    <m:e>
-                                      <m:f>
-                                        <m:fPr>
-                                          <m:type m:val="skw"/>
-                                          <m:ctrlPr>
-                                            <a:rPr lang="en-US" sz="2000" i="1">
-                                              <a:latin typeface="Cambria Math" panose="02040503050406030204" pitchFamily="18" charset="0"/>
-                                            </a:rPr>
-                                          </m:ctrlPr>
-                                        </m:fPr>
-                                        <m:num>
-                                          <m:sSubSup>
-                                            <m:sSubSupPr>
-                                              <m:ctrlPr>
-                                                <a:rPr lang="en-US" sz="2000" i="1">
-                                                  <a:latin typeface="Cambria Math" panose="02040503050406030204" pitchFamily="18" charset="0"/>
-                                                </a:rPr>
-                                              </m:ctrlPr>
-                                            </m:sSubSupPr>
-                                            <m:e>
-                                              <m:r>
-                                                <a:rPr lang="en-US" sz="2000" i="1">
-                                                  <a:latin typeface="Cambria Math" panose="02040503050406030204" pitchFamily="18" charset="0"/>
-                                                </a:rPr>
-                                                <m:t>𝑠</m:t>
-                                              </m:r>
-                                            </m:e>
-                                            <m:sub>
-                                              <m:r>
-                                                <a:rPr lang="en-US" sz="2000" i="1">
-                                                  <a:latin typeface="Cambria Math" panose="02040503050406030204" pitchFamily="18" charset="0"/>
-                                                </a:rPr>
-                                                <m:t>2</m:t>
-                                              </m:r>
-                                            </m:sub>
-                                            <m:sup>
-                                              <m:r>
-                                                <a:rPr lang="en-US" sz="2000" i="1">
-                                                  <a:latin typeface="Cambria Math" panose="02040503050406030204" pitchFamily="18" charset="0"/>
-                                                </a:rPr>
-                                                <m:t>2</m:t>
-                                              </m:r>
-                                            </m:sup>
-                                          </m:sSubSup>
-                                        </m:num>
-                                        <m:den>
-                                          <m:sSub>
-                                            <m:sSubPr>
-                                              <m:ctrlPr>
-                                                <a:rPr lang="en-US" sz="2000" i="1">
-                                                  <a:latin typeface="Cambria Math" panose="02040503050406030204" pitchFamily="18" charset="0"/>
-                                                </a:rPr>
-                                              </m:ctrlPr>
-                                            </m:sSubPr>
-                                            <m:e>
-                                              <m:r>
-                                                <a:rPr lang="en-US" sz="2000" i="1">
-                                                  <a:latin typeface="Cambria Math" panose="02040503050406030204" pitchFamily="18" charset="0"/>
-                                                </a:rPr>
-                                                <m:t>𝑛</m:t>
-                                              </m:r>
-                                            </m:e>
-                                            <m:sub>
-                                              <m:r>
-                                                <a:rPr lang="en-US" sz="2000" i="1">
-                                                  <a:latin typeface="Cambria Math" panose="02040503050406030204" pitchFamily="18" charset="0"/>
-                                                </a:rPr>
-                                                <m:t>2</m:t>
-                                              </m:r>
-                                            </m:sub>
-                                          </m:sSub>
-                                        </m:den>
-                                      </m:f>
-                                    </m:e>
-                                  </m:d>
-                                </m:e>
-                                <m:sup>
-                                  <m:r>
-                                    <a:rPr lang="en-US" sz="2000" b="0" i="1" smtClean="0">
-                                      <a:latin typeface="Cambria Math" panose="02040503050406030204" pitchFamily="18" charset="0"/>
-                                    </a:rPr>
-                                    <m:t>2</m:t>
-                                  </m:r>
-                                </m:sup>
-                              </m:sSup>
-                            </m:num>
-                            <m:den>
-                              <m:sSub>
-                                <m:sSubPr>
-                                  <m:ctrlPr>
-                                    <a:rPr lang="en-US" sz="2000" b="0" i="1" smtClean="0">
-                                      <a:latin typeface="Cambria Math" panose="02040503050406030204" pitchFamily="18" charset="0"/>
-                                    </a:rPr>
-                                  </m:ctrlPr>
-                                </m:sSubPr>
-                                <m:e>
-                                  <m:r>
-                                    <a:rPr lang="en-US" sz="2000" b="0" i="1" smtClean="0">
-                                      <a:latin typeface="Cambria Math" panose="02040503050406030204" pitchFamily="18" charset="0"/>
-                                    </a:rPr>
-                                    <m:t>𝑛</m:t>
-                                  </m:r>
-                                </m:e>
-                                <m:sub>
-                                  <m:r>
-                                    <a:rPr lang="en-US" sz="2000" b="0" i="1" smtClean="0">
-                                      <a:latin typeface="Cambria Math" panose="02040503050406030204" pitchFamily="18" charset="0"/>
-                                    </a:rPr>
-                                    <m:t>2</m:t>
-                                  </m:r>
-                                </m:sub>
-                              </m:sSub>
-                              <m:r>
-                                <a:rPr lang="en-US" sz="2000" b="0" i="1" smtClean="0">
-                                  <a:latin typeface="Cambria Math" panose="02040503050406030204" pitchFamily="18" charset="0"/>
-                                </a:rPr>
-                                <m:t>−1</m:t>
-                              </m:r>
-                            </m:den>
-                          </m:f>
-                        </m:den>
-                      </m:f>
+                        </m:e>
+                        <m:sub>
+                          <m:r>
+                            <a:rPr lang="en-US" sz="3600" b="0" i="1" smtClean="0">
+                              <a:latin typeface="Cambria Math" panose="02040503050406030204" pitchFamily="18" charset="0"/>
+                            </a:rPr>
+                            <m:t>𝜖</m:t>
+                          </m:r>
+                        </m:sub>
+                      </m:sSub>
+                      <m:r>
+                        <a:rPr lang="en-US" sz="3600" b="0" i="1" smtClean="0">
+                          <a:latin typeface="Cambria Math" panose="02040503050406030204" pitchFamily="18" charset="0"/>
+                        </a:rPr>
+                        <m:t>)</m:t>
+                      </m:r>
                     </m:oMath>
                   </m:oMathPara>
                 </a14:m>
-                <a:endParaRPr lang="en-US" sz="2000" b="0" i="1" dirty="0">
-                  <a:latin typeface="Cambria Math" panose="02040503050406030204" pitchFamily="18" charset="0"/>
-                </a:endParaRPr>
+                <a:endParaRPr lang="en-US" sz="3600" b="0" dirty="0"/>
               </a:p>
             </p:txBody>
           </p:sp>
         </mc:Choice>
-        <mc:Fallback xmlns="">
+        <mc:Fallback>
           <p:sp>
             <p:nvSpPr>
               <p:cNvPr id="4" name="TextBox 3">
                 <a:extLst>
                   <a:ext uri="{FF2B5EF4-FFF2-40B4-BE49-F238E27FC236}">
-                    <a16:creationId xmlns:a16="http://schemas.microsoft.com/office/drawing/2014/main" id="{32CD833D-E8D4-6A0C-9533-ACE2FBB46CE2}"/>
+                    <a16:creationId xmlns:a16="http://schemas.microsoft.com/office/drawing/2014/main" id="{C693C99D-8D93-D78C-5B37-BCFBC6EBEC0A}"/>
                   </a:ext>
                 </a:extLst>
               </p:cNvPr>
@@ -8985,8 +7086,8 @@
             </p:nvSpPr>
             <p:spPr>
               <a:xfrm>
-                <a:off x="3738562" y="2743200"/>
-                <a:ext cx="3200400" cy="1914242"/>
+                <a:off x="3810000" y="3352800"/>
+                <a:ext cx="4572000" cy="646331"/>
               </a:xfrm>
               <a:prstGeom prst="rect">
                 <a:avLst/>
@@ -9013,61 +7114,14 @@
           </p:sp>
         </mc:Fallback>
       </mc:AlternateContent>
-      <p:pic>
-        <p:nvPicPr>
-          <p:cNvPr id="1026" name="Picture 2" descr="Find the p value given a t value">
-            <a:extLst>
-              <a:ext uri="{FF2B5EF4-FFF2-40B4-BE49-F238E27FC236}">
-                <a16:creationId xmlns:a16="http://schemas.microsoft.com/office/drawing/2014/main" id="{C5456456-FE66-E054-93A1-9E3289D60899}"/>
-              </a:ext>
-            </a:extLst>
-          </p:cNvPr>
-          <p:cNvPicPr>
-            <a:picLocks noChangeAspect="1" noChangeArrowheads="1"/>
-          </p:cNvPicPr>
-          <p:nvPr/>
-        </p:nvPicPr>
-        <p:blipFill>
-          <a:blip r:embed="rId5" cstate="print">
-            <a:extLst>
-              <a:ext uri="{28A0092B-C50C-407E-A947-70E740481C1C}">
-                <a14:useLocalDpi xmlns:a14="http://schemas.microsoft.com/office/drawing/2010/main" val="0"/>
-              </a:ext>
-            </a:extLst>
-          </a:blip>
-          <a:srcRect/>
-          <a:stretch>
-            <a:fillRect/>
-          </a:stretch>
-        </p:blipFill>
-        <p:spPr bwMode="auto">
-          <a:xfrm>
-            <a:off x="7277100" y="2486180"/>
-            <a:ext cx="4229100" cy="2114550"/>
-          </a:xfrm>
-          <a:prstGeom prst="rect">
-            <a:avLst/>
-          </a:prstGeom>
-          <a:noFill/>
-          <a:extLst>
-            <a:ext uri="{909E8E84-426E-40DD-AFC4-6F175D3DCCD1}">
-              <a14:hiddenFill xmlns:a14="http://schemas.microsoft.com/office/drawing/2010/main">
-                <a:solidFill>
-                  <a:srgbClr val="FFFFFF"/>
-                </a:solidFill>
-              </a14:hiddenFill>
-            </a:ext>
-          </a:extLst>
-        </p:spPr>
-      </p:pic>
-      <mc:AlternateContent xmlns:mc="http://schemas.openxmlformats.org/markup-compatibility/2006" xmlns:a14="http://schemas.microsoft.com/office/drawing/2010/main">
-        <mc:Choice Requires="a14">
+      <mc:AlternateContent xmlns:mc="http://schemas.openxmlformats.org/markup-compatibility/2006">
+        <mc:Choice xmlns:a14="http://schemas.microsoft.com/office/drawing/2010/main" Requires="a14">
           <p:sp>
             <p:nvSpPr>
-              <p:cNvPr id="8" name="TextBox 7">
+              <p:cNvPr id="9" name="TextBox 8">
                 <a:extLst>
                   <a:ext uri="{FF2B5EF4-FFF2-40B4-BE49-F238E27FC236}">
-                    <a16:creationId xmlns:a16="http://schemas.microsoft.com/office/drawing/2014/main" id="{54C96C7F-3FDD-4980-7FCB-CEBB7BAEBE83}"/>
+                    <a16:creationId xmlns:a16="http://schemas.microsoft.com/office/drawing/2014/main" id="{84BAF8B0-1DFF-9638-5F49-9E012B103949}"/>
                   </a:ext>
                 </a:extLst>
               </p:cNvPr>
@@ -9076,8 +7130,8 @@
             </p:nvSpPr>
             <p:spPr>
               <a:xfrm>
-                <a:off x="9786939" y="4397649"/>
-                <a:ext cx="847724" cy="369332"/>
+                <a:off x="2514600" y="3337411"/>
+                <a:ext cx="4572000" cy="338554"/>
               </a:xfrm>
               <a:prstGeom prst="rect">
                 <a:avLst/>
@@ -9097,60 +7151,27 @@
                       <m:jc m:val="centerGroup"/>
                     </m:oMathParaPr>
                     <m:oMath xmlns:m="http://schemas.openxmlformats.org/officeDocument/2006/math">
-                      <m:sSup>
-                        <m:sSupPr>
-                          <m:ctrlPr>
-                            <a:rPr lang="en-US" b="0" i="1" smtClean="0">
-                              <a:latin typeface="Cambria Math" panose="02040503050406030204" pitchFamily="18" charset="0"/>
-                            </a:rPr>
-                          </m:ctrlPr>
-                        </m:sSupPr>
-                        <m:e>
-                          <m:r>
-                            <a:rPr lang="en-US" b="0" i="1" smtClean="0">
-                              <a:latin typeface="Cambria Math" panose="02040503050406030204" pitchFamily="18" charset="0"/>
-                            </a:rPr>
-                            <m:t>|</m:t>
-                          </m:r>
-                          <m:r>
-                            <a:rPr lang="en-US" b="0" i="1" smtClean="0">
-                              <a:latin typeface="Cambria Math" panose="02040503050406030204" pitchFamily="18" charset="0"/>
-                            </a:rPr>
-                            <m:t>𝑡</m:t>
-                          </m:r>
-                        </m:e>
-                        <m:sup>
-                          <m:r>
-                            <a:rPr lang="en-US" b="0" i="1" smtClean="0">
-                              <a:latin typeface="Cambria Math" panose="02040503050406030204" pitchFamily="18" charset="0"/>
-                            </a:rPr>
-                            <m:t>∗</m:t>
-                          </m:r>
-                        </m:sup>
-                      </m:sSup>
                       <m:r>
-                        <a:rPr lang="en-US" b="0" i="1" smtClean="0">
+                        <a:rPr lang="en-US" sz="1600" b="0" i="1" smtClean="0">
                           <a:latin typeface="Cambria Math" panose="02040503050406030204" pitchFamily="18" charset="0"/>
                         </a:rPr>
-                        <m:t>|</m:t>
+                        <m:t>𝑖𝑖𝑑</m:t>
                       </m:r>
                     </m:oMath>
                   </m:oMathPara>
                 </a14:m>
-                <a:endParaRPr lang="en-US" b="0" i="1" dirty="0">
-                  <a:latin typeface="Cambria Math" panose="02040503050406030204" pitchFamily="18" charset="0"/>
-                </a:endParaRPr>
+                <a:endParaRPr lang="en-US" sz="1600" b="0" dirty="0"/>
               </a:p>
             </p:txBody>
           </p:sp>
         </mc:Choice>
-        <mc:Fallback xmlns="">
+        <mc:Fallback>
           <p:sp>
             <p:nvSpPr>
-              <p:cNvPr id="8" name="TextBox 7">
+              <p:cNvPr id="9" name="TextBox 8">
                 <a:extLst>
                   <a:ext uri="{FF2B5EF4-FFF2-40B4-BE49-F238E27FC236}">
-                    <a16:creationId xmlns:a16="http://schemas.microsoft.com/office/drawing/2014/main" id="{54C96C7F-3FDD-4980-7FCB-CEBB7BAEBE83}"/>
+                    <a16:creationId xmlns:a16="http://schemas.microsoft.com/office/drawing/2014/main" id="{84BAF8B0-1DFF-9638-5F49-9E012B103949}"/>
                   </a:ext>
                 </a:extLst>
               </p:cNvPr>
@@ -9161,16 +7182,16 @@
             </p:nvSpPr>
             <p:spPr>
               <a:xfrm>
-                <a:off x="9786939" y="4397649"/>
-                <a:ext cx="847724" cy="369332"/>
+                <a:off x="2514600" y="3337411"/>
+                <a:ext cx="4572000" cy="338554"/>
               </a:xfrm>
               <a:prstGeom prst="rect">
                 <a:avLst/>
               </a:prstGeom>
               <a:blipFill>
-                <a:blip r:embed="rId6"/>
+                <a:blip r:embed="rId5"/>
                 <a:stretch>
-                  <a:fillRect b="-14754"/>
+                  <a:fillRect/>
                 </a:stretch>
               </a:blipFill>
             </p:spPr>
@@ -9189,100 +7210,14 @@
           </p:sp>
         </mc:Fallback>
       </mc:AlternateContent>
-      <p:cxnSp>
-        <p:nvCxnSpPr>
-          <p:cNvPr id="13" name="Straight Connector 12">
-            <a:extLst>
-              <a:ext uri="{FF2B5EF4-FFF2-40B4-BE49-F238E27FC236}">
-                <a16:creationId xmlns:a16="http://schemas.microsoft.com/office/drawing/2014/main" id="{B741C5CF-AD47-272A-BC3E-FE5590B87B3E}"/>
-              </a:ext>
-            </a:extLst>
-          </p:cNvPr>
-          <p:cNvCxnSpPr>
-            <a:cxnSpLocks/>
-          </p:cNvCxnSpPr>
-          <p:nvPr/>
-        </p:nvCxnSpPr>
-        <p:spPr>
-          <a:xfrm>
-            <a:off x="8610600" y="4114800"/>
-            <a:ext cx="0" cy="296983"/>
-          </a:xfrm>
-          <a:prstGeom prst="line">
-            <a:avLst/>
-          </a:prstGeom>
-          <a:ln w="76200">
-            <a:solidFill>
-              <a:srgbClr val="660066"/>
-            </a:solidFill>
-          </a:ln>
-        </p:spPr>
-        <p:style>
-          <a:lnRef idx="1">
-            <a:schemeClr val="accent1"/>
-          </a:lnRef>
-          <a:fillRef idx="0">
-            <a:schemeClr val="accent1"/>
-          </a:fillRef>
-          <a:effectRef idx="0">
-            <a:schemeClr val="accent1"/>
-          </a:effectRef>
-          <a:fontRef idx="minor">
-            <a:schemeClr val="tx1"/>
-          </a:fontRef>
-        </p:style>
-      </p:cxnSp>
-      <p:cxnSp>
-        <p:nvCxnSpPr>
-          <p:cNvPr id="14" name="Straight Connector 13">
-            <a:extLst>
-              <a:ext uri="{FF2B5EF4-FFF2-40B4-BE49-F238E27FC236}">
-                <a16:creationId xmlns:a16="http://schemas.microsoft.com/office/drawing/2014/main" id="{DE2B9421-3127-4C9E-002A-B37D8FC0E415}"/>
-              </a:ext>
-            </a:extLst>
-          </p:cNvPr>
-          <p:cNvCxnSpPr>
-            <a:cxnSpLocks/>
-          </p:cNvCxnSpPr>
-          <p:nvPr/>
-        </p:nvCxnSpPr>
-        <p:spPr>
-          <a:xfrm>
-            <a:off x="10210800" y="4114800"/>
-            <a:ext cx="0" cy="296982"/>
-          </a:xfrm>
-          <a:prstGeom prst="line">
-            <a:avLst/>
-          </a:prstGeom>
-          <a:ln w="76200">
-            <a:solidFill>
-              <a:srgbClr val="660066"/>
-            </a:solidFill>
-          </a:ln>
-        </p:spPr>
-        <p:style>
-          <a:lnRef idx="1">
-            <a:schemeClr val="accent1"/>
-          </a:lnRef>
-          <a:fillRef idx="0">
-            <a:schemeClr val="accent1"/>
-          </a:fillRef>
-          <a:effectRef idx="0">
-            <a:schemeClr val="accent1"/>
-          </a:effectRef>
-          <a:fontRef idx="minor">
-            <a:schemeClr val="tx1"/>
-          </a:fontRef>
-        </p:style>
-      </p:cxnSp>
-      <mc:AlternateContent xmlns:mc="http://schemas.openxmlformats.org/markup-compatibility/2006" xmlns:a14="http://schemas.microsoft.com/office/drawing/2010/main">
-        <mc:Choice Requires="a14">
+      <mc:AlternateContent xmlns:mc="http://schemas.openxmlformats.org/markup-compatibility/2006">
+        <mc:Choice xmlns:a14="http://schemas.microsoft.com/office/drawing/2010/main" Requires="a14">
           <p:sp>
             <p:nvSpPr>
-              <p:cNvPr id="15" name="TextBox 14">
+              <p:cNvPr id="11" name="TextBox 10">
                 <a:extLst>
                   <a:ext uri="{FF2B5EF4-FFF2-40B4-BE49-F238E27FC236}">
-                    <a16:creationId xmlns:a16="http://schemas.microsoft.com/office/drawing/2014/main" id="{DAF29CDA-A950-BF61-D552-CEC3CD534A0B}"/>
+                    <a16:creationId xmlns:a16="http://schemas.microsoft.com/office/drawing/2014/main" id="{1B2B02B3-6715-671B-0228-C7A4BC4E93F6}"/>
                   </a:ext>
                 </a:extLst>
               </p:cNvPr>
@@ -9291,8 +7226,8 @@
             </p:nvSpPr>
             <p:spPr>
               <a:xfrm>
-                <a:off x="8101016" y="4397649"/>
-                <a:ext cx="847724" cy="369332"/>
+                <a:off x="1066800" y="5145703"/>
+                <a:ext cx="9144000" cy="461665"/>
               </a:xfrm>
               <a:prstGeom prst="rect">
                 <a:avLst/>
@@ -9309,63 +7244,118 @@
                 <a14:m>
                   <m:oMathPara xmlns:m="http://schemas.openxmlformats.org/officeDocument/2006/math">
                     <m:oMathParaPr>
-                      <m:jc m:val="centerGroup"/>
+                      <m:jc m:val="left"/>
                     </m:oMathParaPr>
                     <m:oMath xmlns:m="http://schemas.openxmlformats.org/officeDocument/2006/math">
-                      <m:sSup>
-                        <m:sSupPr>
-                          <m:ctrlPr>
-                            <a:rPr lang="en-US" b="0" i="1" smtClean="0">
-                              <a:latin typeface="Cambria Math" panose="02040503050406030204" pitchFamily="18" charset="0"/>
-                            </a:rPr>
-                          </m:ctrlPr>
-                        </m:sSupPr>
-                        <m:e>
-                          <m:r>
-                            <a:rPr lang="en-US" b="0" i="1" smtClean="0">
-                              <a:latin typeface="Cambria Math" panose="02040503050406030204" pitchFamily="18" charset="0"/>
-                            </a:rPr>
-                            <m:t>−|</m:t>
-                          </m:r>
-                          <m:r>
-                            <a:rPr lang="en-US" b="0" i="1" smtClean="0">
-                              <a:latin typeface="Cambria Math" panose="02040503050406030204" pitchFamily="18" charset="0"/>
-                            </a:rPr>
-                            <m:t>𝑡</m:t>
-                          </m:r>
-                        </m:e>
-                        <m:sup>
-                          <m:r>
-                            <a:rPr lang="en-US" b="0" i="1" smtClean="0">
-                              <a:latin typeface="Cambria Math" panose="02040503050406030204" pitchFamily="18" charset="0"/>
-                            </a:rPr>
-                            <m:t>∗</m:t>
-                          </m:r>
-                        </m:sup>
-                      </m:sSup>
                       <m:r>
-                        <a:rPr lang="en-US" b="0" i="1" smtClean="0">
+                        <a:rPr lang="en-US" sz="2400" b="0" i="1" smtClean="0">
+                          <a:solidFill>
+                            <a:srgbClr val="660066"/>
+                          </a:solidFill>
                           <a:latin typeface="Cambria Math" panose="02040503050406030204" pitchFamily="18" charset="0"/>
                         </a:rPr>
-                        <m:t>|</m:t>
+                        <m:t>𝑖𝑖𝑑</m:t>
+                      </m:r>
+                      <m:r>
+                        <a:rPr lang="en-US" sz="2400" b="0" i="1" smtClean="0">
+                          <a:solidFill>
+                            <a:srgbClr val="660066"/>
+                          </a:solidFill>
+                          <a:latin typeface="Cambria Math" panose="02040503050406030204" pitchFamily="18" charset="0"/>
+                        </a:rPr>
+                        <m:t>="</m:t>
+                      </m:r>
+                      <m:r>
+                        <a:rPr lang="en-US" sz="2400" b="0" i="1" smtClean="0">
+                          <a:solidFill>
+                            <a:srgbClr val="660066"/>
+                          </a:solidFill>
+                          <a:latin typeface="Cambria Math" panose="02040503050406030204" pitchFamily="18" charset="0"/>
+                        </a:rPr>
+                        <m:t>𝐼𝑛𝑑𝑒𝑝𝑒𝑛𝑑𝑒𝑛𝑡</m:t>
+                      </m:r>
+                      <m:r>
+                        <a:rPr lang="en-US" sz="2400" b="0" i="1" smtClean="0">
+                          <a:solidFill>
+                            <a:srgbClr val="660066"/>
+                          </a:solidFill>
+                          <a:latin typeface="Cambria Math" panose="02040503050406030204" pitchFamily="18" charset="0"/>
+                        </a:rPr>
+                        <m:t> </m:t>
+                      </m:r>
+                      <m:r>
+                        <a:rPr lang="en-US" sz="2400" b="0" i="1" smtClean="0">
+                          <a:solidFill>
+                            <a:srgbClr val="660066"/>
+                          </a:solidFill>
+                          <a:latin typeface="Cambria Math" panose="02040503050406030204" pitchFamily="18" charset="0"/>
+                        </a:rPr>
+                        <m:t>𝑎𝑛𝑑</m:t>
+                      </m:r>
+                      <m:r>
+                        <a:rPr lang="en-US" sz="2400" b="0" i="1" smtClean="0">
+                          <a:solidFill>
+                            <a:srgbClr val="660066"/>
+                          </a:solidFill>
+                          <a:latin typeface="Cambria Math" panose="02040503050406030204" pitchFamily="18" charset="0"/>
+                        </a:rPr>
+                        <m:t> </m:t>
+                      </m:r>
+                      <m:r>
+                        <a:rPr lang="en-US" sz="2400" b="0" i="1" smtClean="0">
+                          <a:solidFill>
+                            <a:srgbClr val="660066"/>
+                          </a:solidFill>
+                          <a:latin typeface="Cambria Math" panose="02040503050406030204" pitchFamily="18" charset="0"/>
+                        </a:rPr>
+                        <m:t>𝐼𝑑𝑒𝑛𝑡𝑖𝑐𝑎𝑙𝑙𝑦</m:t>
+                      </m:r>
+                      <m:r>
+                        <a:rPr lang="en-US" sz="2400" b="0" i="1" smtClean="0">
+                          <a:solidFill>
+                            <a:srgbClr val="660066"/>
+                          </a:solidFill>
+                          <a:latin typeface="Cambria Math" panose="02040503050406030204" pitchFamily="18" charset="0"/>
+                        </a:rPr>
+                        <m:t> </m:t>
+                      </m:r>
+                      <m:r>
+                        <a:rPr lang="en-US" sz="2400" b="0" i="1" smtClean="0">
+                          <a:solidFill>
+                            <a:srgbClr val="660066"/>
+                          </a:solidFill>
+                          <a:latin typeface="Cambria Math" panose="02040503050406030204" pitchFamily="18" charset="0"/>
+                        </a:rPr>
+                        <m:t>𝐷𝑖𝑠𝑡𝑟𝑖𝑏𝑢𝑡𝑒𝑑</m:t>
+                      </m:r>
+                      <m:r>
+                        <a:rPr lang="en-US" sz="2400" b="0" i="1" smtClean="0">
+                          <a:solidFill>
+                            <a:srgbClr val="660066"/>
+                          </a:solidFill>
+                          <a:latin typeface="Cambria Math" panose="02040503050406030204" pitchFamily="18" charset="0"/>
+                        </a:rPr>
+                        <m:t>"</m:t>
                       </m:r>
                     </m:oMath>
                   </m:oMathPara>
                 </a14:m>
-                <a:endParaRPr lang="en-US" b="0" i="1" dirty="0">
-                  <a:latin typeface="Cambria Math" panose="02040503050406030204" pitchFamily="18" charset="0"/>
+                <a:endParaRPr lang="en-US" sz="2400" b="0" dirty="0">
+                  <a:solidFill>
+                    <a:srgbClr val="660066"/>
+                  </a:solidFill>
                 </a:endParaRPr>
               </a:p>
             </p:txBody>
           </p:sp>
         </mc:Choice>
-        <mc:Fallback xmlns="">
+        <mc:Fallback>
           <p:sp>
             <p:nvSpPr>
-              <p:cNvPr id="15" name="TextBox 14">
+              <p:cNvPr id="11" name="TextBox 10">
                 <a:extLst>
                   <a:ext uri="{FF2B5EF4-FFF2-40B4-BE49-F238E27FC236}">
-                    <a16:creationId xmlns:a16="http://schemas.microsoft.com/office/drawing/2014/main" id="{DAF29CDA-A950-BF61-D552-CEC3CD534A0B}"/>
+                    <a16:creationId xmlns:a16="http://schemas.microsoft.com/office/drawing/2014/main" id="{1B2B02B3-6715-671B-0228-C7A4BC4E93F6}"/>
                   </a:ext>
                 </a:extLst>
               </p:cNvPr>
@@ -9376,16 +7366,16 @@
             </p:nvSpPr>
             <p:spPr>
               <a:xfrm>
-                <a:off x="8101016" y="4397649"/>
-                <a:ext cx="847724" cy="369332"/>
+                <a:off x="1066800" y="5145703"/>
+                <a:ext cx="9144000" cy="461665"/>
               </a:xfrm>
               <a:prstGeom prst="rect">
                 <a:avLst/>
               </a:prstGeom>
               <a:blipFill>
-                <a:blip r:embed="rId7"/>
+                <a:blip r:embed="rId6"/>
                 <a:stretch>
-                  <a:fillRect b="-14754"/>
+                  <a:fillRect l="-200" b="-17105"/>
                 </a:stretch>
               </a:blipFill>
             </p:spPr>
@@ -9407,7 +7397,7 @@
     </p:spTree>
     <p:extLst>
       <p:ext uri="{BB962C8B-B14F-4D97-AF65-F5344CB8AC3E}">
-        <p14:creationId xmlns:p14="http://schemas.microsoft.com/office/powerpoint/2010/main" val="1680166844"/>
+        <p14:creationId xmlns:p14="http://schemas.microsoft.com/office/powerpoint/2010/main" val="3445400695"/>
       </p:ext>
     </p:extLst>
   </p:cSld>
@@ -9417,7 +7407,7 @@
 </p:sld>
 </file>
 
-<file path=ppt/slides/slide15.xml><?xml version="1.0" encoding="utf-8"?>
+<file path=ppt/slides/slide7.xml><?xml version="1.0" encoding="utf-8"?>
 <p:sld xmlns:a="http://schemas.openxmlformats.org/drawingml/2006/main" xmlns:r="http://schemas.openxmlformats.org/officeDocument/2006/relationships" xmlns:p="http://schemas.openxmlformats.org/presentationml/2006/main">
   <p:cSld>
     <p:spTree>
@@ -9576,191 +7566,837 @@
           <a:p>
             <a:pPr algn="ctr"/>
             <a:r>
-              <a:rPr lang="en-US" sz="4800" dirty="0">
+              <a:rPr lang="en-US" sz="4800" b="1" dirty="0">
                 <a:solidFill>
                   <a:srgbClr val="2D3A37"/>
                 </a:solidFill>
+                <a:latin typeface="Adobe Devanagari" panose="02040503050201020203" pitchFamily="18" charset="0"/>
+                <a:cs typeface="Adobe Devanagari" panose="02040503050201020203" pitchFamily="18" charset="0"/>
               </a:rPr>
-              <a:t>Supplement for Lecture 2</a:t>
-            </a:r>
-          </a:p>
-        </p:txBody>
-      </p:sp>
-      <p:sp>
-        <p:nvSpPr>
-          <p:cNvPr id="7" name="TextBox 6">
-            <a:extLst>
-              <a:ext uri="{FF2B5EF4-FFF2-40B4-BE49-F238E27FC236}">
-                <a16:creationId xmlns:a16="http://schemas.microsoft.com/office/drawing/2014/main" id="{D9B238EA-D04E-3255-7509-F990F1A8F309}"/>
-              </a:ext>
-            </a:extLst>
-          </p:cNvPr>
-          <p:cNvSpPr txBox="1"/>
-          <p:nvPr/>
-        </p:nvSpPr>
-        <p:spPr>
-          <a:xfrm>
-            <a:off x="495300" y="1977074"/>
-            <a:ext cx="11201400" cy="4392692"/>
-          </a:xfrm>
-          <a:prstGeom prst="roundRect">
-            <a:avLst/>
-          </a:prstGeom>
-          <a:solidFill>
-            <a:schemeClr val="bg1"/>
-          </a:solidFill>
-          <a:ln w="76200">
-            <a:solidFill>
-              <a:srgbClr val="FFC416"/>
-            </a:solidFill>
-          </a:ln>
-        </p:spPr>
-        <p:style>
-          <a:lnRef idx="2">
-            <a:schemeClr val="dk1"/>
-          </a:lnRef>
-          <a:fillRef idx="1">
-            <a:schemeClr val="lt1"/>
-          </a:fillRef>
-          <a:effectRef idx="0">
-            <a:schemeClr val="dk1"/>
-          </a:effectRef>
-          <a:fontRef idx="minor">
-            <a:schemeClr val="dk1"/>
-          </a:fontRef>
-        </p:style>
-        <p:txBody>
-          <a:bodyPr wrap="square" rtlCol="0">
-            <a:spAutoFit/>
-          </a:bodyPr>
-          <a:lstStyle/>
-          <a:p>
-            <a:pPr marL="457200" indent="-457200">
-              <a:buFont typeface="Arial" panose="020B0604020202020204" pitchFamily="34" charset="0"/>
-              <a:buChar char="•"/>
-            </a:pPr>
-            <a:r>
-              <a:rPr lang="en-US" sz="2800" dirty="0">
-                <a:solidFill>
-                  <a:srgbClr val="660066"/>
-                </a:solidFill>
-              </a:rPr>
-              <a:t>Welch’s Two-Sample t-Test</a:t>
-            </a:r>
-          </a:p>
-          <a:p>
-            <a:pPr marL="914400" lvl="1" indent="-457200">
-              <a:buFont typeface="Arial" panose="020B0604020202020204" pitchFamily="34" charset="0"/>
-              <a:buChar char="•"/>
-            </a:pPr>
-            <a:r>
-              <a:rPr lang="en-US" sz="2800" dirty="0">
-                <a:solidFill>
-                  <a:srgbClr val="660066"/>
-                </a:solidFill>
-              </a:rPr>
-              <a:t>Assume 2 Independent Simple Random Samples from Normal Dist.</a:t>
-            </a:r>
-          </a:p>
-          <a:p>
-            <a:pPr marL="914400" lvl="1" indent="-457200">
-              <a:buFont typeface="Arial" panose="020B0604020202020204" pitchFamily="34" charset="0"/>
-              <a:buChar char="•"/>
-            </a:pPr>
-            <a:r>
-              <a:rPr lang="en-US" sz="2800" dirty="0">
-                <a:solidFill>
-                  <a:srgbClr val="660066"/>
-                </a:solidFill>
-              </a:rPr>
-              <a:t>Don’t Assume that Populations Have Equal Variances</a:t>
-            </a:r>
-          </a:p>
-          <a:p>
-            <a:pPr marL="457200" indent="-457200">
-              <a:buFont typeface="Arial" panose="020B0604020202020204" pitchFamily="34" charset="0"/>
-              <a:buChar char="•"/>
-            </a:pPr>
-            <a:endParaRPr lang="en-US" sz="2800" dirty="0">
+              <a:t>Standard Error of Regression</a:t>
+            </a:r>
+            <a:endParaRPr lang="en-US" sz="4800" dirty="0">
               <a:solidFill>
-                <a:srgbClr val="660066"/>
+                <a:srgbClr val="2D3A37"/>
               </a:solidFill>
             </a:endParaRPr>
           </a:p>
-          <a:p>
-            <a:pPr marL="457200" indent="-457200">
-              <a:buFont typeface="Arial" panose="020B0604020202020204" pitchFamily="34" charset="0"/>
-              <a:buChar char="•"/>
-            </a:pPr>
-            <a:r>
-              <a:rPr lang="en-US" sz="2800" dirty="0">
+        </p:txBody>
+      </p:sp>
+      <mc:AlternateContent xmlns:mc="http://schemas.openxmlformats.org/markup-compatibility/2006">
+        <mc:Choice xmlns:a14="http://schemas.microsoft.com/office/drawing/2010/main" Requires="a14">
+          <p:sp>
+            <p:nvSpPr>
+              <p:cNvPr id="7" name="TextBox 6">
+                <a:extLst>
+                  <a:ext uri="{FF2B5EF4-FFF2-40B4-BE49-F238E27FC236}">
+                    <a16:creationId xmlns:a16="http://schemas.microsoft.com/office/drawing/2014/main" id="{D9B238EA-D04E-3255-7509-F990F1A8F309}"/>
+                  </a:ext>
+                </a:extLst>
+              </p:cNvPr>
+              <p:cNvSpPr txBox="1"/>
+              <p:nvPr/>
+            </p:nvSpPr>
+            <p:spPr>
+              <a:xfrm flipH="1">
+                <a:off x="495300" y="1977074"/>
+                <a:ext cx="11201400" cy="4869418"/>
+              </a:xfrm>
+              <a:prstGeom prst="roundRect">
+                <a:avLst/>
+              </a:prstGeom>
+              <a:solidFill>
+                <a:schemeClr val="bg1"/>
+              </a:solidFill>
+              <a:ln w="76200">
                 <a:solidFill>
-                  <a:srgbClr val="660066"/>
+                  <a:srgbClr val="FFC416"/>
                 </a:solidFill>
-              </a:rPr>
-              <a:t>Interpretation of p-value: </a:t>
-            </a:r>
-            <a:r>
-              <a:rPr lang="en-US" sz="2800" i="1" dirty="0">
+              </a:ln>
+            </p:spPr>
+            <p:style>
+              <a:lnRef idx="2">
+                <a:schemeClr val="dk1"/>
+              </a:lnRef>
+              <a:fillRef idx="1">
+                <a:schemeClr val="lt1"/>
+              </a:fillRef>
+              <a:effectRef idx="0">
+                <a:schemeClr val="dk1"/>
+              </a:effectRef>
+              <a:fontRef idx="minor">
+                <a:schemeClr val="dk1"/>
+              </a:fontRef>
+            </p:style>
+            <p:txBody>
+              <a:bodyPr wrap="square" rtlCol="0">
+                <a:spAutoFit/>
+              </a:bodyPr>
+              <a:lstStyle/>
+              <a:p>
+                <a:pPr marL="457200" indent="-457200">
+                  <a:buFont typeface="Arial" panose="020B0604020202020204" pitchFamily="34" charset="0"/>
+                  <a:buChar char="•"/>
+                </a:pPr>
+                <a:r>
+                  <a:rPr lang="en-US" sz="2800" dirty="0">
+                    <a:solidFill>
+                      <a:srgbClr val="660066"/>
+                    </a:solidFill>
+                  </a:rPr>
+                  <a:t>The Parameter </a:t>
+                </a:r>
+                <a14:m>
+                  <m:oMath xmlns:m="http://schemas.openxmlformats.org/officeDocument/2006/math">
+                    <m:sSub>
+                      <m:sSubPr>
+                        <m:ctrlPr>
+                          <a:rPr lang="en-US" sz="2800" b="0" i="1" smtClean="0">
+                            <a:solidFill>
+                              <a:srgbClr val="660066"/>
+                            </a:solidFill>
+                            <a:latin typeface="Cambria Math" panose="02040503050406030204" pitchFamily="18" charset="0"/>
+                          </a:rPr>
+                        </m:ctrlPr>
+                      </m:sSubPr>
+                      <m:e>
+                        <m:r>
+                          <a:rPr lang="en-US" sz="2800" b="0" i="1" smtClean="0">
+                            <a:solidFill>
+                              <a:srgbClr val="660066"/>
+                            </a:solidFill>
+                            <a:latin typeface="Cambria Math" panose="02040503050406030204" pitchFamily="18" charset="0"/>
+                          </a:rPr>
+                          <m:t>𝜎</m:t>
+                        </m:r>
+                      </m:e>
+                      <m:sub>
+                        <m:r>
+                          <m:rPr>
+                            <m:sty m:val="p"/>
+                          </m:rPr>
+                          <a:rPr lang="en-US" sz="2800" b="0" i="1" smtClean="0">
+                            <a:solidFill>
+                              <a:srgbClr val="660066"/>
+                            </a:solidFill>
+                            <a:latin typeface="Cambria Math" panose="02040503050406030204" pitchFamily="18" charset="0"/>
+                          </a:rPr>
+                          <m:t>ϵ</m:t>
+                        </m:r>
+                      </m:sub>
+                    </m:sSub>
+                  </m:oMath>
+                </a14:m>
+                <a:r>
+                  <a:rPr lang="en-US" sz="2800" b="0" dirty="0">
+                    <a:solidFill>
+                      <a:srgbClr val="660066"/>
+                    </a:solidFill>
+                  </a:rPr>
+                  <a:t> Represents Standard Deviation of the Errors Around the Linear Regression Line</a:t>
+                </a:r>
+              </a:p>
+              <a:p>
+                <a:pPr marL="457200" indent="-457200">
+                  <a:buFont typeface="Arial" panose="020B0604020202020204" pitchFamily="34" charset="0"/>
+                  <a:buChar char="•"/>
+                </a:pPr>
+                <a:endParaRPr lang="en-US" sz="2800" dirty="0">
+                  <a:solidFill>
+                    <a:srgbClr val="660066"/>
+                  </a:solidFill>
+                </a:endParaRPr>
+              </a:p>
+              <a:p>
+                <a:pPr marL="457200" indent="-457200">
+                  <a:buFont typeface="Arial" panose="020B0604020202020204" pitchFamily="34" charset="0"/>
+                  <a:buChar char="•"/>
+                </a:pPr>
+                <a:r>
+                  <a:rPr lang="en-US" sz="2800" b="1" dirty="0">
+                    <a:solidFill>
+                      <a:srgbClr val="660066"/>
+                    </a:solidFill>
+                  </a:rPr>
+                  <a:t>Standard Error of Regression </a:t>
+                </a:r>
+                <a14:m>
+                  <m:oMath xmlns:m="http://schemas.openxmlformats.org/officeDocument/2006/math">
+                    <m:sSub>
+                      <m:sSubPr>
+                        <m:ctrlPr>
+                          <a:rPr lang="en-US" sz="2800" b="0" i="1" smtClean="0">
+                            <a:solidFill>
+                              <a:srgbClr val="660066"/>
+                            </a:solidFill>
+                            <a:latin typeface="Cambria Math" panose="02040503050406030204" pitchFamily="18" charset="0"/>
+                          </a:rPr>
+                        </m:ctrlPr>
+                      </m:sSubPr>
+                      <m:e>
+                        <m:acc>
+                          <m:accPr>
+                            <m:chr m:val="̂"/>
+                            <m:ctrlPr>
+                              <a:rPr lang="en-US" sz="2800" b="0" i="1" smtClean="0">
+                                <a:solidFill>
+                                  <a:srgbClr val="660066"/>
+                                </a:solidFill>
+                                <a:latin typeface="Cambria Math" panose="02040503050406030204" pitchFamily="18" charset="0"/>
+                              </a:rPr>
+                            </m:ctrlPr>
+                          </m:accPr>
+                          <m:e>
+                            <m:r>
+                              <a:rPr lang="en-US" sz="2800" b="0" i="1" smtClean="0">
+                                <a:solidFill>
+                                  <a:srgbClr val="660066"/>
+                                </a:solidFill>
+                                <a:latin typeface="Cambria Math" panose="02040503050406030204" pitchFamily="18" charset="0"/>
+                              </a:rPr>
+                              <m:t>𝜎</m:t>
+                            </m:r>
+                          </m:e>
+                        </m:acc>
+                      </m:e>
+                      <m:sub>
+                        <m:r>
+                          <m:rPr>
+                            <m:sty m:val="p"/>
+                          </m:rPr>
+                          <a:rPr lang="en-US" sz="2800" b="0" i="1" smtClean="0">
+                            <a:solidFill>
+                              <a:srgbClr val="660066"/>
+                            </a:solidFill>
+                            <a:latin typeface="Cambria Math" panose="02040503050406030204" pitchFamily="18" charset="0"/>
+                          </a:rPr>
+                          <m:t>ϵ</m:t>
+                        </m:r>
+                      </m:sub>
+                    </m:sSub>
+                  </m:oMath>
+                </a14:m>
+                <a:r>
+                  <a:rPr lang="en-US" sz="2800" b="0" dirty="0">
+                    <a:solidFill>
+                      <a:srgbClr val="660066"/>
+                    </a:solidFill>
+                  </a:rPr>
+                  <a:t> : Represents the “Typical” Error</a:t>
+                </a:r>
+                <a:endParaRPr lang="en-US" sz="2800" i="1" dirty="0">
+                  <a:solidFill>
+                    <a:srgbClr val="660066"/>
+                  </a:solidFill>
+                </a:endParaRPr>
+              </a:p>
+              <a:p>
+                <a:pPr marL="457200" indent="-457200">
+                  <a:buFont typeface="Arial" panose="020B0604020202020204" pitchFamily="34" charset="0"/>
+                  <a:buChar char="•"/>
+                </a:pPr>
+                <a:endParaRPr lang="en-US" sz="2800" i="1" dirty="0">
+                  <a:solidFill>
+                    <a:srgbClr val="660066"/>
+                  </a:solidFill>
+                </a:endParaRPr>
+              </a:p>
+              <a:p>
+                <a:pPr marL="457200" indent="-457200">
+                  <a:buFont typeface="Arial" panose="020B0604020202020204" pitchFamily="34" charset="0"/>
+                  <a:buChar char="•"/>
+                </a:pPr>
+                <a:endParaRPr lang="en-US" sz="2800" i="1" dirty="0">
+                  <a:solidFill>
+                    <a:srgbClr val="660066"/>
+                  </a:solidFill>
+                </a:endParaRPr>
+              </a:p>
+              <a:p>
+                <a:pPr marL="457200" indent="-457200">
+                  <a:buFont typeface="Arial" panose="020B0604020202020204" pitchFamily="34" charset="0"/>
+                  <a:buChar char="•"/>
+                </a:pPr>
+                <a:endParaRPr lang="en-US" sz="2800" i="1" dirty="0">
+                  <a:solidFill>
+                    <a:srgbClr val="660066"/>
+                  </a:solidFill>
+                </a:endParaRPr>
+              </a:p>
+              <a:p>
+                <a:pPr marL="457200" indent="-457200">
+                  <a:buFont typeface="Arial" panose="020B0604020202020204" pitchFamily="34" charset="0"/>
+                  <a:buChar char="•"/>
+                </a:pPr>
+                <a:r>
+                  <a:rPr lang="en-US" sz="2800" b="1" dirty="0">
+                    <a:solidFill>
+                      <a:srgbClr val="660066"/>
+                    </a:solidFill>
+                  </a:rPr>
+                  <a:t>Degrees of Freedom: </a:t>
+                </a:r>
+                <a:r>
+                  <a:rPr lang="en-US" sz="2800" dirty="0">
+                    <a:solidFill>
+                      <a:srgbClr val="660066"/>
+                    </a:solidFill>
+                  </a:rPr>
+                  <a:t>Sample Size Minus Number of Parameters</a:t>
+                </a:r>
+              </a:p>
+              <a:p>
+                <a:pPr marL="457200" indent="-457200">
+                  <a:buFont typeface="Arial" panose="020B0604020202020204" pitchFamily="34" charset="0"/>
+                  <a:buChar char="•"/>
+                </a:pPr>
+                <a:endParaRPr lang="en-US" sz="2800" b="1" dirty="0">
+                  <a:solidFill>
+                    <a:srgbClr val="660066"/>
+                  </a:solidFill>
+                </a:endParaRPr>
+              </a:p>
+              <a:p>
+                <a:pPr marL="457200" indent="-457200">
+                  <a:buFont typeface="Arial" panose="020B0604020202020204" pitchFamily="34" charset="0"/>
+                  <a:buChar char="•"/>
+                </a:pPr>
+                <a:r>
+                  <a:rPr lang="en-US" sz="2800" dirty="0">
+                    <a:solidFill>
+                      <a:srgbClr val="660066"/>
+                    </a:solidFill>
+                  </a:rPr>
+                  <a:t>Recall Formula for Standard Deviation (Divide by </a:t>
+                </a:r>
+                <a:r>
+                  <a:rPr lang="en-US" sz="2800" i="1" dirty="0">
+                    <a:solidFill>
+                      <a:srgbClr val="660066"/>
+                    </a:solidFill>
+                  </a:rPr>
+                  <a:t>n-1</a:t>
+                </a:r>
+                <a:r>
+                  <a:rPr lang="en-US" sz="2800" dirty="0">
+                    <a:solidFill>
+                      <a:srgbClr val="660066"/>
+                    </a:solidFill>
+                  </a:rPr>
+                  <a:t>)</a:t>
+                </a:r>
+              </a:p>
+            </p:txBody>
+          </p:sp>
+        </mc:Choice>
+        <mc:Fallback>
+          <p:sp>
+            <p:nvSpPr>
+              <p:cNvPr id="7" name="TextBox 6">
+                <a:extLst>
+                  <a:ext uri="{FF2B5EF4-FFF2-40B4-BE49-F238E27FC236}">
+                    <a16:creationId xmlns:a16="http://schemas.microsoft.com/office/drawing/2014/main" id="{D9B238EA-D04E-3255-7509-F990F1A8F309}"/>
+                  </a:ext>
+                </a:extLst>
+              </p:cNvPr>
+              <p:cNvSpPr txBox="1">
+                <a:spLocks noRot="1" noChangeAspect="1" noMove="1" noResize="1" noEditPoints="1" noAdjustHandles="1" noChangeArrowheads="1" noChangeShapeType="1" noTextEdit="1"/>
+              </p:cNvSpPr>
+              <p:nvPr/>
+            </p:nvSpPr>
+            <p:spPr>
+              <a:xfrm flipH="1">
+                <a:off x="495300" y="1977074"/>
+                <a:ext cx="11201400" cy="4869418"/>
+              </a:xfrm>
+              <a:prstGeom prst="roundRect">
+                <a:avLst/>
+              </a:prstGeom>
+              <a:blipFill>
+                <a:blip r:embed="rId3"/>
+                <a:stretch>
+                  <a:fillRect/>
+                </a:stretch>
+              </a:blipFill>
+              <a:ln w="76200">
                 <a:solidFill>
-                  <a:srgbClr val="660066"/>
+                  <a:srgbClr val="FFC416"/>
                 </a:solidFill>
-              </a:rPr>
-              <a:t>Assuming the null hypothesis is true, the       </a:t>
-            </a:r>
-            <a:r>
-              <a:rPr lang="en-US" sz="2800" b="1" i="1" dirty="0">
-                <a:solidFill>
-                  <a:srgbClr val="660066"/>
-                </a:solidFill>
-              </a:rPr>
-              <a:t>p-value </a:t>
-            </a:r>
-            <a:r>
-              <a:rPr lang="en-US" sz="2800" i="1" dirty="0">
-                <a:solidFill>
-                  <a:srgbClr val="660066"/>
-                </a:solidFill>
-              </a:rPr>
-              <a:t>measures the percent of all  possible test-statistics that are  more extreme than the one we observed (Ex: -1.185) </a:t>
-            </a:r>
-          </a:p>
-          <a:p>
-            <a:pPr marL="457200" indent="-457200">
-              <a:buFont typeface="Arial" panose="020B0604020202020204" pitchFamily="34" charset="0"/>
-              <a:buChar char="•"/>
-            </a:pPr>
-            <a:endParaRPr lang="en-US" sz="2800" i="1" dirty="0">
-              <a:solidFill>
-                <a:srgbClr val="660066"/>
-              </a:solidFill>
-            </a:endParaRPr>
-          </a:p>
-          <a:p>
-            <a:pPr marL="457200" indent="-457200">
-              <a:buFont typeface="Arial" panose="020B0604020202020204" pitchFamily="34" charset="0"/>
-              <a:buChar char="•"/>
-            </a:pPr>
-            <a:r>
-              <a:rPr lang="en-US" sz="2800" i="1" dirty="0">
-                <a:solidFill>
-                  <a:srgbClr val="660066"/>
-                </a:solidFill>
-              </a:rPr>
-              <a:t>Assess Validity of Assumptions</a:t>
-            </a:r>
-            <a:endParaRPr lang="en-US" sz="2800" dirty="0">
-              <a:solidFill>
-                <a:srgbClr val="660066"/>
-              </a:solidFill>
-            </a:endParaRPr>
-          </a:p>
-        </p:txBody>
-      </p:sp>
+              </a:ln>
+            </p:spPr>
+            <p:txBody>
+              <a:bodyPr/>
+              <a:lstStyle/>
+              <a:p>
+                <a:r>
+                  <a:rPr lang="en-US">
+                    <a:noFill/>
+                  </a:rPr>
+                  <a:t> </a:t>
+                </a:r>
+              </a:p>
+            </p:txBody>
+          </p:sp>
+        </mc:Fallback>
+      </mc:AlternateContent>
+      <mc:AlternateContent xmlns:mc="http://schemas.openxmlformats.org/markup-compatibility/2006">
+        <mc:Choice xmlns:a14="http://schemas.microsoft.com/office/drawing/2010/main" Requires="a14">
+          <p:sp>
+            <p:nvSpPr>
+              <p:cNvPr id="5" name="TextBox 4">
+                <a:extLst>
+                  <a:ext uri="{FF2B5EF4-FFF2-40B4-BE49-F238E27FC236}">
+                    <a16:creationId xmlns:a16="http://schemas.microsoft.com/office/drawing/2014/main" id="{9E1B8089-A075-B525-5C63-F47DEF71E23F}"/>
+                  </a:ext>
+                </a:extLst>
+              </p:cNvPr>
+              <p:cNvSpPr txBox="1"/>
+              <p:nvPr/>
+            </p:nvSpPr>
+            <p:spPr>
+              <a:xfrm>
+                <a:off x="1447800" y="3955839"/>
+                <a:ext cx="8534400" cy="1229376"/>
+              </a:xfrm>
+              <a:prstGeom prst="rect">
+                <a:avLst/>
+              </a:prstGeom>
+              <a:noFill/>
+            </p:spPr>
+            <p:txBody>
+              <a:bodyPr wrap="square" rtlCol="0">
+                <a:spAutoFit/>
+              </a:bodyPr>
+              <a:lstStyle/>
+              <a:p>
+                <a:pPr/>
+                <a14:m>
+                  <m:oMathPara xmlns:m="http://schemas.openxmlformats.org/officeDocument/2006/math">
+                    <m:oMathParaPr>
+                      <m:jc m:val="centerGroup"/>
+                    </m:oMathParaPr>
+                    <m:oMath xmlns:m="http://schemas.openxmlformats.org/officeDocument/2006/math">
+                      <m:sSub>
+                        <m:sSubPr>
+                          <m:ctrlPr>
+                            <a:rPr lang="en-US" sz="2400" i="1" smtClean="0">
+                              <a:solidFill>
+                                <a:srgbClr val="660066"/>
+                              </a:solidFill>
+                              <a:latin typeface="Cambria Math" panose="02040503050406030204" pitchFamily="18" charset="0"/>
+                            </a:rPr>
+                          </m:ctrlPr>
+                        </m:sSubPr>
+                        <m:e>
+                          <m:acc>
+                            <m:accPr>
+                              <m:chr m:val="̂"/>
+                              <m:ctrlPr>
+                                <a:rPr lang="en-US" sz="2400" i="1">
+                                  <a:solidFill>
+                                    <a:srgbClr val="660066"/>
+                                  </a:solidFill>
+                                  <a:latin typeface="Cambria Math" panose="02040503050406030204" pitchFamily="18" charset="0"/>
+                                </a:rPr>
+                              </m:ctrlPr>
+                            </m:accPr>
+                            <m:e>
+                              <m:r>
+                                <a:rPr lang="en-US" sz="2400" i="1">
+                                  <a:solidFill>
+                                    <a:srgbClr val="660066"/>
+                                  </a:solidFill>
+                                  <a:latin typeface="Cambria Math" panose="02040503050406030204" pitchFamily="18" charset="0"/>
+                                </a:rPr>
+                                <m:t>𝜎</m:t>
+                              </m:r>
+                            </m:e>
+                          </m:acc>
+                        </m:e>
+                        <m:sub>
+                          <m:r>
+                            <m:rPr>
+                              <m:sty m:val="p"/>
+                            </m:rPr>
+                            <a:rPr lang="en-US" sz="2400" i="1">
+                              <a:solidFill>
+                                <a:srgbClr val="660066"/>
+                              </a:solidFill>
+                              <a:latin typeface="Cambria Math" panose="02040503050406030204" pitchFamily="18" charset="0"/>
+                            </a:rPr>
+                            <m:t>ϵ</m:t>
+                          </m:r>
+                        </m:sub>
+                      </m:sSub>
+                      <m:r>
+                        <a:rPr lang="en-US" sz="2400" b="0" i="0" smtClean="0">
+                          <a:solidFill>
+                            <a:srgbClr val="660066"/>
+                          </a:solidFill>
+                          <a:latin typeface="Cambria Math" panose="02040503050406030204" pitchFamily="18" charset="0"/>
+                        </a:rPr>
+                        <m:t>=</m:t>
+                      </m:r>
+                      <m:rad>
+                        <m:radPr>
+                          <m:degHide m:val="on"/>
+                          <m:ctrlPr>
+                            <a:rPr lang="en-US" sz="2400" b="0" i="1" smtClean="0">
+                              <a:solidFill>
+                                <a:srgbClr val="660066"/>
+                              </a:solidFill>
+                              <a:latin typeface="Cambria Math" panose="02040503050406030204" pitchFamily="18" charset="0"/>
+                            </a:rPr>
+                          </m:ctrlPr>
+                        </m:radPr>
+                        <m:deg/>
+                        <m:e>
+                          <m:f>
+                            <m:fPr>
+                              <m:ctrlPr>
+                                <a:rPr lang="en-US" sz="2400" b="0" i="1" smtClean="0">
+                                  <a:solidFill>
+                                    <a:srgbClr val="660066"/>
+                                  </a:solidFill>
+                                  <a:latin typeface="Cambria Math" panose="02040503050406030204" pitchFamily="18" charset="0"/>
+                                </a:rPr>
+                              </m:ctrlPr>
+                            </m:fPr>
+                            <m:num>
+                              <m:r>
+                                <a:rPr lang="en-US" sz="2400" b="0" i="1" smtClean="0">
+                                  <a:solidFill>
+                                    <a:srgbClr val="660066"/>
+                                  </a:solidFill>
+                                  <a:latin typeface="Cambria Math" panose="02040503050406030204" pitchFamily="18" charset="0"/>
+                                </a:rPr>
+                                <m:t>∑</m:t>
+                              </m:r>
+                              <m:sSup>
+                                <m:sSupPr>
+                                  <m:ctrlPr>
+                                    <a:rPr lang="en-US" sz="2400" b="0" i="1" smtClean="0">
+                                      <a:solidFill>
+                                        <a:srgbClr val="660066"/>
+                                      </a:solidFill>
+                                      <a:latin typeface="Cambria Math" panose="02040503050406030204" pitchFamily="18" charset="0"/>
+                                    </a:rPr>
+                                  </m:ctrlPr>
+                                </m:sSupPr>
+                                <m:e>
+                                  <m:d>
+                                    <m:dPr>
+                                      <m:ctrlPr>
+                                        <a:rPr lang="en-US" sz="2400" b="0" i="1" smtClean="0">
+                                          <a:solidFill>
+                                            <a:srgbClr val="660066"/>
+                                          </a:solidFill>
+                                          <a:latin typeface="Cambria Math" panose="02040503050406030204" pitchFamily="18" charset="0"/>
+                                        </a:rPr>
+                                      </m:ctrlPr>
+                                    </m:dPr>
+                                    <m:e>
+                                      <m:r>
+                                        <a:rPr lang="en-US" sz="2400" b="0" i="1" smtClean="0">
+                                          <a:solidFill>
+                                            <a:srgbClr val="660066"/>
+                                          </a:solidFill>
+                                          <a:latin typeface="Cambria Math" panose="02040503050406030204" pitchFamily="18" charset="0"/>
+                                        </a:rPr>
+                                        <m:t>𝑦</m:t>
+                                      </m:r>
+                                      <m:r>
+                                        <a:rPr lang="en-US" sz="2400" b="0" i="1" smtClean="0">
+                                          <a:solidFill>
+                                            <a:srgbClr val="660066"/>
+                                          </a:solidFill>
+                                          <a:latin typeface="Cambria Math" panose="02040503050406030204" pitchFamily="18" charset="0"/>
+                                        </a:rPr>
+                                        <m:t>−</m:t>
+                                      </m:r>
+                                      <m:acc>
+                                        <m:accPr>
+                                          <m:chr m:val="̂"/>
+                                          <m:ctrlPr>
+                                            <a:rPr lang="en-US" sz="2400" b="0" i="1" smtClean="0">
+                                              <a:solidFill>
+                                                <a:srgbClr val="660066"/>
+                                              </a:solidFill>
+                                              <a:latin typeface="Cambria Math" panose="02040503050406030204" pitchFamily="18" charset="0"/>
+                                            </a:rPr>
+                                          </m:ctrlPr>
+                                        </m:accPr>
+                                        <m:e>
+                                          <m:r>
+                                            <a:rPr lang="en-US" sz="2400" b="0" i="1" smtClean="0">
+                                              <a:solidFill>
+                                                <a:srgbClr val="660066"/>
+                                              </a:solidFill>
+                                              <a:latin typeface="Cambria Math" panose="02040503050406030204" pitchFamily="18" charset="0"/>
+                                            </a:rPr>
+                                            <m:t>𝑦</m:t>
+                                          </m:r>
+                                        </m:e>
+                                      </m:acc>
+                                    </m:e>
+                                  </m:d>
+                                </m:e>
+                                <m:sup>
+                                  <m:r>
+                                    <a:rPr lang="en-US" sz="2400" b="0" i="1" smtClean="0">
+                                      <a:solidFill>
+                                        <a:srgbClr val="660066"/>
+                                      </a:solidFill>
+                                      <a:latin typeface="Cambria Math" panose="02040503050406030204" pitchFamily="18" charset="0"/>
+                                    </a:rPr>
+                                    <m:t>2</m:t>
+                                  </m:r>
+                                </m:sup>
+                              </m:sSup>
+                            </m:num>
+                            <m:den>
+                              <m:r>
+                                <a:rPr lang="en-US" sz="2400" b="0" i="1" smtClean="0">
+                                  <a:solidFill>
+                                    <a:srgbClr val="660066"/>
+                                  </a:solidFill>
+                                  <a:latin typeface="Cambria Math" panose="02040503050406030204" pitchFamily="18" charset="0"/>
+                                </a:rPr>
+                                <m:t>𝑛</m:t>
+                              </m:r>
+                              <m:r>
+                                <a:rPr lang="en-US" sz="2400" b="0" i="1" smtClean="0">
+                                  <a:solidFill>
+                                    <a:srgbClr val="660066"/>
+                                  </a:solidFill>
+                                  <a:latin typeface="Cambria Math" panose="02040503050406030204" pitchFamily="18" charset="0"/>
+                                </a:rPr>
+                                <m:t>−2</m:t>
+                              </m:r>
+                            </m:den>
+                          </m:f>
+                        </m:e>
+                      </m:rad>
+                      <m:r>
+                        <a:rPr lang="en-US" sz="2400" b="0" i="1" smtClean="0">
+                          <a:solidFill>
+                            <a:srgbClr val="660066"/>
+                          </a:solidFill>
+                          <a:latin typeface="Cambria Math" panose="02040503050406030204" pitchFamily="18" charset="0"/>
+                        </a:rPr>
+                        <m:t>=</m:t>
+                      </m:r>
+                      <m:rad>
+                        <m:radPr>
+                          <m:degHide m:val="on"/>
+                          <m:ctrlPr>
+                            <a:rPr lang="en-US" sz="2400" b="0" i="1" smtClean="0">
+                              <a:solidFill>
+                                <a:srgbClr val="660066"/>
+                              </a:solidFill>
+                              <a:latin typeface="Cambria Math" panose="02040503050406030204" pitchFamily="18" charset="0"/>
+                            </a:rPr>
+                          </m:ctrlPr>
+                        </m:radPr>
+                        <m:deg/>
+                        <m:e>
+                          <m:f>
+                            <m:fPr>
+                              <m:ctrlPr>
+                                <a:rPr lang="en-US" sz="2400" i="1">
+                                  <a:solidFill>
+                                    <a:srgbClr val="660066"/>
+                                  </a:solidFill>
+                                  <a:latin typeface="Cambria Math" panose="02040503050406030204" pitchFamily="18" charset="0"/>
+                                </a:rPr>
+                              </m:ctrlPr>
+                            </m:fPr>
+                            <m:num>
+                              <m:r>
+                                <a:rPr lang="en-US" sz="2400" i="1">
+                                  <a:solidFill>
+                                    <a:srgbClr val="660066"/>
+                                  </a:solidFill>
+                                  <a:latin typeface="Cambria Math" panose="02040503050406030204" pitchFamily="18" charset="0"/>
+                                </a:rPr>
+                                <m:t>𝑆𝑆𝐸</m:t>
+                              </m:r>
+                            </m:num>
+                            <m:den>
+                              <m:r>
+                                <a:rPr lang="en-US" sz="2400" i="1">
+                                  <a:solidFill>
+                                    <a:srgbClr val="660066"/>
+                                  </a:solidFill>
+                                  <a:latin typeface="Cambria Math" panose="02040503050406030204" pitchFamily="18" charset="0"/>
+                                </a:rPr>
+                                <m:t>𝑛</m:t>
+                              </m:r>
+                              <m:r>
+                                <a:rPr lang="en-US" sz="2400" i="1">
+                                  <a:solidFill>
+                                    <a:srgbClr val="660066"/>
+                                  </a:solidFill>
+                                  <a:latin typeface="Cambria Math" panose="02040503050406030204" pitchFamily="18" charset="0"/>
+                                </a:rPr>
+                                <m:t>−2</m:t>
+                              </m:r>
+                            </m:den>
+                          </m:f>
+                        </m:e>
+                      </m:rad>
+                      <m:r>
+                        <a:rPr lang="en-US" sz="2400" b="0" i="1" smtClean="0">
+                          <a:solidFill>
+                            <a:srgbClr val="660066"/>
+                          </a:solidFill>
+                          <a:latin typeface="Cambria Math" panose="02040503050406030204" pitchFamily="18" charset="0"/>
+                        </a:rPr>
+                        <m:t>=</m:t>
+                      </m:r>
+                      <m:rad>
+                        <m:radPr>
+                          <m:degHide m:val="on"/>
+                          <m:ctrlPr>
+                            <a:rPr lang="en-US" sz="2400" b="0" i="1" smtClean="0">
+                              <a:solidFill>
+                                <a:srgbClr val="660066"/>
+                              </a:solidFill>
+                              <a:latin typeface="Cambria Math" panose="02040503050406030204" pitchFamily="18" charset="0"/>
+                            </a:rPr>
+                          </m:ctrlPr>
+                        </m:radPr>
+                        <m:deg/>
+                        <m:e>
+                          <m:f>
+                            <m:fPr>
+                              <m:ctrlPr>
+                                <a:rPr lang="en-US" sz="2400" i="1">
+                                  <a:solidFill>
+                                    <a:srgbClr val="660066"/>
+                                  </a:solidFill>
+                                  <a:latin typeface="Cambria Math" panose="02040503050406030204" pitchFamily="18" charset="0"/>
+                                </a:rPr>
+                              </m:ctrlPr>
+                            </m:fPr>
+                            <m:num>
+                              <m:r>
+                                <a:rPr lang="en-US" sz="2400" i="1">
+                                  <a:solidFill>
+                                    <a:srgbClr val="660066"/>
+                                  </a:solidFill>
+                                  <a:latin typeface="Cambria Math" panose="02040503050406030204" pitchFamily="18" charset="0"/>
+                                </a:rPr>
+                                <m:t>𝑆𝑆𝐸</m:t>
+                              </m:r>
+                            </m:num>
+                            <m:den>
+                              <m:r>
+                                <a:rPr lang="en-US" sz="2400" i="1">
+                                  <a:solidFill>
+                                    <a:srgbClr val="660066"/>
+                                  </a:solidFill>
+                                  <a:latin typeface="Cambria Math" panose="02040503050406030204" pitchFamily="18" charset="0"/>
+                                </a:rPr>
+                                <m:t>𝑑𝑒𝑔𝑟𝑒𝑒𝑠</m:t>
+                              </m:r>
+                              <m:r>
+                                <a:rPr lang="en-US" sz="2400" i="1">
+                                  <a:solidFill>
+                                    <a:srgbClr val="660066"/>
+                                  </a:solidFill>
+                                  <a:latin typeface="Cambria Math" panose="02040503050406030204" pitchFamily="18" charset="0"/>
+                                </a:rPr>
+                                <m:t> </m:t>
+                              </m:r>
+                              <m:r>
+                                <a:rPr lang="en-US" sz="2400" i="1">
+                                  <a:solidFill>
+                                    <a:srgbClr val="660066"/>
+                                  </a:solidFill>
+                                  <a:latin typeface="Cambria Math" panose="02040503050406030204" pitchFamily="18" charset="0"/>
+                                </a:rPr>
+                                <m:t>𝑜𝑓</m:t>
+                              </m:r>
+                              <m:r>
+                                <a:rPr lang="en-US" sz="2400" i="1">
+                                  <a:solidFill>
+                                    <a:srgbClr val="660066"/>
+                                  </a:solidFill>
+                                  <a:latin typeface="Cambria Math" panose="02040503050406030204" pitchFamily="18" charset="0"/>
+                                </a:rPr>
+                                <m:t> </m:t>
+                              </m:r>
+                              <m:r>
+                                <a:rPr lang="en-US" sz="2400" i="1">
+                                  <a:solidFill>
+                                    <a:srgbClr val="660066"/>
+                                  </a:solidFill>
+                                  <a:latin typeface="Cambria Math" panose="02040503050406030204" pitchFamily="18" charset="0"/>
+                                </a:rPr>
+                                <m:t>𝑓𝑟𝑒𝑒𝑑𝑜𝑚</m:t>
+                              </m:r>
+                            </m:den>
+                          </m:f>
+                        </m:e>
+                      </m:rad>
+                    </m:oMath>
+                  </m:oMathPara>
+                </a14:m>
+                <a:endParaRPr lang="en-US" sz="2400" b="0" dirty="0"/>
+              </a:p>
+            </p:txBody>
+          </p:sp>
+        </mc:Choice>
+        <mc:Fallback>
+          <p:sp>
+            <p:nvSpPr>
+              <p:cNvPr id="5" name="TextBox 4">
+                <a:extLst>
+                  <a:ext uri="{FF2B5EF4-FFF2-40B4-BE49-F238E27FC236}">
+                    <a16:creationId xmlns:a16="http://schemas.microsoft.com/office/drawing/2014/main" id="{9E1B8089-A075-B525-5C63-F47DEF71E23F}"/>
+                  </a:ext>
+                </a:extLst>
+              </p:cNvPr>
+              <p:cNvSpPr txBox="1">
+                <a:spLocks noRot="1" noChangeAspect="1" noMove="1" noResize="1" noEditPoints="1" noAdjustHandles="1" noChangeArrowheads="1" noChangeShapeType="1" noTextEdit="1"/>
+              </p:cNvSpPr>
+              <p:nvPr/>
+            </p:nvSpPr>
+            <p:spPr>
+              <a:xfrm>
+                <a:off x="1447800" y="3955839"/>
+                <a:ext cx="8534400" cy="1229376"/>
+              </a:xfrm>
+              <a:prstGeom prst="rect">
+                <a:avLst/>
+              </a:prstGeom>
+              <a:blipFill>
+                <a:blip r:embed="rId4"/>
+                <a:stretch>
+                  <a:fillRect/>
+                </a:stretch>
+              </a:blipFill>
+            </p:spPr>
+            <p:txBody>
+              <a:bodyPr/>
+              <a:lstStyle/>
+              <a:p>
+                <a:r>
+                  <a:rPr lang="en-US">
+                    <a:noFill/>
+                  </a:rPr>
+                  <a:t> </a:t>
+                </a:r>
+              </a:p>
+            </p:txBody>
+          </p:sp>
+        </mc:Fallback>
+      </mc:AlternateContent>
     </p:spTree>
     <p:extLst>
       <p:ext uri="{BB962C8B-B14F-4D97-AF65-F5344CB8AC3E}">
-        <p14:creationId xmlns:p14="http://schemas.microsoft.com/office/powerpoint/2010/main" val="657196803"/>
+        <p14:creationId xmlns:p14="http://schemas.microsoft.com/office/powerpoint/2010/main" val="48134850"/>
       </p:ext>
     </p:extLst>
   </p:cSld>
@@ -9770,7 +8406,7 @@
 </p:sld>
 </file>
 
-<file path=ppt/slides/slide16.xml><?xml version="1.0" encoding="utf-8"?>
+<file path=ppt/slides/slide8.xml><?xml version="1.0" encoding="utf-8"?>
 <p:sld xmlns:a="http://schemas.openxmlformats.org/drawingml/2006/main" xmlns:r="http://schemas.openxmlformats.org/officeDocument/2006/relationships" xmlns:p="http://schemas.openxmlformats.org/presentationml/2006/main">
   <p:cSld>
     <p:spTree>
@@ -10135,4131 +8771,6 @@
     <p:extLst>
       <p:ext uri="{BB962C8B-B14F-4D97-AF65-F5344CB8AC3E}">
         <p14:creationId xmlns:p14="http://schemas.microsoft.com/office/powerpoint/2010/main" val="3266410475"/>
-      </p:ext>
-    </p:extLst>
-  </p:cSld>
-  <p:clrMapOvr>
-    <a:masterClrMapping/>
-  </p:clrMapOvr>
-</p:sld>
-</file>
-
-<file path=ppt/slides/slide2.xml><?xml version="1.0" encoding="utf-8"?>
-<p:sld xmlns:a="http://schemas.openxmlformats.org/drawingml/2006/main" xmlns:r="http://schemas.openxmlformats.org/officeDocument/2006/relationships" xmlns:p="http://schemas.openxmlformats.org/presentationml/2006/main">
-  <p:cSld>
-    <p:spTree>
-      <p:nvGrpSpPr>
-        <p:cNvPr id="1" name=""/>
-        <p:cNvGrpSpPr/>
-        <p:nvPr/>
-      </p:nvGrpSpPr>
-      <p:grpSpPr>
-        <a:xfrm>
-          <a:off x="0" y="0"/>
-          <a:ext cx="0" cy="0"/>
-          <a:chOff x="0" y="0"/>
-          <a:chExt cx="0" cy="0"/>
-        </a:xfrm>
-      </p:grpSpPr>
-      <p:pic>
-        <p:nvPicPr>
-          <p:cNvPr id="2" name="Picture 10" descr="Mario Pattern">
-            <a:extLst>
-              <a:ext uri="{FF2B5EF4-FFF2-40B4-BE49-F238E27FC236}">
-                <a16:creationId xmlns:a16="http://schemas.microsoft.com/office/drawing/2014/main" id="{8F84FFD9-23AF-75F7-6DAA-904525952142}"/>
-              </a:ext>
-            </a:extLst>
-          </p:cNvPr>
-          <p:cNvPicPr>
-            <a:picLocks noChangeAspect="1" noChangeArrowheads="1"/>
-          </p:cNvPicPr>
-          <p:nvPr/>
-        </p:nvPicPr>
-        <p:blipFill rotWithShape="1">
-          <a:blip r:embed="rId2">
-            <a:alphaModFix amt="47000"/>
-            <a:extLst>
-              <a:ext uri="{28A0092B-C50C-407E-A947-70E740481C1C}">
-                <a14:useLocalDpi xmlns:a14="http://schemas.microsoft.com/office/drawing/2010/main" val="0"/>
-              </a:ext>
-            </a:extLst>
-          </a:blip>
-          <a:srcRect l="4595" r="6699"/>
-          <a:stretch/>
-        </p:blipFill>
-        <p:spPr bwMode="auto">
-          <a:xfrm>
-            <a:off x="0" y="-2057400"/>
-            <a:ext cx="12192000" cy="10308201"/>
-          </a:xfrm>
-          <a:prstGeom prst="rect">
-            <a:avLst/>
-          </a:prstGeom>
-          <a:noFill/>
-          <a:extLst>
-            <a:ext uri="{909E8E84-426E-40DD-AFC4-6F175D3DCCD1}">
-              <a14:hiddenFill xmlns:a14="http://schemas.microsoft.com/office/drawing/2010/main">
-                <a:solidFill>
-                  <a:srgbClr val="FFFFFF"/>
-                </a:solidFill>
-              </a14:hiddenFill>
-            </a:ext>
-          </a:extLst>
-        </p:spPr>
-      </p:pic>
-      <p:sp>
-        <p:nvSpPr>
-          <p:cNvPr id="12" name="Line 11"/>
-          <p:cNvSpPr>
-            <a:spLocks noChangeShapeType="1"/>
-          </p:cNvSpPr>
-          <p:nvPr/>
-        </p:nvSpPr>
-        <p:spPr bwMode="auto">
-          <a:xfrm flipV="1">
-            <a:off x="6972300" y="5109836"/>
-            <a:ext cx="609600" cy="533400"/>
-          </a:xfrm>
-          <a:prstGeom prst="line">
-            <a:avLst/>
-          </a:prstGeom>
-          <a:noFill/>
-          <a:ln w="38100">
-            <a:solidFill>
-              <a:srgbClr val="FFFF66"/>
-            </a:solidFill>
-            <a:round/>
-            <a:headEnd/>
-            <a:tailEnd type="triangle" w="med" len="med"/>
-          </a:ln>
-          <a:extLst>
-            <a:ext uri="{909E8E84-426E-40DD-AFC4-6F175D3DCCD1}">
-              <a14:hiddenFill xmlns:a14="http://schemas.microsoft.com/office/drawing/2010/main">
-                <a:noFill/>
-              </a14:hiddenFill>
-            </a:ext>
-          </a:extLst>
-        </p:spPr>
-        <p:txBody>
-          <a:bodyPr wrap="square">
-            <a:spAutoFit/>
-          </a:bodyPr>
-          <a:lstStyle/>
-          <a:p>
-            <a:endParaRPr lang="en-US"/>
-          </a:p>
-        </p:txBody>
-      </p:sp>
-      <p:sp>
-        <p:nvSpPr>
-          <p:cNvPr id="6" name="TextBox 5">
-            <a:extLst>
-              <a:ext uri="{FF2B5EF4-FFF2-40B4-BE49-F238E27FC236}">
-                <a16:creationId xmlns:a16="http://schemas.microsoft.com/office/drawing/2014/main" id="{4F2DA592-D8EB-70BA-2112-6C13A4E7B393}"/>
-              </a:ext>
-            </a:extLst>
-          </p:cNvPr>
-          <p:cNvSpPr txBox="1"/>
-          <p:nvPr/>
-        </p:nvSpPr>
-        <p:spPr>
-          <a:xfrm>
-            <a:off x="495300" y="606817"/>
-            <a:ext cx="11201400" cy="919401"/>
-          </a:xfrm>
-          <a:prstGeom prst="roundRect">
-            <a:avLst/>
-          </a:prstGeom>
-          <a:solidFill>
-            <a:schemeClr val="bg1">
-              <a:alpha val="70000"/>
-            </a:schemeClr>
-          </a:solidFill>
-          <a:ln w="76200">
-            <a:solidFill>
-              <a:srgbClr val="FFC416"/>
-            </a:solidFill>
-          </a:ln>
-        </p:spPr>
-        <p:style>
-          <a:lnRef idx="2">
-            <a:schemeClr val="dk1"/>
-          </a:lnRef>
-          <a:fillRef idx="1">
-            <a:schemeClr val="lt1"/>
-          </a:fillRef>
-          <a:effectRef idx="0">
-            <a:schemeClr val="dk1"/>
-          </a:effectRef>
-          <a:fontRef idx="minor">
-            <a:schemeClr val="dk1"/>
-          </a:fontRef>
-        </p:style>
-        <p:txBody>
-          <a:bodyPr wrap="square" rtlCol="0">
-            <a:spAutoFit/>
-          </a:bodyPr>
-          <a:lstStyle/>
-          <a:p>
-            <a:pPr algn="ctr"/>
-            <a:r>
-              <a:rPr lang="en-US" sz="4800" b="1" dirty="0">
-                <a:solidFill>
-                  <a:srgbClr val="2D3A37"/>
-                </a:solidFill>
-                <a:effectLst/>
-                <a:latin typeface="Adobe Devanagari" panose="02040503050201020203" pitchFamily="18" charset="0"/>
-                <a:cs typeface="Adobe Devanagari" panose="02040503050201020203" pitchFamily="18" charset="0"/>
-              </a:rPr>
-              <a:t>Four Steps of Statistical Modeling</a:t>
-            </a:r>
-            <a:endParaRPr lang="en-US" sz="4800" dirty="0">
-              <a:solidFill>
-                <a:srgbClr val="2D3A37"/>
-              </a:solidFill>
-            </a:endParaRPr>
-          </a:p>
-        </p:txBody>
-      </p:sp>
-      <p:sp>
-        <p:nvSpPr>
-          <p:cNvPr id="7" name="TextBox 6">
-            <a:extLst>
-              <a:ext uri="{FF2B5EF4-FFF2-40B4-BE49-F238E27FC236}">
-                <a16:creationId xmlns:a16="http://schemas.microsoft.com/office/drawing/2014/main" id="{D9B238EA-D04E-3255-7509-F990F1A8F309}"/>
-              </a:ext>
-            </a:extLst>
-          </p:cNvPr>
-          <p:cNvSpPr txBox="1"/>
-          <p:nvPr/>
-        </p:nvSpPr>
-        <p:spPr>
-          <a:xfrm>
-            <a:off x="495300" y="1974467"/>
-            <a:ext cx="11201400" cy="4460796"/>
-          </a:xfrm>
-          <a:prstGeom prst="roundRect">
-            <a:avLst/>
-          </a:prstGeom>
-          <a:solidFill>
-            <a:schemeClr val="bg1"/>
-          </a:solidFill>
-          <a:ln w="76200">
-            <a:solidFill>
-              <a:srgbClr val="FFC416"/>
-            </a:solidFill>
-          </a:ln>
-        </p:spPr>
-        <p:style>
-          <a:lnRef idx="2">
-            <a:schemeClr val="dk1"/>
-          </a:lnRef>
-          <a:fillRef idx="1">
-            <a:schemeClr val="lt1"/>
-          </a:fillRef>
-          <a:effectRef idx="0">
-            <a:schemeClr val="dk1"/>
-          </a:effectRef>
-          <a:fontRef idx="minor">
-            <a:schemeClr val="dk1"/>
-          </a:fontRef>
-        </p:style>
-        <p:txBody>
-          <a:bodyPr wrap="square" rtlCol="0">
-            <a:spAutoFit/>
-          </a:bodyPr>
-          <a:lstStyle/>
-          <a:p>
-            <a:pPr marL="685800" indent="-685800">
-              <a:buFont typeface="+mj-lt"/>
-              <a:buAutoNum type="arabicPeriod"/>
-            </a:pPr>
-            <a:r>
-              <a:rPr lang="en-US" sz="2800" dirty="0">
-                <a:solidFill>
-                  <a:srgbClr val="660066"/>
-                </a:solidFill>
-              </a:rPr>
-              <a:t>Choose a form for the model</a:t>
-            </a:r>
-          </a:p>
-          <a:p>
-            <a:pPr marL="685800" indent="-685800">
-              <a:buFont typeface="+mj-lt"/>
-              <a:buAutoNum type="arabicPeriod"/>
-            </a:pPr>
-            <a:endParaRPr lang="en-US" sz="2800" dirty="0">
-              <a:solidFill>
-                <a:srgbClr val="660066"/>
-              </a:solidFill>
-            </a:endParaRPr>
-          </a:p>
-          <a:p>
-            <a:pPr marL="685800" indent="-685800">
-              <a:buFont typeface="+mj-lt"/>
-              <a:buAutoNum type="arabicPeriod"/>
-            </a:pPr>
-            <a:r>
-              <a:rPr lang="en-US" sz="2800" dirty="0">
-                <a:solidFill>
-                  <a:srgbClr val="660066"/>
-                </a:solidFill>
-              </a:rPr>
-              <a:t>Fit that model to the data</a:t>
-            </a:r>
-          </a:p>
-          <a:p>
-            <a:pPr marL="685800" indent="-685800">
-              <a:buFont typeface="+mj-lt"/>
-              <a:buAutoNum type="arabicPeriod"/>
-            </a:pPr>
-            <a:endParaRPr lang="en-US" sz="2800" dirty="0">
-              <a:solidFill>
-                <a:srgbClr val="660066"/>
-              </a:solidFill>
-            </a:endParaRPr>
-          </a:p>
-          <a:p>
-            <a:pPr marL="685800" indent="-685800">
-              <a:buFont typeface="+mj-lt"/>
-              <a:buAutoNum type="arabicPeriod"/>
-            </a:pPr>
-            <a:r>
-              <a:rPr lang="en-US" sz="2800" dirty="0">
-                <a:solidFill>
-                  <a:srgbClr val="660066"/>
-                </a:solidFill>
-              </a:rPr>
-              <a:t>Assess how well the model fits the data</a:t>
-            </a:r>
-          </a:p>
-          <a:p>
-            <a:pPr marL="1143000" lvl="1" indent="-685800">
-              <a:buFont typeface="+mj-lt"/>
-              <a:buAutoNum type="alphaLcPeriod"/>
-            </a:pPr>
-            <a:r>
-              <a:rPr lang="en-US" sz="2000" dirty="0">
-                <a:solidFill>
-                  <a:srgbClr val="660066"/>
-                </a:solidFill>
-              </a:rPr>
-              <a:t>Diagnostic Plots</a:t>
-            </a:r>
-          </a:p>
-          <a:p>
-            <a:pPr marL="1143000" lvl="1" indent="-685800">
-              <a:buFont typeface="+mj-lt"/>
-              <a:buAutoNum type="alphaLcPeriod"/>
-            </a:pPr>
-            <a:r>
-              <a:rPr lang="en-US" sz="2000" dirty="0">
-                <a:solidFill>
-                  <a:srgbClr val="660066"/>
-                </a:solidFill>
-              </a:rPr>
-              <a:t>Look for Patterns in the Residuals</a:t>
-            </a:r>
-          </a:p>
-          <a:p>
-            <a:pPr marL="1143000" lvl="1" indent="-685800">
-              <a:buFont typeface="+mj-lt"/>
-              <a:buAutoNum type="alphaLcPeriod"/>
-            </a:pPr>
-            <a:r>
-              <a:rPr lang="en-US" sz="2000" dirty="0">
-                <a:solidFill>
-                  <a:srgbClr val="660066"/>
-                </a:solidFill>
-              </a:rPr>
-              <a:t>Check Assumptions (Randomness, Independence, Normality)</a:t>
-            </a:r>
-          </a:p>
-          <a:p>
-            <a:pPr lvl="1"/>
-            <a:endParaRPr lang="en-US" sz="2800" dirty="0">
-              <a:solidFill>
-                <a:srgbClr val="660066"/>
-              </a:solidFill>
-            </a:endParaRPr>
-          </a:p>
-          <a:p>
-            <a:pPr marL="685800" indent="-685800">
-              <a:buFont typeface="+mj-lt"/>
-              <a:buAutoNum type="arabicPeriod"/>
-            </a:pPr>
-            <a:r>
-              <a:rPr lang="en-US" sz="2800" dirty="0">
-                <a:solidFill>
-                  <a:srgbClr val="660066"/>
-                </a:solidFill>
-              </a:rPr>
-              <a:t>Use the model to answer questions</a:t>
-            </a:r>
-          </a:p>
-        </p:txBody>
-      </p:sp>
-    </p:spTree>
-  </p:cSld>
-  <p:clrMapOvr>
-    <a:masterClrMapping/>
-  </p:clrMapOvr>
-</p:sld>
-</file>
-
-<file path=ppt/slides/slide3.xml><?xml version="1.0" encoding="utf-8"?>
-<p:sld xmlns:a="http://schemas.openxmlformats.org/drawingml/2006/main" xmlns:r="http://schemas.openxmlformats.org/officeDocument/2006/relationships" xmlns:p="http://schemas.openxmlformats.org/presentationml/2006/main">
-  <p:cSld>
-    <p:spTree>
-      <p:nvGrpSpPr>
-        <p:cNvPr id="1" name=""/>
-        <p:cNvGrpSpPr/>
-        <p:nvPr/>
-      </p:nvGrpSpPr>
-      <p:grpSpPr>
-        <a:xfrm>
-          <a:off x="0" y="0"/>
-          <a:ext cx="0" cy="0"/>
-          <a:chOff x="0" y="0"/>
-          <a:chExt cx="0" cy="0"/>
-        </a:xfrm>
-      </p:grpSpPr>
-      <p:pic>
-        <p:nvPicPr>
-          <p:cNvPr id="2" name="Picture 10" descr="Mario Pattern">
-            <a:extLst>
-              <a:ext uri="{FF2B5EF4-FFF2-40B4-BE49-F238E27FC236}">
-                <a16:creationId xmlns:a16="http://schemas.microsoft.com/office/drawing/2014/main" id="{8F84FFD9-23AF-75F7-6DAA-904525952142}"/>
-              </a:ext>
-            </a:extLst>
-          </p:cNvPr>
-          <p:cNvPicPr>
-            <a:picLocks noChangeAspect="1" noChangeArrowheads="1"/>
-          </p:cNvPicPr>
-          <p:nvPr/>
-        </p:nvPicPr>
-        <p:blipFill rotWithShape="1">
-          <a:blip r:embed="rId2">
-            <a:alphaModFix amt="47000"/>
-            <a:extLst>
-              <a:ext uri="{28A0092B-C50C-407E-A947-70E740481C1C}">
-                <a14:useLocalDpi xmlns:a14="http://schemas.microsoft.com/office/drawing/2010/main" val="0"/>
-              </a:ext>
-            </a:extLst>
-          </a:blip>
-          <a:srcRect l="4595" r="6699"/>
-          <a:stretch/>
-        </p:blipFill>
-        <p:spPr bwMode="auto">
-          <a:xfrm>
-            <a:off x="0" y="-2057400"/>
-            <a:ext cx="12192000" cy="10308201"/>
-          </a:xfrm>
-          <a:prstGeom prst="rect">
-            <a:avLst/>
-          </a:prstGeom>
-          <a:noFill/>
-          <a:extLst>
-            <a:ext uri="{909E8E84-426E-40DD-AFC4-6F175D3DCCD1}">
-              <a14:hiddenFill xmlns:a14="http://schemas.microsoft.com/office/drawing/2010/main">
-                <a:solidFill>
-                  <a:srgbClr val="FFFFFF"/>
-                </a:solidFill>
-              </a14:hiddenFill>
-            </a:ext>
-          </a:extLst>
-        </p:spPr>
-      </p:pic>
-      <p:sp>
-        <p:nvSpPr>
-          <p:cNvPr id="12" name="Line 11"/>
-          <p:cNvSpPr>
-            <a:spLocks noChangeShapeType="1"/>
-          </p:cNvSpPr>
-          <p:nvPr/>
-        </p:nvSpPr>
-        <p:spPr bwMode="auto">
-          <a:xfrm flipV="1">
-            <a:off x="6972300" y="5109836"/>
-            <a:ext cx="609600" cy="533400"/>
-          </a:xfrm>
-          <a:prstGeom prst="line">
-            <a:avLst/>
-          </a:prstGeom>
-          <a:noFill/>
-          <a:ln w="38100">
-            <a:solidFill>
-              <a:srgbClr val="FFFF66"/>
-            </a:solidFill>
-            <a:round/>
-            <a:headEnd/>
-            <a:tailEnd type="triangle" w="med" len="med"/>
-          </a:ln>
-          <a:extLst>
-            <a:ext uri="{909E8E84-426E-40DD-AFC4-6F175D3DCCD1}">
-              <a14:hiddenFill xmlns:a14="http://schemas.microsoft.com/office/drawing/2010/main">
-                <a:noFill/>
-              </a14:hiddenFill>
-            </a:ext>
-          </a:extLst>
-        </p:spPr>
-        <p:txBody>
-          <a:bodyPr wrap="square">
-            <a:spAutoFit/>
-          </a:bodyPr>
-          <a:lstStyle/>
-          <a:p>
-            <a:endParaRPr lang="en-US"/>
-          </a:p>
-        </p:txBody>
-      </p:sp>
-      <p:sp>
-        <p:nvSpPr>
-          <p:cNvPr id="6" name="TextBox 5">
-            <a:extLst>
-              <a:ext uri="{FF2B5EF4-FFF2-40B4-BE49-F238E27FC236}">
-                <a16:creationId xmlns:a16="http://schemas.microsoft.com/office/drawing/2014/main" id="{4F2DA592-D8EB-70BA-2112-6C13A4E7B393}"/>
-              </a:ext>
-            </a:extLst>
-          </p:cNvPr>
-          <p:cNvSpPr txBox="1"/>
-          <p:nvPr/>
-        </p:nvSpPr>
-        <p:spPr>
-          <a:xfrm>
-            <a:off x="495300" y="606817"/>
-            <a:ext cx="11201400" cy="919401"/>
-          </a:xfrm>
-          <a:prstGeom prst="roundRect">
-            <a:avLst/>
-          </a:prstGeom>
-          <a:solidFill>
-            <a:schemeClr val="bg1">
-              <a:alpha val="70000"/>
-            </a:schemeClr>
-          </a:solidFill>
-          <a:ln w="76200">
-            <a:solidFill>
-              <a:srgbClr val="FFC416"/>
-            </a:solidFill>
-          </a:ln>
-        </p:spPr>
-        <p:style>
-          <a:lnRef idx="2">
-            <a:schemeClr val="dk1"/>
-          </a:lnRef>
-          <a:fillRef idx="1">
-            <a:schemeClr val="lt1"/>
-          </a:fillRef>
-          <a:effectRef idx="0">
-            <a:schemeClr val="dk1"/>
-          </a:effectRef>
-          <a:fontRef idx="minor">
-            <a:schemeClr val="dk1"/>
-          </a:fontRef>
-        </p:style>
-        <p:txBody>
-          <a:bodyPr wrap="square" rtlCol="0">
-            <a:spAutoFit/>
-          </a:bodyPr>
-          <a:lstStyle/>
-          <a:p>
-            <a:pPr algn="ctr"/>
-            <a:r>
-              <a:rPr lang="en-US" sz="4800" b="1" dirty="0">
-                <a:solidFill>
-                  <a:srgbClr val="2D3A37"/>
-                </a:solidFill>
-                <a:latin typeface="Adobe Devanagari" panose="02040503050201020203" pitchFamily="18" charset="0"/>
-                <a:cs typeface="Adobe Devanagari" panose="02040503050201020203" pitchFamily="18" charset="0"/>
-              </a:rPr>
-              <a:t>Supplement for Lecture 2</a:t>
-            </a:r>
-            <a:endParaRPr lang="en-US" sz="4800" dirty="0">
-              <a:solidFill>
-                <a:srgbClr val="2D3A37"/>
-              </a:solidFill>
-            </a:endParaRPr>
-          </a:p>
-        </p:txBody>
-      </p:sp>
-      <p:sp>
-        <p:nvSpPr>
-          <p:cNvPr id="7" name="TextBox 6">
-            <a:extLst>
-              <a:ext uri="{FF2B5EF4-FFF2-40B4-BE49-F238E27FC236}">
-                <a16:creationId xmlns:a16="http://schemas.microsoft.com/office/drawing/2014/main" id="{D9B238EA-D04E-3255-7509-F990F1A8F309}"/>
-              </a:ext>
-            </a:extLst>
-          </p:cNvPr>
-          <p:cNvSpPr txBox="1"/>
-          <p:nvPr/>
-        </p:nvSpPr>
-        <p:spPr>
-          <a:xfrm>
-            <a:off x="495300" y="1977074"/>
-            <a:ext cx="11201400" cy="4392692"/>
-          </a:xfrm>
-          <a:prstGeom prst="roundRect">
-            <a:avLst/>
-          </a:prstGeom>
-          <a:solidFill>
-            <a:schemeClr val="bg1"/>
-          </a:solidFill>
-          <a:ln w="76200">
-            <a:solidFill>
-              <a:srgbClr val="FFC416"/>
-            </a:solidFill>
-          </a:ln>
-        </p:spPr>
-        <p:style>
-          <a:lnRef idx="2">
-            <a:schemeClr val="dk1"/>
-          </a:lnRef>
-          <a:fillRef idx="1">
-            <a:schemeClr val="lt1"/>
-          </a:fillRef>
-          <a:effectRef idx="0">
-            <a:schemeClr val="dk1"/>
-          </a:effectRef>
-          <a:fontRef idx="minor">
-            <a:schemeClr val="dk1"/>
-          </a:fontRef>
-        </p:style>
-        <p:txBody>
-          <a:bodyPr wrap="square" rtlCol="0">
-            <a:spAutoFit/>
-          </a:bodyPr>
-          <a:lstStyle/>
-          <a:p>
-            <a:pPr marL="457200" indent="-457200">
-              <a:buFont typeface="Arial" panose="020B0604020202020204" pitchFamily="34" charset="0"/>
-              <a:buChar char="•"/>
-            </a:pPr>
-            <a:r>
-              <a:rPr lang="en-US" sz="2800" dirty="0">
-                <a:solidFill>
-                  <a:srgbClr val="660066"/>
-                </a:solidFill>
-              </a:rPr>
-              <a:t>Download Zip Folder on Course Website for Supplement</a:t>
-            </a:r>
-          </a:p>
-          <a:p>
-            <a:pPr marL="457200" indent="-457200">
-              <a:buFont typeface="Arial" panose="020B0604020202020204" pitchFamily="34" charset="0"/>
-              <a:buChar char="•"/>
-            </a:pPr>
-            <a:endParaRPr lang="en-US" sz="2800" dirty="0">
-              <a:solidFill>
-                <a:srgbClr val="660066"/>
-              </a:solidFill>
-            </a:endParaRPr>
-          </a:p>
-          <a:p>
-            <a:pPr marL="457200" indent="-457200">
-              <a:buFont typeface="Arial" panose="020B0604020202020204" pitchFamily="34" charset="0"/>
-              <a:buChar char="•"/>
-            </a:pPr>
-            <a:r>
-              <a:rPr lang="en-US" sz="2800" dirty="0">
-                <a:solidFill>
-                  <a:srgbClr val="660066"/>
-                </a:solidFill>
-              </a:rPr>
-              <a:t>Unzip Folder on Your Computer</a:t>
-            </a:r>
-          </a:p>
-          <a:p>
-            <a:pPr marL="457200" indent="-457200">
-              <a:buFont typeface="Arial" panose="020B0604020202020204" pitchFamily="34" charset="0"/>
-              <a:buChar char="•"/>
-            </a:pPr>
-            <a:endParaRPr lang="en-US" sz="2800" dirty="0">
-              <a:solidFill>
-                <a:srgbClr val="660066"/>
-              </a:solidFill>
-            </a:endParaRPr>
-          </a:p>
-          <a:p>
-            <a:pPr marL="457200" indent="-457200">
-              <a:buFont typeface="Arial" panose="020B0604020202020204" pitchFamily="34" charset="0"/>
-              <a:buChar char="•"/>
-            </a:pPr>
-            <a:r>
-              <a:rPr lang="en-US" sz="2800" dirty="0">
-                <a:solidFill>
-                  <a:srgbClr val="660066"/>
-                </a:solidFill>
-              </a:rPr>
-              <a:t>Open the </a:t>
-            </a:r>
-            <a:r>
-              <a:rPr lang="en-US" sz="2800" dirty="0" err="1">
-                <a:solidFill>
-                  <a:srgbClr val="660066"/>
-                </a:solidFill>
-              </a:rPr>
-              <a:t>Template.rmd</a:t>
-            </a:r>
-            <a:r>
-              <a:rPr lang="en-US" sz="2800" dirty="0">
-                <a:solidFill>
-                  <a:srgbClr val="660066"/>
-                </a:solidFill>
-              </a:rPr>
-              <a:t> File from the Unzipped Folder</a:t>
-            </a:r>
-          </a:p>
-          <a:p>
-            <a:pPr marL="457200" indent="-457200">
-              <a:buFont typeface="Arial" panose="020B0604020202020204" pitchFamily="34" charset="0"/>
-              <a:buChar char="•"/>
-            </a:pPr>
-            <a:endParaRPr lang="en-US" sz="2800" dirty="0">
-              <a:solidFill>
-                <a:srgbClr val="660066"/>
-              </a:solidFill>
-            </a:endParaRPr>
-          </a:p>
-          <a:p>
-            <a:pPr marL="457200" indent="-457200">
-              <a:buFont typeface="Arial" panose="020B0604020202020204" pitchFamily="34" charset="0"/>
-              <a:buChar char="•"/>
-            </a:pPr>
-            <a:r>
-              <a:rPr lang="en-US" sz="2800" dirty="0">
-                <a:solidFill>
-                  <a:srgbClr val="660066"/>
-                </a:solidFill>
-              </a:rPr>
-              <a:t>Install Mosaic Package and Stat2Data Package</a:t>
-            </a:r>
-          </a:p>
-          <a:p>
-            <a:pPr marL="457200" indent="-457200">
-              <a:buFont typeface="Arial" panose="020B0604020202020204" pitchFamily="34" charset="0"/>
-              <a:buChar char="•"/>
-            </a:pPr>
-            <a:endParaRPr lang="en-US" sz="2800" dirty="0">
-              <a:solidFill>
-                <a:srgbClr val="660066"/>
-              </a:solidFill>
-            </a:endParaRPr>
-          </a:p>
-          <a:p>
-            <a:pPr marL="457200" indent="-457200">
-              <a:buFont typeface="Arial" panose="020B0604020202020204" pitchFamily="34" charset="0"/>
-              <a:buChar char="•"/>
-            </a:pPr>
-            <a:r>
-              <a:rPr lang="en-US" sz="2800" dirty="0">
-                <a:solidFill>
-                  <a:srgbClr val="660066"/>
-                </a:solidFill>
-              </a:rPr>
-              <a:t>Run First Two Code Chunks and View Dataset</a:t>
-            </a:r>
-          </a:p>
-        </p:txBody>
-      </p:sp>
-    </p:spTree>
-    <p:extLst>
-      <p:ext uri="{BB962C8B-B14F-4D97-AF65-F5344CB8AC3E}">
-        <p14:creationId xmlns:p14="http://schemas.microsoft.com/office/powerpoint/2010/main" val="3125860385"/>
-      </p:ext>
-    </p:extLst>
-  </p:cSld>
-  <p:clrMapOvr>
-    <a:masterClrMapping/>
-  </p:clrMapOvr>
-</p:sld>
-</file>
-
-<file path=ppt/slides/slide4.xml><?xml version="1.0" encoding="utf-8"?>
-<p:sld xmlns:a="http://schemas.openxmlformats.org/drawingml/2006/main" xmlns:r="http://schemas.openxmlformats.org/officeDocument/2006/relationships" xmlns:p="http://schemas.openxmlformats.org/presentationml/2006/main">
-  <p:cSld>
-    <p:spTree>
-      <p:nvGrpSpPr>
-        <p:cNvPr id="1" name=""/>
-        <p:cNvGrpSpPr/>
-        <p:nvPr/>
-      </p:nvGrpSpPr>
-      <p:grpSpPr>
-        <a:xfrm>
-          <a:off x="0" y="0"/>
-          <a:ext cx="0" cy="0"/>
-          <a:chOff x="0" y="0"/>
-          <a:chExt cx="0" cy="0"/>
-        </a:xfrm>
-      </p:grpSpPr>
-      <p:pic>
-        <p:nvPicPr>
-          <p:cNvPr id="2" name="Picture 10" descr="Mario Pattern">
-            <a:extLst>
-              <a:ext uri="{FF2B5EF4-FFF2-40B4-BE49-F238E27FC236}">
-                <a16:creationId xmlns:a16="http://schemas.microsoft.com/office/drawing/2014/main" id="{8F84FFD9-23AF-75F7-6DAA-904525952142}"/>
-              </a:ext>
-            </a:extLst>
-          </p:cNvPr>
-          <p:cNvPicPr>
-            <a:picLocks noChangeAspect="1" noChangeArrowheads="1"/>
-          </p:cNvPicPr>
-          <p:nvPr/>
-        </p:nvPicPr>
-        <p:blipFill rotWithShape="1">
-          <a:blip r:embed="rId2">
-            <a:alphaModFix amt="47000"/>
-            <a:extLst>
-              <a:ext uri="{28A0092B-C50C-407E-A947-70E740481C1C}">
-                <a14:useLocalDpi xmlns:a14="http://schemas.microsoft.com/office/drawing/2010/main" val="0"/>
-              </a:ext>
-            </a:extLst>
-          </a:blip>
-          <a:srcRect l="4595" r="6699"/>
-          <a:stretch/>
-        </p:blipFill>
-        <p:spPr bwMode="auto">
-          <a:xfrm>
-            <a:off x="0" y="-2057400"/>
-            <a:ext cx="12192000" cy="10308201"/>
-          </a:xfrm>
-          <a:prstGeom prst="rect">
-            <a:avLst/>
-          </a:prstGeom>
-          <a:noFill/>
-          <a:extLst>
-            <a:ext uri="{909E8E84-426E-40DD-AFC4-6F175D3DCCD1}">
-              <a14:hiddenFill xmlns:a14="http://schemas.microsoft.com/office/drawing/2010/main">
-                <a:solidFill>
-                  <a:srgbClr val="FFFFFF"/>
-                </a:solidFill>
-              </a14:hiddenFill>
-            </a:ext>
-          </a:extLst>
-        </p:spPr>
-      </p:pic>
-      <p:sp>
-        <p:nvSpPr>
-          <p:cNvPr id="12" name="Line 11"/>
-          <p:cNvSpPr>
-            <a:spLocks noChangeShapeType="1"/>
-          </p:cNvSpPr>
-          <p:nvPr/>
-        </p:nvSpPr>
-        <p:spPr bwMode="auto">
-          <a:xfrm flipV="1">
-            <a:off x="6972300" y="5109836"/>
-            <a:ext cx="609600" cy="533400"/>
-          </a:xfrm>
-          <a:prstGeom prst="line">
-            <a:avLst/>
-          </a:prstGeom>
-          <a:noFill/>
-          <a:ln w="38100">
-            <a:solidFill>
-              <a:srgbClr val="FFFF66"/>
-            </a:solidFill>
-            <a:round/>
-            <a:headEnd/>
-            <a:tailEnd type="triangle" w="med" len="med"/>
-          </a:ln>
-          <a:extLst>
-            <a:ext uri="{909E8E84-426E-40DD-AFC4-6F175D3DCCD1}">
-              <a14:hiddenFill xmlns:a14="http://schemas.microsoft.com/office/drawing/2010/main">
-                <a:noFill/>
-              </a14:hiddenFill>
-            </a:ext>
-          </a:extLst>
-        </p:spPr>
-        <p:txBody>
-          <a:bodyPr wrap="square">
-            <a:spAutoFit/>
-          </a:bodyPr>
-          <a:lstStyle/>
-          <a:p>
-            <a:endParaRPr lang="en-US"/>
-          </a:p>
-        </p:txBody>
-      </p:sp>
-      <p:sp>
-        <p:nvSpPr>
-          <p:cNvPr id="6" name="TextBox 5">
-            <a:extLst>
-              <a:ext uri="{FF2B5EF4-FFF2-40B4-BE49-F238E27FC236}">
-                <a16:creationId xmlns:a16="http://schemas.microsoft.com/office/drawing/2014/main" id="{4F2DA592-D8EB-70BA-2112-6C13A4E7B393}"/>
-              </a:ext>
-            </a:extLst>
-          </p:cNvPr>
-          <p:cNvSpPr txBox="1"/>
-          <p:nvPr/>
-        </p:nvSpPr>
-        <p:spPr>
-          <a:xfrm>
-            <a:off x="495300" y="606817"/>
-            <a:ext cx="11201400" cy="919401"/>
-          </a:xfrm>
-          <a:prstGeom prst="roundRect">
-            <a:avLst/>
-          </a:prstGeom>
-          <a:solidFill>
-            <a:schemeClr val="bg1">
-              <a:alpha val="70000"/>
-            </a:schemeClr>
-          </a:solidFill>
-          <a:ln w="76200">
-            <a:solidFill>
-              <a:srgbClr val="FFC416"/>
-            </a:solidFill>
-          </a:ln>
-        </p:spPr>
-        <p:style>
-          <a:lnRef idx="2">
-            <a:schemeClr val="dk1"/>
-          </a:lnRef>
-          <a:fillRef idx="1">
-            <a:schemeClr val="lt1"/>
-          </a:fillRef>
-          <a:effectRef idx="0">
-            <a:schemeClr val="dk1"/>
-          </a:effectRef>
-          <a:fontRef idx="minor">
-            <a:schemeClr val="dk1"/>
-          </a:fontRef>
-        </p:style>
-        <p:txBody>
-          <a:bodyPr wrap="square" rtlCol="0">
-            <a:spAutoFit/>
-          </a:bodyPr>
-          <a:lstStyle/>
-          <a:p>
-            <a:pPr algn="ctr"/>
-            <a:r>
-              <a:rPr lang="en-US" sz="4800" b="1" dirty="0">
-                <a:solidFill>
-                  <a:srgbClr val="2D3A37"/>
-                </a:solidFill>
-                <a:effectLst/>
-                <a:latin typeface="Adobe Devanagari" panose="02040503050201020203" pitchFamily="18" charset="0"/>
-                <a:cs typeface="Adobe Devanagari" panose="02040503050201020203" pitchFamily="18" charset="0"/>
-              </a:rPr>
-              <a:t>Example: LEGO</a:t>
-            </a:r>
-            <a:endParaRPr lang="en-US" sz="4800" dirty="0">
-              <a:solidFill>
-                <a:srgbClr val="2D3A37"/>
-              </a:solidFill>
-            </a:endParaRPr>
-          </a:p>
-        </p:txBody>
-      </p:sp>
-      <p:sp>
-        <p:nvSpPr>
-          <p:cNvPr id="7" name="TextBox 6">
-            <a:extLst>
-              <a:ext uri="{FF2B5EF4-FFF2-40B4-BE49-F238E27FC236}">
-                <a16:creationId xmlns:a16="http://schemas.microsoft.com/office/drawing/2014/main" id="{D9B238EA-D04E-3255-7509-F990F1A8F309}"/>
-              </a:ext>
-            </a:extLst>
-          </p:cNvPr>
-          <p:cNvSpPr txBox="1"/>
-          <p:nvPr/>
-        </p:nvSpPr>
-        <p:spPr>
-          <a:xfrm>
-            <a:off x="495300" y="1977074"/>
-            <a:ext cx="11201400" cy="578882"/>
-          </a:xfrm>
-          <a:prstGeom prst="roundRect">
-            <a:avLst/>
-          </a:prstGeom>
-          <a:solidFill>
-            <a:schemeClr val="bg1"/>
-          </a:solidFill>
-          <a:ln w="76200">
-            <a:solidFill>
-              <a:srgbClr val="FFC416"/>
-            </a:solidFill>
-          </a:ln>
-        </p:spPr>
-        <p:style>
-          <a:lnRef idx="2">
-            <a:schemeClr val="dk1"/>
-          </a:lnRef>
-          <a:fillRef idx="1">
-            <a:schemeClr val="lt1"/>
-          </a:fillRef>
-          <a:effectRef idx="0">
-            <a:schemeClr val="dk1"/>
-          </a:effectRef>
-          <a:fontRef idx="minor">
-            <a:schemeClr val="dk1"/>
-          </a:fontRef>
-        </p:style>
-        <p:txBody>
-          <a:bodyPr wrap="square" rtlCol="0">
-            <a:spAutoFit/>
-          </a:bodyPr>
-          <a:lstStyle/>
-          <a:p>
-            <a:r>
-              <a:rPr lang="en-US" sz="2800" dirty="0">
-                <a:solidFill>
-                  <a:srgbClr val="660066"/>
-                </a:solidFill>
-              </a:rPr>
-              <a:t>Variable of Interest: </a:t>
-            </a:r>
-            <a:r>
-              <a:rPr lang="en-US" sz="2800" i="1" dirty="0" err="1">
-                <a:solidFill>
-                  <a:srgbClr val="660066"/>
-                </a:solidFill>
-              </a:rPr>
-              <a:t>Amazon_Price</a:t>
-            </a:r>
-            <a:endParaRPr lang="en-US" sz="2800" i="1" dirty="0">
-              <a:solidFill>
-                <a:srgbClr val="660066"/>
-              </a:solidFill>
-            </a:endParaRPr>
-          </a:p>
-        </p:txBody>
-      </p:sp>
-      <p:sp>
-        <p:nvSpPr>
-          <p:cNvPr id="3" name="TextBox 2">
-            <a:extLst>
-              <a:ext uri="{FF2B5EF4-FFF2-40B4-BE49-F238E27FC236}">
-                <a16:creationId xmlns:a16="http://schemas.microsoft.com/office/drawing/2014/main" id="{D1310D5A-472C-664C-76EE-BF6CBBE82489}"/>
-              </a:ext>
-            </a:extLst>
-          </p:cNvPr>
-          <p:cNvSpPr txBox="1"/>
-          <p:nvPr/>
-        </p:nvSpPr>
-        <p:spPr>
-          <a:xfrm>
-            <a:off x="495300" y="2717371"/>
-            <a:ext cx="11201400" cy="2009061"/>
-          </a:xfrm>
-          <a:prstGeom prst="roundRect">
-            <a:avLst/>
-          </a:prstGeom>
-          <a:solidFill>
-            <a:schemeClr val="bg1"/>
-          </a:solidFill>
-          <a:ln w="76200">
-            <a:solidFill>
-              <a:srgbClr val="FFC416"/>
-            </a:solidFill>
-          </a:ln>
-        </p:spPr>
-        <p:style>
-          <a:lnRef idx="2">
-            <a:schemeClr val="dk1"/>
-          </a:lnRef>
-          <a:fillRef idx="1">
-            <a:schemeClr val="lt1"/>
-          </a:fillRef>
-          <a:effectRef idx="0">
-            <a:schemeClr val="dk1"/>
-          </a:effectRef>
-          <a:fontRef idx="minor">
-            <a:schemeClr val="dk1"/>
-          </a:fontRef>
-        </p:style>
-        <p:txBody>
-          <a:bodyPr wrap="square" rtlCol="0">
-            <a:spAutoFit/>
-          </a:bodyPr>
-          <a:lstStyle/>
-          <a:p>
-            <a:r>
-              <a:rPr lang="en-US" sz="2800" dirty="0">
-                <a:solidFill>
-                  <a:srgbClr val="660066"/>
-                </a:solidFill>
-              </a:rPr>
-              <a:t>Question of Interest: </a:t>
-            </a:r>
-          </a:p>
-          <a:p>
-            <a:endParaRPr lang="en-US" sz="2800" dirty="0">
-              <a:solidFill>
-                <a:srgbClr val="660066"/>
-              </a:solidFill>
-            </a:endParaRPr>
-          </a:p>
-          <a:p>
-            <a:r>
-              <a:rPr lang="en-US" sz="2800" i="1" dirty="0">
-                <a:solidFill>
-                  <a:srgbClr val="660066"/>
-                </a:solidFill>
-              </a:rPr>
-              <a:t>How well can we predict the price of a LEGO set on Amazon without knowing any other information?</a:t>
-            </a:r>
-          </a:p>
-        </p:txBody>
-      </p:sp>
-    </p:spTree>
-    <p:extLst>
-      <p:ext uri="{BB962C8B-B14F-4D97-AF65-F5344CB8AC3E}">
-        <p14:creationId xmlns:p14="http://schemas.microsoft.com/office/powerpoint/2010/main" val="1978787897"/>
-      </p:ext>
-    </p:extLst>
-  </p:cSld>
-  <p:clrMapOvr>
-    <a:masterClrMapping/>
-  </p:clrMapOvr>
-</p:sld>
-</file>
-
-<file path=ppt/slides/slide5.xml><?xml version="1.0" encoding="utf-8"?>
-<p:sld xmlns:a="http://schemas.openxmlformats.org/drawingml/2006/main" xmlns:r="http://schemas.openxmlformats.org/officeDocument/2006/relationships" xmlns:p="http://schemas.openxmlformats.org/presentationml/2006/main">
-  <p:cSld>
-    <p:spTree>
-      <p:nvGrpSpPr>
-        <p:cNvPr id="1" name=""/>
-        <p:cNvGrpSpPr/>
-        <p:nvPr/>
-      </p:nvGrpSpPr>
-      <p:grpSpPr>
-        <a:xfrm>
-          <a:off x="0" y="0"/>
-          <a:ext cx="0" cy="0"/>
-          <a:chOff x="0" y="0"/>
-          <a:chExt cx="0" cy="0"/>
-        </a:xfrm>
-      </p:grpSpPr>
-      <p:pic>
-        <p:nvPicPr>
-          <p:cNvPr id="2" name="Picture 10" descr="Mario Pattern">
-            <a:extLst>
-              <a:ext uri="{FF2B5EF4-FFF2-40B4-BE49-F238E27FC236}">
-                <a16:creationId xmlns:a16="http://schemas.microsoft.com/office/drawing/2014/main" id="{8F84FFD9-23AF-75F7-6DAA-904525952142}"/>
-              </a:ext>
-            </a:extLst>
-          </p:cNvPr>
-          <p:cNvPicPr>
-            <a:picLocks noChangeAspect="1" noChangeArrowheads="1"/>
-          </p:cNvPicPr>
-          <p:nvPr/>
-        </p:nvPicPr>
-        <p:blipFill rotWithShape="1">
-          <a:blip r:embed="rId2">
-            <a:alphaModFix amt="47000"/>
-            <a:extLst>
-              <a:ext uri="{28A0092B-C50C-407E-A947-70E740481C1C}">
-                <a14:useLocalDpi xmlns:a14="http://schemas.microsoft.com/office/drawing/2010/main" val="0"/>
-              </a:ext>
-            </a:extLst>
-          </a:blip>
-          <a:srcRect l="4595" r="6699"/>
-          <a:stretch/>
-        </p:blipFill>
-        <p:spPr bwMode="auto">
-          <a:xfrm>
-            <a:off x="0" y="-2057400"/>
-            <a:ext cx="12192000" cy="10308201"/>
-          </a:xfrm>
-          <a:prstGeom prst="rect">
-            <a:avLst/>
-          </a:prstGeom>
-          <a:noFill/>
-          <a:extLst>
-            <a:ext uri="{909E8E84-426E-40DD-AFC4-6F175D3DCCD1}">
-              <a14:hiddenFill xmlns:a14="http://schemas.microsoft.com/office/drawing/2010/main">
-                <a:solidFill>
-                  <a:srgbClr val="FFFFFF"/>
-                </a:solidFill>
-              </a14:hiddenFill>
-            </a:ext>
-          </a:extLst>
-        </p:spPr>
-      </p:pic>
-      <p:sp>
-        <p:nvSpPr>
-          <p:cNvPr id="12" name="Line 11"/>
-          <p:cNvSpPr>
-            <a:spLocks noChangeShapeType="1"/>
-          </p:cNvSpPr>
-          <p:nvPr/>
-        </p:nvSpPr>
-        <p:spPr bwMode="auto">
-          <a:xfrm flipV="1">
-            <a:off x="6972300" y="5109836"/>
-            <a:ext cx="609600" cy="533400"/>
-          </a:xfrm>
-          <a:prstGeom prst="line">
-            <a:avLst/>
-          </a:prstGeom>
-          <a:noFill/>
-          <a:ln w="38100">
-            <a:solidFill>
-              <a:srgbClr val="FFFF66"/>
-            </a:solidFill>
-            <a:round/>
-            <a:headEnd/>
-            <a:tailEnd type="triangle" w="med" len="med"/>
-          </a:ln>
-          <a:extLst>
-            <a:ext uri="{909E8E84-426E-40DD-AFC4-6F175D3DCCD1}">
-              <a14:hiddenFill xmlns:a14="http://schemas.microsoft.com/office/drawing/2010/main">
-                <a:noFill/>
-              </a14:hiddenFill>
-            </a:ext>
-          </a:extLst>
-        </p:spPr>
-        <p:txBody>
-          <a:bodyPr wrap="square">
-            <a:spAutoFit/>
-          </a:bodyPr>
-          <a:lstStyle/>
-          <a:p>
-            <a:endParaRPr lang="en-US"/>
-          </a:p>
-        </p:txBody>
-      </p:sp>
-      <p:sp>
-        <p:nvSpPr>
-          <p:cNvPr id="6" name="TextBox 5">
-            <a:extLst>
-              <a:ext uri="{FF2B5EF4-FFF2-40B4-BE49-F238E27FC236}">
-                <a16:creationId xmlns:a16="http://schemas.microsoft.com/office/drawing/2014/main" id="{4F2DA592-D8EB-70BA-2112-6C13A4E7B393}"/>
-              </a:ext>
-            </a:extLst>
-          </p:cNvPr>
-          <p:cNvSpPr txBox="1"/>
-          <p:nvPr/>
-        </p:nvSpPr>
-        <p:spPr>
-          <a:xfrm>
-            <a:off x="495300" y="606817"/>
-            <a:ext cx="11201400" cy="919401"/>
-          </a:xfrm>
-          <a:prstGeom prst="roundRect">
-            <a:avLst/>
-          </a:prstGeom>
-          <a:solidFill>
-            <a:schemeClr val="bg1">
-              <a:alpha val="70000"/>
-            </a:schemeClr>
-          </a:solidFill>
-          <a:ln w="76200">
-            <a:solidFill>
-              <a:srgbClr val="FFC416"/>
-            </a:solidFill>
-          </a:ln>
-        </p:spPr>
-        <p:style>
-          <a:lnRef idx="2">
-            <a:schemeClr val="dk1"/>
-          </a:lnRef>
-          <a:fillRef idx="1">
-            <a:schemeClr val="lt1"/>
-          </a:fillRef>
-          <a:effectRef idx="0">
-            <a:schemeClr val="dk1"/>
-          </a:effectRef>
-          <a:fontRef idx="minor">
-            <a:schemeClr val="dk1"/>
-          </a:fontRef>
-        </p:style>
-        <p:txBody>
-          <a:bodyPr wrap="square" rtlCol="0">
-            <a:spAutoFit/>
-          </a:bodyPr>
-          <a:lstStyle/>
-          <a:p>
-            <a:pPr algn="ctr"/>
-            <a:r>
-              <a:rPr lang="en-US" sz="4800" b="1" dirty="0">
-                <a:solidFill>
-                  <a:srgbClr val="2D3A37"/>
-                </a:solidFill>
-                <a:latin typeface="Adobe Devanagari" panose="02040503050201020203" pitchFamily="18" charset="0"/>
-                <a:cs typeface="Adobe Devanagari" panose="02040503050201020203" pitchFamily="18" charset="0"/>
-              </a:rPr>
-              <a:t>Form of Model</a:t>
-            </a:r>
-            <a:endParaRPr lang="en-US" sz="4800" dirty="0">
-              <a:solidFill>
-                <a:srgbClr val="2D3A37"/>
-              </a:solidFill>
-            </a:endParaRPr>
-          </a:p>
-        </p:txBody>
-      </p:sp>
-      <mc:AlternateContent xmlns:mc="http://schemas.openxmlformats.org/markup-compatibility/2006" xmlns:a14="http://schemas.microsoft.com/office/drawing/2010/main">
-        <mc:Choice Requires="a14">
-          <p:sp>
-            <p:nvSpPr>
-              <p:cNvPr id="3" name="TextBox 2">
-                <a:extLst>
-                  <a:ext uri="{FF2B5EF4-FFF2-40B4-BE49-F238E27FC236}">
-                    <a16:creationId xmlns:a16="http://schemas.microsoft.com/office/drawing/2014/main" id="{D1310D5A-472C-664C-76EE-BF6CBBE82489}"/>
-                  </a:ext>
-                </a:extLst>
-              </p:cNvPr>
-              <p:cNvSpPr txBox="1"/>
-              <p:nvPr/>
-            </p:nvSpPr>
-            <p:spPr>
-              <a:xfrm>
-                <a:off x="481445" y="1838337"/>
-                <a:ext cx="11201400" cy="4926455"/>
-              </a:xfrm>
-              <a:prstGeom prst="roundRect">
-                <a:avLst/>
-              </a:prstGeom>
-              <a:solidFill>
-                <a:schemeClr val="bg1"/>
-              </a:solidFill>
-              <a:ln w="76200">
-                <a:solidFill>
-                  <a:srgbClr val="FFC416"/>
-                </a:solidFill>
-              </a:ln>
-            </p:spPr>
-            <p:style>
-              <a:lnRef idx="2">
-                <a:schemeClr val="dk1"/>
-              </a:lnRef>
-              <a:fillRef idx="1">
-                <a:schemeClr val="lt1"/>
-              </a:fillRef>
-              <a:effectRef idx="0">
-                <a:schemeClr val="dk1"/>
-              </a:effectRef>
-              <a:fontRef idx="minor">
-                <a:schemeClr val="dk1"/>
-              </a:fontRef>
-            </p:style>
-            <p:txBody>
-              <a:bodyPr wrap="square" rtlCol="0">
-                <a:spAutoFit/>
-              </a:bodyPr>
-              <a:lstStyle/>
-              <a:p>
-                <a:r>
-                  <a:rPr lang="en-US" sz="2800" dirty="0">
-                    <a:solidFill>
-                      <a:srgbClr val="660066"/>
-                    </a:solidFill>
-                  </a:rPr>
-                  <a:t>Constant Model:</a:t>
-                </a:r>
-              </a:p>
-              <a:p>
-                <a:endParaRPr lang="en-US" sz="2800" dirty="0">
-                  <a:solidFill>
-                    <a:srgbClr val="660066"/>
-                  </a:solidFill>
-                </a:endParaRPr>
-              </a:p>
-              <a:p>
-                <a:endParaRPr lang="en-US" sz="2800" dirty="0">
-                  <a:solidFill>
-                    <a:srgbClr val="660066"/>
-                  </a:solidFill>
-                </a:endParaRPr>
-              </a:p>
-              <a:p>
-                <a:endParaRPr lang="en-US" sz="2800" dirty="0">
-                  <a:solidFill>
-                    <a:srgbClr val="660066"/>
-                  </a:solidFill>
-                </a:endParaRPr>
-              </a:p>
-              <a:p>
-                <a:r>
-                  <a:rPr lang="en-US" sz="2800" dirty="0">
-                    <a:solidFill>
-                      <a:srgbClr val="660066"/>
-                    </a:solidFill>
-                  </a:rPr>
-                  <a:t>The constant </a:t>
-                </a:r>
-                <a:r>
-                  <a:rPr lang="en-US" sz="2800" b="1" i="1" dirty="0">
-                    <a:solidFill>
-                      <a:srgbClr val="660066"/>
-                    </a:solidFill>
-                  </a:rPr>
-                  <a:t>c </a:t>
-                </a:r>
-                <a:r>
-                  <a:rPr lang="en-US" sz="2800" dirty="0">
-                    <a:solidFill>
-                      <a:srgbClr val="660066"/>
-                    </a:solidFill>
-                  </a:rPr>
-                  <a:t>is called a </a:t>
-                </a:r>
-                <a:r>
-                  <a:rPr lang="en-US" sz="2800" b="1" dirty="0">
-                    <a:solidFill>
-                      <a:srgbClr val="660066"/>
-                    </a:solidFill>
-                  </a:rPr>
-                  <a:t>parameter</a:t>
-                </a:r>
-              </a:p>
-              <a:p>
-                <a:endParaRPr lang="en-US" sz="2800" dirty="0">
-                  <a:solidFill>
-                    <a:srgbClr val="660066"/>
-                  </a:solidFill>
-                </a:endParaRPr>
-              </a:p>
-              <a:p>
-                <a:r>
-                  <a:rPr lang="en-US" sz="2800" dirty="0">
-                    <a:solidFill>
-                      <a:srgbClr val="660066"/>
-                    </a:solidFill>
-                  </a:rPr>
-                  <a:t>We use data to replace the unknown </a:t>
-                </a:r>
-                <a:r>
-                  <a:rPr lang="en-US" sz="2800" b="1" i="1" dirty="0">
-                    <a:solidFill>
-                      <a:srgbClr val="660066"/>
-                    </a:solidFill>
-                  </a:rPr>
-                  <a:t>c </a:t>
-                </a:r>
-                <a:r>
-                  <a:rPr lang="en-US" sz="2800" dirty="0">
-                    <a:solidFill>
-                      <a:srgbClr val="660066"/>
-                    </a:solidFill>
-                  </a:rPr>
-                  <a:t>with a </a:t>
-                </a:r>
-                <a:r>
-                  <a:rPr lang="en-US" sz="2800" b="1" dirty="0">
-                    <a:solidFill>
-                      <a:srgbClr val="660066"/>
-                    </a:solidFill>
-                  </a:rPr>
-                  <a:t>sample estimate</a:t>
-                </a:r>
-                <a:r>
-                  <a:rPr lang="en-US" sz="2800" dirty="0">
-                    <a:solidFill>
-                      <a:srgbClr val="660066"/>
-                    </a:solidFill>
-                  </a:rPr>
-                  <a:t> </a:t>
-                </a:r>
-                <a14:m>
-                  <m:oMath xmlns:m="http://schemas.openxmlformats.org/officeDocument/2006/math">
-                    <m:acc>
-                      <m:accPr>
-                        <m:chr m:val="̂"/>
-                        <m:ctrlPr>
-                          <a:rPr lang="en-US" sz="2800" b="1" i="1" smtClean="0">
-                            <a:solidFill>
-                              <a:srgbClr val="660066"/>
-                            </a:solidFill>
-                            <a:latin typeface="Cambria Math" panose="02040503050406030204" pitchFamily="18" charset="0"/>
-                          </a:rPr>
-                        </m:ctrlPr>
-                      </m:accPr>
-                      <m:e>
-                        <m:r>
-                          <a:rPr lang="en-US" sz="2800" b="1" i="1" smtClean="0">
-                            <a:solidFill>
-                              <a:srgbClr val="660066"/>
-                            </a:solidFill>
-                            <a:latin typeface="Cambria Math" panose="02040503050406030204" pitchFamily="18" charset="0"/>
-                          </a:rPr>
-                          <m:t>𝒄</m:t>
-                        </m:r>
-                      </m:e>
-                    </m:acc>
-                  </m:oMath>
-                </a14:m>
-                <a:endParaRPr lang="en-US" sz="2800" b="1" dirty="0">
-                  <a:solidFill>
-                    <a:srgbClr val="660066"/>
-                  </a:solidFill>
-                </a:endParaRPr>
-              </a:p>
-              <a:p>
-                <a:endParaRPr lang="en-US" sz="2800" dirty="0">
-                  <a:solidFill>
-                    <a:srgbClr val="660066"/>
-                  </a:solidFill>
-                </a:endParaRPr>
-              </a:p>
-              <a:p>
-                <a:endParaRPr lang="en-US" sz="2800" dirty="0">
-                  <a:solidFill>
-                    <a:srgbClr val="660066"/>
-                  </a:solidFill>
-                </a:endParaRPr>
-              </a:p>
-              <a:p>
-                <a:endParaRPr lang="en-US" sz="2800" dirty="0">
-                  <a:solidFill>
-                    <a:srgbClr val="660066"/>
-                  </a:solidFill>
-                </a:endParaRPr>
-              </a:p>
-            </p:txBody>
-          </p:sp>
-        </mc:Choice>
-        <mc:Fallback xmlns="">
-          <p:sp>
-            <p:nvSpPr>
-              <p:cNvPr id="3" name="TextBox 2">
-                <a:extLst>
-                  <a:ext uri="{FF2B5EF4-FFF2-40B4-BE49-F238E27FC236}">
-                    <a16:creationId xmlns:a16="http://schemas.microsoft.com/office/drawing/2014/main" id="{D1310D5A-472C-664C-76EE-BF6CBBE82489}"/>
-                  </a:ext>
-                </a:extLst>
-              </p:cNvPr>
-              <p:cNvSpPr txBox="1">
-                <a:spLocks noRot="1" noChangeAspect="1" noMove="1" noResize="1" noEditPoints="1" noAdjustHandles="1" noChangeArrowheads="1" noChangeShapeType="1" noTextEdit="1"/>
-              </p:cNvSpPr>
-              <p:nvPr/>
-            </p:nvSpPr>
-            <p:spPr>
-              <a:xfrm>
-                <a:off x="481445" y="1838337"/>
-                <a:ext cx="11201400" cy="4926455"/>
-              </a:xfrm>
-              <a:prstGeom prst="roundRect">
-                <a:avLst/>
-              </a:prstGeom>
-              <a:blipFill>
-                <a:blip r:embed="rId3"/>
-                <a:stretch>
-                  <a:fillRect/>
-                </a:stretch>
-              </a:blipFill>
-              <a:ln w="76200">
-                <a:solidFill>
-                  <a:srgbClr val="FFC416"/>
-                </a:solidFill>
-              </a:ln>
-            </p:spPr>
-            <p:txBody>
-              <a:bodyPr/>
-              <a:lstStyle/>
-              <a:p>
-                <a:r>
-                  <a:rPr lang="en-US">
-                    <a:noFill/>
-                  </a:rPr>
-                  <a:t> </a:t>
-                </a:r>
-              </a:p>
-            </p:txBody>
-          </p:sp>
-        </mc:Fallback>
-      </mc:AlternateContent>
-      <p:graphicFrame>
-        <p:nvGraphicFramePr>
-          <p:cNvPr id="4" name="Object 3">
-            <a:extLst>
-              <a:ext uri="{FF2B5EF4-FFF2-40B4-BE49-F238E27FC236}">
-                <a16:creationId xmlns:a16="http://schemas.microsoft.com/office/drawing/2014/main" id="{C12DFBCB-3C0D-D4A7-809D-79F69F19F1CB}"/>
-              </a:ext>
-            </a:extLst>
-          </p:cNvPr>
-          <p:cNvGraphicFramePr>
-            <a:graphicFrameLocks noChangeAspect="1"/>
-          </p:cNvGraphicFramePr>
-          <p:nvPr>
-            <p:extLst>
-              <p:ext uri="{D42A27DB-BD31-4B8C-83A1-F6EECF244321}">
-                <p14:modId xmlns:p14="http://schemas.microsoft.com/office/powerpoint/2010/main" val="942886677"/>
-              </p:ext>
-            </p:extLst>
-          </p:nvPr>
-        </p:nvGraphicFramePr>
-        <p:xfrm>
-          <a:off x="4229893" y="2311930"/>
-          <a:ext cx="3732213" cy="1084263"/>
-        </p:xfrm>
-        <a:graphic>
-          <a:graphicData uri="http://schemas.openxmlformats.org/presentationml/2006/ole">
-            <mc:AlternateContent xmlns:mc="http://schemas.openxmlformats.org/markup-compatibility/2006">
-              <mc:Choice xmlns:v="urn:schemas-microsoft-com:vml" Requires="v">
-                <p:oleObj name="Equation" r:id="rId4" imgW="583920" imgH="177480" progId="Equation.3">
-                  <p:embed/>
-                </p:oleObj>
-              </mc:Choice>
-              <mc:Fallback>
-                <p:oleObj name="Equation" r:id="rId4" imgW="583920" imgH="177480" progId="Equation.3">
-                  <p:embed/>
-                  <p:pic>
-                    <p:nvPicPr>
-                      <p:cNvPr id="34819" name="Object 3"/>
-                      <p:cNvPicPr>
-                        <a:picLocks noChangeAspect="1" noChangeArrowheads="1"/>
-                      </p:cNvPicPr>
-                      <p:nvPr/>
-                    </p:nvPicPr>
-                    <p:blipFill>
-                      <a:blip r:embed="rId5">
-                        <a:extLst>
-                          <a:ext uri="{28A0092B-C50C-407E-A947-70E740481C1C}">
-                            <a14:useLocalDpi xmlns:a14="http://schemas.microsoft.com/office/drawing/2010/main" val="0"/>
-                          </a:ext>
-                        </a:extLst>
-                      </a:blip>
-                      <a:srcRect/>
-                      <a:stretch>
-                        <a:fillRect/>
-                      </a:stretch>
-                    </p:blipFill>
-                    <p:spPr bwMode="auto">
-                      <a:xfrm>
-                        <a:off x="4229893" y="2311930"/>
-                        <a:ext cx="3732213" cy="1084263"/>
-                      </a:xfrm>
-                      <a:prstGeom prst="rect">
-                        <a:avLst/>
-                      </a:prstGeom>
-                      <a:solidFill>
-                        <a:schemeClr val="bg1"/>
-                      </a:solidFill>
-                      <a:ln>
-                        <a:noFill/>
-                      </a:ln>
-                      <a:effectLst/>
-                      <a:extLst>
-                        <a:ext uri="{91240B29-F687-4F45-9708-019B960494DF}">
-                          <a14:hiddenLine xmlns:a14="http://schemas.microsoft.com/office/drawing/2010/main" w="9525">
-                            <a:solidFill>
-                              <a:srgbClr val="000000"/>
-                            </a:solidFill>
-                            <a:miter lim="800000"/>
-                            <a:headEnd/>
-                            <a:tailEnd/>
-                          </a14:hiddenLine>
-                        </a:ext>
-                        <a:ext uri="{AF507438-7753-43E0-B8FC-AC1667EBCBE1}">
-                          <a14:hiddenEffects xmlns:a14="http://schemas.microsoft.com/office/drawing/2010/main">
-                            <a:effectLst>
-                              <a:outerShdw dist="35921" dir="2700000" algn="ctr" rotWithShape="0">
-                                <a:srgbClr val="808080"/>
-                              </a:outerShdw>
-                            </a:effectLst>
-                          </a14:hiddenEffects>
-                        </a:ext>
-                      </a:extLst>
-                    </p:spPr>
-                  </p:pic>
-                </p:oleObj>
-              </mc:Fallback>
-            </mc:AlternateContent>
-          </a:graphicData>
-        </a:graphic>
-      </p:graphicFrame>
-    </p:spTree>
-    <p:extLst>
-      <p:ext uri="{BB962C8B-B14F-4D97-AF65-F5344CB8AC3E}">
-        <p14:creationId xmlns:p14="http://schemas.microsoft.com/office/powerpoint/2010/main" val="3766808693"/>
-      </p:ext>
-    </p:extLst>
-  </p:cSld>
-  <p:clrMapOvr>
-    <a:masterClrMapping/>
-  </p:clrMapOvr>
-</p:sld>
-</file>
-
-<file path=ppt/slides/slide6.xml><?xml version="1.0" encoding="utf-8"?>
-<p:sld xmlns:a="http://schemas.openxmlformats.org/drawingml/2006/main" xmlns:r="http://schemas.openxmlformats.org/officeDocument/2006/relationships" xmlns:p="http://schemas.openxmlformats.org/presentationml/2006/main">
-  <p:cSld>
-    <p:spTree>
-      <p:nvGrpSpPr>
-        <p:cNvPr id="1" name=""/>
-        <p:cNvGrpSpPr/>
-        <p:nvPr/>
-      </p:nvGrpSpPr>
-      <p:grpSpPr>
-        <a:xfrm>
-          <a:off x="0" y="0"/>
-          <a:ext cx="0" cy="0"/>
-          <a:chOff x="0" y="0"/>
-          <a:chExt cx="0" cy="0"/>
-        </a:xfrm>
-      </p:grpSpPr>
-      <p:pic>
-        <p:nvPicPr>
-          <p:cNvPr id="2" name="Picture 10" descr="Mario Pattern">
-            <a:extLst>
-              <a:ext uri="{FF2B5EF4-FFF2-40B4-BE49-F238E27FC236}">
-                <a16:creationId xmlns:a16="http://schemas.microsoft.com/office/drawing/2014/main" id="{8F84FFD9-23AF-75F7-6DAA-904525952142}"/>
-              </a:ext>
-            </a:extLst>
-          </p:cNvPr>
-          <p:cNvPicPr>
-            <a:picLocks noChangeAspect="1" noChangeArrowheads="1"/>
-          </p:cNvPicPr>
-          <p:nvPr/>
-        </p:nvPicPr>
-        <p:blipFill rotWithShape="1">
-          <a:blip r:embed="rId2">
-            <a:alphaModFix amt="47000"/>
-            <a:extLst>
-              <a:ext uri="{28A0092B-C50C-407E-A947-70E740481C1C}">
-                <a14:useLocalDpi xmlns:a14="http://schemas.microsoft.com/office/drawing/2010/main" val="0"/>
-              </a:ext>
-            </a:extLst>
-          </a:blip>
-          <a:srcRect l="4595" r="6699"/>
-          <a:stretch/>
-        </p:blipFill>
-        <p:spPr bwMode="auto">
-          <a:xfrm>
-            <a:off x="0" y="-2057400"/>
-            <a:ext cx="12192000" cy="10308201"/>
-          </a:xfrm>
-          <a:prstGeom prst="rect">
-            <a:avLst/>
-          </a:prstGeom>
-          <a:noFill/>
-          <a:extLst>
-            <a:ext uri="{909E8E84-426E-40DD-AFC4-6F175D3DCCD1}">
-              <a14:hiddenFill xmlns:a14="http://schemas.microsoft.com/office/drawing/2010/main">
-                <a:solidFill>
-                  <a:srgbClr val="FFFFFF"/>
-                </a:solidFill>
-              </a14:hiddenFill>
-            </a:ext>
-          </a:extLst>
-        </p:spPr>
-      </p:pic>
-      <p:sp>
-        <p:nvSpPr>
-          <p:cNvPr id="12" name="Line 11"/>
-          <p:cNvSpPr>
-            <a:spLocks noChangeShapeType="1"/>
-          </p:cNvSpPr>
-          <p:nvPr/>
-        </p:nvSpPr>
-        <p:spPr bwMode="auto">
-          <a:xfrm flipV="1">
-            <a:off x="6972300" y="5109836"/>
-            <a:ext cx="609600" cy="533400"/>
-          </a:xfrm>
-          <a:prstGeom prst="line">
-            <a:avLst/>
-          </a:prstGeom>
-          <a:noFill/>
-          <a:ln w="38100">
-            <a:solidFill>
-              <a:srgbClr val="FFFF66"/>
-            </a:solidFill>
-            <a:round/>
-            <a:headEnd/>
-            <a:tailEnd type="triangle" w="med" len="med"/>
-          </a:ln>
-          <a:extLst>
-            <a:ext uri="{909E8E84-426E-40DD-AFC4-6F175D3DCCD1}">
-              <a14:hiddenFill xmlns:a14="http://schemas.microsoft.com/office/drawing/2010/main">
-                <a:noFill/>
-              </a14:hiddenFill>
-            </a:ext>
-          </a:extLst>
-        </p:spPr>
-        <p:txBody>
-          <a:bodyPr wrap="square">
-            <a:spAutoFit/>
-          </a:bodyPr>
-          <a:lstStyle/>
-          <a:p>
-            <a:endParaRPr lang="en-US"/>
-          </a:p>
-        </p:txBody>
-      </p:sp>
-      <p:sp>
-        <p:nvSpPr>
-          <p:cNvPr id="6" name="TextBox 5">
-            <a:extLst>
-              <a:ext uri="{FF2B5EF4-FFF2-40B4-BE49-F238E27FC236}">
-                <a16:creationId xmlns:a16="http://schemas.microsoft.com/office/drawing/2014/main" id="{4F2DA592-D8EB-70BA-2112-6C13A4E7B393}"/>
-              </a:ext>
-            </a:extLst>
-          </p:cNvPr>
-          <p:cNvSpPr txBox="1"/>
-          <p:nvPr/>
-        </p:nvSpPr>
-        <p:spPr>
-          <a:xfrm>
-            <a:off x="495300" y="606817"/>
-            <a:ext cx="11201400" cy="919401"/>
-          </a:xfrm>
-          <a:prstGeom prst="roundRect">
-            <a:avLst/>
-          </a:prstGeom>
-          <a:solidFill>
-            <a:schemeClr val="bg1">
-              <a:alpha val="70000"/>
-            </a:schemeClr>
-          </a:solidFill>
-          <a:ln w="76200">
-            <a:solidFill>
-              <a:srgbClr val="FFC416"/>
-            </a:solidFill>
-          </a:ln>
-        </p:spPr>
-        <p:style>
-          <a:lnRef idx="2">
-            <a:schemeClr val="dk1"/>
-          </a:lnRef>
-          <a:fillRef idx="1">
-            <a:schemeClr val="lt1"/>
-          </a:fillRef>
-          <a:effectRef idx="0">
-            <a:schemeClr val="dk1"/>
-          </a:effectRef>
-          <a:fontRef idx="minor">
-            <a:schemeClr val="dk1"/>
-          </a:fontRef>
-        </p:style>
-        <p:txBody>
-          <a:bodyPr wrap="square" rtlCol="0">
-            <a:spAutoFit/>
-          </a:bodyPr>
-          <a:lstStyle/>
-          <a:p>
-            <a:pPr algn="ctr"/>
-            <a:r>
-              <a:rPr lang="en-US" sz="4800" b="1" dirty="0">
-                <a:solidFill>
-                  <a:srgbClr val="2D3A37"/>
-                </a:solidFill>
-                <a:latin typeface="Adobe Devanagari" panose="02040503050201020203" pitchFamily="18" charset="0"/>
-                <a:cs typeface="Adobe Devanagari" panose="02040503050201020203" pitchFamily="18" charset="0"/>
-              </a:rPr>
-              <a:t>Fitting the Model to Data</a:t>
-            </a:r>
-            <a:endParaRPr lang="en-US" sz="4800" dirty="0">
-              <a:solidFill>
-                <a:srgbClr val="2D3A37"/>
-              </a:solidFill>
-            </a:endParaRPr>
-          </a:p>
-        </p:txBody>
-      </p:sp>
-      <mc:AlternateContent xmlns:mc="http://schemas.openxmlformats.org/markup-compatibility/2006" xmlns:a14="http://schemas.microsoft.com/office/drawing/2010/main">
-        <mc:Choice Requires="a14">
-          <p:sp>
-            <p:nvSpPr>
-              <p:cNvPr id="3" name="TextBox 2">
-                <a:extLst>
-                  <a:ext uri="{FF2B5EF4-FFF2-40B4-BE49-F238E27FC236}">
-                    <a16:creationId xmlns:a16="http://schemas.microsoft.com/office/drawing/2014/main" id="{D1310D5A-472C-664C-76EE-BF6CBBE82489}"/>
-                  </a:ext>
-                </a:extLst>
-              </p:cNvPr>
-              <p:cNvSpPr txBox="1"/>
-              <p:nvPr/>
-            </p:nvSpPr>
-            <p:spPr>
-              <a:xfrm>
-                <a:off x="481445" y="1838337"/>
-                <a:ext cx="11201400" cy="4863247"/>
-              </a:xfrm>
-              <a:prstGeom prst="roundRect">
-                <a:avLst/>
-              </a:prstGeom>
-              <a:solidFill>
-                <a:schemeClr val="bg1"/>
-              </a:solidFill>
-              <a:ln w="76200">
-                <a:solidFill>
-                  <a:srgbClr val="FFC416"/>
-                </a:solidFill>
-              </a:ln>
-            </p:spPr>
-            <p:style>
-              <a:lnRef idx="2">
-                <a:schemeClr val="dk1"/>
-              </a:lnRef>
-              <a:fillRef idx="1">
-                <a:schemeClr val="lt1"/>
-              </a:fillRef>
-              <a:effectRef idx="0">
-                <a:schemeClr val="dk1"/>
-              </a:effectRef>
-              <a:fontRef idx="minor">
-                <a:schemeClr val="dk1"/>
-              </a:fontRef>
-            </p:style>
-            <p:txBody>
-              <a:bodyPr wrap="square" rtlCol="0">
-                <a:spAutoFit/>
-              </a:bodyPr>
-              <a:lstStyle/>
-              <a:p>
-                <a:r>
-                  <a:rPr lang="en-US" sz="2800" dirty="0">
-                    <a:solidFill>
-                      <a:srgbClr val="660066"/>
-                    </a:solidFill>
-                  </a:rPr>
-                  <a:t>For the constant model, if we want to </a:t>
-                </a:r>
-                <a:r>
-                  <a:rPr lang="en-US" sz="2800" b="1" dirty="0">
-                    <a:solidFill>
-                      <a:srgbClr val="660066"/>
-                    </a:solidFill>
-                  </a:rPr>
-                  <a:t>estimate</a:t>
-                </a:r>
-                <a:r>
-                  <a:rPr lang="en-US" sz="2800" dirty="0">
-                    <a:solidFill>
-                      <a:srgbClr val="660066"/>
-                    </a:solidFill>
-                  </a:rPr>
-                  <a:t> Y, then </a:t>
-                </a:r>
-              </a:p>
-              <a:p>
-                <a:endParaRPr lang="en-US" sz="2800" dirty="0">
-                  <a:solidFill>
-                    <a:srgbClr val="660066"/>
-                  </a:solidFill>
-                </a:endParaRPr>
-              </a:p>
-              <a:p>
-                <a:endParaRPr lang="en-US" sz="2800" dirty="0">
-                  <a:solidFill>
-                    <a:srgbClr val="660066"/>
-                  </a:solidFill>
-                </a:endParaRPr>
-              </a:p>
-              <a:p>
-                <a:r>
-                  <a:rPr lang="en-US" sz="2800" dirty="0">
-                    <a:solidFill>
-                      <a:srgbClr val="660066"/>
-                    </a:solidFill>
-                  </a:rPr>
-                  <a:t>The predicted </a:t>
-                </a:r>
-                <a:r>
-                  <a:rPr lang="en-US" sz="2800" b="1" i="1" dirty="0">
-                    <a:solidFill>
-                      <a:srgbClr val="660066"/>
-                    </a:solidFill>
-                  </a:rPr>
-                  <a:t>y</a:t>
-                </a:r>
-                <a:r>
-                  <a:rPr lang="en-US" sz="2800" dirty="0">
-                    <a:solidFill>
-                      <a:srgbClr val="660066"/>
-                    </a:solidFill>
-                  </a:rPr>
-                  <a:t> is denoted </a:t>
-                </a:r>
-                <a14:m>
-                  <m:oMath xmlns:m="http://schemas.openxmlformats.org/officeDocument/2006/math">
-                    <m:acc>
-                      <m:accPr>
-                        <m:chr m:val="̂"/>
-                        <m:ctrlPr>
-                          <a:rPr lang="en-US" sz="2800" b="1" i="1" smtClean="0">
-                            <a:solidFill>
-                              <a:srgbClr val="660066"/>
-                            </a:solidFill>
-                            <a:latin typeface="Cambria Math" panose="02040503050406030204" pitchFamily="18" charset="0"/>
-                          </a:rPr>
-                        </m:ctrlPr>
-                      </m:accPr>
-                      <m:e>
-                        <m:r>
-                          <a:rPr lang="en-US" sz="2800" b="1" i="1" smtClean="0">
-                            <a:solidFill>
-                              <a:srgbClr val="660066"/>
-                            </a:solidFill>
-                            <a:latin typeface="Cambria Math" panose="02040503050406030204" pitchFamily="18" charset="0"/>
-                          </a:rPr>
-                          <m:t>𝒚</m:t>
-                        </m:r>
-                      </m:e>
-                    </m:acc>
-                  </m:oMath>
-                </a14:m>
-                <a:r>
-                  <a:rPr lang="en-US" sz="2800" dirty="0">
-                    <a:solidFill>
-                      <a:srgbClr val="660066"/>
-                    </a:solidFill>
-                  </a:rPr>
-                  <a:t>.</a:t>
-                </a:r>
-              </a:p>
-              <a:p>
-                <a:endParaRPr lang="en-US" sz="2800" dirty="0">
-                  <a:solidFill>
-                    <a:srgbClr val="660066"/>
-                  </a:solidFill>
-                </a:endParaRPr>
-              </a:p>
-              <a:p>
-                <a:r>
-                  <a:rPr lang="en-US" sz="2800" dirty="0">
-                    <a:solidFill>
-                      <a:srgbClr val="660066"/>
-                    </a:solidFill>
-                  </a:rPr>
-                  <a:t>Good choices for </a:t>
-                </a:r>
-                <a14:m>
-                  <m:oMath xmlns:m="http://schemas.openxmlformats.org/officeDocument/2006/math">
-                    <m:acc>
-                      <m:accPr>
-                        <m:chr m:val="̂"/>
-                        <m:ctrlPr>
-                          <a:rPr lang="en-US" sz="2800" b="0" i="1" smtClean="0">
-                            <a:solidFill>
-                              <a:srgbClr val="660066"/>
-                            </a:solidFill>
-                            <a:latin typeface="Cambria Math" panose="02040503050406030204" pitchFamily="18" charset="0"/>
-                          </a:rPr>
-                        </m:ctrlPr>
-                      </m:accPr>
-                      <m:e>
-                        <m:r>
-                          <a:rPr lang="en-US" sz="2800" b="0" i="1" smtClean="0">
-                            <a:solidFill>
-                              <a:srgbClr val="660066"/>
-                            </a:solidFill>
-                            <a:latin typeface="Cambria Math" panose="02040503050406030204" pitchFamily="18" charset="0"/>
-                          </a:rPr>
-                          <m:t>𝑐</m:t>
-                        </m:r>
-                      </m:e>
-                    </m:acc>
-                  </m:oMath>
-                </a14:m>
-                <a:endParaRPr lang="en-US" sz="2800" dirty="0">
-                  <a:solidFill>
-                    <a:srgbClr val="660066"/>
-                  </a:solidFill>
-                </a:endParaRPr>
-              </a:p>
-              <a:p>
-                <a:r>
-                  <a:rPr lang="en-US" sz="2400" dirty="0">
-                    <a:solidFill>
-                      <a:srgbClr val="660066"/>
-                    </a:solidFill>
-                  </a:rPr>
-                  <a:t>	Sample Mean: 	</a:t>
-                </a:r>
-                <a:r>
-                  <a:rPr lang="en-US" sz="2400" b="0" dirty="0">
-                    <a:solidFill>
-                      <a:srgbClr val="660066"/>
-                    </a:solidFill>
-                  </a:rPr>
-                  <a:t> </a:t>
-                </a:r>
-                <a14:m>
-                  <m:oMath xmlns:m="http://schemas.openxmlformats.org/officeDocument/2006/math">
-                    <m:acc>
-                      <m:accPr>
-                        <m:chr m:val="̂"/>
-                        <m:ctrlPr>
-                          <a:rPr lang="en-US" sz="2400" b="0" i="1" smtClean="0">
-                            <a:solidFill>
-                              <a:srgbClr val="660066"/>
-                            </a:solidFill>
-                            <a:latin typeface="Cambria Math" panose="02040503050406030204" pitchFamily="18" charset="0"/>
-                          </a:rPr>
-                        </m:ctrlPr>
-                      </m:accPr>
-                      <m:e>
-                        <m:r>
-                          <a:rPr lang="en-US" sz="2400" b="0" i="1" smtClean="0">
-                            <a:solidFill>
-                              <a:srgbClr val="660066"/>
-                            </a:solidFill>
-                            <a:latin typeface="Cambria Math" panose="02040503050406030204" pitchFamily="18" charset="0"/>
-                          </a:rPr>
-                          <m:t>𝑐</m:t>
-                        </m:r>
-                      </m:e>
-                    </m:acc>
-                    <m:r>
-                      <a:rPr lang="en-US" sz="2400" b="0" i="0" smtClean="0">
-                        <a:solidFill>
-                          <a:srgbClr val="660066"/>
-                        </a:solidFill>
-                        <a:latin typeface="Cambria Math" panose="02040503050406030204" pitchFamily="18" charset="0"/>
-                      </a:rPr>
-                      <m:t>= </m:t>
-                    </m:r>
-                    <m:acc>
-                      <m:accPr>
-                        <m:chr m:val="̅"/>
-                        <m:ctrlPr>
-                          <a:rPr lang="en-US" sz="2400" b="0" i="1" smtClean="0">
-                            <a:solidFill>
-                              <a:srgbClr val="660066"/>
-                            </a:solidFill>
-                            <a:latin typeface="Cambria Math" panose="02040503050406030204" pitchFamily="18" charset="0"/>
-                          </a:rPr>
-                        </m:ctrlPr>
-                      </m:accPr>
-                      <m:e>
-                        <m:r>
-                          <a:rPr lang="en-US" sz="2400" b="0" i="1" smtClean="0">
-                            <a:solidFill>
-                              <a:srgbClr val="660066"/>
-                            </a:solidFill>
-                            <a:latin typeface="Cambria Math" panose="02040503050406030204" pitchFamily="18" charset="0"/>
-                          </a:rPr>
-                          <m:t>𝑦</m:t>
-                        </m:r>
-                      </m:e>
-                    </m:acc>
-                    <m:r>
-                      <a:rPr lang="en-US" sz="2400" b="0" i="1" smtClean="0">
-                        <a:solidFill>
-                          <a:srgbClr val="660066"/>
-                        </a:solidFill>
-                        <a:latin typeface="Cambria Math" panose="02040503050406030204" pitchFamily="18" charset="0"/>
-                      </a:rPr>
-                      <m:t>=</m:t>
-                    </m:r>
-                    <m:f>
-                      <m:fPr>
-                        <m:ctrlPr>
-                          <a:rPr lang="en-US" sz="2400" b="0" i="1" smtClean="0">
-                            <a:solidFill>
-                              <a:srgbClr val="660066"/>
-                            </a:solidFill>
-                            <a:latin typeface="Cambria Math" panose="02040503050406030204" pitchFamily="18" charset="0"/>
-                          </a:rPr>
-                        </m:ctrlPr>
-                      </m:fPr>
-                      <m:num>
-                        <m:nary>
-                          <m:naryPr>
-                            <m:chr m:val="∑"/>
-                            <m:subHide m:val="on"/>
-                            <m:supHide m:val="on"/>
-                            <m:ctrlPr>
-                              <a:rPr lang="en-US" sz="2400" b="0" i="1" smtClean="0">
-                                <a:solidFill>
-                                  <a:srgbClr val="660066"/>
-                                </a:solidFill>
-                                <a:latin typeface="Cambria Math" panose="02040503050406030204" pitchFamily="18" charset="0"/>
-                              </a:rPr>
-                            </m:ctrlPr>
-                          </m:naryPr>
-                          <m:sub/>
-                          <m:sup/>
-                          <m:e>
-                            <m:sSub>
-                              <m:sSubPr>
-                                <m:ctrlPr>
-                                  <a:rPr lang="en-US" sz="2400" b="0" i="1" smtClean="0">
-                                    <a:solidFill>
-                                      <a:srgbClr val="660066"/>
-                                    </a:solidFill>
-                                    <a:latin typeface="Cambria Math" panose="02040503050406030204" pitchFamily="18" charset="0"/>
-                                  </a:rPr>
-                                </m:ctrlPr>
-                              </m:sSubPr>
-                              <m:e>
-                                <m:r>
-                                  <a:rPr lang="en-US" sz="2400" b="0" i="1" smtClean="0">
-                                    <a:solidFill>
-                                      <a:srgbClr val="660066"/>
-                                    </a:solidFill>
-                                    <a:latin typeface="Cambria Math" panose="02040503050406030204" pitchFamily="18" charset="0"/>
-                                  </a:rPr>
-                                  <m:t>𝑦</m:t>
-                                </m:r>
-                              </m:e>
-                              <m:sub>
-                                <m:r>
-                                  <a:rPr lang="en-US" sz="2400" b="0" i="1" smtClean="0">
-                                    <a:solidFill>
-                                      <a:srgbClr val="660066"/>
-                                    </a:solidFill>
-                                    <a:latin typeface="Cambria Math" panose="02040503050406030204" pitchFamily="18" charset="0"/>
-                                  </a:rPr>
-                                  <m:t>𝑖</m:t>
-                                </m:r>
-                              </m:sub>
-                            </m:sSub>
-                          </m:e>
-                        </m:nary>
-                      </m:num>
-                      <m:den>
-                        <m:r>
-                          <a:rPr lang="en-US" sz="2400" b="0" i="1" smtClean="0">
-                            <a:solidFill>
-                              <a:srgbClr val="660066"/>
-                            </a:solidFill>
-                            <a:latin typeface="Cambria Math" panose="02040503050406030204" pitchFamily="18" charset="0"/>
-                          </a:rPr>
-                          <m:t>𝑛</m:t>
-                        </m:r>
-                      </m:den>
-                    </m:f>
-                  </m:oMath>
-                </a14:m>
-                <a:endParaRPr lang="en-US" sz="2400" dirty="0">
-                  <a:solidFill>
-                    <a:srgbClr val="660066"/>
-                  </a:solidFill>
-                </a:endParaRPr>
-              </a:p>
-              <a:p>
-                <a:r>
-                  <a:rPr lang="en-US" sz="2400" dirty="0">
-                    <a:solidFill>
-                      <a:srgbClr val="660066"/>
-                    </a:solidFill>
-                  </a:rPr>
-                  <a:t>	Sample Median: 	 </a:t>
-                </a:r>
-                <a14:m>
-                  <m:oMath xmlns:m="http://schemas.openxmlformats.org/officeDocument/2006/math">
-                    <m:acc>
-                      <m:accPr>
-                        <m:chr m:val="̂"/>
-                        <m:ctrlPr>
-                          <a:rPr lang="en-US" sz="2400" b="0" i="1" smtClean="0">
-                            <a:solidFill>
-                              <a:srgbClr val="660066"/>
-                            </a:solidFill>
-                            <a:latin typeface="Cambria Math" panose="02040503050406030204" pitchFamily="18" charset="0"/>
-                          </a:rPr>
-                        </m:ctrlPr>
-                      </m:accPr>
-                      <m:e>
-                        <m:r>
-                          <a:rPr lang="en-US" sz="2400" b="0" i="1" smtClean="0">
-                            <a:solidFill>
-                              <a:srgbClr val="660066"/>
-                            </a:solidFill>
-                            <a:latin typeface="Cambria Math" panose="02040503050406030204" pitchFamily="18" charset="0"/>
-                          </a:rPr>
-                          <m:t>𝑐</m:t>
-                        </m:r>
-                      </m:e>
-                    </m:acc>
-                    <m:r>
-                      <a:rPr lang="en-US" sz="2400" b="0" i="0" smtClean="0">
-                        <a:solidFill>
-                          <a:srgbClr val="660066"/>
-                        </a:solidFill>
-                        <a:latin typeface="Cambria Math" panose="02040503050406030204" pitchFamily="18" charset="0"/>
-                      </a:rPr>
-                      <m:t>=</m:t>
-                    </m:r>
-                    <m:sSub>
-                      <m:sSubPr>
-                        <m:ctrlPr>
-                          <a:rPr lang="en-US" sz="2400" b="0" i="1" smtClean="0">
-                            <a:solidFill>
-                              <a:srgbClr val="660066"/>
-                            </a:solidFill>
-                            <a:latin typeface="Cambria Math" panose="02040503050406030204" pitchFamily="18" charset="0"/>
-                          </a:rPr>
-                        </m:ctrlPr>
-                      </m:sSubPr>
-                      <m:e>
-                        <m:r>
-                          <a:rPr lang="en-US" sz="2400" b="0" i="1" smtClean="0">
-                            <a:solidFill>
-                              <a:srgbClr val="660066"/>
-                            </a:solidFill>
-                            <a:latin typeface="Cambria Math" panose="02040503050406030204" pitchFamily="18" charset="0"/>
-                          </a:rPr>
-                          <m:t>𝑚</m:t>
-                        </m:r>
-                      </m:e>
-                      <m:sub>
-                        <m:r>
-                          <a:rPr lang="en-US" sz="2400" b="0" i="1" smtClean="0">
-                            <a:solidFill>
-                              <a:srgbClr val="660066"/>
-                            </a:solidFill>
-                            <a:latin typeface="Cambria Math" panose="02040503050406030204" pitchFamily="18" charset="0"/>
-                          </a:rPr>
-                          <m:t>𝑌</m:t>
-                        </m:r>
-                      </m:sub>
-                    </m:sSub>
-                  </m:oMath>
-                </a14:m>
-                <a:endParaRPr lang="en-US" sz="2400" b="0" dirty="0">
-                  <a:solidFill>
-                    <a:srgbClr val="660066"/>
-                  </a:solidFill>
-                </a:endParaRPr>
-              </a:p>
-              <a:p>
-                <a:endParaRPr lang="en-US" sz="2400" dirty="0">
-                  <a:solidFill>
-                    <a:srgbClr val="660066"/>
-                  </a:solidFill>
-                </a:endParaRPr>
-              </a:p>
-              <a:p>
-                <a:r>
-                  <a:rPr lang="en-US" sz="2800" dirty="0">
-                    <a:solidFill>
-                      <a:srgbClr val="660066"/>
-                    </a:solidFill>
-                  </a:rPr>
-                  <a:t>	</a:t>
-                </a:r>
-              </a:p>
-            </p:txBody>
-          </p:sp>
-        </mc:Choice>
-        <mc:Fallback xmlns="">
-          <p:sp>
-            <p:nvSpPr>
-              <p:cNvPr id="3" name="TextBox 2">
-                <a:extLst>
-                  <a:ext uri="{FF2B5EF4-FFF2-40B4-BE49-F238E27FC236}">
-                    <a16:creationId xmlns:a16="http://schemas.microsoft.com/office/drawing/2014/main" id="{D1310D5A-472C-664C-76EE-BF6CBBE82489}"/>
-                  </a:ext>
-                </a:extLst>
-              </p:cNvPr>
-              <p:cNvSpPr txBox="1">
-                <a:spLocks noRot="1" noChangeAspect="1" noMove="1" noResize="1" noEditPoints="1" noAdjustHandles="1" noChangeArrowheads="1" noChangeShapeType="1" noTextEdit="1"/>
-              </p:cNvSpPr>
-              <p:nvPr/>
-            </p:nvSpPr>
-            <p:spPr>
-              <a:xfrm>
-                <a:off x="481445" y="1838337"/>
-                <a:ext cx="11201400" cy="4863247"/>
-              </a:xfrm>
-              <a:prstGeom prst="roundRect">
-                <a:avLst/>
-              </a:prstGeom>
-              <a:blipFill>
-                <a:blip r:embed="rId3"/>
-                <a:stretch>
-                  <a:fillRect/>
-                </a:stretch>
-              </a:blipFill>
-              <a:ln w="76200">
-                <a:solidFill>
-                  <a:srgbClr val="FFC416"/>
-                </a:solidFill>
-              </a:ln>
-            </p:spPr>
-            <p:txBody>
-              <a:bodyPr/>
-              <a:lstStyle/>
-              <a:p>
-                <a:r>
-                  <a:rPr lang="en-US">
-                    <a:noFill/>
-                  </a:rPr>
-                  <a:t> </a:t>
-                </a:r>
-              </a:p>
-            </p:txBody>
-          </p:sp>
-        </mc:Fallback>
-      </mc:AlternateContent>
-      <mc:AlternateContent xmlns:mc="http://schemas.openxmlformats.org/markup-compatibility/2006" xmlns:a14="http://schemas.microsoft.com/office/drawing/2010/main">
-        <mc:Choice Requires="a14">
-          <p:sp>
-            <p:nvSpPr>
-              <p:cNvPr id="5" name="TextBox 4">
-                <a:extLst>
-                  <a:ext uri="{FF2B5EF4-FFF2-40B4-BE49-F238E27FC236}">
-                    <a16:creationId xmlns:a16="http://schemas.microsoft.com/office/drawing/2014/main" id="{95C3EEF4-BD0C-2A78-BF15-DE63A190968E}"/>
-                  </a:ext>
-                </a:extLst>
-              </p:cNvPr>
-              <p:cNvSpPr txBox="1"/>
-              <p:nvPr/>
-            </p:nvSpPr>
-            <p:spPr>
-              <a:xfrm>
-                <a:off x="4419600" y="2512167"/>
-                <a:ext cx="3162300" cy="646331"/>
-              </a:xfrm>
-              <a:prstGeom prst="rect">
-                <a:avLst/>
-              </a:prstGeom>
-              <a:noFill/>
-            </p:spPr>
-            <p:txBody>
-              <a:bodyPr wrap="square" rtlCol="0">
-                <a:spAutoFit/>
-              </a:bodyPr>
-              <a:lstStyle/>
-              <a:p>
-                <a:pPr/>
-                <a14:m>
-                  <m:oMathPara xmlns:m="http://schemas.openxmlformats.org/officeDocument/2006/math">
-                    <m:oMathParaPr>
-                      <m:jc m:val="centerGroup"/>
-                    </m:oMathParaPr>
-                    <m:oMath xmlns:m="http://schemas.openxmlformats.org/officeDocument/2006/math">
-                      <m:r>
-                        <a:rPr lang="en-US" sz="3600" b="0" i="1" smtClean="0">
-                          <a:latin typeface="Cambria Math" panose="02040503050406030204" pitchFamily="18" charset="0"/>
-                        </a:rPr>
-                        <m:t>𝐸</m:t>
-                      </m:r>
-                      <m:d>
-                        <m:dPr>
-                          <m:begChr m:val="["/>
-                          <m:endChr m:val="]"/>
-                          <m:ctrlPr>
-                            <a:rPr lang="en-US" sz="3600" b="0" i="1" smtClean="0">
-                              <a:latin typeface="Cambria Math" panose="02040503050406030204" pitchFamily="18" charset="0"/>
-                            </a:rPr>
-                          </m:ctrlPr>
-                        </m:dPr>
-                        <m:e>
-                          <m:r>
-                            <a:rPr lang="en-US" sz="3600" b="0" i="1" smtClean="0">
-                              <a:latin typeface="Cambria Math" panose="02040503050406030204" pitchFamily="18" charset="0"/>
-                            </a:rPr>
-                            <m:t>𝑌</m:t>
-                          </m:r>
-                        </m:e>
-                      </m:d>
-                      <m:r>
-                        <a:rPr lang="en-US" sz="3600" b="0" i="1" smtClean="0">
-                          <a:latin typeface="Cambria Math" panose="02040503050406030204" pitchFamily="18" charset="0"/>
-                        </a:rPr>
-                        <m:t>=</m:t>
-                      </m:r>
-                      <m:acc>
-                        <m:accPr>
-                          <m:chr m:val="̂"/>
-                          <m:ctrlPr>
-                            <a:rPr lang="en-US" sz="3600" i="1" smtClean="0">
-                              <a:latin typeface="Cambria Math" panose="02040503050406030204" pitchFamily="18" charset="0"/>
-                            </a:rPr>
-                          </m:ctrlPr>
-                        </m:accPr>
-                        <m:e>
-                          <m:r>
-                            <a:rPr lang="en-US" sz="3600" b="0" i="1" smtClean="0">
-                              <a:latin typeface="Cambria Math" panose="02040503050406030204" pitchFamily="18" charset="0"/>
-                            </a:rPr>
-                            <m:t>𝑦</m:t>
-                          </m:r>
-                        </m:e>
-                      </m:acc>
-                      <m:r>
-                        <a:rPr lang="en-US" sz="3600" b="0" i="0" smtClean="0">
-                          <a:latin typeface="Cambria Math" panose="02040503050406030204" pitchFamily="18" charset="0"/>
-                        </a:rPr>
-                        <m:t>=</m:t>
-                      </m:r>
-                      <m:acc>
-                        <m:accPr>
-                          <m:chr m:val="̂"/>
-                          <m:ctrlPr>
-                            <a:rPr lang="en-US" sz="3600" b="0" i="1" smtClean="0">
-                              <a:latin typeface="Cambria Math" panose="02040503050406030204" pitchFamily="18" charset="0"/>
-                            </a:rPr>
-                          </m:ctrlPr>
-                        </m:accPr>
-                        <m:e>
-                          <m:r>
-                            <a:rPr lang="en-US" sz="3600" b="0" i="1" smtClean="0">
-                              <a:latin typeface="Cambria Math" panose="02040503050406030204" pitchFamily="18" charset="0"/>
-                            </a:rPr>
-                            <m:t>𝑐</m:t>
-                          </m:r>
-                        </m:e>
-                      </m:acc>
-                    </m:oMath>
-                  </m:oMathPara>
-                </a14:m>
-                <a:endParaRPr lang="en-US" sz="3600" dirty="0"/>
-              </a:p>
-            </p:txBody>
-          </p:sp>
-        </mc:Choice>
-        <mc:Fallback xmlns="">
-          <p:sp>
-            <p:nvSpPr>
-              <p:cNvPr id="5" name="TextBox 4">
-                <a:extLst>
-                  <a:ext uri="{FF2B5EF4-FFF2-40B4-BE49-F238E27FC236}">
-                    <a16:creationId xmlns:a16="http://schemas.microsoft.com/office/drawing/2014/main" id="{95C3EEF4-BD0C-2A78-BF15-DE63A190968E}"/>
-                  </a:ext>
-                </a:extLst>
-              </p:cNvPr>
-              <p:cNvSpPr txBox="1">
-                <a:spLocks noRot="1" noChangeAspect="1" noMove="1" noResize="1" noEditPoints="1" noAdjustHandles="1" noChangeArrowheads="1" noChangeShapeType="1" noTextEdit="1"/>
-              </p:cNvSpPr>
-              <p:nvPr/>
-            </p:nvSpPr>
-            <p:spPr>
-              <a:xfrm>
-                <a:off x="4419600" y="2512167"/>
-                <a:ext cx="3162300" cy="646331"/>
-              </a:xfrm>
-              <a:prstGeom prst="rect">
-                <a:avLst/>
-              </a:prstGeom>
-              <a:blipFill>
-                <a:blip r:embed="rId4"/>
-                <a:stretch>
-                  <a:fillRect/>
-                </a:stretch>
-              </a:blipFill>
-            </p:spPr>
-            <p:txBody>
-              <a:bodyPr/>
-              <a:lstStyle/>
-              <a:p>
-                <a:r>
-                  <a:rPr lang="en-US">
-                    <a:noFill/>
-                  </a:rPr>
-                  <a:t> </a:t>
-                </a:r>
-              </a:p>
-            </p:txBody>
-          </p:sp>
-        </mc:Fallback>
-      </mc:AlternateContent>
-    </p:spTree>
-    <p:extLst>
-      <p:ext uri="{BB962C8B-B14F-4D97-AF65-F5344CB8AC3E}">
-        <p14:creationId xmlns:p14="http://schemas.microsoft.com/office/powerpoint/2010/main" val="647003261"/>
-      </p:ext>
-    </p:extLst>
-  </p:cSld>
-  <p:clrMapOvr>
-    <a:masterClrMapping/>
-  </p:clrMapOvr>
-</p:sld>
-</file>
-
-<file path=ppt/slides/slide7.xml><?xml version="1.0" encoding="utf-8"?>
-<p:sld xmlns:a="http://schemas.openxmlformats.org/drawingml/2006/main" xmlns:r="http://schemas.openxmlformats.org/officeDocument/2006/relationships" xmlns:p="http://schemas.openxmlformats.org/presentationml/2006/main">
-  <p:cSld>
-    <p:spTree>
-      <p:nvGrpSpPr>
-        <p:cNvPr id="1" name=""/>
-        <p:cNvGrpSpPr/>
-        <p:nvPr/>
-      </p:nvGrpSpPr>
-      <p:grpSpPr>
-        <a:xfrm>
-          <a:off x="0" y="0"/>
-          <a:ext cx="0" cy="0"/>
-          <a:chOff x="0" y="0"/>
-          <a:chExt cx="0" cy="0"/>
-        </a:xfrm>
-      </p:grpSpPr>
-      <p:pic>
-        <p:nvPicPr>
-          <p:cNvPr id="2" name="Picture 10" descr="Mario Pattern">
-            <a:extLst>
-              <a:ext uri="{FF2B5EF4-FFF2-40B4-BE49-F238E27FC236}">
-                <a16:creationId xmlns:a16="http://schemas.microsoft.com/office/drawing/2014/main" id="{8F84FFD9-23AF-75F7-6DAA-904525952142}"/>
-              </a:ext>
-            </a:extLst>
-          </p:cNvPr>
-          <p:cNvPicPr>
-            <a:picLocks noChangeAspect="1" noChangeArrowheads="1"/>
-          </p:cNvPicPr>
-          <p:nvPr/>
-        </p:nvPicPr>
-        <p:blipFill rotWithShape="1">
-          <a:blip r:embed="rId2">
-            <a:alphaModFix amt="47000"/>
-            <a:extLst>
-              <a:ext uri="{28A0092B-C50C-407E-A947-70E740481C1C}">
-                <a14:useLocalDpi xmlns:a14="http://schemas.microsoft.com/office/drawing/2010/main" val="0"/>
-              </a:ext>
-            </a:extLst>
-          </a:blip>
-          <a:srcRect l="4595" r="6699"/>
-          <a:stretch/>
-        </p:blipFill>
-        <p:spPr bwMode="auto">
-          <a:xfrm>
-            <a:off x="0" y="-2057400"/>
-            <a:ext cx="12192000" cy="10308201"/>
-          </a:xfrm>
-          <a:prstGeom prst="rect">
-            <a:avLst/>
-          </a:prstGeom>
-          <a:noFill/>
-          <a:extLst>
-            <a:ext uri="{909E8E84-426E-40DD-AFC4-6F175D3DCCD1}">
-              <a14:hiddenFill xmlns:a14="http://schemas.microsoft.com/office/drawing/2010/main">
-                <a:solidFill>
-                  <a:srgbClr val="FFFFFF"/>
-                </a:solidFill>
-              </a14:hiddenFill>
-            </a:ext>
-          </a:extLst>
-        </p:spPr>
-      </p:pic>
-      <p:sp>
-        <p:nvSpPr>
-          <p:cNvPr id="12" name="Line 11"/>
-          <p:cNvSpPr>
-            <a:spLocks noChangeShapeType="1"/>
-          </p:cNvSpPr>
-          <p:nvPr/>
-        </p:nvSpPr>
-        <p:spPr bwMode="auto">
-          <a:xfrm flipV="1">
-            <a:off x="6972300" y="5109836"/>
-            <a:ext cx="609600" cy="533400"/>
-          </a:xfrm>
-          <a:prstGeom prst="line">
-            <a:avLst/>
-          </a:prstGeom>
-          <a:noFill/>
-          <a:ln w="38100">
-            <a:solidFill>
-              <a:srgbClr val="FFFF66"/>
-            </a:solidFill>
-            <a:round/>
-            <a:headEnd/>
-            <a:tailEnd type="triangle" w="med" len="med"/>
-          </a:ln>
-          <a:extLst>
-            <a:ext uri="{909E8E84-426E-40DD-AFC4-6F175D3DCCD1}">
-              <a14:hiddenFill xmlns:a14="http://schemas.microsoft.com/office/drawing/2010/main">
-                <a:noFill/>
-              </a14:hiddenFill>
-            </a:ext>
-          </a:extLst>
-        </p:spPr>
-        <p:txBody>
-          <a:bodyPr wrap="square">
-            <a:spAutoFit/>
-          </a:bodyPr>
-          <a:lstStyle/>
-          <a:p>
-            <a:endParaRPr lang="en-US"/>
-          </a:p>
-        </p:txBody>
-      </p:sp>
-      <p:sp>
-        <p:nvSpPr>
-          <p:cNvPr id="6" name="TextBox 5">
-            <a:extLst>
-              <a:ext uri="{FF2B5EF4-FFF2-40B4-BE49-F238E27FC236}">
-                <a16:creationId xmlns:a16="http://schemas.microsoft.com/office/drawing/2014/main" id="{4F2DA592-D8EB-70BA-2112-6C13A4E7B393}"/>
-              </a:ext>
-            </a:extLst>
-          </p:cNvPr>
-          <p:cNvSpPr txBox="1"/>
-          <p:nvPr/>
-        </p:nvSpPr>
-        <p:spPr>
-          <a:xfrm>
-            <a:off x="495300" y="606817"/>
-            <a:ext cx="11201400" cy="919401"/>
-          </a:xfrm>
-          <a:prstGeom prst="roundRect">
-            <a:avLst/>
-          </a:prstGeom>
-          <a:solidFill>
-            <a:schemeClr val="bg1">
-              <a:alpha val="70000"/>
-            </a:schemeClr>
-          </a:solidFill>
-          <a:ln w="76200">
-            <a:solidFill>
-              <a:srgbClr val="FFC416"/>
-            </a:solidFill>
-          </a:ln>
-        </p:spPr>
-        <p:style>
-          <a:lnRef idx="2">
-            <a:schemeClr val="dk1"/>
-          </a:lnRef>
-          <a:fillRef idx="1">
-            <a:schemeClr val="lt1"/>
-          </a:fillRef>
-          <a:effectRef idx="0">
-            <a:schemeClr val="dk1"/>
-          </a:effectRef>
-          <a:fontRef idx="minor">
-            <a:schemeClr val="dk1"/>
-          </a:fontRef>
-        </p:style>
-        <p:txBody>
-          <a:bodyPr wrap="square" rtlCol="0">
-            <a:spAutoFit/>
-          </a:bodyPr>
-          <a:lstStyle/>
-          <a:p>
-            <a:pPr algn="ctr"/>
-            <a:r>
-              <a:rPr lang="en-US" sz="4800" b="1" dirty="0">
-                <a:solidFill>
-                  <a:srgbClr val="2D3A37"/>
-                </a:solidFill>
-                <a:latin typeface="Adobe Devanagari" panose="02040503050201020203" pitchFamily="18" charset="0"/>
-                <a:cs typeface="Adobe Devanagari" panose="02040503050201020203" pitchFamily="18" charset="0"/>
-              </a:rPr>
-              <a:t>Assess Fit of Model</a:t>
-            </a:r>
-            <a:endParaRPr lang="en-US" sz="4800" dirty="0">
-              <a:solidFill>
-                <a:srgbClr val="2D3A37"/>
-              </a:solidFill>
-            </a:endParaRPr>
-          </a:p>
-        </p:txBody>
-      </p:sp>
-      <p:sp>
-        <p:nvSpPr>
-          <p:cNvPr id="3" name="TextBox 2">
-            <a:extLst>
-              <a:ext uri="{FF2B5EF4-FFF2-40B4-BE49-F238E27FC236}">
-                <a16:creationId xmlns:a16="http://schemas.microsoft.com/office/drawing/2014/main" id="{D1310D5A-472C-664C-76EE-BF6CBBE82489}"/>
-              </a:ext>
-            </a:extLst>
-          </p:cNvPr>
-          <p:cNvSpPr txBox="1"/>
-          <p:nvPr/>
-        </p:nvSpPr>
-        <p:spPr>
-          <a:xfrm>
-            <a:off x="481445" y="1838337"/>
-            <a:ext cx="11201400" cy="3439239"/>
-          </a:xfrm>
-          <a:prstGeom prst="roundRect">
-            <a:avLst/>
-          </a:prstGeom>
-          <a:solidFill>
-            <a:schemeClr val="bg1"/>
-          </a:solidFill>
-          <a:ln w="76200">
-            <a:solidFill>
-              <a:srgbClr val="FFC416"/>
-            </a:solidFill>
-          </a:ln>
-        </p:spPr>
-        <p:style>
-          <a:lnRef idx="2">
-            <a:schemeClr val="dk1"/>
-          </a:lnRef>
-          <a:fillRef idx="1">
-            <a:schemeClr val="lt1"/>
-          </a:fillRef>
-          <a:effectRef idx="0">
-            <a:schemeClr val="dk1"/>
-          </a:effectRef>
-          <a:fontRef idx="minor">
-            <a:schemeClr val="dk1"/>
-          </a:fontRef>
-        </p:style>
-        <p:txBody>
-          <a:bodyPr wrap="square" rtlCol="0">
-            <a:spAutoFit/>
-          </a:bodyPr>
-          <a:lstStyle/>
-          <a:p>
-            <a:r>
-              <a:rPr lang="en-US" sz="2800" dirty="0">
-                <a:solidFill>
-                  <a:srgbClr val="660066"/>
-                </a:solidFill>
-              </a:rPr>
-              <a:t>Question: Is the model good and which estimator is better?</a:t>
-            </a:r>
-          </a:p>
-          <a:p>
-            <a:endParaRPr lang="en-US" sz="2800" dirty="0">
-              <a:solidFill>
-                <a:srgbClr val="660066"/>
-              </a:solidFill>
-            </a:endParaRPr>
-          </a:p>
-          <a:p>
-            <a:r>
-              <a:rPr lang="en-US" sz="2800" dirty="0">
-                <a:solidFill>
-                  <a:srgbClr val="660066"/>
-                </a:solidFill>
-              </a:rPr>
-              <a:t>Calculate residuals for each observation in data</a:t>
-            </a:r>
-          </a:p>
-          <a:p>
-            <a:endParaRPr lang="en-US" sz="2800" dirty="0">
-              <a:solidFill>
-                <a:srgbClr val="660066"/>
-              </a:solidFill>
-            </a:endParaRPr>
-          </a:p>
-          <a:p>
-            <a:endParaRPr lang="en-US" sz="2800" dirty="0">
-              <a:solidFill>
-                <a:srgbClr val="660066"/>
-              </a:solidFill>
-            </a:endParaRPr>
-          </a:p>
-          <a:p>
-            <a:r>
-              <a:rPr lang="en-US" sz="2800" dirty="0">
-                <a:solidFill>
-                  <a:srgbClr val="660066"/>
-                </a:solidFill>
-              </a:rPr>
-              <a:t>Each observation has a residual so how do we summarize the </a:t>
-            </a:r>
-            <a:r>
-              <a:rPr lang="en-US" sz="2800" u="sng" dirty="0">
-                <a:solidFill>
-                  <a:srgbClr val="660066"/>
-                </a:solidFill>
-              </a:rPr>
-              <a:t>overall</a:t>
-            </a:r>
-            <a:r>
-              <a:rPr lang="en-US" sz="2800" dirty="0">
-                <a:solidFill>
-                  <a:srgbClr val="660066"/>
-                </a:solidFill>
-              </a:rPr>
-              <a:t> fit?</a:t>
-            </a:r>
-          </a:p>
-          <a:p>
-            <a:r>
-              <a:rPr lang="en-US" sz="2800" dirty="0">
-                <a:solidFill>
-                  <a:srgbClr val="660066"/>
-                </a:solidFill>
-              </a:rPr>
-              <a:t>	</a:t>
-            </a:r>
-          </a:p>
-        </p:txBody>
-      </p:sp>
-      <mc:AlternateContent xmlns:mc="http://schemas.openxmlformats.org/markup-compatibility/2006" xmlns:a14="http://schemas.microsoft.com/office/drawing/2010/main">
-        <mc:Choice Requires="a14">
-          <p:sp>
-            <p:nvSpPr>
-              <p:cNvPr id="4" name="TextBox 3">
-                <a:extLst>
-                  <a:ext uri="{FF2B5EF4-FFF2-40B4-BE49-F238E27FC236}">
-                    <a16:creationId xmlns:a16="http://schemas.microsoft.com/office/drawing/2014/main" id="{0D1F77F1-95D1-3735-95B7-AD58B124B704}"/>
-                  </a:ext>
-                </a:extLst>
-              </p:cNvPr>
-              <p:cNvSpPr txBox="1"/>
-              <p:nvPr/>
-            </p:nvSpPr>
-            <p:spPr>
-              <a:xfrm>
-                <a:off x="1433945" y="3530249"/>
-                <a:ext cx="9296400" cy="646331"/>
-              </a:xfrm>
-              <a:prstGeom prst="rect">
-                <a:avLst/>
-              </a:prstGeom>
-              <a:noFill/>
-            </p:spPr>
-            <p:txBody>
-              <a:bodyPr wrap="square" rtlCol="0">
-                <a:spAutoFit/>
-              </a:bodyPr>
-              <a:lstStyle/>
-              <a:p>
-                <a:pPr/>
-                <a14:m>
-                  <m:oMathPara xmlns:m="http://schemas.openxmlformats.org/officeDocument/2006/math">
-                    <m:oMathParaPr>
-                      <m:jc m:val="centerGroup"/>
-                    </m:oMathParaPr>
-                    <m:oMath xmlns:m="http://schemas.openxmlformats.org/officeDocument/2006/math">
-                      <m:r>
-                        <a:rPr lang="en-US" sz="3600" b="0" i="1" smtClean="0">
-                          <a:latin typeface="Cambria Math" panose="02040503050406030204" pitchFamily="18" charset="0"/>
-                        </a:rPr>
-                        <m:t>𝑟𝑒𝑠𝑖𝑑𝑢𝑎𝑙</m:t>
-                      </m:r>
-                      <m:r>
-                        <a:rPr lang="en-US" sz="3600" b="0" i="1" smtClean="0">
-                          <a:latin typeface="Cambria Math" panose="02040503050406030204" pitchFamily="18" charset="0"/>
-                        </a:rPr>
-                        <m:t>=</m:t>
-                      </m:r>
-                      <m:acc>
-                        <m:accPr>
-                          <m:chr m:val="̂"/>
-                          <m:ctrlPr>
-                            <a:rPr lang="en-US" sz="3600" b="0" i="1" smtClean="0">
-                              <a:latin typeface="Cambria Math" panose="02040503050406030204" pitchFamily="18" charset="0"/>
-                            </a:rPr>
-                          </m:ctrlPr>
-                        </m:accPr>
-                        <m:e>
-                          <m:r>
-                            <a:rPr lang="en-US" sz="3600" b="0" i="1" smtClean="0">
-                              <a:latin typeface="Cambria Math" panose="02040503050406030204" pitchFamily="18" charset="0"/>
-                            </a:rPr>
-                            <m:t>𝜖</m:t>
-                          </m:r>
-                        </m:e>
-                      </m:acc>
-                      <m:r>
-                        <a:rPr lang="en-US" sz="3600" b="0" i="1" smtClean="0">
-                          <a:latin typeface="Cambria Math" panose="02040503050406030204" pitchFamily="18" charset="0"/>
-                        </a:rPr>
-                        <m:t>=</m:t>
-                      </m:r>
-                      <m:r>
-                        <a:rPr lang="en-US" sz="3600" b="0" i="1" smtClean="0">
-                          <a:latin typeface="Cambria Math" panose="02040503050406030204" pitchFamily="18" charset="0"/>
-                        </a:rPr>
-                        <m:t>𝑦</m:t>
-                      </m:r>
-                      <m:r>
-                        <a:rPr lang="en-US" sz="3600" b="0" i="1" smtClean="0">
-                          <a:latin typeface="Cambria Math" panose="02040503050406030204" pitchFamily="18" charset="0"/>
-                        </a:rPr>
-                        <m:t> −</m:t>
-                      </m:r>
-                      <m:acc>
-                        <m:accPr>
-                          <m:chr m:val="̂"/>
-                          <m:ctrlPr>
-                            <a:rPr lang="en-US" sz="3600" b="0" i="1" smtClean="0">
-                              <a:latin typeface="Cambria Math" panose="02040503050406030204" pitchFamily="18" charset="0"/>
-                            </a:rPr>
-                          </m:ctrlPr>
-                        </m:accPr>
-                        <m:e>
-                          <m:r>
-                            <a:rPr lang="en-US" sz="3600" b="0" i="1" smtClean="0">
-                              <a:latin typeface="Cambria Math" panose="02040503050406030204" pitchFamily="18" charset="0"/>
-                            </a:rPr>
-                            <m:t>𝑦</m:t>
-                          </m:r>
-                        </m:e>
-                      </m:acc>
-                    </m:oMath>
-                  </m:oMathPara>
-                </a14:m>
-                <a:endParaRPr lang="en-US" sz="3600" dirty="0"/>
-              </a:p>
-            </p:txBody>
-          </p:sp>
-        </mc:Choice>
-        <mc:Fallback xmlns="">
-          <p:sp>
-            <p:nvSpPr>
-              <p:cNvPr id="4" name="TextBox 3">
-                <a:extLst>
-                  <a:ext uri="{FF2B5EF4-FFF2-40B4-BE49-F238E27FC236}">
-                    <a16:creationId xmlns:a16="http://schemas.microsoft.com/office/drawing/2014/main" id="{0D1F77F1-95D1-3735-95B7-AD58B124B704}"/>
-                  </a:ext>
-                </a:extLst>
-              </p:cNvPr>
-              <p:cNvSpPr txBox="1">
-                <a:spLocks noRot="1" noChangeAspect="1" noMove="1" noResize="1" noEditPoints="1" noAdjustHandles="1" noChangeArrowheads="1" noChangeShapeType="1" noTextEdit="1"/>
-              </p:cNvSpPr>
-              <p:nvPr/>
-            </p:nvSpPr>
-            <p:spPr>
-              <a:xfrm>
-                <a:off x="1433945" y="3530249"/>
-                <a:ext cx="9296400" cy="646331"/>
-              </a:xfrm>
-              <a:prstGeom prst="rect">
-                <a:avLst/>
-              </a:prstGeom>
-              <a:blipFill>
-                <a:blip r:embed="rId3"/>
-                <a:stretch>
-                  <a:fillRect/>
-                </a:stretch>
-              </a:blipFill>
-            </p:spPr>
-            <p:txBody>
-              <a:bodyPr/>
-              <a:lstStyle/>
-              <a:p>
-                <a:r>
-                  <a:rPr lang="en-US">
-                    <a:noFill/>
-                  </a:rPr>
-                  <a:t> </a:t>
-                </a:r>
-              </a:p>
-            </p:txBody>
-          </p:sp>
-        </mc:Fallback>
-      </mc:AlternateContent>
-    </p:spTree>
-    <p:extLst>
-      <p:ext uri="{BB962C8B-B14F-4D97-AF65-F5344CB8AC3E}">
-        <p14:creationId xmlns:p14="http://schemas.microsoft.com/office/powerpoint/2010/main" val="3123498295"/>
-      </p:ext>
-    </p:extLst>
-  </p:cSld>
-  <p:clrMapOvr>
-    <a:masterClrMapping/>
-  </p:clrMapOvr>
-</p:sld>
-</file>
-
-<file path=ppt/slides/slide8.xml><?xml version="1.0" encoding="utf-8"?>
-<p:sld xmlns:a="http://schemas.openxmlformats.org/drawingml/2006/main" xmlns:r="http://schemas.openxmlformats.org/officeDocument/2006/relationships" xmlns:p="http://schemas.openxmlformats.org/presentationml/2006/main">
-  <p:cSld>
-    <p:spTree>
-      <p:nvGrpSpPr>
-        <p:cNvPr id="1" name=""/>
-        <p:cNvGrpSpPr/>
-        <p:nvPr/>
-      </p:nvGrpSpPr>
-      <p:grpSpPr>
-        <a:xfrm>
-          <a:off x="0" y="0"/>
-          <a:ext cx="0" cy="0"/>
-          <a:chOff x="0" y="0"/>
-          <a:chExt cx="0" cy="0"/>
-        </a:xfrm>
-      </p:grpSpPr>
-      <p:pic>
-        <p:nvPicPr>
-          <p:cNvPr id="2" name="Picture 10" descr="Mario Pattern">
-            <a:extLst>
-              <a:ext uri="{FF2B5EF4-FFF2-40B4-BE49-F238E27FC236}">
-                <a16:creationId xmlns:a16="http://schemas.microsoft.com/office/drawing/2014/main" id="{8F84FFD9-23AF-75F7-6DAA-904525952142}"/>
-              </a:ext>
-            </a:extLst>
-          </p:cNvPr>
-          <p:cNvPicPr>
-            <a:picLocks noChangeAspect="1" noChangeArrowheads="1"/>
-          </p:cNvPicPr>
-          <p:nvPr/>
-        </p:nvPicPr>
-        <p:blipFill rotWithShape="1">
-          <a:blip r:embed="rId2">
-            <a:alphaModFix amt="47000"/>
-            <a:extLst>
-              <a:ext uri="{28A0092B-C50C-407E-A947-70E740481C1C}">
-                <a14:useLocalDpi xmlns:a14="http://schemas.microsoft.com/office/drawing/2010/main" val="0"/>
-              </a:ext>
-            </a:extLst>
-          </a:blip>
-          <a:srcRect l="4595" r="6699"/>
-          <a:stretch/>
-        </p:blipFill>
-        <p:spPr bwMode="auto">
-          <a:xfrm>
-            <a:off x="0" y="-2057400"/>
-            <a:ext cx="12192000" cy="10308201"/>
-          </a:xfrm>
-          <a:prstGeom prst="rect">
-            <a:avLst/>
-          </a:prstGeom>
-          <a:noFill/>
-          <a:extLst>
-            <a:ext uri="{909E8E84-426E-40DD-AFC4-6F175D3DCCD1}">
-              <a14:hiddenFill xmlns:a14="http://schemas.microsoft.com/office/drawing/2010/main">
-                <a:solidFill>
-                  <a:srgbClr val="FFFFFF"/>
-                </a:solidFill>
-              </a14:hiddenFill>
-            </a:ext>
-          </a:extLst>
-        </p:spPr>
-      </p:pic>
-      <p:sp>
-        <p:nvSpPr>
-          <p:cNvPr id="12" name="Line 11"/>
-          <p:cNvSpPr>
-            <a:spLocks noChangeShapeType="1"/>
-          </p:cNvSpPr>
-          <p:nvPr/>
-        </p:nvSpPr>
-        <p:spPr bwMode="auto">
-          <a:xfrm flipV="1">
-            <a:off x="6972300" y="5109836"/>
-            <a:ext cx="609600" cy="533400"/>
-          </a:xfrm>
-          <a:prstGeom prst="line">
-            <a:avLst/>
-          </a:prstGeom>
-          <a:noFill/>
-          <a:ln w="38100">
-            <a:solidFill>
-              <a:srgbClr val="FFFF66"/>
-            </a:solidFill>
-            <a:round/>
-            <a:headEnd/>
-            <a:tailEnd type="triangle" w="med" len="med"/>
-          </a:ln>
-          <a:extLst>
-            <a:ext uri="{909E8E84-426E-40DD-AFC4-6F175D3DCCD1}">
-              <a14:hiddenFill xmlns:a14="http://schemas.microsoft.com/office/drawing/2010/main">
-                <a:noFill/>
-              </a14:hiddenFill>
-            </a:ext>
-          </a:extLst>
-        </p:spPr>
-        <p:txBody>
-          <a:bodyPr wrap="square">
-            <a:spAutoFit/>
-          </a:bodyPr>
-          <a:lstStyle/>
-          <a:p>
-            <a:endParaRPr lang="en-US"/>
-          </a:p>
-        </p:txBody>
-      </p:sp>
-      <p:sp>
-        <p:nvSpPr>
-          <p:cNvPr id="6" name="TextBox 5">
-            <a:extLst>
-              <a:ext uri="{FF2B5EF4-FFF2-40B4-BE49-F238E27FC236}">
-                <a16:creationId xmlns:a16="http://schemas.microsoft.com/office/drawing/2014/main" id="{4F2DA592-D8EB-70BA-2112-6C13A4E7B393}"/>
-              </a:ext>
-            </a:extLst>
-          </p:cNvPr>
-          <p:cNvSpPr txBox="1"/>
-          <p:nvPr/>
-        </p:nvSpPr>
-        <p:spPr>
-          <a:xfrm>
-            <a:off x="495300" y="606817"/>
-            <a:ext cx="11201400" cy="919401"/>
-          </a:xfrm>
-          <a:prstGeom prst="roundRect">
-            <a:avLst/>
-          </a:prstGeom>
-          <a:solidFill>
-            <a:schemeClr val="bg1">
-              <a:alpha val="70000"/>
-            </a:schemeClr>
-          </a:solidFill>
-          <a:ln w="76200">
-            <a:solidFill>
-              <a:srgbClr val="FFC416"/>
-            </a:solidFill>
-          </a:ln>
-        </p:spPr>
-        <p:style>
-          <a:lnRef idx="2">
-            <a:schemeClr val="dk1"/>
-          </a:lnRef>
-          <a:fillRef idx="1">
-            <a:schemeClr val="lt1"/>
-          </a:fillRef>
-          <a:effectRef idx="0">
-            <a:schemeClr val="dk1"/>
-          </a:effectRef>
-          <a:fontRef idx="minor">
-            <a:schemeClr val="dk1"/>
-          </a:fontRef>
-        </p:style>
-        <p:txBody>
-          <a:bodyPr wrap="square" rtlCol="0">
-            <a:spAutoFit/>
-          </a:bodyPr>
-          <a:lstStyle/>
-          <a:p>
-            <a:pPr algn="ctr"/>
-            <a:r>
-              <a:rPr lang="en-US" sz="4800" b="1" dirty="0">
-                <a:solidFill>
-                  <a:srgbClr val="2D3A37"/>
-                </a:solidFill>
-                <a:latin typeface="Adobe Devanagari" panose="02040503050201020203" pitchFamily="18" charset="0"/>
-                <a:cs typeface="Adobe Devanagari" panose="02040503050201020203" pitchFamily="18" charset="0"/>
-              </a:rPr>
-              <a:t>Assess Fit of Model</a:t>
-            </a:r>
-            <a:endParaRPr lang="en-US" sz="4800" dirty="0">
-              <a:solidFill>
-                <a:srgbClr val="2D3A37"/>
-              </a:solidFill>
-            </a:endParaRPr>
-          </a:p>
-        </p:txBody>
-      </p:sp>
-      <p:sp>
-        <p:nvSpPr>
-          <p:cNvPr id="3" name="TextBox 2">
-            <a:extLst>
-              <a:ext uri="{FF2B5EF4-FFF2-40B4-BE49-F238E27FC236}">
-                <a16:creationId xmlns:a16="http://schemas.microsoft.com/office/drawing/2014/main" id="{D1310D5A-472C-664C-76EE-BF6CBBE82489}"/>
-              </a:ext>
-            </a:extLst>
-          </p:cNvPr>
-          <p:cNvSpPr txBox="1"/>
-          <p:nvPr/>
-        </p:nvSpPr>
-        <p:spPr>
-          <a:xfrm>
-            <a:off x="481445" y="1838337"/>
-            <a:ext cx="11201400" cy="3439239"/>
-          </a:xfrm>
-          <a:prstGeom prst="roundRect">
-            <a:avLst/>
-          </a:prstGeom>
-          <a:solidFill>
-            <a:schemeClr val="bg1"/>
-          </a:solidFill>
-          <a:ln w="76200">
-            <a:solidFill>
-              <a:srgbClr val="FFC416"/>
-            </a:solidFill>
-          </a:ln>
-        </p:spPr>
-        <p:style>
-          <a:lnRef idx="2">
-            <a:schemeClr val="dk1"/>
-          </a:lnRef>
-          <a:fillRef idx="1">
-            <a:schemeClr val="lt1"/>
-          </a:fillRef>
-          <a:effectRef idx="0">
-            <a:schemeClr val="dk1"/>
-          </a:effectRef>
-          <a:fontRef idx="minor">
-            <a:schemeClr val="dk1"/>
-          </a:fontRef>
-        </p:style>
-        <p:txBody>
-          <a:bodyPr wrap="square" rtlCol="0">
-            <a:spAutoFit/>
-          </a:bodyPr>
-          <a:lstStyle/>
-          <a:p>
-            <a:r>
-              <a:rPr lang="en-US" sz="2800" dirty="0">
-                <a:solidFill>
-                  <a:srgbClr val="660066"/>
-                </a:solidFill>
-              </a:rPr>
-              <a:t>Criteria for Assessing Fit (Loss Functions)</a:t>
-            </a:r>
-          </a:p>
-          <a:p>
-            <a:pPr marL="971550" lvl="1" indent="-514350">
-              <a:buFont typeface="Arial" panose="020B0604020202020204" pitchFamily="34" charset="0"/>
-              <a:buChar char="•"/>
-            </a:pPr>
-            <a:endParaRPr lang="en-US" sz="2800" dirty="0">
-              <a:solidFill>
-                <a:srgbClr val="660066"/>
-              </a:solidFill>
-            </a:endParaRPr>
-          </a:p>
-          <a:p>
-            <a:pPr marL="971550" lvl="1" indent="-514350">
-              <a:buFont typeface="Arial" panose="020B0604020202020204" pitchFamily="34" charset="0"/>
-              <a:buChar char="•"/>
-            </a:pPr>
-            <a:r>
-              <a:rPr lang="en-US" sz="2800" dirty="0">
-                <a:solidFill>
-                  <a:srgbClr val="660066"/>
-                </a:solidFill>
-              </a:rPr>
-              <a:t>Sum of Errors: </a:t>
-            </a:r>
-          </a:p>
-          <a:p>
-            <a:pPr marL="971550" lvl="1" indent="-514350">
-              <a:buFont typeface="Arial" panose="020B0604020202020204" pitchFamily="34" charset="0"/>
-              <a:buChar char="•"/>
-            </a:pPr>
-            <a:endParaRPr lang="en-US" sz="2800" dirty="0">
-              <a:solidFill>
-                <a:srgbClr val="660066"/>
-              </a:solidFill>
-            </a:endParaRPr>
-          </a:p>
-          <a:p>
-            <a:pPr marL="971550" lvl="1" indent="-514350">
-              <a:buFont typeface="Arial" panose="020B0604020202020204" pitchFamily="34" charset="0"/>
-              <a:buChar char="•"/>
-            </a:pPr>
-            <a:r>
-              <a:rPr lang="en-US" sz="2800" dirty="0">
-                <a:solidFill>
-                  <a:srgbClr val="660066"/>
-                </a:solidFill>
-              </a:rPr>
-              <a:t>Sum of Squared Errors (SSE):</a:t>
-            </a:r>
-          </a:p>
-          <a:p>
-            <a:pPr marL="971550" lvl="1" indent="-514350">
-              <a:buFont typeface="Arial" panose="020B0604020202020204" pitchFamily="34" charset="0"/>
-              <a:buChar char="•"/>
-            </a:pPr>
-            <a:endParaRPr lang="en-US" sz="2800" dirty="0">
-              <a:solidFill>
-                <a:srgbClr val="660066"/>
-              </a:solidFill>
-            </a:endParaRPr>
-          </a:p>
-          <a:p>
-            <a:pPr marL="971550" lvl="1" indent="-514350">
-              <a:buFont typeface="Arial" panose="020B0604020202020204" pitchFamily="34" charset="0"/>
-              <a:buChar char="•"/>
-            </a:pPr>
-            <a:r>
-              <a:rPr lang="en-US" sz="2800" dirty="0">
-                <a:solidFill>
-                  <a:srgbClr val="660066"/>
-                </a:solidFill>
-              </a:rPr>
-              <a:t>Sum of Absolute Errors (SAE):	</a:t>
-            </a:r>
-          </a:p>
-        </p:txBody>
-      </p:sp>
-      <mc:AlternateContent xmlns:mc="http://schemas.openxmlformats.org/markup-compatibility/2006" xmlns:a14="http://schemas.microsoft.com/office/drawing/2010/main">
-        <mc:Choice Requires="a14">
-          <p:sp>
-            <p:nvSpPr>
-              <p:cNvPr id="5" name="TextBox 4">
-                <a:extLst>
-                  <a:ext uri="{FF2B5EF4-FFF2-40B4-BE49-F238E27FC236}">
-                    <a16:creationId xmlns:a16="http://schemas.microsoft.com/office/drawing/2014/main" id="{944E417C-B9A9-7B77-A4C8-F76434288BD6}"/>
-                  </a:ext>
-                </a:extLst>
-              </p:cNvPr>
-              <p:cNvSpPr txBox="1"/>
-              <p:nvPr/>
-            </p:nvSpPr>
-            <p:spPr>
-              <a:xfrm>
-                <a:off x="2526723" y="2793729"/>
-                <a:ext cx="9296400" cy="646331"/>
-              </a:xfrm>
-              <a:prstGeom prst="rect">
-                <a:avLst/>
-              </a:prstGeom>
-              <a:noFill/>
-            </p:spPr>
-            <p:txBody>
-              <a:bodyPr wrap="square" rtlCol="0">
-                <a:spAutoFit/>
-              </a:bodyPr>
-              <a:lstStyle/>
-              <a:p>
-                <a:pPr/>
-                <a14:m>
-                  <m:oMathPara xmlns:m="http://schemas.openxmlformats.org/officeDocument/2006/math">
-                    <m:oMathParaPr>
-                      <m:jc m:val="centerGroup"/>
-                    </m:oMathParaPr>
-                    <m:oMath xmlns:m="http://schemas.openxmlformats.org/officeDocument/2006/math">
-                      <m:r>
-                        <a:rPr lang="en-US" sz="3600" b="0" i="1" smtClean="0">
-                          <a:latin typeface="Cambria Math" panose="02040503050406030204" pitchFamily="18" charset="0"/>
-                        </a:rPr>
-                        <m:t>∑(</m:t>
-                      </m:r>
-                      <m:r>
-                        <a:rPr lang="en-US" sz="3600" b="0" i="1" smtClean="0">
-                          <a:latin typeface="Cambria Math" panose="02040503050406030204" pitchFamily="18" charset="0"/>
-                        </a:rPr>
-                        <m:t>𝑦</m:t>
-                      </m:r>
-                      <m:r>
-                        <a:rPr lang="en-US" sz="3600" b="0" i="1" smtClean="0">
-                          <a:latin typeface="Cambria Math" panose="02040503050406030204" pitchFamily="18" charset="0"/>
-                        </a:rPr>
-                        <m:t>−</m:t>
-                      </m:r>
-                      <m:acc>
-                        <m:accPr>
-                          <m:chr m:val="̂"/>
-                          <m:ctrlPr>
-                            <a:rPr lang="en-US" sz="3600" b="0" i="1" smtClean="0">
-                              <a:latin typeface="Cambria Math" panose="02040503050406030204" pitchFamily="18" charset="0"/>
-                            </a:rPr>
-                          </m:ctrlPr>
-                        </m:accPr>
-                        <m:e>
-                          <m:r>
-                            <a:rPr lang="en-US" sz="3600" b="0" i="1" smtClean="0">
-                              <a:latin typeface="Cambria Math" panose="02040503050406030204" pitchFamily="18" charset="0"/>
-                            </a:rPr>
-                            <m:t>𝑦</m:t>
-                          </m:r>
-                        </m:e>
-                      </m:acc>
-                      <m:r>
-                        <a:rPr lang="en-US" sz="3600" b="0" i="1" smtClean="0">
-                          <a:latin typeface="Cambria Math" panose="02040503050406030204" pitchFamily="18" charset="0"/>
-                        </a:rPr>
-                        <m:t>)</m:t>
-                      </m:r>
-                    </m:oMath>
-                  </m:oMathPara>
-                </a14:m>
-                <a:endParaRPr lang="en-US" sz="3600" dirty="0"/>
-              </a:p>
-            </p:txBody>
-          </p:sp>
-        </mc:Choice>
-        <mc:Fallback xmlns="">
-          <p:sp>
-            <p:nvSpPr>
-              <p:cNvPr id="5" name="TextBox 4">
-                <a:extLst>
-                  <a:ext uri="{FF2B5EF4-FFF2-40B4-BE49-F238E27FC236}">
-                    <a16:creationId xmlns:a16="http://schemas.microsoft.com/office/drawing/2014/main" id="{944E417C-B9A9-7B77-A4C8-F76434288BD6}"/>
-                  </a:ext>
-                </a:extLst>
-              </p:cNvPr>
-              <p:cNvSpPr txBox="1">
-                <a:spLocks noRot="1" noChangeAspect="1" noMove="1" noResize="1" noEditPoints="1" noAdjustHandles="1" noChangeArrowheads="1" noChangeShapeType="1" noTextEdit="1"/>
-              </p:cNvSpPr>
-              <p:nvPr/>
-            </p:nvSpPr>
-            <p:spPr>
-              <a:xfrm>
-                <a:off x="2526723" y="2793729"/>
-                <a:ext cx="9296400" cy="646331"/>
-              </a:xfrm>
-              <a:prstGeom prst="rect">
-                <a:avLst/>
-              </a:prstGeom>
-              <a:blipFill>
-                <a:blip r:embed="rId3"/>
-                <a:stretch>
-                  <a:fillRect/>
-                </a:stretch>
-              </a:blipFill>
-            </p:spPr>
-            <p:txBody>
-              <a:bodyPr/>
-              <a:lstStyle/>
-              <a:p>
-                <a:r>
-                  <a:rPr lang="en-US">
-                    <a:noFill/>
-                  </a:rPr>
-                  <a:t> </a:t>
-                </a:r>
-              </a:p>
-            </p:txBody>
-          </p:sp>
-        </mc:Fallback>
-      </mc:AlternateContent>
-      <mc:AlternateContent xmlns:mc="http://schemas.openxmlformats.org/markup-compatibility/2006" xmlns:a14="http://schemas.microsoft.com/office/drawing/2010/main">
-        <mc:Choice Requires="a14">
-          <p:sp>
-            <p:nvSpPr>
-              <p:cNvPr id="7" name="TextBox 6">
-                <a:extLst>
-                  <a:ext uri="{FF2B5EF4-FFF2-40B4-BE49-F238E27FC236}">
-                    <a16:creationId xmlns:a16="http://schemas.microsoft.com/office/drawing/2014/main" id="{122F1884-8493-DBA2-290B-444DACEEEACF}"/>
-                  </a:ext>
-                </a:extLst>
-              </p:cNvPr>
-              <p:cNvSpPr txBox="1"/>
-              <p:nvPr/>
-            </p:nvSpPr>
-            <p:spPr>
-              <a:xfrm>
-                <a:off x="2667000" y="3557956"/>
-                <a:ext cx="9296400" cy="646331"/>
-              </a:xfrm>
-              <a:prstGeom prst="rect">
-                <a:avLst/>
-              </a:prstGeom>
-              <a:noFill/>
-            </p:spPr>
-            <p:txBody>
-              <a:bodyPr wrap="square" rtlCol="0">
-                <a:spAutoFit/>
-              </a:bodyPr>
-              <a:lstStyle/>
-              <a:p>
-                <a:pPr/>
-                <a14:m>
-                  <m:oMathPara xmlns:m="http://schemas.openxmlformats.org/officeDocument/2006/math">
-                    <m:oMathParaPr>
-                      <m:jc m:val="centerGroup"/>
-                    </m:oMathParaPr>
-                    <m:oMath xmlns:m="http://schemas.openxmlformats.org/officeDocument/2006/math">
-                      <m:r>
-                        <a:rPr lang="en-US" sz="3600" b="0" i="1" smtClean="0">
-                          <a:latin typeface="Cambria Math" panose="02040503050406030204" pitchFamily="18" charset="0"/>
-                        </a:rPr>
-                        <m:t>∑</m:t>
-                      </m:r>
-                      <m:sSup>
-                        <m:sSupPr>
-                          <m:ctrlPr>
-                            <a:rPr lang="en-US" sz="3600" b="0" i="1" smtClean="0">
-                              <a:latin typeface="Cambria Math" panose="02040503050406030204" pitchFamily="18" charset="0"/>
-                            </a:rPr>
-                          </m:ctrlPr>
-                        </m:sSupPr>
-                        <m:e>
-                          <m:d>
-                            <m:dPr>
-                              <m:ctrlPr>
-                                <a:rPr lang="en-US" sz="3600" b="0" i="1" smtClean="0">
-                                  <a:latin typeface="Cambria Math" panose="02040503050406030204" pitchFamily="18" charset="0"/>
-                                </a:rPr>
-                              </m:ctrlPr>
-                            </m:dPr>
-                            <m:e>
-                              <m:r>
-                                <a:rPr lang="en-US" sz="3600" b="0" i="1" smtClean="0">
-                                  <a:latin typeface="Cambria Math" panose="02040503050406030204" pitchFamily="18" charset="0"/>
-                                </a:rPr>
-                                <m:t>𝑦</m:t>
-                              </m:r>
-                              <m:r>
-                                <a:rPr lang="en-US" sz="3600" b="0" i="1" smtClean="0">
-                                  <a:latin typeface="Cambria Math" panose="02040503050406030204" pitchFamily="18" charset="0"/>
-                                </a:rPr>
-                                <m:t>−</m:t>
-                              </m:r>
-                              <m:acc>
-                                <m:accPr>
-                                  <m:chr m:val="̂"/>
-                                  <m:ctrlPr>
-                                    <a:rPr lang="en-US" sz="3600" b="0" i="1" smtClean="0">
-                                      <a:latin typeface="Cambria Math" panose="02040503050406030204" pitchFamily="18" charset="0"/>
-                                    </a:rPr>
-                                  </m:ctrlPr>
-                                </m:accPr>
-                                <m:e>
-                                  <m:r>
-                                    <a:rPr lang="en-US" sz="3600" b="0" i="1" smtClean="0">
-                                      <a:latin typeface="Cambria Math" panose="02040503050406030204" pitchFamily="18" charset="0"/>
-                                    </a:rPr>
-                                    <m:t>𝑦</m:t>
-                                  </m:r>
-                                </m:e>
-                              </m:acc>
-                            </m:e>
-                          </m:d>
-                        </m:e>
-                        <m:sup>
-                          <m:r>
-                            <a:rPr lang="en-US" sz="3600" b="0" i="1" smtClean="0">
-                              <a:latin typeface="Cambria Math" panose="02040503050406030204" pitchFamily="18" charset="0"/>
-                            </a:rPr>
-                            <m:t>2</m:t>
-                          </m:r>
-                        </m:sup>
-                      </m:sSup>
-                    </m:oMath>
-                  </m:oMathPara>
-                </a14:m>
-                <a:endParaRPr lang="en-US" sz="3600" dirty="0"/>
-              </a:p>
-            </p:txBody>
-          </p:sp>
-        </mc:Choice>
-        <mc:Fallback xmlns="">
-          <p:sp>
-            <p:nvSpPr>
-              <p:cNvPr id="7" name="TextBox 6">
-                <a:extLst>
-                  <a:ext uri="{FF2B5EF4-FFF2-40B4-BE49-F238E27FC236}">
-                    <a16:creationId xmlns:a16="http://schemas.microsoft.com/office/drawing/2014/main" id="{122F1884-8493-DBA2-290B-444DACEEEACF}"/>
-                  </a:ext>
-                </a:extLst>
-              </p:cNvPr>
-              <p:cNvSpPr txBox="1">
-                <a:spLocks noRot="1" noChangeAspect="1" noMove="1" noResize="1" noEditPoints="1" noAdjustHandles="1" noChangeArrowheads="1" noChangeShapeType="1" noTextEdit="1"/>
-              </p:cNvSpPr>
-              <p:nvPr/>
-            </p:nvSpPr>
-            <p:spPr>
-              <a:xfrm>
-                <a:off x="2667000" y="3557956"/>
-                <a:ext cx="9296400" cy="646331"/>
-              </a:xfrm>
-              <a:prstGeom prst="rect">
-                <a:avLst/>
-              </a:prstGeom>
-              <a:blipFill>
-                <a:blip r:embed="rId4"/>
-                <a:stretch>
-                  <a:fillRect/>
-                </a:stretch>
-              </a:blipFill>
-            </p:spPr>
-            <p:txBody>
-              <a:bodyPr/>
-              <a:lstStyle/>
-              <a:p>
-                <a:r>
-                  <a:rPr lang="en-US">
-                    <a:noFill/>
-                  </a:rPr>
-                  <a:t> </a:t>
-                </a:r>
-              </a:p>
-            </p:txBody>
-          </p:sp>
-        </mc:Fallback>
-      </mc:AlternateContent>
-      <mc:AlternateContent xmlns:mc="http://schemas.openxmlformats.org/markup-compatibility/2006" xmlns:a14="http://schemas.microsoft.com/office/drawing/2010/main">
-        <mc:Choice Requires="a14">
-          <p:sp>
-            <p:nvSpPr>
-              <p:cNvPr id="8" name="TextBox 7">
-                <a:extLst>
-                  <a:ext uri="{FF2B5EF4-FFF2-40B4-BE49-F238E27FC236}">
-                    <a16:creationId xmlns:a16="http://schemas.microsoft.com/office/drawing/2014/main" id="{F32AEE3A-EC07-2E46-A124-9A31568D2F8B}"/>
-                  </a:ext>
-                </a:extLst>
-              </p:cNvPr>
-              <p:cNvSpPr txBox="1"/>
-              <p:nvPr/>
-            </p:nvSpPr>
-            <p:spPr>
-              <a:xfrm>
-                <a:off x="2507673" y="4356648"/>
-                <a:ext cx="9296400" cy="1230273"/>
-              </a:xfrm>
-              <a:prstGeom prst="rect">
-                <a:avLst/>
-              </a:prstGeom>
-              <a:noFill/>
-            </p:spPr>
-            <p:txBody>
-              <a:bodyPr wrap="square" rtlCol="0">
-                <a:spAutoFit/>
-              </a:bodyPr>
-              <a:lstStyle/>
-              <a:p>
-                <a:pPr/>
-                <a14:m>
-                  <m:oMathPara xmlns:m="http://schemas.openxmlformats.org/officeDocument/2006/math">
-                    <m:oMathParaPr>
-                      <m:jc m:val="centerGroup"/>
-                    </m:oMathParaPr>
-                    <m:oMath xmlns:m="http://schemas.openxmlformats.org/officeDocument/2006/math">
-                      <m:r>
-                        <a:rPr lang="en-US" sz="3600" b="0" i="1" smtClean="0">
-                          <a:latin typeface="Cambria Math" panose="02040503050406030204" pitchFamily="18" charset="0"/>
-                        </a:rPr>
-                        <m:t>∑|</m:t>
-                      </m:r>
-                      <m:r>
-                        <a:rPr lang="en-US" sz="3600" b="0" i="1" smtClean="0">
-                          <a:latin typeface="Cambria Math" panose="02040503050406030204" pitchFamily="18" charset="0"/>
-                        </a:rPr>
-                        <m:t>𝑦</m:t>
-                      </m:r>
-                      <m:r>
-                        <a:rPr lang="en-US" sz="3600" b="0" i="1" smtClean="0">
-                          <a:latin typeface="Cambria Math" panose="02040503050406030204" pitchFamily="18" charset="0"/>
-                        </a:rPr>
-                        <m:t>−</m:t>
-                      </m:r>
-                      <m:acc>
-                        <m:accPr>
-                          <m:chr m:val="̂"/>
-                          <m:ctrlPr>
-                            <a:rPr lang="en-US" sz="3600" b="0" i="1" smtClean="0">
-                              <a:latin typeface="Cambria Math" panose="02040503050406030204" pitchFamily="18" charset="0"/>
-                            </a:rPr>
-                          </m:ctrlPr>
-                        </m:accPr>
-                        <m:e>
-                          <m:r>
-                            <a:rPr lang="en-US" sz="3600" b="0" i="1" smtClean="0">
-                              <a:latin typeface="Cambria Math" panose="02040503050406030204" pitchFamily="18" charset="0"/>
-                            </a:rPr>
-                            <m:t>𝑦</m:t>
-                          </m:r>
-                        </m:e>
-                      </m:acc>
-                      <m:r>
-                        <a:rPr lang="en-US" sz="3600" b="0" i="1" smtClean="0">
-                          <a:latin typeface="Cambria Math" panose="02040503050406030204" pitchFamily="18" charset="0"/>
-                        </a:rPr>
-                        <m:t>|</m:t>
-                      </m:r>
-                    </m:oMath>
-                  </m:oMathPara>
-                </a14:m>
-                <a:endParaRPr lang="en-US" sz="3600" b="0" dirty="0"/>
-              </a:p>
-              <a:p>
-                <a:endParaRPr lang="en-US" sz="3600" dirty="0"/>
-              </a:p>
-            </p:txBody>
-          </p:sp>
-        </mc:Choice>
-        <mc:Fallback xmlns="">
-          <p:sp>
-            <p:nvSpPr>
-              <p:cNvPr id="8" name="TextBox 7">
-                <a:extLst>
-                  <a:ext uri="{FF2B5EF4-FFF2-40B4-BE49-F238E27FC236}">
-                    <a16:creationId xmlns:a16="http://schemas.microsoft.com/office/drawing/2014/main" id="{F32AEE3A-EC07-2E46-A124-9A31568D2F8B}"/>
-                  </a:ext>
-                </a:extLst>
-              </p:cNvPr>
-              <p:cNvSpPr txBox="1">
-                <a:spLocks noRot="1" noChangeAspect="1" noMove="1" noResize="1" noEditPoints="1" noAdjustHandles="1" noChangeArrowheads="1" noChangeShapeType="1" noTextEdit="1"/>
-              </p:cNvSpPr>
-              <p:nvPr/>
-            </p:nvSpPr>
-            <p:spPr>
-              <a:xfrm>
-                <a:off x="2507673" y="4356648"/>
-                <a:ext cx="9296400" cy="1230273"/>
-              </a:xfrm>
-              <a:prstGeom prst="rect">
-                <a:avLst/>
-              </a:prstGeom>
-              <a:blipFill>
-                <a:blip r:embed="rId5"/>
-                <a:stretch>
-                  <a:fillRect/>
-                </a:stretch>
-              </a:blipFill>
-            </p:spPr>
-            <p:txBody>
-              <a:bodyPr/>
-              <a:lstStyle/>
-              <a:p>
-                <a:r>
-                  <a:rPr lang="en-US">
-                    <a:noFill/>
-                  </a:rPr>
-                  <a:t> </a:t>
-                </a:r>
-              </a:p>
-            </p:txBody>
-          </p:sp>
-        </mc:Fallback>
-      </mc:AlternateContent>
-    </p:spTree>
-    <p:extLst>
-      <p:ext uri="{BB962C8B-B14F-4D97-AF65-F5344CB8AC3E}">
-        <p14:creationId xmlns:p14="http://schemas.microsoft.com/office/powerpoint/2010/main" val="1430098154"/>
-      </p:ext>
-    </p:extLst>
-  </p:cSld>
-  <p:clrMapOvr>
-    <a:masterClrMapping/>
-  </p:clrMapOvr>
-</p:sld>
-</file>
-
-<file path=ppt/slides/slide9.xml><?xml version="1.0" encoding="utf-8"?>
-<p:sld xmlns:a="http://schemas.openxmlformats.org/drawingml/2006/main" xmlns:r="http://schemas.openxmlformats.org/officeDocument/2006/relationships" xmlns:p="http://schemas.openxmlformats.org/presentationml/2006/main">
-  <p:cSld>
-    <p:spTree>
-      <p:nvGrpSpPr>
-        <p:cNvPr id="1" name=""/>
-        <p:cNvGrpSpPr/>
-        <p:nvPr/>
-      </p:nvGrpSpPr>
-      <p:grpSpPr>
-        <a:xfrm>
-          <a:off x="0" y="0"/>
-          <a:ext cx="0" cy="0"/>
-          <a:chOff x="0" y="0"/>
-          <a:chExt cx="0" cy="0"/>
-        </a:xfrm>
-      </p:grpSpPr>
-      <p:pic>
-        <p:nvPicPr>
-          <p:cNvPr id="2" name="Picture 10" descr="Mario Pattern">
-            <a:extLst>
-              <a:ext uri="{FF2B5EF4-FFF2-40B4-BE49-F238E27FC236}">
-                <a16:creationId xmlns:a16="http://schemas.microsoft.com/office/drawing/2014/main" id="{8F84FFD9-23AF-75F7-6DAA-904525952142}"/>
-              </a:ext>
-            </a:extLst>
-          </p:cNvPr>
-          <p:cNvPicPr>
-            <a:picLocks noChangeAspect="1" noChangeArrowheads="1"/>
-          </p:cNvPicPr>
-          <p:nvPr/>
-        </p:nvPicPr>
-        <p:blipFill rotWithShape="1">
-          <a:blip r:embed="rId2">
-            <a:alphaModFix amt="47000"/>
-            <a:extLst>
-              <a:ext uri="{28A0092B-C50C-407E-A947-70E740481C1C}">
-                <a14:useLocalDpi xmlns:a14="http://schemas.microsoft.com/office/drawing/2010/main" val="0"/>
-              </a:ext>
-            </a:extLst>
-          </a:blip>
-          <a:srcRect l="4595" r="6699"/>
-          <a:stretch/>
-        </p:blipFill>
-        <p:spPr bwMode="auto">
-          <a:xfrm>
-            <a:off x="0" y="-2057400"/>
-            <a:ext cx="12192000" cy="10308201"/>
-          </a:xfrm>
-          <a:prstGeom prst="rect">
-            <a:avLst/>
-          </a:prstGeom>
-          <a:noFill/>
-          <a:extLst>
-            <a:ext uri="{909E8E84-426E-40DD-AFC4-6F175D3DCCD1}">
-              <a14:hiddenFill xmlns:a14="http://schemas.microsoft.com/office/drawing/2010/main">
-                <a:solidFill>
-                  <a:srgbClr val="FFFFFF"/>
-                </a:solidFill>
-              </a14:hiddenFill>
-            </a:ext>
-          </a:extLst>
-        </p:spPr>
-      </p:pic>
-      <p:sp>
-        <p:nvSpPr>
-          <p:cNvPr id="12" name="Line 11"/>
-          <p:cNvSpPr>
-            <a:spLocks noChangeShapeType="1"/>
-          </p:cNvSpPr>
-          <p:nvPr/>
-        </p:nvSpPr>
-        <p:spPr bwMode="auto">
-          <a:xfrm flipV="1">
-            <a:off x="6972300" y="5109836"/>
-            <a:ext cx="609600" cy="533400"/>
-          </a:xfrm>
-          <a:prstGeom prst="line">
-            <a:avLst/>
-          </a:prstGeom>
-          <a:noFill/>
-          <a:ln w="38100">
-            <a:solidFill>
-              <a:srgbClr val="FFFF66"/>
-            </a:solidFill>
-            <a:round/>
-            <a:headEnd/>
-            <a:tailEnd type="triangle" w="med" len="med"/>
-          </a:ln>
-          <a:extLst>
-            <a:ext uri="{909E8E84-426E-40DD-AFC4-6F175D3DCCD1}">
-              <a14:hiddenFill xmlns:a14="http://schemas.microsoft.com/office/drawing/2010/main">
-                <a:noFill/>
-              </a14:hiddenFill>
-            </a:ext>
-          </a:extLst>
-        </p:spPr>
-        <p:txBody>
-          <a:bodyPr wrap="square">
-            <a:spAutoFit/>
-          </a:bodyPr>
-          <a:lstStyle/>
-          <a:p>
-            <a:endParaRPr lang="en-US"/>
-          </a:p>
-        </p:txBody>
-      </p:sp>
-      <p:sp>
-        <p:nvSpPr>
-          <p:cNvPr id="6" name="TextBox 5">
-            <a:extLst>
-              <a:ext uri="{FF2B5EF4-FFF2-40B4-BE49-F238E27FC236}">
-                <a16:creationId xmlns:a16="http://schemas.microsoft.com/office/drawing/2014/main" id="{4F2DA592-D8EB-70BA-2112-6C13A4E7B393}"/>
-              </a:ext>
-            </a:extLst>
-          </p:cNvPr>
-          <p:cNvSpPr txBox="1"/>
-          <p:nvPr/>
-        </p:nvSpPr>
-        <p:spPr>
-          <a:xfrm>
-            <a:off x="495300" y="606817"/>
-            <a:ext cx="11201400" cy="919401"/>
-          </a:xfrm>
-          <a:prstGeom prst="roundRect">
-            <a:avLst/>
-          </a:prstGeom>
-          <a:solidFill>
-            <a:schemeClr val="bg1">
-              <a:alpha val="70000"/>
-            </a:schemeClr>
-          </a:solidFill>
-          <a:ln w="76200">
-            <a:solidFill>
-              <a:srgbClr val="FFC416"/>
-            </a:solidFill>
-          </a:ln>
-        </p:spPr>
-        <p:style>
-          <a:lnRef idx="2">
-            <a:schemeClr val="dk1"/>
-          </a:lnRef>
-          <a:fillRef idx="1">
-            <a:schemeClr val="lt1"/>
-          </a:fillRef>
-          <a:effectRef idx="0">
-            <a:schemeClr val="dk1"/>
-          </a:effectRef>
-          <a:fontRef idx="minor">
-            <a:schemeClr val="dk1"/>
-          </a:fontRef>
-        </p:style>
-        <p:txBody>
-          <a:bodyPr wrap="square" rtlCol="0">
-            <a:spAutoFit/>
-          </a:bodyPr>
-          <a:lstStyle/>
-          <a:p>
-            <a:pPr algn="ctr"/>
-            <a:r>
-              <a:rPr lang="en-US" sz="4800" b="1" dirty="0">
-                <a:solidFill>
-                  <a:srgbClr val="2D3A37"/>
-                </a:solidFill>
-                <a:latin typeface="Adobe Devanagari" panose="02040503050201020203" pitchFamily="18" charset="0"/>
-                <a:cs typeface="Adobe Devanagari" panose="02040503050201020203" pitchFamily="18" charset="0"/>
-              </a:rPr>
-              <a:t>Supplement for Lecture 2</a:t>
-            </a:r>
-            <a:endParaRPr lang="en-US" sz="4800" dirty="0">
-              <a:solidFill>
-                <a:srgbClr val="2D3A37"/>
-              </a:solidFill>
-            </a:endParaRPr>
-          </a:p>
-        </p:txBody>
-      </p:sp>
-      <p:sp>
-        <p:nvSpPr>
-          <p:cNvPr id="7" name="TextBox 6">
-            <a:extLst>
-              <a:ext uri="{FF2B5EF4-FFF2-40B4-BE49-F238E27FC236}">
-                <a16:creationId xmlns:a16="http://schemas.microsoft.com/office/drawing/2014/main" id="{D9B238EA-D04E-3255-7509-F990F1A8F309}"/>
-              </a:ext>
-            </a:extLst>
-          </p:cNvPr>
-          <p:cNvSpPr txBox="1"/>
-          <p:nvPr/>
-        </p:nvSpPr>
-        <p:spPr>
-          <a:xfrm>
-            <a:off x="495300" y="1977074"/>
-            <a:ext cx="11201400" cy="4869418"/>
-          </a:xfrm>
-          <a:prstGeom prst="roundRect">
-            <a:avLst/>
-          </a:prstGeom>
-          <a:solidFill>
-            <a:schemeClr val="bg1"/>
-          </a:solidFill>
-          <a:ln w="76200">
-            <a:solidFill>
-              <a:srgbClr val="FFC416"/>
-            </a:solidFill>
-          </a:ln>
-        </p:spPr>
-        <p:style>
-          <a:lnRef idx="2">
-            <a:schemeClr val="dk1"/>
-          </a:lnRef>
-          <a:fillRef idx="1">
-            <a:schemeClr val="lt1"/>
-          </a:fillRef>
-          <a:effectRef idx="0">
-            <a:schemeClr val="dk1"/>
-          </a:effectRef>
-          <a:fontRef idx="minor">
-            <a:schemeClr val="dk1"/>
-          </a:fontRef>
-        </p:style>
-        <p:txBody>
-          <a:bodyPr wrap="square" rtlCol="0">
-            <a:spAutoFit/>
-          </a:bodyPr>
-          <a:lstStyle/>
-          <a:p>
-            <a:pPr marL="685800" indent="-685800">
-              <a:buFont typeface="Arial" panose="020B0604020202020204" pitchFamily="34" charset="0"/>
-              <a:buChar char="•"/>
-            </a:pPr>
-            <a:r>
-              <a:rPr lang="en-US" sz="2800" dirty="0">
-                <a:solidFill>
-                  <a:srgbClr val="660066"/>
-                </a:solidFill>
-              </a:rPr>
-              <a:t>Subset Data to Remove Missing Values</a:t>
-            </a:r>
-          </a:p>
-          <a:p>
-            <a:pPr marL="685800" indent="-685800">
-              <a:buFont typeface="Arial" panose="020B0604020202020204" pitchFamily="34" charset="0"/>
-              <a:buChar char="•"/>
-            </a:pPr>
-            <a:endParaRPr lang="en-US" sz="2800" dirty="0">
-              <a:solidFill>
-                <a:srgbClr val="660066"/>
-              </a:solidFill>
-            </a:endParaRPr>
-          </a:p>
-          <a:p>
-            <a:pPr marL="685800" indent="-685800">
-              <a:buFont typeface="Arial" panose="020B0604020202020204" pitchFamily="34" charset="0"/>
-              <a:buChar char="•"/>
-            </a:pPr>
-            <a:r>
-              <a:rPr lang="en-US" sz="2800" dirty="0">
-                <a:solidFill>
-                  <a:srgbClr val="660066"/>
-                </a:solidFill>
-              </a:rPr>
-              <a:t>Estimate Constant Using Sample Mean and Sample Median</a:t>
-            </a:r>
-          </a:p>
-          <a:p>
-            <a:pPr marL="685800" indent="-685800">
-              <a:buFont typeface="Arial" panose="020B0604020202020204" pitchFamily="34" charset="0"/>
-              <a:buChar char="•"/>
-            </a:pPr>
-            <a:endParaRPr lang="en-US" sz="2800" dirty="0">
-              <a:solidFill>
-                <a:srgbClr val="660066"/>
-              </a:solidFill>
-            </a:endParaRPr>
-          </a:p>
-          <a:p>
-            <a:pPr marL="685800" indent="-685800">
-              <a:buFont typeface="Arial" panose="020B0604020202020204" pitchFamily="34" charset="0"/>
-              <a:buChar char="•"/>
-            </a:pPr>
-            <a:r>
-              <a:rPr lang="en-US" sz="2800" dirty="0">
-                <a:solidFill>
-                  <a:srgbClr val="660066"/>
-                </a:solidFill>
-              </a:rPr>
-              <a:t>Assess Fit of Both Models Based on Two Different Criteria</a:t>
-            </a:r>
-          </a:p>
-          <a:p>
-            <a:pPr marL="685800" indent="-685800">
-              <a:buFont typeface="Arial" panose="020B0604020202020204" pitchFamily="34" charset="0"/>
-              <a:buChar char="•"/>
-            </a:pPr>
-            <a:endParaRPr lang="en-US" sz="2800" dirty="0">
-              <a:solidFill>
-                <a:srgbClr val="660066"/>
-              </a:solidFill>
-            </a:endParaRPr>
-          </a:p>
-          <a:p>
-            <a:pPr marL="685800" indent="-685800">
-              <a:buFont typeface="Arial" panose="020B0604020202020204" pitchFamily="34" charset="0"/>
-              <a:buChar char="•"/>
-            </a:pPr>
-            <a:endParaRPr lang="en-US" sz="2800" dirty="0">
-              <a:solidFill>
-                <a:srgbClr val="660066"/>
-              </a:solidFill>
-            </a:endParaRPr>
-          </a:p>
-          <a:p>
-            <a:pPr marL="685800" indent="-685800">
-              <a:buFont typeface="Arial" panose="020B0604020202020204" pitchFamily="34" charset="0"/>
-              <a:buChar char="•"/>
-            </a:pPr>
-            <a:endParaRPr lang="en-US" sz="2800" dirty="0">
-              <a:solidFill>
-                <a:srgbClr val="660066"/>
-              </a:solidFill>
-            </a:endParaRPr>
-          </a:p>
-          <a:p>
-            <a:pPr marL="685800" indent="-685800">
-              <a:buFont typeface="Arial" panose="020B0604020202020204" pitchFamily="34" charset="0"/>
-              <a:buChar char="•"/>
-            </a:pPr>
-            <a:endParaRPr lang="en-US" sz="2800" dirty="0">
-              <a:solidFill>
-                <a:srgbClr val="660066"/>
-              </a:solidFill>
-            </a:endParaRPr>
-          </a:p>
-          <a:p>
-            <a:pPr marL="685800" indent="-685800">
-              <a:buFont typeface="Arial" panose="020B0604020202020204" pitchFamily="34" charset="0"/>
-              <a:buChar char="•"/>
-            </a:pPr>
-            <a:endParaRPr lang="en-US" sz="2800" dirty="0">
-              <a:solidFill>
-                <a:srgbClr val="660066"/>
-              </a:solidFill>
-            </a:endParaRPr>
-          </a:p>
-        </p:txBody>
-      </p:sp>
-      <p:pic>
-        <p:nvPicPr>
-          <p:cNvPr id="8" name="Picture 7">
-            <a:extLst>
-              <a:ext uri="{FF2B5EF4-FFF2-40B4-BE49-F238E27FC236}">
-                <a16:creationId xmlns:a16="http://schemas.microsoft.com/office/drawing/2014/main" id="{AEBB65F6-0B61-90A3-0441-044785BBD3EF}"/>
-              </a:ext>
-            </a:extLst>
-          </p:cNvPr>
-          <p:cNvPicPr>
-            <a:picLocks noChangeAspect="1"/>
-          </p:cNvPicPr>
-          <p:nvPr/>
-        </p:nvPicPr>
-        <p:blipFill>
-          <a:blip r:embed="rId3"/>
-          <a:stretch>
-            <a:fillRect/>
-          </a:stretch>
-        </p:blipFill>
-        <p:spPr>
-          <a:xfrm>
-            <a:off x="960941" y="4656205"/>
-            <a:ext cx="10270117" cy="1612835"/>
-          </a:xfrm>
-          <a:prstGeom prst="rect">
-            <a:avLst/>
-          </a:prstGeom>
-          <a:ln w="28575">
-            <a:solidFill>
-              <a:srgbClr val="660066"/>
-            </a:solidFill>
-          </a:ln>
-        </p:spPr>
-      </p:pic>
-    </p:spTree>
-    <p:extLst>
-      <p:ext uri="{BB962C8B-B14F-4D97-AF65-F5344CB8AC3E}">
-        <p14:creationId xmlns:p14="http://schemas.microsoft.com/office/powerpoint/2010/main" val="1741541659"/>
       </p:ext>
     </p:extLst>
   </p:cSld>

--- a/Lectures/4 - Conditions for a Simple Linear Model.pptx
+++ b/Lectures/4 - Conditions for a Simple Linear Model.pptx
@@ -4460,7 +4460,7 @@
               <a:t>hw</a:t>
             </a:r>
             <a:r>
-              <a:rPr lang="en-US" sz="2000" b="0" dirty="0">
+              <a:rPr lang="en-US" sz="2000" b="0">
                 <a:solidFill>
                   <a:srgbClr val="660066"/>
                 </a:solidFill>
@@ -4469,8 +4469,17 @@
                 <a:ea typeface="+mn-ea"/>
                 <a:cs typeface="+mn-cs"/>
               </a:rPr>
-              <a:t> 2</a:t>
-            </a:r>
+              <a:t> 3</a:t>
+            </a:r>
+            <a:endParaRPr lang="en-US" sz="2000" b="0" dirty="0">
+              <a:solidFill>
+                <a:srgbClr val="660066"/>
+              </a:solidFill>
+              <a:effectLst/>
+              <a:latin typeface="+mn-lt"/>
+              <a:ea typeface="+mn-ea"/>
+              <a:cs typeface="+mn-cs"/>
+            </a:endParaRPr>
           </a:p>
           <a:p>
             <a:pPr algn="l">
@@ -5236,8 +5245,8 @@
           </a:p>
         </p:txBody>
       </p:sp>
-      <mc:AlternateContent xmlns:mc="http://schemas.openxmlformats.org/markup-compatibility/2006">
-        <mc:Choice xmlns:a14="http://schemas.microsoft.com/office/drawing/2010/main" Requires="a14">
+      <mc:AlternateContent xmlns:mc="http://schemas.openxmlformats.org/markup-compatibility/2006" xmlns:a14="http://schemas.microsoft.com/office/drawing/2010/main">
+        <mc:Choice Requires="a14">
           <p:sp>
             <p:nvSpPr>
               <p:cNvPr id="3" name="TextBox 2">
@@ -5367,7 +5376,7 @@
             </p:txBody>
           </p:sp>
         </mc:Choice>
-        <mc:Fallback>
+        <mc:Fallback xmlns="">
           <p:sp>
             <p:nvSpPr>
               <p:cNvPr id="3" name="TextBox 2">
@@ -6793,8 +6802,8 @@
           </a:p>
         </p:txBody>
       </p:sp>
-      <mc:AlternateContent xmlns:mc="http://schemas.openxmlformats.org/markup-compatibility/2006">
-        <mc:Choice xmlns:a14="http://schemas.microsoft.com/office/drawing/2010/main" Requires="a14">
+      <mc:AlternateContent xmlns:mc="http://schemas.openxmlformats.org/markup-compatibility/2006" xmlns:a14="http://schemas.microsoft.com/office/drawing/2010/main">
+        <mc:Choice Requires="a14">
           <p:sp>
             <p:nvSpPr>
               <p:cNvPr id="3" name="TextBox 2">
@@ -6924,7 +6933,7 @@
             </p:txBody>
           </p:sp>
         </mc:Choice>
-        <mc:Fallback>
+        <mc:Fallback xmlns="">
           <p:sp>
             <p:nvSpPr>
               <p:cNvPr id="3" name="TextBox 2">
@@ -6969,8 +6978,8 @@
           </p:sp>
         </mc:Fallback>
       </mc:AlternateContent>
-      <mc:AlternateContent xmlns:mc="http://schemas.openxmlformats.org/markup-compatibility/2006">
-        <mc:Choice xmlns:a14="http://schemas.microsoft.com/office/drawing/2010/main" Requires="a14">
+      <mc:AlternateContent xmlns:mc="http://schemas.openxmlformats.org/markup-compatibility/2006" xmlns:a14="http://schemas.microsoft.com/office/drawing/2010/main">
+        <mc:Choice Requires="a14">
           <p:sp>
             <p:nvSpPr>
               <p:cNvPr id="4" name="TextBox 3">
@@ -7069,7 +7078,7 @@
             </p:txBody>
           </p:sp>
         </mc:Choice>
-        <mc:Fallback>
+        <mc:Fallback xmlns="">
           <p:sp>
             <p:nvSpPr>
               <p:cNvPr id="4" name="TextBox 3">
@@ -7114,8 +7123,8 @@
           </p:sp>
         </mc:Fallback>
       </mc:AlternateContent>
-      <mc:AlternateContent xmlns:mc="http://schemas.openxmlformats.org/markup-compatibility/2006">
-        <mc:Choice xmlns:a14="http://schemas.microsoft.com/office/drawing/2010/main" Requires="a14">
+      <mc:AlternateContent xmlns:mc="http://schemas.openxmlformats.org/markup-compatibility/2006" xmlns:a14="http://schemas.microsoft.com/office/drawing/2010/main">
+        <mc:Choice Requires="a14">
           <p:sp>
             <p:nvSpPr>
               <p:cNvPr id="9" name="TextBox 8">
@@ -7165,7 +7174,7 @@
             </p:txBody>
           </p:sp>
         </mc:Choice>
-        <mc:Fallback>
+        <mc:Fallback xmlns="">
           <p:sp>
             <p:nvSpPr>
               <p:cNvPr id="9" name="TextBox 8">
@@ -7210,8 +7219,8 @@
           </p:sp>
         </mc:Fallback>
       </mc:AlternateContent>
-      <mc:AlternateContent xmlns:mc="http://schemas.openxmlformats.org/markup-compatibility/2006">
-        <mc:Choice xmlns:a14="http://schemas.microsoft.com/office/drawing/2010/main" Requires="a14">
+      <mc:AlternateContent xmlns:mc="http://schemas.openxmlformats.org/markup-compatibility/2006" xmlns:a14="http://schemas.microsoft.com/office/drawing/2010/main">
+        <mc:Choice Requires="a14">
           <p:sp>
             <p:nvSpPr>
               <p:cNvPr id="11" name="TextBox 10">
@@ -7349,7 +7358,7 @@
             </p:txBody>
           </p:sp>
         </mc:Choice>
-        <mc:Fallback>
+        <mc:Fallback xmlns="">
           <p:sp>
             <p:nvSpPr>
               <p:cNvPr id="11" name="TextBox 10">
@@ -7583,8 +7592,8 @@
           </a:p>
         </p:txBody>
       </p:sp>
-      <mc:AlternateContent xmlns:mc="http://schemas.openxmlformats.org/markup-compatibility/2006">
-        <mc:Choice xmlns:a14="http://schemas.microsoft.com/office/drawing/2010/main" Requires="a14">
+      <mc:AlternateContent xmlns:mc="http://schemas.openxmlformats.org/markup-compatibility/2006" xmlns:a14="http://schemas.microsoft.com/office/drawing/2010/main">
+        <mc:Choice Requires="a14">
           <p:sp>
             <p:nvSpPr>
               <p:cNvPr id="7" name="TextBox 6">
@@ -7889,7 +7898,7 @@
             </p:txBody>
           </p:sp>
         </mc:Choice>
-        <mc:Fallback>
+        <mc:Fallback xmlns="">
           <p:sp>
             <p:nvSpPr>
               <p:cNvPr id="7" name="TextBox 6">
@@ -7939,8 +7948,8 @@
           </p:sp>
         </mc:Fallback>
       </mc:AlternateContent>
-      <mc:AlternateContent xmlns:mc="http://schemas.openxmlformats.org/markup-compatibility/2006">
-        <mc:Choice xmlns:a14="http://schemas.microsoft.com/office/drawing/2010/main" Requires="a14">
+      <mc:AlternateContent xmlns:mc="http://schemas.openxmlformats.org/markup-compatibility/2006" xmlns:a14="http://schemas.microsoft.com/office/drawing/2010/main">
+        <mc:Choice Requires="a14">
           <p:sp>
             <p:nvSpPr>
               <p:cNvPr id="5" name="TextBox 4">
@@ -8348,7 +8357,7 @@
             </p:txBody>
           </p:sp>
         </mc:Choice>
-        <mc:Fallback>
+        <mc:Fallback xmlns="">
           <p:sp>
             <p:nvSpPr>
               <p:cNvPr id="5" name="TextBox 4">
